--- a/Poster/poster_ift_6269_project.pptx
+++ b/Poster/poster_ift_6269_project.pptx
@@ -277,7 +277,7 @@
             <a:fld id="{0158C5BC-9A70-462C-B28D-9600239EAC64}" type="datetimeFigureOut">
               <a:rPr lang="en-US" smtClean="0"/>
               <a:pPr/>
-              <a:t>12/3/2018</a:t>
+              <a:t>12/6/2018</a:t>
             </a:fld>
             <a:endParaRPr lang="en-US"/>
           </a:p>
@@ -344,7 +344,7 @@
             <a:fld id="{79C131B7-05CA-4AEE-9267-6D0ED4DC84F3}" type="slidenum">
               <a:rPr lang="en-US" smtClean="0"/>
               <a:pPr/>
-              <a:t>‹N°›</a:t>
+              <a:t>‹#›</a:t>
             </a:fld>
             <a:endParaRPr lang="en-US"/>
           </a:p>
@@ -444,7 +444,7 @@
             <a:fld id="{E6CC2317-6751-4CD4-9995-8782DD78E936}" type="datetimeFigureOut">
               <a:rPr lang="en-US" smtClean="0"/>
               <a:pPr/>
-              <a:t>12/3/2018</a:t>
+              <a:t>12/6/2018</a:t>
             </a:fld>
             <a:endParaRPr lang="en-US" dirty="0"/>
           </a:p>
@@ -605,7 +605,7 @@
             <a:fld id="{26A1A87D-CAF7-4BDC-A0D3-C0DBEDE81619}" type="slidenum">
               <a:rPr lang="en-US" smtClean="0"/>
               <a:pPr/>
-              <a:t>‹N°›</a:t>
+              <a:t>‹#›</a:t>
             </a:fld>
             <a:endParaRPr lang="en-US" dirty="0"/>
           </a:p>
@@ -5258,7 +5258,7 @@
               <a:graphicData uri="http://schemas.openxmlformats.org/presentationml/2006/ole">
                 <mc:AlternateContent xmlns:mc="http://schemas.openxmlformats.org/markup-compatibility/2006">
                   <mc:Choice xmlns:v="urn:schemas-microsoft-com:vml" Requires="v">
-                    <p:oleObj spid="_x0000_s1100" name="Image" r:id="rId8" imgW="1828440" imgH="1117440" progId="Photoshop.Image.13">
+                    <p:oleObj spid="_x0000_s1120" name="Image" r:id="rId8" imgW="1828440" imgH="1117440" progId="Photoshop.Image.13">
                       <p:embed/>
                     </p:oleObj>
                   </mc:Choice>
@@ -5315,7 +5315,7 @@
               <a:graphicData uri="http://schemas.openxmlformats.org/presentationml/2006/ole">
                 <mc:AlternateContent xmlns:mc="http://schemas.openxmlformats.org/markup-compatibility/2006">
                   <mc:Choice xmlns:v="urn:schemas-microsoft-com:vml" Requires="v">
-                    <p:oleObj spid="_x0000_s1101" name="Image" r:id="rId10" imgW="1828440" imgH="1117440" progId="Photoshop.Image.13">
+                    <p:oleObj spid="_x0000_s1121" name="Image" r:id="rId10" imgW="1828440" imgH="1117440" progId="Photoshop.Image.13">
                       <p:embed/>
                     </p:oleObj>
                   </mc:Choice>
@@ -6438,7 +6438,7 @@
             <a:graphicData uri="http://schemas.openxmlformats.org/presentationml/2006/ole">
               <mc:AlternateContent xmlns:mc="http://schemas.openxmlformats.org/markup-compatibility/2006">
                 <mc:Choice xmlns:v="urn:schemas-microsoft-com:vml" Requires="v">
-                  <p:oleObj spid="_x0000_s1102" name="Image" r:id="rId12" imgW="4571280" imgH="1688760" progId="Photoshop.Image.13">
+                  <p:oleObj spid="_x0000_s1122" name="Image" r:id="rId12" imgW="4571280" imgH="1688760" progId="Photoshop.Image.13">
                     <p:embed/>
                   </p:oleObj>
                 </mc:Choice>
@@ -6522,7 +6522,7 @@
             <a:graphicData uri="http://schemas.openxmlformats.org/presentationml/2006/ole">
               <mc:AlternateContent xmlns:mc="http://schemas.openxmlformats.org/markup-compatibility/2006">
                 <mc:Choice xmlns:v="urn:schemas-microsoft-com:vml" Requires="v">
-                  <p:oleObj spid="_x0000_s1103" name="Image" r:id="rId15" imgW="1574280" imgH="1053720" progId="Photoshop.Image.13">
+                  <p:oleObj spid="_x0000_s1123" name="Image" r:id="rId15" imgW="1574280" imgH="1053720" progId="Photoshop.Image.13">
                     <p:embed/>
                   </p:oleObj>
                 </mc:Choice>
@@ -8504,7 +8504,7 @@
             <a:graphicData uri="http://schemas.openxmlformats.org/presentationml/2006/ole">
               <mc:AlternateContent xmlns:mc="http://schemas.openxmlformats.org/markup-compatibility/2006">
                 <mc:Choice xmlns:v="urn:schemas-microsoft-com:vml" Requires="v">
-                  <p:oleObj spid="_x0000_s2124" name="Image" r:id="rId4" imgW="4571280" imgH="1688760" progId="Photoshop.Image.13">
+                  <p:oleObj spid="_x0000_s2144" name="Image" r:id="rId4" imgW="4571280" imgH="1688760" progId="Photoshop.Image.13">
                     <p:embed/>
                   </p:oleObj>
                 </mc:Choice>
@@ -8588,7 +8588,7 @@
             <a:graphicData uri="http://schemas.openxmlformats.org/presentationml/2006/ole">
               <mc:AlternateContent xmlns:mc="http://schemas.openxmlformats.org/markup-compatibility/2006">
                 <mc:Choice xmlns:v="urn:schemas-microsoft-com:vml" Requires="v">
-                  <p:oleObj spid="_x0000_s2125" name="Image" r:id="rId7" imgW="1574280" imgH="1053720" progId="Photoshop.Image.13">
+                  <p:oleObj spid="_x0000_s2145" name="Image" r:id="rId7" imgW="1574280" imgH="1053720" progId="Photoshop.Image.13">
                     <p:embed/>
                   </p:oleObj>
                 </mc:Choice>
@@ -10097,7 +10097,7 @@
               <a:graphicData uri="http://schemas.openxmlformats.org/presentationml/2006/ole">
                 <mc:AlternateContent xmlns:mc="http://schemas.openxmlformats.org/markup-compatibility/2006">
                   <mc:Choice xmlns:v="urn:schemas-microsoft-com:vml" Requires="v">
-                    <p:oleObj spid="_x0000_s2126" name="Image" r:id="rId15" imgW="1828440" imgH="1117440" progId="Photoshop.Image.13">
+                    <p:oleObj spid="_x0000_s2146" name="Image" r:id="rId15" imgW="1828440" imgH="1117440" progId="Photoshop.Image.13">
                       <p:embed/>
                     </p:oleObj>
                   </mc:Choice>
@@ -10154,7 +10154,7 @@
               <a:graphicData uri="http://schemas.openxmlformats.org/presentationml/2006/ole">
                 <mc:AlternateContent xmlns:mc="http://schemas.openxmlformats.org/markup-compatibility/2006">
                   <mc:Choice xmlns:v="urn:schemas-microsoft-com:vml" Requires="v">
-                    <p:oleObj spid="_x0000_s2127" name="Image" r:id="rId17" imgW="1828440" imgH="1117440" progId="Photoshop.Image.13">
+                    <p:oleObj spid="_x0000_s2147" name="Image" r:id="rId17" imgW="1828440" imgH="1117440" progId="Photoshop.Image.13">
                       <p:embed/>
                     </p:oleObj>
                   </mc:Choice>
@@ -11940,7 +11940,7 @@
             <a:graphicData uri="http://schemas.openxmlformats.org/presentationml/2006/ole">
               <mc:AlternateContent xmlns:mc="http://schemas.openxmlformats.org/markup-compatibility/2006">
                 <mc:Choice xmlns:v="urn:schemas-microsoft-com:vml" Requires="v">
-                  <p:oleObj spid="_x0000_s3148" name="Image" r:id="rId4" imgW="4571280" imgH="1688760" progId="Photoshop.Image.13">
+                  <p:oleObj spid="_x0000_s3168" name="Image" r:id="rId4" imgW="4571280" imgH="1688760" progId="Photoshop.Image.13">
                     <p:embed/>
                   </p:oleObj>
                 </mc:Choice>
@@ -12024,7 +12024,7 @@
             <a:graphicData uri="http://schemas.openxmlformats.org/presentationml/2006/ole">
               <mc:AlternateContent xmlns:mc="http://schemas.openxmlformats.org/markup-compatibility/2006">
                 <mc:Choice xmlns:v="urn:schemas-microsoft-com:vml" Requires="v">
-                  <p:oleObj spid="_x0000_s3149" name="Image" r:id="rId7" imgW="1574280" imgH="1053720" progId="Photoshop.Image.13">
+                  <p:oleObj spid="_x0000_s3169" name="Image" r:id="rId7" imgW="1574280" imgH="1053720" progId="Photoshop.Image.13">
                     <p:embed/>
                   </p:oleObj>
                 </mc:Choice>
@@ -13533,7 +13533,7 @@
               <a:graphicData uri="http://schemas.openxmlformats.org/presentationml/2006/ole">
                 <mc:AlternateContent xmlns:mc="http://schemas.openxmlformats.org/markup-compatibility/2006">
                   <mc:Choice xmlns:v="urn:schemas-microsoft-com:vml" Requires="v">
-                    <p:oleObj spid="_x0000_s3150" name="Image" r:id="rId15" imgW="1828440" imgH="1117440" progId="Photoshop.Image.13">
+                    <p:oleObj spid="_x0000_s3170" name="Image" r:id="rId15" imgW="1828440" imgH="1117440" progId="Photoshop.Image.13">
                       <p:embed/>
                     </p:oleObj>
                   </mc:Choice>
@@ -13590,7 +13590,7 @@
               <a:graphicData uri="http://schemas.openxmlformats.org/presentationml/2006/ole">
                 <mc:AlternateContent xmlns:mc="http://schemas.openxmlformats.org/markup-compatibility/2006">
                   <mc:Choice xmlns:v="urn:schemas-microsoft-com:vml" Requires="v">
-                    <p:oleObj spid="_x0000_s3151" name="Image" r:id="rId17" imgW="1828440" imgH="1117440" progId="Photoshop.Image.13">
+                    <p:oleObj spid="_x0000_s3171" name="Image" r:id="rId17" imgW="1828440" imgH="1117440" progId="Photoshop.Image.13">
                       <p:embed/>
                     </p:oleObj>
                   </mc:Choice>
@@ -14089,7 +14089,7 @@
         <p:spPr>
           <a:xfrm>
             <a:off x="491425" y="6378481"/>
-            <a:ext cx="10056813" cy="7155783"/>
+            <a:ext cx="10056813" cy="6617174"/>
           </a:xfrm>
         </p:spPr>
         <p:txBody>
@@ -14098,24 +14098,15 @@
           <a:p>
             <a:r>
               <a:rPr lang="en-US" dirty="0"/>
-              <a:t>Generative models aims at learning the true data distribution which allow us to generate new data points. They are useful for multiple task such as image generation, dimensionality reduction…</a:t>
-            </a:r>
-          </a:p>
-          <a:p>
-            <a:endParaRPr lang="en-US" dirty="0"/>
-          </a:p>
-          <a:p>
-            <a:r>
-              <a:rPr lang="en-US" dirty="0"/>
-              <a:t>One of the most commonly use generative model is the Variational Autoencoder (VAE)The VAE learn a generative model by maximizing a lower bound on the log-</a:t>
+              <a:t>Generative models aims at learning the true data distribution which allow us to generate new data points. They are useful for multiple task such as image generation, dimensionality </a:t>
             </a:r>
             <a:r>
               <a:rPr lang="en-US" dirty="0" err="1"/>
-              <a:t>likehood</a:t>
+              <a:t>reduction.One</a:t>
             </a:r>
             <a:r>
               <a:rPr lang="en-US" dirty="0"/>
-              <a:t>. The VAE is not perfect and have some downside.</a:t>
+              <a:t> of the most commonly use generative model is the Variational Autoencoder (VAE). The VAE learn a generative model by maximizing a lower bound on the log-likelihood. The VAE is not perfect and have some downside.</a:t>
             </a:r>
           </a:p>
           <a:p>
@@ -14132,15 +14123,7 @@
             </a:r>
             <a:r>
               <a:rPr lang="en-US" dirty="0"/>
-              <a:t> lower bound in order to improve the estimation of the log-</a:t>
-            </a:r>
-            <a:r>
-              <a:rPr lang="en-US" dirty="0" err="1"/>
-              <a:t>likehood</a:t>
-            </a:r>
-            <a:r>
-              <a:rPr lang="en-US" dirty="0"/>
-              <a:t> of the data.</a:t>
+              <a:t> lower bound in order to improve the estimation of the log-likelihood of the data.</a:t>
             </a:r>
           </a:p>
           <a:p>
@@ -14149,15 +14132,15 @@
           <a:p>
             <a:r>
               <a:rPr lang="en-US" dirty="0"/>
-              <a:t>We have implemented and compared the performance of the variational </a:t>
+              <a:t>We have found that empirically that he IWAE gives a lower negative log-</a:t>
             </a:r>
             <a:r>
               <a:rPr lang="en-US" dirty="0" err="1"/>
-              <a:t>Atuoencoders</a:t>
+              <a:t>likelihood,but</a:t>
             </a:r>
             <a:r>
               <a:rPr lang="en-US" dirty="0"/>
-              <a:t> and an extension of it the Importance weighted variational.</a:t>
+              <a:t> that the difference is not large enough to be noticeable when generating samples.</a:t>
             </a:r>
           </a:p>
           <a:p>
@@ -14180,7 +14163,10 @@
           <a:bodyPr/>
           <a:lstStyle/>
           <a:p>
-            <a:endParaRPr lang="en-US"/>
+            <a:r>
+              <a:rPr lang="en-US" dirty="0"/>
+              <a:t>Introduction</a:t>
+            </a:r>
           </a:p>
         </p:txBody>
       </p:sp>
@@ -14196,7 +14182,7 @@
         </p:nvSpPr>
         <p:spPr>
           <a:xfrm>
-            <a:off x="479623" y="13286340"/>
+            <a:off x="473272" y="12294702"/>
             <a:ext cx="10050462" cy="754045"/>
           </a:xfrm>
         </p:spPr>
@@ -14223,7 +14209,7 @@
         </p:nvSpPr>
         <p:spPr>
           <a:xfrm>
-            <a:off x="11460162" y="5548750"/>
+            <a:off x="11407909" y="14031340"/>
             <a:ext cx="10048875" cy="754045"/>
           </a:xfrm>
         </p:spPr>
@@ -14234,28 +14220,6 @@
             <a:r>
               <a:rPr lang="en-US" dirty="0"/>
               <a:t>Results</a:t>
-            </a:r>
-          </a:p>
-        </p:txBody>
-      </p:sp>
-      <p:sp>
-        <p:nvSpPr>
-          <p:cNvPr id="7" name="Text Placeholder 6"/>
-          <p:cNvSpPr>
-            <a:spLocks noGrp="1"/>
-          </p:cNvSpPr>
-          <p:nvPr>
-            <p:ph type="body" sz="quarter" idx="23"/>
-          </p:nvPr>
-        </p:nvSpPr>
-        <p:spPr/>
-        <p:txBody>
-          <a:bodyPr/>
-          <a:lstStyle/>
-          <a:p>
-            <a:r>
-              <a:rPr lang="en-US" dirty="0"/>
-              <a:t>VAE – Latent Space</a:t>
             </a:r>
           </a:p>
         </p:txBody>
@@ -14292,7 +14256,12 @@
             <p:ph type="body" sz="quarter" idx="25"/>
           </p:nvPr>
         </p:nvSpPr>
-        <p:spPr/>
+        <p:spPr>
+          <a:xfrm>
+            <a:off x="33377261" y="18492773"/>
+            <a:ext cx="10047018" cy="754045"/>
+          </a:xfrm>
+        </p:spPr>
         <p:txBody>
           <a:bodyPr/>
           <a:lstStyle/>
@@ -14316,8 +14285,8 @@
         </p:nvSpPr>
         <p:spPr>
           <a:xfrm>
-            <a:off x="33358541" y="6378481"/>
-            <a:ext cx="10047018" cy="3462464"/>
+            <a:off x="33508926" y="19843534"/>
+            <a:ext cx="10047018" cy="2923855"/>
           </a:xfrm>
         </p:spPr>
         <p:txBody>
@@ -14326,7 +14295,7 @@
           <a:p>
             <a:r>
               <a:rPr lang="en-US" dirty="0"/>
-              <a:t>It is difficult to conclude if there is an improvement in the image generated by looking at the images for MNSIT.</a:t>
+              <a:t>We have compared the VAE and the IWAE on the MNSIT dataset. We have found that is an  improvement in the negative log-likelihood.</a:t>
             </a:r>
           </a:p>
           <a:p>
@@ -14335,24 +14304,7 @@
           <a:p>
             <a:r>
               <a:rPr lang="en-US" dirty="0"/>
-              <a:t>The difference might be easier to see ion a more complicated Dataset.</a:t>
-            </a:r>
-          </a:p>
-          <a:p>
-            <a:endParaRPr lang="en-US" dirty="0"/>
-          </a:p>
-          <a:p>
-            <a:r>
-              <a:rPr lang="en-US" dirty="0"/>
-              <a:t>However, we do see that there is an  improvement in the negative log-</a:t>
-            </a:r>
-            <a:r>
-              <a:rPr lang="en-US" dirty="0" err="1"/>
-              <a:t>likehood</a:t>
-            </a:r>
-            <a:r>
-              <a:rPr lang="en-US" dirty="0"/>
-              <a:t>.</a:t>
+              <a:t>It is however difficult to conclude if there is an improvement in the image generated by looking at the images for MNSIT. The difference might be easier to see on a more complicated Dataset.</a:t>
             </a:r>
           </a:p>
         </p:txBody>
@@ -14367,12 +14319,17 @@
             <p:ph type="body" sz="quarter" idx="27"/>
           </p:nvPr>
         </p:nvSpPr>
-        <p:spPr/>
+        <p:spPr>
+          <a:xfrm>
+            <a:off x="33460380" y="27476668"/>
+            <a:ext cx="10047018" cy="754045"/>
+          </a:xfrm>
+        </p:spPr>
         <p:txBody>
           <a:bodyPr/>
           <a:lstStyle/>
           <a:p>
-            <a:endParaRPr lang="en-US"/>
+            <a:endParaRPr lang="en-US" dirty="0"/>
           </a:p>
         </p:txBody>
       </p:sp>
@@ -14386,67 +14343,10 @@
             <p:ph type="body" sz="quarter" idx="28"/>
           </p:nvPr>
         </p:nvSpPr>
-        <p:spPr/>
-        <p:txBody>
-          <a:bodyPr/>
-          <a:lstStyle/>
-          <a:p>
-            <a:endParaRPr lang="en-US" dirty="0"/>
-          </a:p>
-        </p:txBody>
-      </p:sp>
-      <p:sp>
-        <p:nvSpPr>
-          <p:cNvPr id="13" name="Text Placeholder 12"/>
-          <p:cNvSpPr>
-            <a:spLocks noGrp="1"/>
-          </p:cNvSpPr>
-          <p:nvPr>
-            <p:ph type="body" sz="quarter" idx="29"/>
-          </p:nvPr>
-        </p:nvSpPr>
-        <p:spPr/>
-        <p:txBody>
-          <a:bodyPr/>
-          <a:lstStyle/>
-          <a:p>
-            <a:endParaRPr lang="en-US"/>
-          </a:p>
-        </p:txBody>
-      </p:sp>
-      <p:sp>
-        <p:nvSpPr>
-          <p:cNvPr id="14" name="Text Placeholder 13"/>
-          <p:cNvSpPr>
-            <a:spLocks noGrp="1"/>
-          </p:cNvSpPr>
-          <p:nvPr>
-            <p:ph type="body" sz="quarter" idx="30"/>
-          </p:nvPr>
-        </p:nvSpPr>
-        <p:spPr/>
-        <p:txBody>
-          <a:bodyPr/>
-          <a:lstStyle/>
-          <a:p>
-            <a:endParaRPr lang="en-US"/>
-          </a:p>
-        </p:txBody>
-      </p:sp>
-      <p:sp>
-        <p:nvSpPr>
-          <p:cNvPr id="15" name="Text Placeholder 14"/>
-          <p:cNvSpPr>
-            <a:spLocks noGrp="1"/>
-          </p:cNvSpPr>
-          <p:nvPr>
-            <p:ph type="body" sz="quarter" idx="96"/>
-          </p:nvPr>
-        </p:nvSpPr>
         <p:spPr>
           <a:xfrm>
-            <a:off x="11472562" y="11004238"/>
-            <a:ext cx="10056813" cy="846363"/>
+            <a:off x="11404734" y="6467497"/>
+            <a:ext cx="10052050" cy="3308576"/>
           </a:xfrm>
         </p:spPr>
         <p:txBody>
@@ -14454,18 +14354,30 @@
           <a:lstStyle/>
           <a:p>
             <a:r>
-              <a:rPr lang="fr-CA" dirty="0"/>
-              <a:t>VAE - </a:t>
+              <a:rPr lang="en-US" dirty="0"/>
+              <a:t>Some assumptions are made on the posterior distribution. In particular, We assumed that the parameters of the encoder q(</a:t>
             </a:r>
             <a:r>
-              <a:rPr lang="fr-CA" dirty="0" err="1"/>
-              <a:t>Dimensionality</a:t>
+              <a:rPr lang="en-US" dirty="0" err="1"/>
+              <a:t>z|x</a:t>
             </a:r>
             <a:r>
-              <a:rPr lang="fr-CA" dirty="0"/>
-              <a:t> Reduction</a:t>
+              <a:rPr lang="en-US" dirty="0"/>
+              <a:t>) can be obtained via a neural network</a:t>
             </a:r>
+          </a:p>
+          <a:p>
             <a:endParaRPr lang="en-US" dirty="0"/>
+          </a:p>
+          <a:p>
+            <a:r>
+              <a:rPr lang="en-US" dirty="0" err="1"/>
+              <a:t>Burda</a:t>
+            </a:r>
+            <a:r>
+              <a:rPr lang="en-US" dirty="0"/>
+              <a:t> and al. proposed another lower bound based on importance sampling that allow the model to better explore the latent space and increase the model flexibility.</a:t>
+            </a:r>
           </a:p>
         </p:txBody>
       </p:sp>
@@ -14507,7 +14419,7 @@
           <a:p>
             <a:r>
               <a:rPr lang="fr-CA" dirty="0"/>
-              <a:t>Benjamin Rose, Étienne Girard-Proulx, Nicholas Vachon,</a:t>
+              <a:t>Benjamin Rosa, Étienne Girard-Proulx, Nicholas Vachon,</a:t>
             </a:r>
             <a:r>
               <a:rPr lang="en-US" dirty="0"/>
@@ -14555,183 +14467,9 @@
             </a:r>
             <a:r>
               <a:rPr lang="fr-CA" dirty="0"/>
-              <a:t>)</a:t>
+              <a:t>) and IWAE</a:t>
             </a:r>
             <a:endParaRPr lang="en-US" dirty="0"/>
-          </a:p>
-        </p:txBody>
-      </p:sp>
-      <p:sp>
-        <p:nvSpPr>
-          <p:cNvPr id="25" name="Text Placeholder 6">
-            <a:extLst>
-              <a:ext uri="{FF2B5EF4-FFF2-40B4-BE49-F238E27FC236}">
-                <a16:creationId xmlns:a16="http://schemas.microsoft.com/office/drawing/2014/main" id="{73370A92-B6C4-4FD7-9AD8-66D8BE4C9CC6}"/>
-              </a:ext>
-            </a:extLst>
-          </p:cNvPr>
-          <p:cNvSpPr txBox="1">
-            <a:spLocks/>
-          </p:cNvSpPr>
-          <p:nvPr/>
-        </p:nvSpPr>
-        <p:spPr>
-          <a:xfrm>
-            <a:off x="22377404" y="13045230"/>
-            <a:ext cx="10048874" cy="846363"/>
-          </a:xfrm>
-          <a:prstGeom prst="rect">
-            <a:avLst/>
-          </a:prstGeom>
-        </p:spPr>
-        <p:txBody>
-          <a:bodyPr wrap="square" lIns="228589" tIns="228589" rIns="228589" bIns="228589">
-            <a:spAutoFit/>
-          </a:bodyPr>
-          <a:lstStyle>
-            <a:lvl1pPr marL="0" indent="0" algn="l" defTabSz="4388900" rtl="0" eaLnBrk="1" latinLnBrk="0" hangingPunct="1">
-              <a:spcBef>
-                <a:spcPct val="20000"/>
-              </a:spcBef>
-              <a:buFont typeface="Arial" pitchFamily="34" charset="0"/>
-              <a:buNone/>
-              <a:defRPr sz="2500" kern="1200">
-                <a:solidFill>
-                  <a:schemeClr val="accent5">
-                    <a:lumMod val="50000"/>
-                  </a:schemeClr>
-                </a:solidFill>
-                <a:latin typeface="Times New Roman" pitchFamily="18" charset="0"/>
-                <a:ea typeface="+mn-ea"/>
-                <a:cs typeface="Times New Roman" pitchFamily="18" charset="0"/>
-              </a:defRPr>
-            </a:lvl1pPr>
-            <a:lvl2pPr marL="1485825" indent="-571471" algn="l" defTabSz="4388900" rtl="0" eaLnBrk="1" latinLnBrk="0" hangingPunct="1">
-              <a:spcBef>
-                <a:spcPct val="20000"/>
-              </a:spcBef>
-              <a:buFont typeface="Arial" pitchFamily="34" charset="0"/>
-              <a:buChar char="–"/>
-              <a:defRPr sz="2500" kern="1200">
-                <a:solidFill>
-                  <a:schemeClr val="tx1"/>
-                </a:solidFill>
-                <a:latin typeface="Trebuchet MS" pitchFamily="34" charset="0"/>
-                <a:ea typeface="+mn-ea"/>
-                <a:cs typeface="+mn-cs"/>
-              </a:defRPr>
-            </a:lvl2pPr>
-            <a:lvl3pPr marL="2057297" indent="-571471" algn="l" defTabSz="4388900" rtl="0" eaLnBrk="1" latinLnBrk="0" hangingPunct="1">
-              <a:spcBef>
-                <a:spcPct val="20000"/>
-              </a:spcBef>
-              <a:buFont typeface="Arial" pitchFamily="34" charset="0"/>
-              <a:buChar char="•"/>
-              <a:defRPr sz="2500" kern="1200">
-                <a:solidFill>
-                  <a:schemeClr val="tx1"/>
-                </a:solidFill>
-                <a:latin typeface="Trebuchet MS" pitchFamily="34" charset="0"/>
-                <a:ea typeface="+mn-ea"/>
-                <a:cs typeface="+mn-cs"/>
-              </a:defRPr>
-            </a:lvl3pPr>
-            <a:lvl4pPr marL="2685916" indent="-628619" algn="l" defTabSz="4388900" rtl="0" eaLnBrk="1" latinLnBrk="0" hangingPunct="1">
-              <a:spcBef>
-                <a:spcPct val="20000"/>
-              </a:spcBef>
-              <a:buFont typeface="Arial" pitchFamily="34" charset="0"/>
-              <a:buChar char="–"/>
-              <a:defRPr sz="2500" kern="1200">
-                <a:solidFill>
-                  <a:schemeClr val="tx1"/>
-                </a:solidFill>
-                <a:latin typeface="Trebuchet MS" pitchFamily="34" charset="0"/>
-                <a:ea typeface="+mn-ea"/>
-                <a:cs typeface="+mn-cs"/>
-              </a:defRPr>
-            </a:lvl4pPr>
-            <a:lvl5pPr marL="3143093" indent="-457177" algn="l" defTabSz="4388900" rtl="0" eaLnBrk="1" latinLnBrk="0" hangingPunct="1">
-              <a:spcBef>
-                <a:spcPct val="20000"/>
-              </a:spcBef>
-              <a:buFont typeface="Arial" pitchFamily="34" charset="0"/>
-              <a:buChar char="»"/>
-              <a:defRPr sz="2500" kern="1200">
-                <a:solidFill>
-                  <a:schemeClr val="tx1"/>
-                </a:solidFill>
-                <a:latin typeface="Trebuchet MS" pitchFamily="34" charset="0"/>
-                <a:ea typeface="+mn-ea"/>
-                <a:cs typeface="+mn-cs"/>
-              </a:defRPr>
-            </a:lvl5pPr>
-            <a:lvl6pPr marL="12069477" indent="-1097226" algn="l" defTabSz="4388900" rtl="0" eaLnBrk="1" latinLnBrk="0" hangingPunct="1">
-              <a:spcBef>
-                <a:spcPct val="20000"/>
-              </a:spcBef>
-              <a:buFont typeface="Arial" pitchFamily="34" charset="0"/>
-              <a:buChar char="•"/>
-              <a:defRPr sz="9600" kern="1200">
-                <a:solidFill>
-                  <a:schemeClr val="tx1"/>
-                </a:solidFill>
-                <a:latin typeface="+mn-lt"/>
-                <a:ea typeface="+mn-ea"/>
-                <a:cs typeface="+mn-cs"/>
-              </a:defRPr>
-            </a:lvl6pPr>
-            <a:lvl7pPr marL="14263926" indent="-1097226" algn="l" defTabSz="4388900" rtl="0" eaLnBrk="1" latinLnBrk="0" hangingPunct="1">
-              <a:spcBef>
-                <a:spcPct val="20000"/>
-              </a:spcBef>
-              <a:buFont typeface="Arial" pitchFamily="34" charset="0"/>
-              <a:buChar char="•"/>
-              <a:defRPr sz="9600" kern="1200">
-                <a:solidFill>
-                  <a:schemeClr val="tx1"/>
-                </a:solidFill>
-                <a:latin typeface="+mn-lt"/>
-                <a:ea typeface="+mn-ea"/>
-                <a:cs typeface="+mn-cs"/>
-              </a:defRPr>
-            </a:lvl7pPr>
-            <a:lvl8pPr marL="16458377" indent="-1097226" algn="l" defTabSz="4388900" rtl="0" eaLnBrk="1" latinLnBrk="0" hangingPunct="1">
-              <a:spcBef>
-                <a:spcPct val="20000"/>
-              </a:spcBef>
-              <a:buFont typeface="Arial" pitchFamily="34" charset="0"/>
-              <a:buChar char="•"/>
-              <a:defRPr sz="9600" kern="1200">
-                <a:solidFill>
-                  <a:schemeClr val="tx1"/>
-                </a:solidFill>
-                <a:latin typeface="+mn-lt"/>
-                <a:ea typeface="+mn-ea"/>
-                <a:cs typeface="+mn-cs"/>
-              </a:defRPr>
-            </a:lvl8pPr>
-            <a:lvl9pPr marL="18652827" indent="-1097226" algn="l" defTabSz="4388900" rtl="0" eaLnBrk="1" latinLnBrk="0" hangingPunct="1">
-              <a:spcBef>
-                <a:spcPct val="20000"/>
-              </a:spcBef>
-              <a:buFont typeface="Arial" pitchFamily="34" charset="0"/>
-              <a:buChar char="•"/>
-              <a:defRPr sz="9600" kern="1200">
-                <a:solidFill>
-                  <a:schemeClr val="tx1"/>
-                </a:solidFill>
-                <a:latin typeface="+mn-lt"/>
-                <a:ea typeface="+mn-ea"/>
-                <a:cs typeface="+mn-cs"/>
-              </a:defRPr>
-            </a:lvl9pPr>
-          </a:lstStyle>
-          <a:p>
-            <a:r>
-              <a:rPr lang="en-US" dirty="0"/>
-              <a:t>IWAE – Latent Space</a:t>
-            </a:r>
           </a:p>
         </p:txBody>
       </p:sp>
@@ -14763,7 +14501,7 @@
         </p:blipFill>
         <p:spPr>
           <a:xfrm>
-            <a:off x="24658016" y="7300531"/>
+            <a:off x="24658016" y="6431286"/>
             <a:ext cx="5487650" cy="5487650"/>
           </a:xfrm>
           <a:prstGeom prst="rect">
@@ -14799,7 +14537,7 @@
         </p:blipFill>
         <p:spPr>
           <a:xfrm>
-            <a:off x="24658016" y="13967280"/>
+            <a:off x="24783103" y="12270931"/>
             <a:ext cx="5487650" cy="5487650"/>
           </a:xfrm>
           <a:prstGeom prst="rect">
@@ -14807,180 +14545,6 @@
           </a:prstGeom>
         </p:spPr>
       </p:pic>
-      <p:sp>
-        <p:nvSpPr>
-          <p:cNvPr id="32" name="Text Placeholder 6">
-            <a:extLst>
-              <a:ext uri="{FF2B5EF4-FFF2-40B4-BE49-F238E27FC236}">
-                <a16:creationId xmlns:a16="http://schemas.microsoft.com/office/drawing/2014/main" id="{679DF83E-27B2-489B-9C16-AC17B4A8A540}"/>
-              </a:ext>
-            </a:extLst>
-          </p:cNvPr>
-          <p:cNvSpPr txBox="1">
-            <a:spLocks/>
-          </p:cNvSpPr>
-          <p:nvPr/>
-        </p:nvSpPr>
-        <p:spPr>
-          <a:xfrm>
-            <a:off x="22322557" y="19454930"/>
-            <a:ext cx="10048874" cy="846363"/>
-          </a:xfrm>
-          <a:prstGeom prst="rect">
-            <a:avLst/>
-          </a:prstGeom>
-        </p:spPr>
-        <p:txBody>
-          <a:bodyPr wrap="square" lIns="228589" tIns="228589" rIns="228589" bIns="228589">
-            <a:spAutoFit/>
-          </a:bodyPr>
-          <a:lstStyle>
-            <a:lvl1pPr marL="0" indent="0" algn="l" defTabSz="4388900" rtl="0" eaLnBrk="1" latinLnBrk="0" hangingPunct="1">
-              <a:spcBef>
-                <a:spcPct val="20000"/>
-              </a:spcBef>
-              <a:buFont typeface="Arial" pitchFamily="34" charset="0"/>
-              <a:buNone/>
-              <a:defRPr sz="2500" kern="1200">
-                <a:solidFill>
-                  <a:schemeClr val="accent5">
-                    <a:lumMod val="50000"/>
-                  </a:schemeClr>
-                </a:solidFill>
-                <a:latin typeface="Times New Roman" pitchFamily="18" charset="0"/>
-                <a:ea typeface="+mn-ea"/>
-                <a:cs typeface="Times New Roman" pitchFamily="18" charset="0"/>
-              </a:defRPr>
-            </a:lvl1pPr>
-            <a:lvl2pPr marL="1485825" indent="-571471" algn="l" defTabSz="4388900" rtl="0" eaLnBrk="1" latinLnBrk="0" hangingPunct="1">
-              <a:spcBef>
-                <a:spcPct val="20000"/>
-              </a:spcBef>
-              <a:buFont typeface="Arial" pitchFamily="34" charset="0"/>
-              <a:buChar char="–"/>
-              <a:defRPr sz="2500" kern="1200">
-                <a:solidFill>
-                  <a:schemeClr val="tx1"/>
-                </a:solidFill>
-                <a:latin typeface="Trebuchet MS" pitchFamily="34" charset="0"/>
-                <a:ea typeface="+mn-ea"/>
-                <a:cs typeface="+mn-cs"/>
-              </a:defRPr>
-            </a:lvl2pPr>
-            <a:lvl3pPr marL="2057297" indent="-571471" algn="l" defTabSz="4388900" rtl="0" eaLnBrk="1" latinLnBrk="0" hangingPunct="1">
-              <a:spcBef>
-                <a:spcPct val="20000"/>
-              </a:spcBef>
-              <a:buFont typeface="Arial" pitchFamily="34" charset="0"/>
-              <a:buChar char="•"/>
-              <a:defRPr sz="2500" kern="1200">
-                <a:solidFill>
-                  <a:schemeClr val="tx1"/>
-                </a:solidFill>
-                <a:latin typeface="Trebuchet MS" pitchFamily="34" charset="0"/>
-                <a:ea typeface="+mn-ea"/>
-                <a:cs typeface="+mn-cs"/>
-              </a:defRPr>
-            </a:lvl3pPr>
-            <a:lvl4pPr marL="2685916" indent="-628619" algn="l" defTabSz="4388900" rtl="0" eaLnBrk="1" latinLnBrk="0" hangingPunct="1">
-              <a:spcBef>
-                <a:spcPct val="20000"/>
-              </a:spcBef>
-              <a:buFont typeface="Arial" pitchFamily="34" charset="0"/>
-              <a:buChar char="–"/>
-              <a:defRPr sz="2500" kern="1200">
-                <a:solidFill>
-                  <a:schemeClr val="tx1"/>
-                </a:solidFill>
-                <a:latin typeface="Trebuchet MS" pitchFamily="34" charset="0"/>
-                <a:ea typeface="+mn-ea"/>
-                <a:cs typeface="+mn-cs"/>
-              </a:defRPr>
-            </a:lvl4pPr>
-            <a:lvl5pPr marL="3143093" indent="-457177" algn="l" defTabSz="4388900" rtl="0" eaLnBrk="1" latinLnBrk="0" hangingPunct="1">
-              <a:spcBef>
-                <a:spcPct val="20000"/>
-              </a:spcBef>
-              <a:buFont typeface="Arial" pitchFamily="34" charset="0"/>
-              <a:buChar char="»"/>
-              <a:defRPr sz="2500" kern="1200">
-                <a:solidFill>
-                  <a:schemeClr val="tx1"/>
-                </a:solidFill>
-                <a:latin typeface="Trebuchet MS" pitchFamily="34" charset="0"/>
-                <a:ea typeface="+mn-ea"/>
-                <a:cs typeface="+mn-cs"/>
-              </a:defRPr>
-            </a:lvl5pPr>
-            <a:lvl6pPr marL="12069477" indent="-1097226" algn="l" defTabSz="4388900" rtl="0" eaLnBrk="1" latinLnBrk="0" hangingPunct="1">
-              <a:spcBef>
-                <a:spcPct val="20000"/>
-              </a:spcBef>
-              <a:buFont typeface="Arial" pitchFamily="34" charset="0"/>
-              <a:buChar char="•"/>
-              <a:defRPr sz="9600" kern="1200">
-                <a:solidFill>
-                  <a:schemeClr val="tx1"/>
-                </a:solidFill>
-                <a:latin typeface="+mn-lt"/>
-                <a:ea typeface="+mn-ea"/>
-                <a:cs typeface="+mn-cs"/>
-              </a:defRPr>
-            </a:lvl6pPr>
-            <a:lvl7pPr marL="14263926" indent="-1097226" algn="l" defTabSz="4388900" rtl="0" eaLnBrk="1" latinLnBrk="0" hangingPunct="1">
-              <a:spcBef>
-                <a:spcPct val="20000"/>
-              </a:spcBef>
-              <a:buFont typeface="Arial" pitchFamily="34" charset="0"/>
-              <a:buChar char="•"/>
-              <a:defRPr sz="9600" kern="1200">
-                <a:solidFill>
-                  <a:schemeClr val="tx1"/>
-                </a:solidFill>
-                <a:latin typeface="+mn-lt"/>
-                <a:ea typeface="+mn-ea"/>
-                <a:cs typeface="+mn-cs"/>
-              </a:defRPr>
-            </a:lvl7pPr>
-            <a:lvl8pPr marL="16458377" indent="-1097226" algn="l" defTabSz="4388900" rtl="0" eaLnBrk="1" latinLnBrk="0" hangingPunct="1">
-              <a:spcBef>
-                <a:spcPct val="20000"/>
-              </a:spcBef>
-              <a:buFont typeface="Arial" pitchFamily="34" charset="0"/>
-              <a:buChar char="•"/>
-              <a:defRPr sz="9600" kern="1200">
-                <a:solidFill>
-                  <a:schemeClr val="tx1"/>
-                </a:solidFill>
-                <a:latin typeface="+mn-lt"/>
-                <a:ea typeface="+mn-ea"/>
-                <a:cs typeface="+mn-cs"/>
-              </a:defRPr>
-            </a:lvl8pPr>
-            <a:lvl9pPr marL="18652827" indent="-1097226" algn="l" defTabSz="4388900" rtl="0" eaLnBrk="1" latinLnBrk="0" hangingPunct="1">
-              <a:spcBef>
-                <a:spcPct val="20000"/>
-              </a:spcBef>
-              <a:buFont typeface="Arial" pitchFamily="34" charset="0"/>
-              <a:buChar char="•"/>
-              <a:defRPr sz="9600" kern="1200">
-                <a:solidFill>
-                  <a:schemeClr val="tx1"/>
-                </a:solidFill>
-                <a:latin typeface="+mn-lt"/>
-                <a:ea typeface="+mn-ea"/>
-                <a:cs typeface="+mn-cs"/>
-              </a:defRPr>
-            </a:lvl9pPr>
-          </a:lstStyle>
-          <a:p>
-            <a:r>
-              <a:rPr lang="en-US" dirty="0"/>
-              <a:t>VAE – 100 Digits generated</a:t>
-            </a:r>
-          </a:p>
-        </p:txBody>
-      </p:sp>
       <p:pic>
         <p:nvPicPr>
           <p:cNvPr id="34" name="Image 33">
@@ -15009,8 +14573,8 @@
         </p:blipFill>
         <p:spPr>
           <a:xfrm>
-            <a:off x="24689425" y="20301293"/>
-            <a:ext cx="5487650" cy="5487650"/>
+            <a:off x="13028608" y="17849895"/>
+            <a:ext cx="6595769" cy="6595769"/>
           </a:xfrm>
           <a:prstGeom prst="rect">
             <a:avLst/>
@@ -15045,188 +14609,14 @@
         </p:blipFill>
         <p:spPr>
           <a:xfrm>
-            <a:off x="24689425" y="26433446"/>
-            <a:ext cx="5487650" cy="5487650"/>
+            <a:off x="12994731" y="24650160"/>
+            <a:ext cx="6595769" cy="6595769"/>
           </a:xfrm>
           <a:prstGeom prst="rect">
             <a:avLst/>
           </a:prstGeom>
         </p:spPr>
       </p:pic>
-      <p:sp>
-        <p:nvSpPr>
-          <p:cNvPr id="37" name="Text Placeholder 6">
-            <a:extLst>
-              <a:ext uri="{FF2B5EF4-FFF2-40B4-BE49-F238E27FC236}">
-                <a16:creationId xmlns:a16="http://schemas.microsoft.com/office/drawing/2014/main" id="{1C1E200B-2FAE-4919-9CA4-F6FC1A105E1F}"/>
-              </a:ext>
-            </a:extLst>
-          </p:cNvPr>
-          <p:cNvSpPr txBox="1">
-            <a:spLocks/>
-          </p:cNvSpPr>
-          <p:nvPr/>
-        </p:nvSpPr>
-        <p:spPr>
-          <a:xfrm>
-            <a:off x="22408813" y="25688013"/>
-            <a:ext cx="10048874" cy="846363"/>
-          </a:xfrm>
-          <a:prstGeom prst="rect">
-            <a:avLst/>
-          </a:prstGeom>
-        </p:spPr>
-        <p:txBody>
-          <a:bodyPr wrap="square" lIns="228589" tIns="228589" rIns="228589" bIns="228589">
-            <a:spAutoFit/>
-          </a:bodyPr>
-          <a:lstStyle>
-            <a:lvl1pPr marL="0" indent="0" algn="l" defTabSz="4388900" rtl="0" eaLnBrk="1" latinLnBrk="0" hangingPunct="1">
-              <a:spcBef>
-                <a:spcPct val="20000"/>
-              </a:spcBef>
-              <a:buFont typeface="Arial" pitchFamily="34" charset="0"/>
-              <a:buNone/>
-              <a:defRPr sz="2500" kern="1200">
-                <a:solidFill>
-                  <a:schemeClr val="accent5">
-                    <a:lumMod val="50000"/>
-                  </a:schemeClr>
-                </a:solidFill>
-                <a:latin typeface="Times New Roman" pitchFamily="18" charset="0"/>
-                <a:ea typeface="+mn-ea"/>
-                <a:cs typeface="Times New Roman" pitchFamily="18" charset="0"/>
-              </a:defRPr>
-            </a:lvl1pPr>
-            <a:lvl2pPr marL="1485825" indent="-571471" algn="l" defTabSz="4388900" rtl="0" eaLnBrk="1" latinLnBrk="0" hangingPunct="1">
-              <a:spcBef>
-                <a:spcPct val="20000"/>
-              </a:spcBef>
-              <a:buFont typeface="Arial" pitchFamily="34" charset="0"/>
-              <a:buChar char="–"/>
-              <a:defRPr sz="2500" kern="1200">
-                <a:solidFill>
-                  <a:schemeClr val="tx1"/>
-                </a:solidFill>
-                <a:latin typeface="Trebuchet MS" pitchFamily="34" charset="0"/>
-                <a:ea typeface="+mn-ea"/>
-                <a:cs typeface="+mn-cs"/>
-              </a:defRPr>
-            </a:lvl2pPr>
-            <a:lvl3pPr marL="2057297" indent="-571471" algn="l" defTabSz="4388900" rtl="0" eaLnBrk="1" latinLnBrk="0" hangingPunct="1">
-              <a:spcBef>
-                <a:spcPct val="20000"/>
-              </a:spcBef>
-              <a:buFont typeface="Arial" pitchFamily="34" charset="0"/>
-              <a:buChar char="•"/>
-              <a:defRPr sz="2500" kern="1200">
-                <a:solidFill>
-                  <a:schemeClr val="tx1"/>
-                </a:solidFill>
-                <a:latin typeface="Trebuchet MS" pitchFamily="34" charset="0"/>
-                <a:ea typeface="+mn-ea"/>
-                <a:cs typeface="+mn-cs"/>
-              </a:defRPr>
-            </a:lvl3pPr>
-            <a:lvl4pPr marL="2685916" indent="-628619" algn="l" defTabSz="4388900" rtl="0" eaLnBrk="1" latinLnBrk="0" hangingPunct="1">
-              <a:spcBef>
-                <a:spcPct val="20000"/>
-              </a:spcBef>
-              <a:buFont typeface="Arial" pitchFamily="34" charset="0"/>
-              <a:buChar char="–"/>
-              <a:defRPr sz="2500" kern="1200">
-                <a:solidFill>
-                  <a:schemeClr val="tx1"/>
-                </a:solidFill>
-                <a:latin typeface="Trebuchet MS" pitchFamily="34" charset="0"/>
-                <a:ea typeface="+mn-ea"/>
-                <a:cs typeface="+mn-cs"/>
-              </a:defRPr>
-            </a:lvl4pPr>
-            <a:lvl5pPr marL="3143093" indent="-457177" algn="l" defTabSz="4388900" rtl="0" eaLnBrk="1" latinLnBrk="0" hangingPunct="1">
-              <a:spcBef>
-                <a:spcPct val="20000"/>
-              </a:spcBef>
-              <a:buFont typeface="Arial" pitchFamily="34" charset="0"/>
-              <a:buChar char="»"/>
-              <a:defRPr sz="2500" kern="1200">
-                <a:solidFill>
-                  <a:schemeClr val="tx1"/>
-                </a:solidFill>
-                <a:latin typeface="Trebuchet MS" pitchFamily="34" charset="0"/>
-                <a:ea typeface="+mn-ea"/>
-                <a:cs typeface="+mn-cs"/>
-              </a:defRPr>
-            </a:lvl5pPr>
-            <a:lvl6pPr marL="12069477" indent="-1097226" algn="l" defTabSz="4388900" rtl="0" eaLnBrk="1" latinLnBrk="0" hangingPunct="1">
-              <a:spcBef>
-                <a:spcPct val="20000"/>
-              </a:spcBef>
-              <a:buFont typeface="Arial" pitchFamily="34" charset="0"/>
-              <a:buChar char="•"/>
-              <a:defRPr sz="9600" kern="1200">
-                <a:solidFill>
-                  <a:schemeClr val="tx1"/>
-                </a:solidFill>
-                <a:latin typeface="+mn-lt"/>
-                <a:ea typeface="+mn-ea"/>
-                <a:cs typeface="+mn-cs"/>
-              </a:defRPr>
-            </a:lvl6pPr>
-            <a:lvl7pPr marL="14263926" indent="-1097226" algn="l" defTabSz="4388900" rtl="0" eaLnBrk="1" latinLnBrk="0" hangingPunct="1">
-              <a:spcBef>
-                <a:spcPct val="20000"/>
-              </a:spcBef>
-              <a:buFont typeface="Arial" pitchFamily="34" charset="0"/>
-              <a:buChar char="•"/>
-              <a:defRPr sz="9600" kern="1200">
-                <a:solidFill>
-                  <a:schemeClr val="tx1"/>
-                </a:solidFill>
-                <a:latin typeface="+mn-lt"/>
-                <a:ea typeface="+mn-ea"/>
-                <a:cs typeface="+mn-cs"/>
-              </a:defRPr>
-            </a:lvl7pPr>
-            <a:lvl8pPr marL="16458377" indent="-1097226" algn="l" defTabSz="4388900" rtl="0" eaLnBrk="1" latinLnBrk="0" hangingPunct="1">
-              <a:spcBef>
-                <a:spcPct val="20000"/>
-              </a:spcBef>
-              <a:buFont typeface="Arial" pitchFamily="34" charset="0"/>
-              <a:buChar char="•"/>
-              <a:defRPr sz="9600" kern="1200">
-                <a:solidFill>
-                  <a:schemeClr val="tx1"/>
-                </a:solidFill>
-                <a:latin typeface="+mn-lt"/>
-                <a:ea typeface="+mn-ea"/>
-                <a:cs typeface="+mn-cs"/>
-              </a:defRPr>
-            </a:lvl8pPr>
-            <a:lvl9pPr marL="18652827" indent="-1097226" algn="l" defTabSz="4388900" rtl="0" eaLnBrk="1" latinLnBrk="0" hangingPunct="1">
-              <a:spcBef>
-                <a:spcPct val="20000"/>
-              </a:spcBef>
-              <a:buFont typeface="Arial" pitchFamily="34" charset="0"/>
-              <a:buChar char="•"/>
-              <a:defRPr sz="9600" kern="1200">
-                <a:solidFill>
-                  <a:schemeClr val="tx1"/>
-                </a:solidFill>
-                <a:latin typeface="+mn-lt"/>
-                <a:ea typeface="+mn-ea"/>
-                <a:cs typeface="+mn-cs"/>
-              </a:defRPr>
-            </a:lvl9pPr>
-          </a:lstStyle>
-          <a:p>
-            <a:r>
-              <a:rPr lang="en-US" dirty="0"/>
-              <a:t>IWAE – 100 Digits generated</a:t>
-            </a:r>
-          </a:p>
-        </p:txBody>
-      </p:sp>
       <p:pic>
         <p:nvPicPr>
           <p:cNvPr id="40" name="Image 39">
@@ -15241,7 +14631,7 @@
           </p:cNvPicPr>
           <p:nvPr/>
         </p:nvPicPr>
-        <p:blipFill>
+        <p:blipFill rotWithShape="1">
           <a:blip r:embed="rId6">
             <a:extLst>
               <a:ext uri="{28A0092B-C50C-407E-A947-70E740481C1C}">
@@ -15249,203 +14639,19 @@
               </a:ext>
             </a:extLst>
           </a:blip>
-          <a:stretch>
-            <a:fillRect/>
-          </a:stretch>
+          <a:srcRect l="7057" r="10609" b="8071"/>
+          <a:stretch/>
         </p:blipFill>
         <p:spPr>
           <a:xfrm>
-            <a:off x="11911557" y="12800766"/>
-            <a:ext cx="9146084" cy="7316867"/>
+            <a:off x="24040091" y="17925406"/>
+            <a:ext cx="7235205" cy="6462729"/>
           </a:xfrm>
           <a:prstGeom prst="rect">
             <a:avLst/>
           </a:prstGeom>
         </p:spPr>
       </p:pic>
-      <p:sp>
-        <p:nvSpPr>
-          <p:cNvPr id="41" name="Text Placeholder 14">
-            <a:extLst>
-              <a:ext uri="{FF2B5EF4-FFF2-40B4-BE49-F238E27FC236}">
-                <a16:creationId xmlns:a16="http://schemas.microsoft.com/office/drawing/2014/main" id="{3BB18B94-5F9C-4CAB-8CE9-6854910DEB8A}"/>
-              </a:ext>
-            </a:extLst>
-          </p:cNvPr>
-          <p:cNvSpPr txBox="1">
-            <a:spLocks/>
-          </p:cNvSpPr>
-          <p:nvPr/>
-        </p:nvSpPr>
-        <p:spPr>
-          <a:xfrm>
-            <a:off x="11472562" y="20923864"/>
-            <a:ext cx="10056813" cy="846363"/>
-          </a:xfrm>
-          <a:prstGeom prst="rect">
-            <a:avLst/>
-          </a:prstGeom>
-        </p:spPr>
-        <p:txBody>
-          <a:bodyPr wrap="square" lIns="228589" tIns="228589" rIns="228589" bIns="228589">
-            <a:spAutoFit/>
-          </a:bodyPr>
-          <a:lstStyle>
-            <a:lvl1pPr marL="0" indent="0" algn="l" defTabSz="4388900" rtl="0" eaLnBrk="1" latinLnBrk="0" hangingPunct="1">
-              <a:spcBef>
-                <a:spcPct val="20000"/>
-              </a:spcBef>
-              <a:buFont typeface="Arial" pitchFamily="34" charset="0"/>
-              <a:buNone/>
-              <a:defRPr sz="2500" kern="1200">
-                <a:solidFill>
-                  <a:schemeClr val="accent5">
-                    <a:lumMod val="50000"/>
-                  </a:schemeClr>
-                </a:solidFill>
-                <a:latin typeface="Times New Roman" pitchFamily="18" charset="0"/>
-                <a:ea typeface="+mn-ea"/>
-                <a:cs typeface="Times New Roman" pitchFamily="18" charset="0"/>
-              </a:defRPr>
-            </a:lvl1pPr>
-            <a:lvl2pPr marL="1485825" indent="-571471" algn="l" defTabSz="4388900" rtl="0" eaLnBrk="1" latinLnBrk="0" hangingPunct="1">
-              <a:spcBef>
-                <a:spcPct val="20000"/>
-              </a:spcBef>
-              <a:buFont typeface="Arial" pitchFamily="34" charset="0"/>
-              <a:buChar char="–"/>
-              <a:defRPr sz="2500" kern="1200">
-                <a:solidFill>
-                  <a:schemeClr val="tx1"/>
-                </a:solidFill>
-                <a:latin typeface="Trebuchet MS" pitchFamily="34" charset="0"/>
-                <a:ea typeface="+mn-ea"/>
-                <a:cs typeface="+mn-cs"/>
-              </a:defRPr>
-            </a:lvl2pPr>
-            <a:lvl3pPr marL="2057297" indent="-571471" algn="l" defTabSz="4388900" rtl="0" eaLnBrk="1" latinLnBrk="0" hangingPunct="1">
-              <a:spcBef>
-                <a:spcPct val="20000"/>
-              </a:spcBef>
-              <a:buFont typeface="Arial" pitchFamily="34" charset="0"/>
-              <a:buChar char="•"/>
-              <a:defRPr sz="2500" kern="1200">
-                <a:solidFill>
-                  <a:schemeClr val="tx1"/>
-                </a:solidFill>
-                <a:latin typeface="Trebuchet MS" pitchFamily="34" charset="0"/>
-                <a:ea typeface="+mn-ea"/>
-                <a:cs typeface="+mn-cs"/>
-              </a:defRPr>
-            </a:lvl3pPr>
-            <a:lvl4pPr marL="2685916" indent="-628619" algn="l" defTabSz="4388900" rtl="0" eaLnBrk="1" latinLnBrk="0" hangingPunct="1">
-              <a:spcBef>
-                <a:spcPct val="20000"/>
-              </a:spcBef>
-              <a:buFont typeface="Arial" pitchFamily="34" charset="0"/>
-              <a:buChar char="–"/>
-              <a:defRPr sz="2500" kern="1200">
-                <a:solidFill>
-                  <a:schemeClr val="tx1"/>
-                </a:solidFill>
-                <a:latin typeface="Trebuchet MS" pitchFamily="34" charset="0"/>
-                <a:ea typeface="+mn-ea"/>
-                <a:cs typeface="+mn-cs"/>
-              </a:defRPr>
-            </a:lvl4pPr>
-            <a:lvl5pPr marL="3143093" indent="-457177" algn="l" defTabSz="4388900" rtl="0" eaLnBrk="1" latinLnBrk="0" hangingPunct="1">
-              <a:spcBef>
-                <a:spcPct val="20000"/>
-              </a:spcBef>
-              <a:buFont typeface="Arial" pitchFamily="34" charset="0"/>
-              <a:buChar char="»"/>
-              <a:defRPr sz="2500" kern="1200">
-                <a:solidFill>
-                  <a:schemeClr val="tx1"/>
-                </a:solidFill>
-                <a:latin typeface="Trebuchet MS" pitchFamily="34" charset="0"/>
-                <a:ea typeface="+mn-ea"/>
-                <a:cs typeface="+mn-cs"/>
-              </a:defRPr>
-            </a:lvl5pPr>
-            <a:lvl6pPr marL="12069477" indent="-1097226" algn="l" defTabSz="4388900" rtl="0" eaLnBrk="1" latinLnBrk="0" hangingPunct="1">
-              <a:spcBef>
-                <a:spcPct val="20000"/>
-              </a:spcBef>
-              <a:buFont typeface="Arial" pitchFamily="34" charset="0"/>
-              <a:buChar char="•"/>
-              <a:defRPr sz="9600" kern="1200">
-                <a:solidFill>
-                  <a:schemeClr val="tx1"/>
-                </a:solidFill>
-                <a:latin typeface="+mn-lt"/>
-                <a:ea typeface="+mn-ea"/>
-                <a:cs typeface="+mn-cs"/>
-              </a:defRPr>
-            </a:lvl6pPr>
-            <a:lvl7pPr marL="14263926" indent="-1097226" algn="l" defTabSz="4388900" rtl="0" eaLnBrk="1" latinLnBrk="0" hangingPunct="1">
-              <a:spcBef>
-                <a:spcPct val="20000"/>
-              </a:spcBef>
-              <a:buFont typeface="Arial" pitchFamily="34" charset="0"/>
-              <a:buChar char="•"/>
-              <a:defRPr sz="9600" kern="1200">
-                <a:solidFill>
-                  <a:schemeClr val="tx1"/>
-                </a:solidFill>
-                <a:latin typeface="+mn-lt"/>
-                <a:ea typeface="+mn-ea"/>
-                <a:cs typeface="+mn-cs"/>
-              </a:defRPr>
-            </a:lvl7pPr>
-            <a:lvl8pPr marL="16458377" indent="-1097226" algn="l" defTabSz="4388900" rtl="0" eaLnBrk="1" latinLnBrk="0" hangingPunct="1">
-              <a:spcBef>
-                <a:spcPct val="20000"/>
-              </a:spcBef>
-              <a:buFont typeface="Arial" pitchFamily="34" charset="0"/>
-              <a:buChar char="•"/>
-              <a:defRPr sz="9600" kern="1200">
-                <a:solidFill>
-                  <a:schemeClr val="tx1"/>
-                </a:solidFill>
-                <a:latin typeface="+mn-lt"/>
-                <a:ea typeface="+mn-ea"/>
-                <a:cs typeface="+mn-cs"/>
-              </a:defRPr>
-            </a:lvl8pPr>
-            <a:lvl9pPr marL="18652827" indent="-1097226" algn="l" defTabSz="4388900" rtl="0" eaLnBrk="1" latinLnBrk="0" hangingPunct="1">
-              <a:spcBef>
-                <a:spcPct val="20000"/>
-              </a:spcBef>
-              <a:buFont typeface="Arial" pitchFamily="34" charset="0"/>
-              <a:buChar char="•"/>
-              <a:defRPr sz="9600" kern="1200">
-                <a:solidFill>
-                  <a:schemeClr val="tx1"/>
-                </a:solidFill>
-                <a:latin typeface="+mn-lt"/>
-                <a:ea typeface="+mn-ea"/>
-                <a:cs typeface="+mn-cs"/>
-              </a:defRPr>
-            </a:lvl9pPr>
-          </a:lstStyle>
-          <a:p>
-            <a:r>
-              <a:rPr lang="fr-CA" dirty="0"/>
-              <a:t>IWAE - </a:t>
-            </a:r>
-            <a:r>
-              <a:rPr lang="fr-CA" dirty="0" err="1"/>
-              <a:t>Dimensionality</a:t>
-            </a:r>
-            <a:r>
-              <a:rPr lang="fr-CA" dirty="0"/>
-              <a:t> Reduction</a:t>
-            </a:r>
-            <a:endParaRPr lang="en-US" dirty="0"/>
-          </a:p>
-        </p:txBody>
-      </p:sp>
       <p:pic>
         <p:nvPicPr>
           <p:cNvPr id="43" name="Image 42">
@@ -15460,7 +14666,7 @@
           </p:cNvPicPr>
           <p:nvPr/>
         </p:nvPicPr>
-        <p:blipFill>
+        <p:blipFill rotWithShape="1">
           <a:blip r:embed="rId7">
             <a:extLst>
               <a:ext uri="{28A0092B-C50C-407E-A947-70E740481C1C}">
@@ -15468,14 +14674,13 @@
               </a:ext>
             </a:extLst>
           </a:blip>
-          <a:stretch>
-            <a:fillRect/>
-          </a:stretch>
+          <a:srcRect l="6099" r="11567" b="8071"/>
+          <a:stretch/>
         </p:blipFill>
         <p:spPr>
           <a:xfrm>
-            <a:off x="11915526" y="22804112"/>
-            <a:ext cx="9146084" cy="7316867"/>
+            <a:off x="23922489" y="24507429"/>
+            <a:ext cx="7235205" cy="6462729"/>
           </a:xfrm>
           <a:prstGeom prst="rect">
             <a:avLst/>
@@ -15498,7 +14703,7 @@
         </p:nvSpPr>
         <p:spPr>
           <a:xfrm>
-            <a:off x="11472562" y="6728145"/>
+            <a:off x="36019775" y="7088486"/>
             <a:ext cx="10056813" cy="846363"/>
           </a:xfrm>
           <a:prstGeom prst="rect">
@@ -15661,178 +14866,6 @@
               <a:rPr lang="fr-CA" dirty="0" err="1"/>
               <a:t>Likelihood</a:t>
             </a:r>
-            <a:endParaRPr lang="en-US" dirty="0"/>
-          </a:p>
-        </p:txBody>
-      </p:sp>
-      <p:sp>
-        <p:nvSpPr>
-          <p:cNvPr id="45" name="Text Placeholder 3">
-            <a:extLst>
-              <a:ext uri="{FF2B5EF4-FFF2-40B4-BE49-F238E27FC236}">
-                <a16:creationId xmlns:a16="http://schemas.microsoft.com/office/drawing/2014/main" id="{0A13366B-2D48-4485-B12B-C7337BC17BF7}"/>
-              </a:ext>
-            </a:extLst>
-          </p:cNvPr>
-          <p:cNvSpPr txBox="1">
-            <a:spLocks/>
-          </p:cNvSpPr>
-          <p:nvPr/>
-        </p:nvSpPr>
-        <p:spPr>
-          <a:xfrm>
-            <a:off x="509578" y="11987976"/>
-            <a:ext cx="10050462" cy="754045"/>
-          </a:xfrm>
-          <a:prstGeom prst="rect">
-            <a:avLst/>
-          </a:prstGeom>
-          <a:noFill/>
-        </p:spPr>
-        <p:txBody>
-          <a:bodyPr wrap="square" lIns="91436" tIns="91436" rIns="91436" bIns="91436" anchor="ctr" anchorCtr="0">
-            <a:spAutoFit/>
-          </a:bodyPr>
-          <a:lstStyle>
-            <a:lvl1pPr marL="0" indent="0" algn="ctr" defTabSz="4388900" rtl="0" eaLnBrk="1" latinLnBrk="0" hangingPunct="1">
-              <a:spcBef>
-                <a:spcPct val="20000"/>
-              </a:spcBef>
-              <a:buFont typeface="Arial" pitchFamily="34" charset="0"/>
-              <a:buNone/>
-              <a:defRPr sz="3700" b="1" u="sng" kern="1200" baseline="0">
-                <a:solidFill>
-                  <a:schemeClr val="accent5">
-                    <a:lumMod val="50000"/>
-                  </a:schemeClr>
-                </a:solidFill>
-                <a:latin typeface="+mn-lt"/>
-                <a:ea typeface="+mn-ea"/>
-                <a:cs typeface="+mn-cs"/>
-              </a:defRPr>
-            </a:lvl1pPr>
-            <a:lvl2pPr marL="3565982" indent="-1371531" algn="l" defTabSz="4388900" rtl="0" eaLnBrk="1" latinLnBrk="0" hangingPunct="1">
-              <a:spcBef>
-                <a:spcPct val="20000"/>
-              </a:spcBef>
-              <a:buFont typeface="Arial" pitchFamily="34" charset="0"/>
-              <a:buChar char="–"/>
-              <a:defRPr sz="13500" kern="1200">
-                <a:solidFill>
-                  <a:schemeClr val="tx1"/>
-                </a:solidFill>
-                <a:latin typeface="+mn-lt"/>
-                <a:ea typeface="+mn-ea"/>
-                <a:cs typeface="+mn-cs"/>
-              </a:defRPr>
-            </a:lvl2pPr>
-            <a:lvl3pPr marL="5486126" indent="-1097226" algn="l" defTabSz="4388900" rtl="0" eaLnBrk="1" latinLnBrk="0" hangingPunct="1">
-              <a:spcBef>
-                <a:spcPct val="20000"/>
-              </a:spcBef>
-              <a:buFont typeface="Arial" pitchFamily="34" charset="0"/>
-              <a:buChar char="•"/>
-              <a:defRPr sz="11600" kern="1200">
-                <a:solidFill>
-                  <a:schemeClr val="tx1"/>
-                </a:solidFill>
-                <a:latin typeface="+mn-lt"/>
-                <a:ea typeface="+mn-ea"/>
-                <a:cs typeface="+mn-cs"/>
-              </a:defRPr>
-            </a:lvl3pPr>
-            <a:lvl4pPr marL="7680577" indent="-1097226" algn="l" defTabSz="4388900" rtl="0" eaLnBrk="1" latinLnBrk="0" hangingPunct="1">
-              <a:spcBef>
-                <a:spcPct val="20000"/>
-              </a:spcBef>
-              <a:buFont typeface="Arial" pitchFamily="34" charset="0"/>
-              <a:buChar char="–"/>
-              <a:defRPr sz="9600" kern="1200">
-                <a:solidFill>
-                  <a:schemeClr val="tx1"/>
-                </a:solidFill>
-                <a:latin typeface="+mn-lt"/>
-                <a:ea typeface="+mn-ea"/>
-                <a:cs typeface="+mn-cs"/>
-              </a:defRPr>
-            </a:lvl4pPr>
-            <a:lvl5pPr marL="9875026" indent="-1097226" algn="l" defTabSz="4388900" rtl="0" eaLnBrk="1" latinLnBrk="0" hangingPunct="1">
-              <a:spcBef>
-                <a:spcPct val="20000"/>
-              </a:spcBef>
-              <a:buFont typeface="Arial" pitchFamily="34" charset="0"/>
-              <a:buChar char="»"/>
-              <a:defRPr sz="9600" kern="1200">
-                <a:solidFill>
-                  <a:schemeClr val="tx1"/>
-                </a:solidFill>
-                <a:latin typeface="+mn-lt"/>
-                <a:ea typeface="+mn-ea"/>
-                <a:cs typeface="+mn-cs"/>
-              </a:defRPr>
-            </a:lvl5pPr>
-            <a:lvl6pPr marL="12069477" indent="-1097226" algn="l" defTabSz="4388900" rtl="0" eaLnBrk="1" latinLnBrk="0" hangingPunct="1">
-              <a:spcBef>
-                <a:spcPct val="20000"/>
-              </a:spcBef>
-              <a:buFont typeface="Arial" pitchFamily="34" charset="0"/>
-              <a:buChar char="•"/>
-              <a:defRPr sz="9600" kern="1200">
-                <a:solidFill>
-                  <a:schemeClr val="tx1"/>
-                </a:solidFill>
-                <a:latin typeface="+mn-lt"/>
-                <a:ea typeface="+mn-ea"/>
-                <a:cs typeface="+mn-cs"/>
-              </a:defRPr>
-            </a:lvl6pPr>
-            <a:lvl7pPr marL="14263926" indent="-1097226" algn="l" defTabSz="4388900" rtl="0" eaLnBrk="1" latinLnBrk="0" hangingPunct="1">
-              <a:spcBef>
-                <a:spcPct val="20000"/>
-              </a:spcBef>
-              <a:buFont typeface="Arial" pitchFamily="34" charset="0"/>
-              <a:buChar char="•"/>
-              <a:defRPr sz="9600" kern="1200">
-                <a:solidFill>
-                  <a:schemeClr val="tx1"/>
-                </a:solidFill>
-                <a:latin typeface="+mn-lt"/>
-                <a:ea typeface="+mn-ea"/>
-                <a:cs typeface="+mn-cs"/>
-              </a:defRPr>
-            </a:lvl7pPr>
-            <a:lvl8pPr marL="16458377" indent="-1097226" algn="l" defTabSz="4388900" rtl="0" eaLnBrk="1" latinLnBrk="0" hangingPunct="1">
-              <a:spcBef>
-                <a:spcPct val="20000"/>
-              </a:spcBef>
-              <a:buFont typeface="Arial" pitchFamily="34" charset="0"/>
-              <a:buChar char="•"/>
-              <a:defRPr sz="9600" kern="1200">
-                <a:solidFill>
-                  <a:schemeClr val="tx1"/>
-                </a:solidFill>
-                <a:latin typeface="+mn-lt"/>
-                <a:ea typeface="+mn-ea"/>
-                <a:cs typeface="+mn-cs"/>
-              </a:defRPr>
-            </a:lvl8pPr>
-            <a:lvl9pPr marL="18652827" indent="-1097226" algn="l" defTabSz="4388900" rtl="0" eaLnBrk="1" latinLnBrk="0" hangingPunct="1">
-              <a:spcBef>
-                <a:spcPct val="20000"/>
-              </a:spcBef>
-              <a:buFont typeface="Arial" pitchFamily="34" charset="0"/>
-              <a:buChar char="•"/>
-              <a:defRPr sz="9600" kern="1200">
-                <a:solidFill>
-                  <a:schemeClr val="tx1"/>
-                </a:solidFill>
-                <a:latin typeface="+mn-lt"/>
-                <a:ea typeface="+mn-ea"/>
-                <a:cs typeface="+mn-cs"/>
-              </a:defRPr>
-            </a:lvl9pPr>
-          </a:lstStyle>
-          <a:p>
             <a:endParaRPr lang="en-US" dirty="0"/>
           </a:p>
         </p:txBody>
@@ -15859,7 +14892,7 @@
         </p:blipFill>
         <p:spPr>
           <a:xfrm>
-            <a:off x="11915526" y="8112839"/>
+            <a:off x="34398171" y="8400029"/>
             <a:ext cx="8257145" cy="1603212"/>
           </a:xfrm>
           <a:prstGeom prst="rect">
@@ -15883,7 +14916,7 @@
         </p:nvSpPr>
         <p:spPr>
           <a:xfrm>
-            <a:off x="586526" y="25736007"/>
+            <a:off x="11407909" y="5699213"/>
             <a:ext cx="10050462" cy="754045"/>
           </a:xfrm>
           <a:prstGeom prst="rect">
@@ -16042,151 +15075,12 @@
           </a:p>
         </p:txBody>
       </p:sp>
-      <p:sp>
-        <p:nvSpPr>
-          <p:cNvPr id="48" name="Rectangle : coins arrondis 47">
+      <p:pic>
+        <p:nvPicPr>
+          <p:cNvPr id="54" name="Image 53">
             <a:extLst>
               <a:ext uri="{FF2B5EF4-FFF2-40B4-BE49-F238E27FC236}">
-                <a16:creationId xmlns:a16="http://schemas.microsoft.com/office/drawing/2014/main" id="{BCD00AC4-13F6-4D14-8352-6F59ECCA65CB}"/>
-              </a:ext>
-            </a:extLst>
-          </p:cNvPr>
-          <p:cNvSpPr/>
-          <p:nvPr/>
-        </p:nvSpPr>
-        <p:spPr>
-          <a:xfrm>
-            <a:off x="646716" y="13963277"/>
-            <a:ext cx="1618447" cy="2515190"/>
-          </a:xfrm>
-          <a:prstGeom prst="roundRect">
-            <a:avLst/>
-          </a:prstGeom>
-        </p:spPr>
-        <p:style>
-          <a:lnRef idx="2">
-            <a:schemeClr val="accent1">
-              <a:shade val="50000"/>
-            </a:schemeClr>
-          </a:lnRef>
-          <a:fillRef idx="1">
-            <a:schemeClr val="accent1"/>
-          </a:fillRef>
-          <a:effectRef idx="0">
-            <a:schemeClr val="accent1"/>
-          </a:effectRef>
-          <a:fontRef idx="minor">
-            <a:schemeClr val="lt1"/>
-          </a:fontRef>
-        </p:style>
-        <p:txBody>
-          <a:bodyPr rtlCol="0" anchor="ctr"/>
-          <a:lstStyle/>
-          <a:p>
-            <a:pPr algn="ctr"/>
-            <a:endParaRPr lang="fr-CA" sz="4800"/>
-          </a:p>
-        </p:txBody>
-      </p:sp>
-      <p:cxnSp>
-        <p:nvCxnSpPr>
-          <p:cNvPr id="51" name="Connecteur droit avec flèche 50">
-            <a:extLst>
-              <a:ext uri="{FF2B5EF4-FFF2-40B4-BE49-F238E27FC236}">
-                <a16:creationId xmlns:a16="http://schemas.microsoft.com/office/drawing/2014/main" id="{AEDC7BDB-89E0-417D-8045-C608AF37F29B}"/>
-              </a:ext>
-            </a:extLst>
-          </p:cNvPr>
-          <p:cNvCxnSpPr>
-            <a:cxnSpLocks/>
-          </p:cNvCxnSpPr>
-          <p:nvPr/>
-        </p:nvCxnSpPr>
-        <p:spPr>
-          <a:xfrm>
-            <a:off x="1466463" y="14882498"/>
-            <a:ext cx="0" cy="676748"/>
-          </a:xfrm>
-          <a:prstGeom prst="straightConnector1">
-            <a:avLst/>
-          </a:prstGeom>
-          <a:ln w="57150">
-            <a:solidFill>
-              <a:schemeClr val="bg1"/>
-            </a:solidFill>
-            <a:tailEnd type="triangle"/>
-          </a:ln>
-        </p:spPr>
-        <p:style>
-          <a:lnRef idx="1">
-            <a:schemeClr val="dk1"/>
-          </a:lnRef>
-          <a:fillRef idx="0">
-            <a:schemeClr val="dk1"/>
-          </a:fillRef>
-          <a:effectRef idx="0">
-            <a:schemeClr val="dk1"/>
-          </a:effectRef>
-          <a:fontRef idx="minor">
-            <a:schemeClr val="tx1"/>
-          </a:fontRef>
-        </p:style>
-      </p:cxnSp>
-      <p:sp>
-        <p:nvSpPr>
-          <p:cNvPr id="52" name="Ellipse 51">
-            <a:extLst>
-              <a:ext uri="{FF2B5EF4-FFF2-40B4-BE49-F238E27FC236}">
-                <a16:creationId xmlns:a16="http://schemas.microsoft.com/office/drawing/2014/main" id="{3AAA39E3-11DE-4AA7-83F2-CE06F7D86AF5}"/>
-              </a:ext>
-            </a:extLst>
-          </p:cNvPr>
-          <p:cNvSpPr/>
-          <p:nvPr/>
-        </p:nvSpPr>
-        <p:spPr>
-          <a:xfrm>
-            <a:off x="1137705" y="15632418"/>
-            <a:ext cx="662309" cy="561667"/>
-          </a:xfrm>
-          <a:prstGeom prst="ellipse">
-            <a:avLst/>
-          </a:prstGeom>
-        </p:spPr>
-        <p:style>
-          <a:lnRef idx="2">
-            <a:schemeClr val="accent1">
-              <a:shade val="50000"/>
-            </a:schemeClr>
-          </a:lnRef>
-          <a:fillRef idx="1">
-            <a:schemeClr val="accent1"/>
-          </a:fillRef>
-          <a:effectRef idx="0">
-            <a:schemeClr val="accent1"/>
-          </a:effectRef>
-          <a:fontRef idx="minor">
-            <a:schemeClr val="lt1"/>
-          </a:fontRef>
-        </p:style>
-        <p:txBody>
-          <a:bodyPr rtlCol="0" anchor="ctr"/>
-          <a:lstStyle/>
-          <a:p>
-            <a:pPr algn="ctr"/>
-            <a:r>
-              <a:rPr lang="fr-CA" sz="4800" dirty="0"/>
-              <a:t>X</a:t>
-            </a:r>
-          </a:p>
-        </p:txBody>
-      </p:sp>
-      <p:pic>
-        <p:nvPicPr>
-          <p:cNvPr id="53" name="Image 52">
-            <a:extLst>
-              <a:ext uri="{FF2B5EF4-FFF2-40B4-BE49-F238E27FC236}">
-                <a16:creationId xmlns:a16="http://schemas.microsoft.com/office/drawing/2014/main" id="{22BE38B4-D9F6-41C4-A632-41702BADCF32}"/>
+                <a16:creationId xmlns:a16="http://schemas.microsoft.com/office/drawing/2014/main" id="{1455D682-5816-44A7-9F7A-B6A1E65F977E}"/>
               </a:ext>
             </a:extLst>
           </p:cNvPr>
@@ -16203,37 +15097,7 @@
         </p:blipFill>
         <p:spPr>
           <a:xfrm>
-            <a:off x="541410" y="24495424"/>
-            <a:ext cx="6086475" cy="1057275"/>
-          </a:xfrm>
-          <a:prstGeom prst="rect">
-            <a:avLst/>
-          </a:prstGeom>
-        </p:spPr>
-      </p:pic>
-      <p:pic>
-        <p:nvPicPr>
-          <p:cNvPr id="54" name="Image 53">
-            <a:extLst>
-              <a:ext uri="{FF2B5EF4-FFF2-40B4-BE49-F238E27FC236}">
-                <a16:creationId xmlns:a16="http://schemas.microsoft.com/office/drawing/2014/main" id="{1455D682-5816-44A7-9F7A-B6A1E65F977E}"/>
-              </a:ext>
-            </a:extLst>
-          </p:cNvPr>
-          <p:cNvPicPr>
-            <a:picLocks noChangeAspect="1"/>
-          </p:cNvPicPr>
-          <p:nvPr/>
-        </p:nvPicPr>
-        <p:blipFill>
-          <a:blip r:embed="rId10"/>
-          <a:stretch>
-            <a:fillRect/>
-          </a:stretch>
-        </p:blipFill>
-        <p:spPr>
-          <a:xfrm>
-            <a:off x="1116619" y="26534376"/>
+            <a:off x="12884526" y="9502839"/>
             <a:ext cx="6976230" cy="4670038"/>
           </a:xfrm>
           <a:prstGeom prst="rect">
@@ -16257,7 +15121,7 @@
         </p:nvSpPr>
         <p:spPr>
           <a:xfrm>
-            <a:off x="473272" y="23475258"/>
+            <a:off x="6940978" y="21485803"/>
             <a:ext cx="10056813" cy="846363"/>
           </a:xfrm>
           <a:prstGeom prst="rect">
@@ -16409,16 +15273,2087 @@
           </a:lstStyle>
           <a:p>
             <a:r>
+              <a:rPr lang="fr-CA" dirty="0"/>
+              <a:t>Objective </a:t>
+            </a:r>
+            <a:r>
               <a:rPr lang="fr-CA" dirty="0" err="1"/>
-              <a:t>Obective</a:t>
+              <a:t>function</a:t>
+            </a:r>
+            <a:endParaRPr lang="en-US" dirty="0"/>
+          </a:p>
+        </p:txBody>
+      </p:sp>
+      <p:grpSp>
+        <p:nvGrpSpPr>
+          <p:cNvPr id="5" name="Group 4">
+            <a:extLst>
+              <a:ext uri="{FF2B5EF4-FFF2-40B4-BE49-F238E27FC236}">
+                <a16:creationId xmlns:a16="http://schemas.microsoft.com/office/drawing/2014/main" id="{12358EBB-CCE4-41B8-A385-99FE038F7301}"/>
+              </a:ext>
+            </a:extLst>
+          </p:cNvPr>
+          <p:cNvGrpSpPr/>
+          <p:nvPr/>
+        </p:nvGrpSpPr>
+        <p:grpSpPr>
+          <a:xfrm>
+            <a:off x="4298263" y="15838312"/>
+            <a:ext cx="1618447" cy="2515190"/>
+            <a:chOff x="646716" y="13963277"/>
+            <a:chExt cx="1618447" cy="2515190"/>
+          </a:xfrm>
+        </p:grpSpPr>
+        <p:sp>
+          <p:nvSpPr>
+            <p:cNvPr id="48" name="Rectangle : coins arrondis 47">
+              <a:extLst>
+                <a:ext uri="{FF2B5EF4-FFF2-40B4-BE49-F238E27FC236}">
+                  <a16:creationId xmlns:a16="http://schemas.microsoft.com/office/drawing/2014/main" id="{BCD00AC4-13F6-4D14-8352-6F59ECCA65CB}"/>
+                </a:ext>
+              </a:extLst>
+            </p:cNvPr>
+            <p:cNvSpPr/>
+            <p:nvPr/>
+          </p:nvSpPr>
+          <p:spPr>
+            <a:xfrm>
+              <a:off x="646716" y="13963277"/>
+              <a:ext cx="1618447" cy="2515190"/>
+            </a:xfrm>
+            <a:prstGeom prst="roundRect">
+              <a:avLst/>
+            </a:prstGeom>
+          </p:spPr>
+          <p:style>
+            <a:lnRef idx="2">
+              <a:schemeClr val="accent1">
+                <a:shade val="50000"/>
+              </a:schemeClr>
+            </a:lnRef>
+            <a:fillRef idx="1">
+              <a:schemeClr val="accent1"/>
+            </a:fillRef>
+            <a:effectRef idx="0">
+              <a:schemeClr val="accent1"/>
+            </a:effectRef>
+            <a:fontRef idx="minor">
+              <a:schemeClr val="lt1"/>
+            </a:fontRef>
+          </p:style>
+          <p:txBody>
+            <a:bodyPr rtlCol="0" anchor="ctr"/>
+            <a:lstStyle/>
+            <a:p>
+              <a:pPr algn="ctr"/>
+              <a:endParaRPr lang="fr-CA" sz="4800"/>
+            </a:p>
+          </p:txBody>
+        </p:sp>
+        <p:cxnSp>
+          <p:nvCxnSpPr>
+            <p:cNvPr id="51" name="Connecteur droit avec flèche 50">
+              <a:extLst>
+                <a:ext uri="{FF2B5EF4-FFF2-40B4-BE49-F238E27FC236}">
+                  <a16:creationId xmlns:a16="http://schemas.microsoft.com/office/drawing/2014/main" id="{AEDC7BDB-89E0-417D-8045-C608AF37F29B}"/>
+                </a:ext>
+              </a:extLst>
+            </p:cNvPr>
+            <p:cNvCxnSpPr>
+              <a:cxnSpLocks/>
+            </p:cNvCxnSpPr>
+            <p:nvPr/>
+          </p:nvCxnSpPr>
+          <p:spPr>
+            <a:xfrm>
+              <a:off x="1466463" y="14882498"/>
+              <a:ext cx="0" cy="676748"/>
+            </a:xfrm>
+            <a:prstGeom prst="straightConnector1">
+              <a:avLst/>
+            </a:prstGeom>
+            <a:ln w="57150">
+              <a:solidFill>
+                <a:schemeClr val="bg1"/>
+              </a:solidFill>
+              <a:tailEnd type="triangle"/>
+            </a:ln>
+          </p:spPr>
+          <p:style>
+            <a:lnRef idx="1">
+              <a:schemeClr val="dk1"/>
+            </a:lnRef>
+            <a:fillRef idx="0">
+              <a:schemeClr val="dk1"/>
+            </a:fillRef>
+            <a:effectRef idx="0">
+              <a:schemeClr val="dk1"/>
+            </a:effectRef>
+            <a:fontRef idx="minor">
+              <a:schemeClr val="tx1"/>
+            </a:fontRef>
+          </p:style>
+        </p:cxnSp>
+        <p:sp>
+          <p:nvSpPr>
+            <p:cNvPr id="52" name="Ellipse 51">
+              <a:extLst>
+                <a:ext uri="{FF2B5EF4-FFF2-40B4-BE49-F238E27FC236}">
+                  <a16:creationId xmlns:a16="http://schemas.microsoft.com/office/drawing/2014/main" id="{3AAA39E3-11DE-4AA7-83F2-CE06F7D86AF5}"/>
+                </a:ext>
+              </a:extLst>
+            </p:cNvPr>
+            <p:cNvSpPr/>
+            <p:nvPr/>
+          </p:nvSpPr>
+          <p:spPr>
+            <a:xfrm>
+              <a:off x="1137705" y="15632418"/>
+              <a:ext cx="662309" cy="561667"/>
+            </a:xfrm>
+            <a:prstGeom prst="ellipse">
+              <a:avLst/>
+            </a:prstGeom>
+          </p:spPr>
+          <p:style>
+            <a:lnRef idx="2">
+              <a:schemeClr val="accent1">
+                <a:shade val="50000"/>
+              </a:schemeClr>
+            </a:lnRef>
+            <a:fillRef idx="1">
+              <a:schemeClr val="accent1"/>
+            </a:fillRef>
+            <a:effectRef idx="0">
+              <a:schemeClr val="accent1"/>
+            </a:effectRef>
+            <a:fontRef idx="minor">
+              <a:schemeClr val="lt1"/>
+            </a:fontRef>
+          </p:style>
+          <p:txBody>
+            <a:bodyPr rtlCol="0" anchor="ctr"/>
+            <a:lstStyle/>
+            <a:p>
+              <a:pPr algn="ctr"/>
+              <a:r>
+                <a:rPr lang="fr-CA" sz="4800" dirty="0"/>
+                <a:t>X</a:t>
+              </a:r>
+            </a:p>
+          </p:txBody>
+        </p:sp>
+        <p:sp>
+          <p:nvSpPr>
+            <p:cNvPr id="91" name="Rectangle : coins arrondis 90">
+              <a:extLst>
+                <a:ext uri="{FF2B5EF4-FFF2-40B4-BE49-F238E27FC236}">
+                  <a16:creationId xmlns:a16="http://schemas.microsoft.com/office/drawing/2014/main" id="{9C9368F8-85C7-4500-9DA3-CF759E6BBB95}"/>
+                </a:ext>
+              </a:extLst>
+            </p:cNvPr>
+            <p:cNvSpPr/>
+            <p:nvPr/>
+          </p:nvSpPr>
+          <p:spPr>
+            <a:xfrm>
+              <a:off x="1219107" y="14220542"/>
+              <a:ext cx="499927" cy="465183"/>
+            </a:xfrm>
+            <a:prstGeom prst="roundRect">
+              <a:avLst>
+                <a:gd name="adj" fmla="val 0"/>
+              </a:avLst>
+            </a:prstGeom>
+          </p:spPr>
+          <p:style>
+            <a:lnRef idx="2">
+              <a:schemeClr val="accent1">
+                <a:shade val="50000"/>
+              </a:schemeClr>
+            </a:lnRef>
+            <a:fillRef idx="1">
+              <a:schemeClr val="accent1"/>
+            </a:fillRef>
+            <a:effectRef idx="0">
+              <a:schemeClr val="accent1"/>
+            </a:effectRef>
+            <a:fontRef idx="minor">
+              <a:schemeClr val="lt1"/>
+            </a:fontRef>
+          </p:style>
+          <p:txBody>
+            <a:bodyPr rtlCol="0" anchor="ctr"/>
+            <a:lstStyle/>
+            <a:p>
+              <a:pPr algn="ctr"/>
+              <a:r>
+                <a:rPr lang="en-US" sz="4800" dirty="0"/>
+                <a:t>Z</a:t>
+              </a:r>
+              <a:endParaRPr lang="fr-CA" sz="4800" dirty="0"/>
+            </a:p>
+          </p:txBody>
+        </p:sp>
+      </p:grpSp>
+      <p:grpSp>
+        <p:nvGrpSpPr>
+          <p:cNvPr id="19" name="Group 18">
+            <a:extLst>
+              <a:ext uri="{FF2B5EF4-FFF2-40B4-BE49-F238E27FC236}">
+                <a16:creationId xmlns:a16="http://schemas.microsoft.com/office/drawing/2014/main" id="{83220A97-CBAC-4CAD-AA3F-F3BD23AB5645}"/>
+              </a:ext>
+            </a:extLst>
+          </p:cNvPr>
+          <p:cNvGrpSpPr/>
+          <p:nvPr/>
+        </p:nvGrpSpPr>
+        <p:grpSpPr>
+          <a:xfrm>
+            <a:off x="523813" y="22750145"/>
+            <a:ext cx="9111101" cy="7776331"/>
+            <a:chOff x="602741" y="14187672"/>
+            <a:chExt cx="8844553" cy="9289574"/>
+          </a:xfrm>
+        </p:grpSpPr>
+        <p:sp>
+          <p:nvSpPr>
+            <p:cNvPr id="57" name="Ellipse 56">
+              <a:extLst>
+                <a:ext uri="{FF2B5EF4-FFF2-40B4-BE49-F238E27FC236}">
+                  <a16:creationId xmlns:a16="http://schemas.microsoft.com/office/drawing/2014/main" id="{7DBF2BE5-10A8-4FB1-BF67-C96FF78B734E}"/>
+                </a:ext>
+              </a:extLst>
+            </p:cNvPr>
+            <p:cNvSpPr/>
+            <p:nvPr/>
+          </p:nvSpPr>
+          <p:spPr>
+            <a:xfrm>
+              <a:off x="4100611" y="22723201"/>
+              <a:ext cx="1008243" cy="754045"/>
+            </a:xfrm>
+            <a:prstGeom prst="ellipse">
+              <a:avLst/>
+            </a:prstGeom>
+          </p:spPr>
+          <p:style>
+            <a:lnRef idx="2">
+              <a:schemeClr val="accent1">
+                <a:shade val="50000"/>
+              </a:schemeClr>
+            </a:lnRef>
+            <a:fillRef idx="1">
+              <a:schemeClr val="accent1"/>
+            </a:fillRef>
+            <a:effectRef idx="0">
+              <a:schemeClr val="accent1"/>
+            </a:effectRef>
+            <a:fontRef idx="minor">
+              <a:schemeClr val="lt1"/>
+            </a:fontRef>
+          </p:style>
+          <p:txBody>
+            <a:bodyPr rtlCol="0" anchor="ctr"/>
+            <a:lstStyle/>
+            <a:p>
+              <a:pPr algn="ctr"/>
+              <a:r>
+                <a:rPr lang="en-US" dirty="0"/>
+                <a:t>X</a:t>
+              </a:r>
+              <a:endParaRPr lang="fr-CA" dirty="0"/>
+            </a:p>
+          </p:txBody>
+        </p:sp>
+        <p:sp>
+          <p:nvSpPr>
+            <p:cNvPr id="58" name="Flèche : haut 57">
+              <a:extLst>
+                <a:ext uri="{FF2B5EF4-FFF2-40B4-BE49-F238E27FC236}">
+                  <a16:creationId xmlns:a16="http://schemas.microsoft.com/office/drawing/2014/main" id="{72AC517C-2B87-4080-B735-26C35549A60A}"/>
+                </a:ext>
+              </a:extLst>
+            </p:cNvPr>
+            <p:cNvSpPr/>
+            <p:nvPr/>
+          </p:nvSpPr>
+          <p:spPr>
+            <a:xfrm>
+              <a:off x="3521818" y="20940607"/>
+              <a:ext cx="2266299" cy="1630523"/>
+            </a:xfrm>
+            <a:prstGeom prst="upArrow">
+              <a:avLst/>
+            </a:prstGeom>
+          </p:spPr>
+          <p:style>
+            <a:lnRef idx="2">
+              <a:schemeClr val="accent1">
+                <a:shade val="50000"/>
+              </a:schemeClr>
+            </a:lnRef>
+            <a:fillRef idx="1">
+              <a:schemeClr val="accent1"/>
+            </a:fillRef>
+            <a:effectRef idx="0">
+              <a:schemeClr val="accent1"/>
+            </a:effectRef>
+            <a:fontRef idx="minor">
+              <a:schemeClr val="lt1"/>
+            </a:fontRef>
+          </p:style>
+          <p:txBody>
+            <a:bodyPr rtlCol="0" anchor="ctr"/>
+            <a:lstStyle/>
+            <a:p>
+              <a:pPr algn="ctr"/>
+              <a:r>
+                <a:rPr lang="en-US" sz="2000" dirty="0"/>
+                <a:t>Neural Network</a:t>
+              </a:r>
+              <a:endParaRPr lang="fr-CA" sz="2000" dirty="0"/>
+            </a:p>
+          </p:txBody>
+        </p:sp>
+        <p:sp>
+          <p:nvSpPr>
+            <p:cNvPr id="59" name="Rectangle : coins arrondis 58">
+              <a:extLst>
+                <a:ext uri="{FF2B5EF4-FFF2-40B4-BE49-F238E27FC236}">
+                  <a16:creationId xmlns:a16="http://schemas.microsoft.com/office/drawing/2014/main" id="{D8C16610-04F1-461C-81EF-A30FAA8BE432}"/>
+                </a:ext>
+              </a:extLst>
+            </p:cNvPr>
+            <p:cNvSpPr/>
+            <p:nvPr/>
+          </p:nvSpPr>
+          <p:spPr>
+            <a:xfrm>
+              <a:off x="3330941" y="19848627"/>
+              <a:ext cx="999864" cy="963455"/>
+            </a:xfrm>
+            <a:prstGeom prst="roundRect">
+              <a:avLst/>
+            </a:prstGeom>
+          </p:spPr>
+          <p:style>
+            <a:lnRef idx="2">
+              <a:schemeClr val="accent1">
+                <a:shade val="50000"/>
+              </a:schemeClr>
+            </a:lnRef>
+            <a:fillRef idx="1">
+              <a:schemeClr val="accent1"/>
+            </a:fillRef>
+            <a:effectRef idx="0">
+              <a:schemeClr val="accent1"/>
+            </a:effectRef>
+            <a:fontRef idx="minor">
+              <a:schemeClr val="lt1"/>
+            </a:fontRef>
+          </p:style>
+          <p:txBody>
+            <a:bodyPr rtlCol="0" anchor="ctr"/>
+            <a:lstStyle/>
+            <a:p>
+              <a:pPr algn="ctr"/>
+              <a:r>
+                <a:rPr lang="fr-CA" dirty="0"/>
+                <a:t>µ</a:t>
+              </a:r>
+            </a:p>
+          </p:txBody>
+        </p:sp>
+        <p:sp>
+          <p:nvSpPr>
+            <p:cNvPr id="60" name="Rectangle : coins arrondis 59">
+              <a:extLst>
+                <a:ext uri="{FF2B5EF4-FFF2-40B4-BE49-F238E27FC236}">
+                  <a16:creationId xmlns:a16="http://schemas.microsoft.com/office/drawing/2014/main" id="{36D4F669-46E2-4A1D-B9F9-C3E5EE4FB105}"/>
+                </a:ext>
+              </a:extLst>
+            </p:cNvPr>
+            <p:cNvSpPr/>
+            <p:nvPr/>
+          </p:nvSpPr>
+          <p:spPr>
+            <a:xfrm>
+              <a:off x="4843439" y="19825422"/>
+              <a:ext cx="999864" cy="963455"/>
+            </a:xfrm>
+            <a:prstGeom prst="roundRect">
+              <a:avLst/>
+            </a:prstGeom>
+          </p:spPr>
+          <p:style>
+            <a:lnRef idx="2">
+              <a:schemeClr val="accent1">
+                <a:shade val="50000"/>
+              </a:schemeClr>
+            </a:lnRef>
+            <a:fillRef idx="1">
+              <a:schemeClr val="accent1"/>
+            </a:fillRef>
+            <a:effectRef idx="0">
+              <a:schemeClr val="accent1"/>
+            </a:effectRef>
+            <a:fontRef idx="minor">
+              <a:schemeClr val="lt1"/>
+            </a:fontRef>
+          </p:style>
+          <p:txBody>
+            <a:bodyPr rtlCol="0" anchor="ctr"/>
+            <a:lstStyle/>
+            <a:p>
+              <a:pPr algn="ctr"/>
+              <a:r>
+                <a:rPr lang="el-GR" dirty="0"/>
+                <a:t>Σ</a:t>
+              </a:r>
+              <a:endParaRPr lang="fr-CA" dirty="0"/>
+            </a:p>
+          </p:txBody>
+        </p:sp>
+        <p:sp>
+          <p:nvSpPr>
+            <p:cNvPr id="63" name="Rectangle : coins arrondis 62">
+              <a:extLst>
+                <a:ext uri="{FF2B5EF4-FFF2-40B4-BE49-F238E27FC236}">
+                  <a16:creationId xmlns:a16="http://schemas.microsoft.com/office/drawing/2014/main" id="{94B41CA6-645D-4445-BBF0-47D0C49AF2E8}"/>
+                </a:ext>
+              </a:extLst>
+            </p:cNvPr>
+            <p:cNvSpPr/>
+            <p:nvPr/>
+          </p:nvSpPr>
+          <p:spPr>
+            <a:xfrm>
+              <a:off x="6299743" y="19793844"/>
+              <a:ext cx="3057525" cy="963455"/>
+            </a:xfrm>
+            <a:prstGeom prst="roundRect">
+              <a:avLst/>
+            </a:prstGeom>
+          </p:spPr>
+          <p:style>
+            <a:lnRef idx="2">
+              <a:schemeClr val="accent1">
+                <a:shade val="50000"/>
+              </a:schemeClr>
+            </a:lnRef>
+            <a:fillRef idx="1">
+              <a:schemeClr val="accent1"/>
+            </a:fillRef>
+            <a:effectRef idx="0">
+              <a:schemeClr val="accent1"/>
+            </a:effectRef>
+            <a:fontRef idx="minor">
+              <a:schemeClr val="lt1"/>
+            </a:fontRef>
+          </p:style>
+          <p:txBody>
+            <a:bodyPr rtlCol="0" anchor="ctr"/>
+            <a:lstStyle/>
+            <a:p>
+              <a:pPr algn="ctr"/>
+              <a:r>
+                <a:rPr lang="en-US" sz="6000" dirty="0"/>
+                <a:t>N(0,1)</a:t>
+              </a:r>
+              <a:endParaRPr lang="fr-CA" sz="6000" dirty="0"/>
+            </a:p>
+          </p:txBody>
+        </p:sp>
+        <p:sp>
+          <p:nvSpPr>
+            <p:cNvPr id="67" name="Rectangle : coins arrondis 66">
+              <a:extLst>
+                <a:ext uri="{FF2B5EF4-FFF2-40B4-BE49-F238E27FC236}">
+                  <a16:creationId xmlns:a16="http://schemas.microsoft.com/office/drawing/2014/main" id="{D94CB321-A9EA-4D1D-9F37-8E1C58BB3283}"/>
+                </a:ext>
+              </a:extLst>
+            </p:cNvPr>
+            <p:cNvSpPr/>
+            <p:nvPr/>
+          </p:nvSpPr>
+          <p:spPr>
+            <a:xfrm>
+              <a:off x="4822266" y="17071857"/>
+              <a:ext cx="999864" cy="963455"/>
+            </a:xfrm>
+            <a:prstGeom prst="roundRect">
+              <a:avLst>
+                <a:gd name="adj" fmla="val 0"/>
+              </a:avLst>
+            </a:prstGeom>
+          </p:spPr>
+          <p:style>
+            <a:lnRef idx="2">
+              <a:schemeClr val="accent1">
+                <a:shade val="50000"/>
+              </a:schemeClr>
+            </a:lnRef>
+            <a:fillRef idx="1">
+              <a:schemeClr val="accent1"/>
+            </a:fillRef>
+            <a:effectRef idx="0">
+              <a:schemeClr val="accent1"/>
+            </a:effectRef>
+            <a:fontRef idx="minor">
+              <a:schemeClr val="lt1"/>
+            </a:fontRef>
+          </p:style>
+          <p:txBody>
+            <a:bodyPr rtlCol="0" anchor="ctr"/>
+            <a:lstStyle/>
+            <a:p>
+              <a:pPr algn="ctr"/>
+              <a:r>
+                <a:rPr lang="en-US" dirty="0"/>
+                <a:t>Z</a:t>
+              </a:r>
+              <a:endParaRPr lang="fr-CA" dirty="0"/>
+            </a:p>
+          </p:txBody>
+        </p:sp>
+        <p:sp>
+          <p:nvSpPr>
+            <p:cNvPr id="72" name="Ellipse 71">
+              <a:extLst>
+                <a:ext uri="{FF2B5EF4-FFF2-40B4-BE49-F238E27FC236}">
+                  <a16:creationId xmlns:a16="http://schemas.microsoft.com/office/drawing/2014/main" id="{88A73338-AE5D-4534-B676-E223E87EEA85}"/>
+                </a:ext>
+              </a:extLst>
+            </p:cNvPr>
+            <p:cNvSpPr/>
+            <p:nvPr/>
+          </p:nvSpPr>
+          <p:spPr>
+            <a:xfrm>
+              <a:off x="4798182" y="14187672"/>
+              <a:ext cx="1008243" cy="754045"/>
+            </a:xfrm>
+            <a:prstGeom prst="ellipse">
+              <a:avLst/>
+            </a:prstGeom>
+          </p:spPr>
+          <p:style>
+            <a:lnRef idx="2">
+              <a:schemeClr val="accent1">
+                <a:shade val="50000"/>
+              </a:schemeClr>
+            </a:lnRef>
+            <a:fillRef idx="1">
+              <a:schemeClr val="accent1"/>
+            </a:fillRef>
+            <a:effectRef idx="0">
+              <a:schemeClr val="accent1"/>
+            </a:effectRef>
+            <a:fontRef idx="minor">
+              <a:schemeClr val="lt1"/>
+            </a:fontRef>
+          </p:style>
+          <p:txBody>
+            <a:bodyPr rtlCol="0" anchor="ctr"/>
+            <a:lstStyle/>
+            <a:p>
+              <a:pPr algn="ctr"/>
+              <a:r>
+                <a:rPr lang="en-US" dirty="0"/>
+                <a:t>X</a:t>
+              </a:r>
+              <a:endParaRPr lang="fr-CA" dirty="0"/>
+            </a:p>
+          </p:txBody>
+        </p:sp>
+        <p:cxnSp>
+          <p:nvCxnSpPr>
+            <p:cNvPr id="74" name="Connecteur droit avec flèche 73">
+              <a:extLst>
+                <a:ext uri="{FF2B5EF4-FFF2-40B4-BE49-F238E27FC236}">
+                  <a16:creationId xmlns:a16="http://schemas.microsoft.com/office/drawing/2014/main" id="{FCCC5678-EA67-4CED-99EB-2DF05A6449B9}"/>
+                </a:ext>
+              </a:extLst>
+            </p:cNvPr>
+            <p:cNvCxnSpPr>
+              <a:cxnSpLocks/>
+              <a:stCxn id="59" idx="0"/>
+            </p:cNvCxnSpPr>
+            <p:nvPr/>
+          </p:nvCxnSpPr>
+          <p:spPr>
+            <a:xfrm flipV="1">
+              <a:off x="3830873" y="18325525"/>
+              <a:ext cx="855292" cy="1523102"/>
+            </a:xfrm>
+            <a:prstGeom prst="straightConnector1">
+              <a:avLst/>
+            </a:prstGeom>
+            <a:ln>
+              <a:tailEnd type="triangle"/>
+            </a:ln>
+          </p:spPr>
+          <p:style>
+            <a:lnRef idx="1">
+              <a:schemeClr val="accent1"/>
+            </a:lnRef>
+            <a:fillRef idx="0">
+              <a:schemeClr val="accent1"/>
+            </a:fillRef>
+            <a:effectRef idx="0">
+              <a:schemeClr val="accent1"/>
+            </a:effectRef>
+            <a:fontRef idx="minor">
+              <a:schemeClr val="tx1"/>
+            </a:fontRef>
+          </p:style>
+        </p:cxnSp>
+        <p:cxnSp>
+          <p:nvCxnSpPr>
+            <p:cNvPr id="79" name="Connecteur droit avec flèche 78">
+              <a:extLst>
+                <a:ext uri="{FF2B5EF4-FFF2-40B4-BE49-F238E27FC236}">
+                  <a16:creationId xmlns:a16="http://schemas.microsoft.com/office/drawing/2014/main" id="{36D5BA69-86C0-4452-AC71-E9731CCE3AD2}"/>
+                </a:ext>
+              </a:extLst>
+            </p:cNvPr>
+            <p:cNvCxnSpPr>
+              <a:cxnSpLocks/>
+              <a:stCxn id="60" idx="0"/>
+            </p:cNvCxnSpPr>
+            <p:nvPr/>
+          </p:nvCxnSpPr>
+          <p:spPr>
+            <a:xfrm flipV="1">
+              <a:off x="5343371" y="18351516"/>
+              <a:ext cx="0" cy="1473906"/>
+            </a:xfrm>
+            <a:prstGeom prst="straightConnector1">
+              <a:avLst/>
+            </a:prstGeom>
+            <a:ln>
+              <a:tailEnd type="triangle"/>
+            </a:ln>
+          </p:spPr>
+          <p:style>
+            <a:lnRef idx="1">
+              <a:schemeClr val="accent1"/>
+            </a:lnRef>
+            <a:fillRef idx="0">
+              <a:schemeClr val="accent1"/>
+            </a:fillRef>
+            <a:effectRef idx="0">
+              <a:schemeClr val="accent1"/>
+            </a:effectRef>
+            <a:fontRef idx="minor">
+              <a:schemeClr val="tx1"/>
+            </a:fontRef>
+          </p:style>
+        </p:cxnSp>
+        <p:cxnSp>
+          <p:nvCxnSpPr>
+            <p:cNvPr id="82" name="Connecteur droit avec flèche 81">
+              <a:extLst>
+                <a:ext uri="{FF2B5EF4-FFF2-40B4-BE49-F238E27FC236}">
+                  <a16:creationId xmlns:a16="http://schemas.microsoft.com/office/drawing/2014/main" id="{80EEBF50-0FEF-42D2-816A-6655A3A977FE}"/>
+                </a:ext>
+              </a:extLst>
+            </p:cNvPr>
+            <p:cNvCxnSpPr>
+              <a:cxnSpLocks/>
+              <a:stCxn id="63" idx="0"/>
+            </p:cNvCxnSpPr>
+            <p:nvPr/>
+          </p:nvCxnSpPr>
+          <p:spPr>
+            <a:xfrm flipH="1" flipV="1">
+              <a:off x="5975538" y="18333138"/>
+              <a:ext cx="1852968" cy="1460706"/>
+            </a:xfrm>
+            <a:prstGeom prst="straightConnector1">
+              <a:avLst/>
+            </a:prstGeom>
+            <a:ln>
+              <a:tailEnd type="triangle"/>
+            </a:ln>
+          </p:spPr>
+          <p:style>
+            <a:lnRef idx="1">
+              <a:schemeClr val="accent1"/>
+            </a:lnRef>
+            <a:fillRef idx="0">
+              <a:schemeClr val="accent1"/>
+            </a:fillRef>
+            <a:effectRef idx="0">
+              <a:schemeClr val="accent1"/>
+            </a:effectRef>
+            <a:fontRef idx="minor">
+              <a:schemeClr val="tx1"/>
+            </a:fontRef>
+          </p:style>
+        </p:cxnSp>
+        <p:sp>
+          <p:nvSpPr>
+            <p:cNvPr id="92" name="Accolade fermante 91">
+              <a:extLst>
+                <a:ext uri="{FF2B5EF4-FFF2-40B4-BE49-F238E27FC236}">
+                  <a16:creationId xmlns:a16="http://schemas.microsoft.com/office/drawing/2014/main" id="{58D73F09-5760-42C4-952D-91B52DBBF486}"/>
+                </a:ext>
+              </a:extLst>
+            </p:cNvPr>
+            <p:cNvSpPr/>
+            <p:nvPr/>
+          </p:nvSpPr>
+          <p:spPr>
+            <a:xfrm>
+              <a:off x="7207442" y="14410631"/>
+              <a:ext cx="547331" cy="3835606"/>
+            </a:xfrm>
+            <a:prstGeom prst="rightBrace">
+              <a:avLst/>
+            </a:prstGeom>
+            <a:ln w="28575"/>
+          </p:spPr>
+          <p:style>
+            <a:lnRef idx="1">
+              <a:schemeClr val="accent1"/>
+            </a:lnRef>
+            <a:fillRef idx="0">
+              <a:schemeClr val="accent1"/>
+            </a:fillRef>
+            <a:effectRef idx="0">
+              <a:schemeClr val="accent1"/>
+            </a:effectRef>
+            <a:fontRef idx="minor">
+              <a:schemeClr val="tx1"/>
+            </a:fontRef>
+          </p:style>
+          <p:txBody>
+            <a:bodyPr rtlCol="0" anchor="ctr"/>
+            <a:lstStyle/>
+            <a:p>
+              <a:pPr algn="ctr"/>
+              <a:endParaRPr lang="fr-CA"/>
+            </a:p>
+          </p:txBody>
+        </p:sp>
+        <p:sp>
+          <p:nvSpPr>
+            <p:cNvPr id="95" name="Accolade fermante 94">
+              <a:extLst>
+                <a:ext uri="{FF2B5EF4-FFF2-40B4-BE49-F238E27FC236}">
+                  <a16:creationId xmlns:a16="http://schemas.microsoft.com/office/drawing/2014/main" id="{DC084A30-A300-4B80-AA0F-AA79EB07B910}"/>
+                </a:ext>
+              </a:extLst>
+            </p:cNvPr>
+            <p:cNvSpPr/>
+            <p:nvPr/>
+          </p:nvSpPr>
+          <p:spPr>
+            <a:xfrm rot="10800000">
+              <a:off x="2421385" y="17185288"/>
+              <a:ext cx="999864" cy="6291958"/>
+            </a:xfrm>
+            <a:prstGeom prst="rightBrace">
+              <a:avLst/>
+            </a:prstGeom>
+            <a:ln w="28575"/>
+          </p:spPr>
+          <p:style>
+            <a:lnRef idx="1">
+              <a:schemeClr val="accent1"/>
+            </a:lnRef>
+            <a:fillRef idx="0">
+              <a:schemeClr val="accent1"/>
+            </a:fillRef>
+            <a:effectRef idx="0">
+              <a:schemeClr val="accent1"/>
+            </a:effectRef>
+            <a:fontRef idx="minor">
+              <a:schemeClr val="tx1"/>
+            </a:fontRef>
+          </p:style>
+          <p:txBody>
+            <a:bodyPr rtlCol="0" anchor="ctr"/>
+            <a:lstStyle/>
+            <a:p>
+              <a:pPr algn="ctr"/>
+              <a:endParaRPr lang="fr-CA"/>
+            </a:p>
+          </p:txBody>
+        </p:sp>
+        <p:sp>
+          <p:nvSpPr>
+            <p:cNvPr id="96" name="Rectangle 95">
+              <a:extLst>
+                <a:ext uri="{FF2B5EF4-FFF2-40B4-BE49-F238E27FC236}">
+                  <a16:creationId xmlns:a16="http://schemas.microsoft.com/office/drawing/2014/main" id="{56C7E9A1-1206-4EBC-A672-6946530DB152}"/>
+                </a:ext>
+              </a:extLst>
+            </p:cNvPr>
+            <p:cNvSpPr/>
+            <p:nvPr/>
+          </p:nvSpPr>
+          <p:spPr>
+            <a:xfrm>
+              <a:off x="7781244" y="15642417"/>
+              <a:ext cx="1666050" cy="709270"/>
+            </a:xfrm>
+            <a:prstGeom prst="rect">
+              <a:avLst/>
+            </a:prstGeom>
+          </p:spPr>
+          <p:style>
+            <a:lnRef idx="2">
+              <a:schemeClr val="dk1"/>
+            </a:lnRef>
+            <a:fillRef idx="1">
+              <a:schemeClr val="lt1"/>
+            </a:fillRef>
+            <a:effectRef idx="0">
+              <a:schemeClr val="dk1"/>
+            </a:effectRef>
+            <a:fontRef idx="minor">
+              <a:schemeClr val="dk1"/>
+            </a:fontRef>
+          </p:style>
+          <p:txBody>
+            <a:bodyPr rtlCol="0" anchor="ctr"/>
+            <a:lstStyle/>
+            <a:p>
+              <a:pPr algn="ctr"/>
+              <a:r>
+                <a:rPr lang="en-US" sz="4000" dirty="0"/>
+                <a:t>P(X|Z)</a:t>
+              </a:r>
+              <a:endParaRPr lang="fr-CA" sz="4000" dirty="0"/>
+            </a:p>
+          </p:txBody>
+        </p:sp>
+        <p:sp>
+          <p:nvSpPr>
+            <p:cNvPr id="97" name="Rectangle 96">
+              <a:extLst>
+                <a:ext uri="{FF2B5EF4-FFF2-40B4-BE49-F238E27FC236}">
+                  <a16:creationId xmlns:a16="http://schemas.microsoft.com/office/drawing/2014/main" id="{50EF45D3-AF38-43C3-80A1-BD320E002583}"/>
+                </a:ext>
+              </a:extLst>
+            </p:cNvPr>
+            <p:cNvSpPr/>
+            <p:nvPr/>
+          </p:nvSpPr>
+          <p:spPr>
+            <a:xfrm>
+              <a:off x="602741" y="19974522"/>
+              <a:ext cx="1666050" cy="709270"/>
+            </a:xfrm>
+            <a:prstGeom prst="rect">
+              <a:avLst/>
+            </a:prstGeom>
+          </p:spPr>
+          <p:style>
+            <a:lnRef idx="2">
+              <a:schemeClr val="dk1"/>
+            </a:lnRef>
+            <a:fillRef idx="1">
+              <a:schemeClr val="lt1"/>
+            </a:fillRef>
+            <a:effectRef idx="0">
+              <a:schemeClr val="dk1"/>
+            </a:effectRef>
+            <a:fontRef idx="minor">
+              <a:schemeClr val="dk1"/>
+            </a:fontRef>
+          </p:style>
+          <p:txBody>
+            <a:bodyPr rtlCol="0" anchor="ctr"/>
+            <a:lstStyle/>
+            <a:p>
+              <a:pPr algn="ctr"/>
+              <a:r>
+                <a:rPr lang="en-US" sz="4000" dirty="0"/>
+                <a:t>Q(Z|X)</a:t>
+              </a:r>
+              <a:endParaRPr lang="fr-CA" sz="4000" dirty="0"/>
+            </a:p>
+          </p:txBody>
+        </p:sp>
+        <p:sp>
+          <p:nvSpPr>
+            <p:cNvPr id="98" name="Flèche : haut 97">
+              <a:extLst>
+                <a:ext uri="{FF2B5EF4-FFF2-40B4-BE49-F238E27FC236}">
+                  <a16:creationId xmlns:a16="http://schemas.microsoft.com/office/drawing/2014/main" id="{E2981F08-14A6-4333-BAD5-7701C356EA9B}"/>
+                </a:ext>
+              </a:extLst>
+            </p:cNvPr>
+            <p:cNvSpPr/>
+            <p:nvPr/>
+          </p:nvSpPr>
+          <p:spPr>
+            <a:xfrm>
+              <a:off x="4225623" y="14984977"/>
+              <a:ext cx="2165831" cy="1903063"/>
+            </a:xfrm>
+            <a:prstGeom prst="upArrow">
+              <a:avLst/>
+            </a:prstGeom>
+          </p:spPr>
+          <p:style>
+            <a:lnRef idx="2">
+              <a:schemeClr val="accent1">
+                <a:shade val="50000"/>
+              </a:schemeClr>
+            </a:lnRef>
+            <a:fillRef idx="1">
+              <a:schemeClr val="accent1"/>
+            </a:fillRef>
+            <a:effectRef idx="0">
+              <a:schemeClr val="accent1"/>
+            </a:effectRef>
+            <a:fontRef idx="minor">
+              <a:schemeClr val="lt1"/>
+            </a:fontRef>
+          </p:style>
+          <p:txBody>
+            <a:bodyPr rtlCol="0" anchor="ctr"/>
+            <a:lstStyle/>
+            <a:p>
+              <a:pPr algn="ctr"/>
+              <a:r>
+                <a:rPr lang="en-US" sz="2000" dirty="0"/>
+                <a:t>Neural Network</a:t>
+              </a:r>
+              <a:endParaRPr lang="fr-CA" sz="2000" dirty="0"/>
+            </a:p>
+          </p:txBody>
+        </p:sp>
+      </p:grpSp>
+      <p:sp>
+        <p:nvSpPr>
+          <p:cNvPr id="61" name="Text Placeholder 1">
+            <a:extLst>
+              <a:ext uri="{FF2B5EF4-FFF2-40B4-BE49-F238E27FC236}">
+                <a16:creationId xmlns:a16="http://schemas.microsoft.com/office/drawing/2014/main" id="{A5A55B18-228E-4F31-8420-732F1F74A9F9}"/>
+              </a:ext>
+            </a:extLst>
+          </p:cNvPr>
+          <p:cNvSpPr txBox="1">
+            <a:spLocks/>
+          </p:cNvSpPr>
+          <p:nvPr/>
+        </p:nvSpPr>
+        <p:spPr>
+          <a:xfrm>
+            <a:off x="466921" y="12903859"/>
+            <a:ext cx="10401613" cy="4870769"/>
+          </a:xfrm>
+          <a:prstGeom prst="rect">
+            <a:avLst/>
+          </a:prstGeom>
+        </p:spPr>
+        <p:txBody>
+          <a:bodyPr wrap="square" lIns="228589" tIns="228589" rIns="228589" bIns="228589">
+            <a:spAutoFit/>
+          </a:bodyPr>
+          <a:lstStyle>
+            <a:lvl1pPr marL="0" indent="0" algn="l" defTabSz="4388900" rtl="0" eaLnBrk="1" latinLnBrk="0" hangingPunct="1">
+              <a:spcBef>
+                <a:spcPct val="20000"/>
+              </a:spcBef>
+              <a:buFont typeface="Arial" pitchFamily="34" charset="0"/>
+              <a:buNone/>
+              <a:defRPr sz="2500" kern="1200">
+                <a:solidFill>
+                  <a:schemeClr val="accent5">
+                    <a:lumMod val="50000"/>
+                  </a:schemeClr>
+                </a:solidFill>
+                <a:latin typeface="Times New Roman" pitchFamily="18" charset="0"/>
+                <a:ea typeface="+mn-ea"/>
+                <a:cs typeface="Times New Roman" pitchFamily="18" charset="0"/>
+              </a:defRPr>
+            </a:lvl1pPr>
+            <a:lvl2pPr marL="1485825" indent="-571471" algn="l" defTabSz="4388900" rtl="0" eaLnBrk="1" latinLnBrk="0" hangingPunct="1">
+              <a:spcBef>
+                <a:spcPct val="20000"/>
+              </a:spcBef>
+              <a:buFont typeface="Arial" pitchFamily="34" charset="0"/>
+              <a:buChar char="–"/>
+              <a:defRPr sz="2500" kern="1200">
+                <a:solidFill>
+                  <a:schemeClr val="tx1"/>
+                </a:solidFill>
+                <a:latin typeface="Trebuchet MS" pitchFamily="34" charset="0"/>
+                <a:ea typeface="+mn-ea"/>
+                <a:cs typeface="+mn-cs"/>
+              </a:defRPr>
+            </a:lvl2pPr>
+            <a:lvl3pPr marL="2057297" indent="-571471" algn="l" defTabSz="4388900" rtl="0" eaLnBrk="1" latinLnBrk="0" hangingPunct="1">
+              <a:spcBef>
+                <a:spcPct val="20000"/>
+              </a:spcBef>
+              <a:buFont typeface="Arial" pitchFamily="34" charset="0"/>
+              <a:buChar char="•"/>
+              <a:defRPr sz="2500" kern="1200">
+                <a:solidFill>
+                  <a:schemeClr val="tx1"/>
+                </a:solidFill>
+                <a:latin typeface="Trebuchet MS" pitchFamily="34" charset="0"/>
+                <a:ea typeface="+mn-ea"/>
+                <a:cs typeface="+mn-cs"/>
+              </a:defRPr>
+            </a:lvl3pPr>
+            <a:lvl4pPr marL="2685916" indent="-628619" algn="l" defTabSz="4388900" rtl="0" eaLnBrk="1" latinLnBrk="0" hangingPunct="1">
+              <a:spcBef>
+                <a:spcPct val="20000"/>
+              </a:spcBef>
+              <a:buFont typeface="Arial" pitchFamily="34" charset="0"/>
+              <a:buChar char="–"/>
+              <a:defRPr sz="2500" kern="1200">
+                <a:solidFill>
+                  <a:schemeClr val="tx1"/>
+                </a:solidFill>
+                <a:latin typeface="Trebuchet MS" pitchFamily="34" charset="0"/>
+                <a:ea typeface="+mn-ea"/>
+                <a:cs typeface="+mn-cs"/>
+              </a:defRPr>
+            </a:lvl4pPr>
+            <a:lvl5pPr marL="3143093" indent="-457177" algn="l" defTabSz="4388900" rtl="0" eaLnBrk="1" latinLnBrk="0" hangingPunct="1">
+              <a:spcBef>
+                <a:spcPct val="20000"/>
+              </a:spcBef>
+              <a:buFont typeface="Arial" pitchFamily="34" charset="0"/>
+              <a:buChar char="»"/>
+              <a:defRPr sz="2500" kern="1200">
+                <a:solidFill>
+                  <a:schemeClr val="tx1"/>
+                </a:solidFill>
+                <a:latin typeface="Trebuchet MS" pitchFamily="34" charset="0"/>
+                <a:ea typeface="+mn-ea"/>
+                <a:cs typeface="+mn-cs"/>
+              </a:defRPr>
+            </a:lvl5pPr>
+            <a:lvl6pPr marL="12069477" indent="-1097226" algn="l" defTabSz="4388900" rtl="0" eaLnBrk="1" latinLnBrk="0" hangingPunct="1">
+              <a:spcBef>
+                <a:spcPct val="20000"/>
+              </a:spcBef>
+              <a:buFont typeface="Arial" pitchFamily="34" charset="0"/>
+              <a:buChar char="•"/>
+              <a:defRPr sz="9600" kern="1200">
+                <a:solidFill>
+                  <a:schemeClr val="tx1"/>
+                </a:solidFill>
+                <a:latin typeface="+mn-lt"/>
+                <a:ea typeface="+mn-ea"/>
+                <a:cs typeface="+mn-cs"/>
+              </a:defRPr>
+            </a:lvl6pPr>
+            <a:lvl7pPr marL="14263926" indent="-1097226" algn="l" defTabSz="4388900" rtl="0" eaLnBrk="1" latinLnBrk="0" hangingPunct="1">
+              <a:spcBef>
+                <a:spcPct val="20000"/>
+              </a:spcBef>
+              <a:buFont typeface="Arial" pitchFamily="34" charset="0"/>
+              <a:buChar char="•"/>
+              <a:defRPr sz="9600" kern="1200">
+                <a:solidFill>
+                  <a:schemeClr val="tx1"/>
+                </a:solidFill>
+                <a:latin typeface="+mn-lt"/>
+                <a:ea typeface="+mn-ea"/>
+                <a:cs typeface="+mn-cs"/>
+              </a:defRPr>
+            </a:lvl7pPr>
+            <a:lvl8pPr marL="16458377" indent="-1097226" algn="l" defTabSz="4388900" rtl="0" eaLnBrk="1" latinLnBrk="0" hangingPunct="1">
+              <a:spcBef>
+                <a:spcPct val="20000"/>
+              </a:spcBef>
+              <a:buFont typeface="Arial" pitchFamily="34" charset="0"/>
+              <a:buChar char="•"/>
+              <a:defRPr sz="9600" kern="1200">
+                <a:solidFill>
+                  <a:schemeClr val="tx1"/>
+                </a:solidFill>
+                <a:latin typeface="+mn-lt"/>
+                <a:ea typeface="+mn-ea"/>
+                <a:cs typeface="+mn-cs"/>
+              </a:defRPr>
+            </a:lvl8pPr>
+            <a:lvl9pPr marL="18652827" indent="-1097226" algn="l" defTabSz="4388900" rtl="0" eaLnBrk="1" latinLnBrk="0" hangingPunct="1">
+              <a:spcBef>
+                <a:spcPct val="20000"/>
+              </a:spcBef>
+              <a:buFont typeface="Arial" pitchFamily="34" charset="0"/>
+              <a:buChar char="•"/>
+              <a:defRPr sz="9600" kern="1200">
+                <a:solidFill>
+                  <a:schemeClr val="tx1"/>
+                </a:solidFill>
+                <a:latin typeface="+mn-lt"/>
+                <a:ea typeface="+mn-ea"/>
+                <a:cs typeface="+mn-cs"/>
+              </a:defRPr>
+            </a:lvl9pPr>
+          </a:lstStyle>
+          <a:p>
+            <a:endParaRPr lang="en-US" dirty="0"/>
+          </a:p>
+        </p:txBody>
+      </p:sp>
+      <p:sp>
+        <p:nvSpPr>
+          <p:cNvPr id="62" name="Text Placeholder 11">
+            <a:extLst>
+              <a:ext uri="{FF2B5EF4-FFF2-40B4-BE49-F238E27FC236}">
+                <a16:creationId xmlns:a16="http://schemas.microsoft.com/office/drawing/2014/main" id="{A43364F1-F3E1-4154-9BA3-93285BA3F1CA}"/>
+              </a:ext>
+            </a:extLst>
+          </p:cNvPr>
+          <p:cNvSpPr txBox="1">
+            <a:spLocks/>
+          </p:cNvSpPr>
+          <p:nvPr/>
+        </p:nvSpPr>
+        <p:spPr>
+          <a:xfrm>
+            <a:off x="11436816" y="14529712"/>
+            <a:ext cx="10021556" cy="3539408"/>
+          </a:xfrm>
+          <a:prstGeom prst="rect">
+            <a:avLst/>
+          </a:prstGeom>
+        </p:spPr>
+        <p:txBody>
+          <a:bodyPr wrap="square" lIns="228589" tIns="228589" rIns="228589" bIns="228589">
+            <a:spAutoFit/>
+          </a:bodyPr>
+          <a:lstStyle>
+            <a:lvl1pPr marL="0" indent="0" algn="l" defTabSz="4388900" rtl="0" eaLnBrk="1" latinLnBrk="0" hangingPunct="1">
+              <a:spcBef>
+                <a:spcPct val="20000"/>
+              </a:spcBef>
+              <a:buFont typeface="Arial" pitchFamily="34" charset="0"/>
+              <a:buNone/>
+              <a:defRPr sz="2500" kern="1200">
+                <a:solidFill>
+                  <a:schemeClr val="accent5">
+                    <a:lumMod val="50000"/>
+                  </a:schemeClr>
+                </a:solidFill>
+                <a:latin typeface="Times New Roman" pitchFamily="18" charset="0"/>
+                <a:ea typeface="+mn-ea"/>
+                <a:cs typeface="Times New Roman" pitchFamily="18" charset="0"/>
+              </a:defRPr>
+            </a:lvl1pPr>
+            <a:lvl2pPr marL="1485825" indent="-571471" algn="l" defTabSz="4388900" rtl="0" eaLnBrk="1" latinLnBrk="0" hangingPunct="1">
+              <a:spcBef>
+                <a:spcPct val="20000"/>
+              </a:spcBef>
+              <a:buFont typeface="Arial" pitchFamily="34" charset="0"/>
+              <a:buChar char="–"/>
+              <a:defRPr sz="2500" kern="1200">
+                <a:solidFill>
+                  <a:schemeClr val="tx1"/>
+                </a:solidFill>
+                <a:latin typeface="Trebuchet MS" pitchFamily="34" charset="0"/>
+                <a:ea typeface="+mn-ea"/>
+                <a:cs typeface="+mn-cs"/>
+              </a:defRPr>
+            </a:lvl2pPr>
+            <a:lvl3pPr marL="2057297" indent="-571471" algn="l" defTabSz="4388900" rtl="0" eaLnBrk="1" latinLnBrk="0" hangingPunct="1">
+              <a:spcBef>
+                <a:spcPct val="20000"/>
+              </a:spcBef>
+              <a:buFont typeface="Arial" pitchFamily="34" charset="0"/>
+              <a:buChar char="•"/>
+              <a:defRPr sz="2500" kern="1200">
+                <a:solidFill>
+                  <a:schemeClr val="tx1"/>
+                </a:solidFill>
+                <a:latin typeface="Trebuchet MS" pitchFamily="34" charset="0"/>
+                <a:ea typeface="+mn-ea"/>
+                <a:cs typeface="+mn-cs"/>
+              </a:defRPr>
+            </a:lvl3pPr>
+            <a:lvl4pPr marL="2685916" indent="-628619" algn="l" defTabSz="4388900" rtl="0" eaLnBrk="1" latinLnBrk="0" hangingPunct="1">
+              <a:spcBef>
+                <a:spcPct val="20000"/>
+              </a:spcBef>
+              <a:buFont typeface="Arial" pitchFamily="34" charset="0"/>
+              <a:buChar char="–"/>
+              <a:defRPr sz="2500" kern="1200">
+                <a:solidFill>
+                  <a:schemeClr val="tx1"/>
+                </a:solidFill>
+                <a:latin typeface="Trebuchet MS" pitchFamily="34" charset="0"/>
+                <a:ea typeface="+mn-ea"/>
+                <a:cs typeface="+mn-cs"/>
+              </a:defRPr>
+            </a:lvl4pPr>
+            <a:lvl5pPr marL="3143093" indent="-457177" algn="l" defTabSz="4388900" rtl="0" eaLnBrk="1" latinLnBrk="0" hangingPunct="1">
+              <a:spcBef>
+                <a:spcPct val="20000"/>
+              </a:spcBef>
+              <a:buFont typeface="Arial" pitchFamily="34" charset="0"/>
+              <a:buChar char="»"/>
+              <a:defRPr sz="2500" kern="1200">
+                <a:solidFill>
+                  <a:schemeClr val="tx1"/>
+                </a:solidFill>
+                <a:latin typeface="Trebuchet MS" pitchFamily="34" charset="0"/>
+                <a:ea typeface="+mn-ea"/>
+                <a:cs typeface="+mn-cs"/>
+              </a:defRPr>
+            </a:lvl5pPr>
+            <a:lvl6pPr marL="12069477" indent="-1097226" algn="l" defTabSz="4388900" rtl="0" eaLnBrk="1" latinLnBrk="0" hangingPunct="1">
+              <a:spcBef>
+                <a:spcPct val="20000"/>
+              </a:spcBef>
+              <a:buFont typeface="Arial" pitchFamily="34" charset="0"/>
+              <a:buChar char="•"/>
+              <a:defRPr sz="9600" kern="1200">
+                <a:solidFill>
+                  <a:schemeClr val="tx1"/>
+                </a:solidFill>
+                <a:latin typeface="+mn-lt"/>
+                <a:ea typeface="+mn-ea"/>
+                <a:cs typeface="+mn-cs"/>
+              </a:defRPr>
+            </a:lvl6pPr>
+            <a:lvl7pPr marL="14263926" indent="-1097226" algn="l" defTabSz="4388900" rtl="0" eaLnBrk="1" latinLnBrk="0" hangingPunct="1">
+              <a:spcBef>
+                <a:spcPct val="20000"/>
+              </a:spcBef>
+              <a:buFont typeface="Arial" pitchFamily="34" charset="0"/>
+              <a:buChar char="•"/>
+              <a:defRPr sz="9600" kern="1200">
+                <a:solidFill>
+                  <a:schemeClr val="tx1"/>
+                </a:solidFill>
+                <a:latin typeface="+mn-lt"/>
+                <a:ea typeface="+mn-ea"/>
+                <a:cs typeface="+mn-cs"/>
+              </a:defRPr>
+            </a:lvl7pPr>
+            <a:lvl8pPr marL="16458377" indent="-1097226" algn="l" defTabSz="4388900" rtl="0" eaLnBrk="1" latinLnBrk="0" hangingPunct="1">
+              <a:spcBef>
+                <a:spcPct val="20000"/>
+              </a:spcBef>
+              <a:buFont typeface="Arial" pitchFamily="34" charset="0"/>
+              <a:buChar char="•"/>
+              <a:defRPr sz="9600" kern="1200">
+                <a:solidFill>
+                  <a:schemeClr val="tx1"/>
+                </a:solidFill>
+                <a:latin typeface="+mn-lt"/>
+                <a:ea typeface="+mn-ea"/>
+                <a:cs typeface="+mn-cs"/>
+              </a:defRPr>
+            </a:lvl8pPr>
+            <a:lvl9pPr marL="18652827" indent="-1097226" algn="l" defTabSz="4388900" rtl="0" eaLnBrk="1" latinLnBrk="0" hangingPunct="1">
+              <a:spcBef>
+                <a:spcPct val="20000"/>
+              </a:spcBef>
+              <a:buFont typeface="Arial" pitchFamily="34" charset="0"/>
+              <a:buChar char="•"/>
+              <a:defRPr sz="9600" kern="1200">
+                <a:solidFill>
+                  <a:schemeClr val="tx1"/>
+                </a:solidFill>
+                <a:latin typeface="+mn-lt"/>
+                <a:ea typeface="+mn-ea"/>
+                <a:cs typeface="+mn-cs"/>
+              </a:defRPr>
+            </a:lvl9pPr>
+          </a:lstStyle>
+          <a:p>
+            <a:r>
+              <a:rPr lang="en-US" dirty="0"/>
+              <a:t>To compare the quality of both models, we’ve done 4 tests. </a:t>
+            </a:r>
+          </a:p>
+          <a:p>
+            <a:pPr marL="457200" indent="-457200">
+              <a:buAutoNum type="arabicPeriod"/>
+            </a:pPr>
+            <a:r>
+              <a:rPr lang="en-US" dirty="0"/>
+              <a:t>Generated samples each to see if IWAE produce clearer images.</a:t>
+            </a:r>
+          </a:p>
+          <a:p>
+            <a:pPr marL="457200" indent="-457200">
+              <a:buFont typeface="Arial" pitchFamily="34" charset="0"/>
+              <a:buAutoNum type="arabicPeriod"/>
+            </a:pPr>
+            <a:r>
+              <a:rPr lang="en-US" dirty="0"/>
+              <a:t>trained both model with a latent vector z </a:t>
+            </a:r>
+            <a:r>
+              <a:rPr lang="el-GR" dirty="0"/>
+              <a:t>ϵ</a:t>
+            </a:r>
+            <a:r>
+              <a:rPr lang="en-US" dirty="0"/>
+              <a:t> R</a:t>
+            </a:r>
+            <a:r>
+              <a:rPr lang="en-US" baseline="30000" dirty="0"/>
+              <a:t>2</a:t>
+            </a:r>
+            <a:r>
+              <a:rPr lang="en-US" dirty="0"/>
+              <a:t> and produce the learned latent space on a 2D grid.</a:t>
+            </a:r>
+          </a:p>
+          <a:p>
+            <a:r>
+              <a:rPr lang="en-US" dirty="0"/>
+              <a:t>3. Compared the quality of the encoder by reducing the dimension to 2D</a:t>
+            </a:r>
+          </a:p>
+          <a:p>
+            <a:r>
+              <a:rPr lang="en-US" dirty="0"/>
+              <a:t>4. </a:t>
+            </a:r>
+            <a:r>
+              <a:rPr lang="en-US" dirty="0" err="1"/>
+              <a:t>Caculate</a:t>
+            </a:r>
+            <a:r>
+              <a:rPr lang="en-US" dirty="0"/>
+              <a:t> and compared the negative log-likelihood</a:t>
+            </a:r>
+          </a:p>
+          <a:p>
+            <a:endParaRPr lang="en-US" dirty="0"/>
+          </a:p>
+        </p:txBody>
+      </p:sp>
+      <p:pic>
+        <p:nvPicPr>
+          <p:cNvPr id="20" name="Picture 19">
+            <a:extLst>
+              <a:ext uri="{FF2B5EF4-FFF2-40B4-BE49-F238E27FC236}">
+                <a16:creationId xmlns:a16="http://schemas.microsoft.com/office/drawing/2014/main" id="{52508552-17EF-4036-88EF-BDADCF729651}"/>
+              </a:ext>
+            </a:extLst>
+          </p:cNvPr>
+          <p:cNvPicPr>
+            <a:picLocks noChangeAspect="1"/>
+          </p:cNvPicPr>
+          <p:nvPr/>
+        </p:nvPicPr>
+        <p:blipFill>
+          <a:blip r:embed="rId10"/>
+          <a:stretch>
+            <a:fillRect/>
+          </a:stretch>
+        </p:blipFill>
+        <p:spPr>
+          <a:xfrm>
+            <a:off x="799039" y="20838760"/>
+            <a:ext cx="7248690" cy="846363"/>
+          </a:xfrm>
+          <a:prstGeom prst="rect">
+            <a:avLst/>
+          </a:prstGeom>
+        </p:spPr>
+      </p:pic>
+      <p:sp>
+        <p:nvSpPr>
+          <p:cNvPr id="65" name="Text Placeholder 11">
+            <a:extLst>
+              <a:ext uri="{FF2B5EF4-FFF2-40B4-BE49-F238E27FC236}">
+                <a16:creationId xmlns:a16="http://schemas.microsoft.com/office/drawing/2014/main" id="{DF5C931B-8ABE-4D08-9D8E-9BF163424AF4}"/>
+              </a:ext>
+            </a:extLst>
+          </p:cNvPr>
+          <p:cNvSpPr txBox="1">
+            <a:spLocks/>
+          </p:cNvSpPr>
+          <p:nvPr/>
+        </p:nvSpPr>
+        <p:spPr>
+          <a:xfrm>
+            <a:off x="5694441" y="28351275"/>
+            <a:ext cx="4981094" cy="3539408"/>
+          </a:xfrm>
+          <a:prstGeom prst="rect">
+            <a:avLst/>
+          </a:prstGeom>
+        </p:spPr>
+        <p:txBody>
+          <a:bodyPr wrap="square" lIns="228589" tIns="228589" rIns="228589" bIns="228589">
+            <a:spAutoFit/>
+          </a:bodyPr>
+          <a:lstStyle>
+            <a:lvl1pPr marL="0" indent="0" algn="l" defTabSz="4388900" rtl="0" eaLnBrk="1" latinLnBrk="0" hangingPunct="1">
+              <a:spcBef>
+                <a:spcPct val="20000"/>
+              </a:spcBef>
+              <a:buFont typeface="Arial" pitchFamily="34" charset="0"/>
+              <a:buNone/>
+              <a:defRPr sz="2500" kern="1200">
+                <a:solidFill>
+                  <a:schemeClr val="accent5">
+                    <a:lumMod val="50000"/>
+                  </a:schemeClr>
+                </a:solidFill>
+                <a:latin typeface="Times New Roman" pitchFamily="18" charset="0"/>
+                <a:ea typeface="+mn-ea"/>
+                <a:cs typeface="Times New Roman" pitchFamily="18" charset="0"/>
+              </a:defRPr>
+            </a:lvl1pPr>
+            <a:lvl2pPr marL="1485825" indent="-571471" algn="l" defTabSz="4388900" rtl="0" eaLnBrk="1" latinLnBrk="0" hangingPunct="1">
+              <a:spcBef>
+                <a:spcPct val="20000"/>
+              </a:spcBef>
+              <a:buFont typeface="Arial" pitchFamily="34" charset="0"/>
+              <a:buChar char="–"/>
+              <a:defRPr sz="2500" kern="1200">
+                <a:solidFill>
+                  <a:schemeClr val="tx1"/>
+                </a:solidFill>
+                <a:latin typeface="Trebuchet MS" pitchFamily="34" charset="0"/>
+                <a:ea typeface="+mn-ea"/>
+                <a:cs typeface="+mn-cs"/>
+              </a:defRPr>
+            </a:lvl2pPr>
+            <a:lvl3pPr marL="2057297" indent="-571471" algn="l" defTabSz="4388900" rtl="0" eaLnBrk="1" latinLnBrk="0" hangingPunct="1">
+              <a:spcBef>
+                <a:spcPct val="20000"/>
+              </a:spcBef>
+              <a:buFont typeface="Arial" pitchFamily="34" charset="0"/>
+              <a:buChar char="•"/>
+              <a:defRPr sz="2500" kern="1200">
+                <a:solidFill>
+                  <a:schemeClr val="tx1"/>
+                </a:solidFill>
+                <a:latin typeface="Trebuchet MS" pitchFamily="34" charset="0"/>
+                <a:ea typeface="+mn-ea"/>
+                <a:cs typeface="+mn-cs"/>
+              </a:defRPr>
+            </a:lvl3pPr>
+            <a:lvl4pPr marL="2685916" indent="-628619" algn="l" defTabSz="4388900" rtl="0" eaLnBrk="1" latinLnBrk="0" hangingPunct="1">
+              <a:spcBef>
+                <a:spcPct val="20000"/>
+              </a:spcBef>
+              <a:buFont typeface="Arial" pitchFamily="34" charset="0"/>
+              <a:buChar char="–"/>
+              <a:defRPr sz="2500" kern="1200">
+                <a:solidFill>
+                  <a:schemeClr val="tx1"/>
+                </a:solidFill>
+                <a:latin typeface="Trebuchet MS" pitchFamily="34" charset="0"/>
+                <a:ea typeface="+mn-ea"/>
+                <a:cs typeface="+mn-cs"/>
+              </a:defRPr>
+            </a:lvl4pPr>
+            <a:lvl5pPr marL="3143093" indent="-457177" algn="l" defTabSz="4388900" rtl="0" eaLnBrk="1" latinLnBrk="0" hangingPunct="1">
+              <a:spcBef>
+                <a:spcPct val="20000"/>
+              </a:spcBef>
+              <a:buFont typeface="Arial" pitchFamily="34" charset="0"/>
+              <a:buChar char="»"/>
+              <a:defRPr sz="2500" kern="1200">
+                <a:solidFill>
+                  <a:schemeClr val="tx1"/>
+                </a:solidFill>
+                <a:latin typeface="Trebuchet MS" pitchFamily="34" charset="0"/>
+                <a:ea typeface="+mn-ea"/>
+                <a:cs typeface="+mn-cs"/>
+              </a:defRPr>
+            </a:lvl5pPr>
+            <a:lvl6pPr marL="12069477" indent="-1097226" algn="l" defTabSz="4388900" rtl="0" eaLnBrk="1" latinLnBrk="0" hangingPunct="1">
+              <a:spcBef>
+                <a:spcPct val="20000"/>
+              </a:spcBef>
+              <a:buFont typeface="Arial" pitchFamily="34" charset="0"/>
+              <a:buChar char="•"/>
+              <a:defRPr sz="9600" kern="1200">
+                <a:solidFill>
+                  <a:schemeClr val="tx1"/>
+                </a:solidFill>
+                <a:latin typeface="+mn-lt"/>
+                <a:ea typeface="+mn-ea"/>
+                <a:cs typeface="+mn-cs"/>
+              </a:defRPr>
+            </a:lvl6pPr>
+            <a:lvl7pPr marL="14263926" indent="-1097226" algn="l" defTabSz="4388900" rtl="0" eaLnBrk="1" latinLnBrk="0" hangingPunct="1">
+              <a:spcBef>
+                <a:spcPct val="20000"/>
+              </a:spcBef>
+              <a:buFont typeface="Arial" pitchFamily="34" charset="0"/>
+              <a:buChar char="•"/>
+              <a:defRPr sz="9600" kern="1200">
+                <a:solidFill>
+                  <a:schemeClr val="tx1"/>
+                </a:solidFill>
+                <a:latin typeface="+mn-lt"/>
+                <a:ea typeface="+mn-ea"/>
+                <a:cs typeface="+mn-cs"/>
+              </a:defRPr>
+            </a:lvl7pPr>
+            <a:lvl8pPr marL="16458377" indent="-1097226" algn="l" defTabSz="4388900" rtl="0" eaLnBrk="1" latinLnBrk="0" hangingPunct="1">
+              <a:spcBef>
+                <a:spcPct val="20000"/>
+              </a:spcBef>
+              <a:buFont typeface="Arial" pitchFamily="34" charset="0"/>
+              <a:buChar char="•"/>
+              <a:defRPr sz="9600" kern="1200">
+                <a:solidFill>
+                  <a:schemeClr val="tx1"/>
+                </a:solidFill>
+                <a:latin typeface="+mn-lt"/>
+                <a:ea typeface="+mn-ea"/>
+                <a:cs typeface="+mn-cs"/>
+              </a:defRPr>
+            </a:lvl8pPr>
+            <a:lvl9pPr marL="18652827" indent="-1097226" algn="l" defTabSz="4388900" rtl="0" eaLnBrk="1" latinLnBrk="0" hangingPunct="1">
+              <a:spcBef>
+                <a:spcPct val="20000"/>
+              </a:spcBef>
+              <a:buFont typeface="Arial" pitchFamily="34" charset="0"/>
+              <a:buChar char="•"/>
+              <a:defRPr sz="9600" kern="1200">
+                <a:solidFill>
+                  <a:schemeClr val="tx1"/>
+                </a:solidFill>
+                <a:latin typeface="+mn-lt"/>
+                <a:ea typeface="+mn-ea"/>
+                <a:cs typeface="+mn-cs"/>
+              </a:defRPr>
+            </a:lvl9pPr>
+          </a:lstStyle>
+          <a:p>
+            <a:r>
+              <a:rPr lang="en-US" dirty="0"/>
+              <a:t>To learn the parameter of  q(</a:t>
+            </a:r>
+            <a:r>
+              <a:rPr lang="en-US" dirty="0" err="1"/>
+              <a:t>z|x</a:t>
+            </a:r>
+            <a:r>
+              <a:rPr lang="en-US" dirty="0"/>
+              <a:t>), we need to be able to compute the derivatives of a function </a:t>
+            </a:r>
+            <a:r>
+              <a:rPr lang="en-US" dirty="0" err="1"/>
+              <a:t>of$z</a:t>
+            </a:r>
+            <a:r>
+              <a:rPr lang="en-US" dirty="0"/>
+              <a:t> w.r.t </a:t>
+            </a:r>
+            <a:r>
+              <a:rPr lang="el-GR" dirty="0"/>
+              <a:t>θ</a:t>
+            </a:r>
+            <a:r>
+              <a:rPr lang="en-US" dirty="0"/>
+              <a:t> so we can backpropagate through the network. To do this a </a:t>
+            </a:r>
+            <a:r>
+              <a:rPr lang="en-US" dirty="0" err="1"/>
+              <a:t>reparametrization</a:t>
+            </a:r>
+            <a:r>
+              <a:rPr lang="en-US" dirty="0"/>
+              <a:t> trick is used, to separate the randomness of z from the parameters of the distributions.</a:t>
+            </a:r>
+          </a:p>
+        </p:txBody>
+      </p:sp>
+      <p:sp>
+        <p:nvSpPr>
+          <p:cNvPr id="66" name="Text Placeholder 11">
+            <a:extLst>
+              <a:ext uri="{FF2B5EF4-FFF2-40B4-BE49-F238E27FC236}">
+                <a16:creationId xmlns:a16="http://schemas.microsoft.com/office/drawing/2014/main" id="{9B9E7798-9D63-4283-8F3A-7CEFA3B9E130}"/>
+              </a:ext>
+            </a:extLst>
+          </p:cNvPr>
+          <p:cNvSpPr txBox="1">
+            <a:spLocks/>
+          </p:cNvSpPr>
+          <p:nvPr/>
+        </p:nvSpPr>
+        <p:spPr>
+          <a:xfrm>
+            <a:off x="523813" y="12928051"/>
+            <a:ext cx="10052050" cy="2923855"/>
+          </a:xfrm>
+          <a:prstGeom prst="rect">
+            <a:avLst/>
+          </a:prstGeom>
+        </p:spPr>
+        <p:txBody>
+          <a:bodyPr wrap="square" lIns="228589" tIns="228589" rIns="228589" bIns="228589">
+            <a:spAutoFit/>
+          </a:bodyPr>
+          <a:lstStyle>
+            <a:lvl1pPr marL="0" indent="0" algn="l" defTabSz="4388900" rtl="0" eaLnBrk="1" latinLnBrk="0" hangingPunct="1">
+              <a:spcBef>
+                <a:spcPct val="20000"/>
+              </a:spcBef>
+              <a:buFont typeface="Arial" pitchFamily="34" charset="0"/>
+              <a:buNone/>
+              <a:defRPr sz="2500" kern="1200">
+                <a:solidFill>
+                  <a:schemeClr val="accent5">
+                    <a:lumMod val="50000"/>
+                  </a:schemeClr>
+                </a:solidFill>
+                <a:latin typeface="Times New Roman" pitchFamily="18" charset="0"/>
+                <a:ea typeface="+mn-ea"/>
+                <a:cs typeface="Times New Roman" pitchFamily="18" charset="0"/>
+              </a:defRPr>
+            </a:lvl1pPr>
+            <a:lvl2pPr marL="1485825" indent="-571471" algn="l" defTabSz="4388900" rtl="0" eaLnBrk="1" latinLnBrk="0" hangingPunct="1">
+              <a:spcBef>
+                <a:spcPct val="20000"/>
+              </a:spcBef>
+              <a:buFont typeface="Arial" pitchFamily="34" charset="0"/>
+              <a:buChar char="–"/>
+              <a:defRPr sz="2500" kern="1200">
+                <a:solidFill>
+                  <a:schemeClr val="tx1"/>
+                </a:solidFill>
+                <a:latin typeface="Trebuchet MS" pitchFamily="34" charset="0"/>
+                <a:ea typeface="+mn-ea"/>
+                <a:cs typeface="+mn-cs"/>
+              </a:defRPr>
+            </a:lvl2pPr>
+            <a:lvl3pPr marL="2057297" indent="-571471" algn="l" defTabSz="4388900" rtl="0" eaLnBrk="1" latinLnBrk="0" hangingPunct="1">
+              <a:spcBef>
+                <a:spcPct val="20000"/>
+              </a:spcBef>
+              <a:buFont typeface="Arial" pitchFamily="34" charset="0"/>
+              <a:buChar char="•"/>
+              <a:defRPr sz="2500" kern="1200">
+                <a:solidFill>
+                  <a:schemeClr val="tx1"/>
+                </a:solidFill>
+                <a:latin typeface="Trebuchet MS" pitchFamily="34" charset="0"/>
+                <a:ea typeface="+mn-ea"/>
+                <a:cs typeface="+mn-cs"/>
+              </a:defRPr>
+            </a:lvl3pPr>
+            <a:lvl4pPr marL="2685916" indent="-628619" algn="l" defTabSz="4388900" rtl="0" eaLnBrk="1" latinLnBrk="0" hangingPunct="1">
+              <a:spcBef>
+                <a:spcPct val="20000"/>
+              </a:spcBef>
+              <a:buFont typeface="Arial" pitchFamily="34" charset="0"/>
+              <a:buChar char="–"/>
+              <a:defRPr sz="2500" kern="1200">
+                <a:solidFill>
+                  <a:schemeClr val="tx1"/>
+                </a:solidFill>
+                <a:latin typeface="Trebuchet MS" pitchFamily="34" charset="0"/>
+                <a:ea typeface="+mn-ea"/>
+                <a:cs typeface="+mn-cs"/>
+              </a:defRPr>
+            </a:lvl4pPr>
+            <a:lvl5pPr marL="3143093" indent="-457177" algn="l" defTabSz="4388900" rtl="0" eaLnBrk="1" latinLnBrk="0" hangingPunct="1">
+              <a:spcBef>
+                <a:spcPct val="20000"/>
+              </a:spcBef>
+              <a:buFont typeface="Arial" pitchFamily="34" charset="0"/>
+              <a:buChar char="»"/>
+              <a:defRPr sz="2500" kern="1200">
+                <a:solidFill>
+                  <a:schemeClr val="tx1"/>
+                </a:solidFill>
+                <a:latin typeface="Trebuchet MS" pitchFamily="34" charset="0"/>
+                <a:ea typeface="+mn-ea"/>
+                <a:cs typeface="+mn-cs"/>
+              </a:defRPr>
+            </a:lvl5pPr>
+            <a:lvl6pPr marL="12069477" indent="-1097226" algn="l" defTabSz="4388900" rtl="0" eaLnBrk="1" latinLnBrk="0" hangingPunct="1">
+              <a:spcBef>
+                <a:spcPct val="20000"/>
+              </a:spcBef>
+              <a:buFont typeface="Arial" pitchFamily="34" charset="0"/>
+              <a:buChar char="•"/>
+              <a:defRPr sz="9600" kern="1200">
+                <a:solidFill>
+                  <a:schemeClr val="tx1"/>
+                </a:solidFill>
+                <a:latin typeface="+mn-lt"/>
+                <a:ea typeface="+mn-ea"/>
+                <a:cs typeface="+mn-cs"/>
+              </a:defRPr>
+            </a:lvl6pPr>
+            <a:lvl7pPr marL="14263926" indent="-1097226" algn="l" defTabSz="4388900" rtl="0" eaLnBrk="1" latinLnBrk="0" hangingPunct="1">
+              <a:spcBef>
+                <a:spcPct val="20000"/>
+              </a:spcBef>
+              <a:buFont typeface="Arial" pitchFamily="34" charset="0"/>
+              <a:buChar char="•"/>
+              <a:defRPr sz="9600" kern="1200">
+                <a:solidFill>
+                  <a:schemeClr val="tx1"/>
+                </a:solidFill>
+                <a:latin typeface="+mn-lt"/>
+                <a:ea typeface="+mn-ea"/>
+                <a:cs typeface="+mn-cs"/>
+              </a:defRPr>
+            </a:lvl7pPr>
+            <a:lvl8pPr marL="16458377" indent="-1097226" algn="l" defTabSz="4388900" rtl="0" eaLnBrk="1" latinLnBrk="0" hangingPunct="1">
+              <a:spcBef>
+                <a:spcPct val="20000"/>
+              </a:spcBef>
+              <a:buFont typeface="Arial" pitchFamily="34" charset="0"/>
+              <a:buChar char="•"/>
+              <a:defRPr sz="9600" kern="1200">
+                <a:solidFill>
+                  <a:schemeClr val="tx1"/>
+                </a:solidFill>
+                <a:latin typeface="+mn-lt"/>
+                <a:ea typeface="+mn-ea"/>
+                <a:cs typeface="+mn-cs"/>
+              </a:defRPr>
+            </a:lvl8pPr>
+            <a:lvl9pPr marL="18652827" indent="-1097226" algn="l" defTabSz="4388900" rtl="0" eaLnBrk="1" latinLnBrk="0" hangingPunct="1">
+              <a:spcBef>
+                <a:spcPct val="20000"/>
+              </a:spcBef>
+              <a:buFont typeface="Arial" pitchFamily="34" charset="0"/>
+              <a:buChar char="•"/>
+              <a:defRPr sz="9600" kern="1200">
+                <a:solidFill>
+                  <a:schemeClr val="tx1"/>
+                </a:solidFill>
+                <a:latin typeface="+mn-lt"/>
+                <a:ea typeface="+mn-ea"/>
+                <a:cs typeface="+mn-cs"/>
+              </a:defRPr>
+            </a:lvl9pPr>
+          </a:lstStyle>
+          <a:p>
+            <a:r>
+              <a:rPr lang="en-US" dirty="0"/>
+              <a:t>In the VAE settings, the generating process can be viewed as a directed graphical probabilistic model that links the latent variable z to the observed data x.  In other words, we are assuming that the dataset X could be generated by using the following process: </a:t>
+            </a:r>
+          </a:p>
+          <a:p>
+            <a:endParaRPr lang="en-US" dirty="0"/>
+          </a:p>
+          <a:p>
+            <a:r>
+              <a:rPr lang="en-US" dirty="0"/>
+              <a:t>Draw </a:t>
+            </a:r>
+            <a:r>
+              <a:rPr lang="en-US" dirty="0" err="1"/>
+              <a:t>z</a:t>
+            </a:r>
+            <a:r>
+              <a:rPr lang="en-US" baseline="30000" dirty="0" err="1"/>
+              <a:t>i</a:t>
+            </a:r>
+            <a:r>
+              <a:rPr lang="en-US" dirty="0"/>
+              <a:t> from </a:t>
+            </a:r>
+            <a:r>
+              <a:rPr lang="en-US" dirty="0" err="1"/>
+              <a:t>p</a:t>
+            </a:r>
+            <a:r>
+              <a:rPr lang="en-US" baseline="-25000" dirty="0" err="1"/>
+              <a:t>θ</a:t>
+            </a:r>
+            <a:r>
+              <a:rPr lang="en-US" baseline="-25000" dirty="0"/>
+              <a:t> </a:t>
+            </a:r>
+            <a:r>
+              <a:rPr lang="en-US" dirty="0"/>
+              <a:t>(z) then  draw x</a:t>
+            </a:r>
+            <a:r>
+              <a:rPr lang="en-US" baseline="30000" dirty="0"/>
+              <a:t>i </a:t>
+            </a:r>
+            <a:r>
+              <a:rPr lang="en-US" dirty="0"/>
+              <a:t>from </a:t>
+            </a:r>
+            <a:r>
+              <a:rPr lang="en-US" dirty="0" err="1"/>
+              <a:t>p</a:t>
+            </a:r>
+            <a:r>
+              <a:rPr lang="en-US" baseline="-25000" dirty="0" err="1"/>
+              <a:t>θ</a:t>
+            </a:r>
+            <a:r>
+              <a:rPr lang="en-US" baseline="-25000" dirty="0"/>
+              <a:t> </a:t>
+            </a:r>
+            <a:r>
+              <a:rPr lang="en-US" dirty="0"/>
+              <a:t>(x| </a:t>
+            </a:r>
+            <a:r>
+              <a:rPr lang="en-US" dirty="0" err="1"/>
+              <a:t>z</a:t>
+            </a:r>
+            <a:r>
+              <a:rPr lang="en-US" baseline="30000" dirty="0" err="1"/>
+              <a:t>i</a:t>
+            </a:r>
+            <a:r>
+              <a:rPr lang="en-US" dirty="0"/>
+              <a:t>)</a:t>
+            </a:r>
+          </a:p>
+        </p:txBody>
+      </p:sp>
+      <p:sp>
+        <p:nvSpPr>
+          <p:cNvPr id="69" name="Text Placeholder 11">
+            <a:extLst>
+              <a:ext uri="{FF2B5EF4-FFF2-40B4-BE49-F238E27FC236}">
+                <a16:creationId xmlns:a16="http://schemas.microsoft.com/office/drawing/2014/main" id="{53032AE1-DBC6-43FB-99EF-D7444655C110}"/>
+              </a:ext>
+            </a:extLst>
+          </p:cNvPr>
+          <p:cNvSpPr txBox="1">
+            <a:spLocks/>
+          </p:cNvSpPr>
+          <p:nvPr/>
+        </p:nvSpPr>
+        <p:spPr>
+          <a:xfrm>
+            <a:off x="33372229" y="10619726"/>
+            <a:ext cx="10052050" cy="7540504"/>
+          </a:xfrm>
+          <a:prstGeom prst="rect">
+            <a:avLst/>
+          </a:prstGeom>
+        </p:spPr>
+        <p:txBody>
+          <a:bodyPr wrap="square" lIns="228589" tIns="228589" rIns="228589" bIns="228589">
+            <a:spAutoFit/>
+          </a:bodyPr>
+          <a:lstStyle>
+            <a:lvl1pPr marL="0" indent="0" algn="l" defTabSz="4388900" rtl="0" eaLnBrk="1" latinLnBrk="0" hangingPunct="1">
+              <a:spcBef>
+                <a:spcPct val="20000"/>
+              </a:spcBef>
+              <a:buFont typeface="Arial" pitchFamily="34" charset="0"/>
+              <a:buNone/>
+              <a:defRPr sz="2500" kern="1200">
+                <a:solidFill>
+                  <a:schemeClr val="accent5">
+                    <a:lumMod val="50000"/>
+                  </a:schemeClr>
+                </a:solidFill>
+                <a:latin typeface="Times New Roman" pitchFamily="18" charset="0"/>
+                <a:ea typeface="+mn-ea"/>
+                <a:cs typeface="Times New Roman" pitchFamily="18" charset="0"/>
+              </a:defRPr>
+            </a:lvl1pPr>
+            <a:lvl2pPr marL="1485825" indent="-571471" algn="l" defTabSz="4388900" rtl="0" eaLnBrk="1" latinLnBrk="0" hangingPunct="1">
+              <a:spcBef>
+                <a:spcPct val="20000"/>
+              </a:spcBef>
+              <a:buFont typeface="Arial" pitchFamily="34" charset="0"/>
+              <a:buChar char="–"/>
+              <a:defRPr sz="2500" kern="1200">
+                <a:solidFill>
+                  <a:schemeClr val="tx1"/>
+                </a:solidFill>
+                <a:latin typeface="Trebuchet MS" pitchFamily="34" charset="0"/>
+                <a:ea typeface="+mn-ea"/>
+                <a:cs typeface="+mn-cs"/>
+              </a:defRPr>
+            </a:lvl2pPr>
+            <a:lvl3pPr marL="2057297" indent="-571471" algn="l" defTabSz="4388900" rtl="0" eaLnBrk="1" latinLnBrk="0" hangingPunct="1">
+              <a:spcBef>
+                <a:spcPct val="20000"/>
+              </a:spcBef>
+              <a:buFont typeface="Arial" pitchFamily="34" charset="0"/>
+              <a:buChar char="•"/>
+              <a:defRPr sz="2500" kern="1200">
+                <a:solidFill>
+                  <a:schemeClr val="tx1"/>
+                </a:solidFill>
+                <a:latin typeface="Trebuchet MS" pitchFamily="34" charset="0"/>
+                <a:ea typeface="+mn-ea"/>
+                <a:cs typeface="+mn-cs"/>
+              </a:defRPr>
+            </a:lvl3pPr>
+            <a:lvl4pPr marL="2685916" indent="-628619" algn="l" defTabSz="4388900" rtl="0" eaLnBrk="1" latinLnBrk="0" hangingPunct="1">
+              <a:spcBef>
+                <a:spcPct val="20000"/>
+              </a:spcBef>
+              <a:buFont typeface="Arial" pitchFamily="34" charset="0"/>
+              <a:buChar char="–"/>
+              <a:defRPr sz="2500" kern="1200">
+                <a:solidFill>
+                  <a:schemeClr val="tx1"/>
+                </a:solidFill>
+                <a:latin typeface="Trebuchet MS" pitchFamily="34" charset="0"/>
+                <a:ea typeface="+mn-ea"/>
+                <a:cs typeface="+mn-cs"/>
+              </a:defRPr>
+            </a:lvl4pPr>
+            <a:lvl5pPr marL="3143093" indent="-457177" algn="l" defTabSz="4388900" rtl="0" eaLnBrk="1" latinLnBrk="0" hangingPunct="1">
+              <a:spcBef>
+                <a:spcPct val="20000"/>
+              </a:spcBef>
+              <a:buFont typeface="Arial" pitchFamily="34" charset="0"/>
+              <a:buChar char="»"/>
+              <a:defRPr sz="2500" kern="1200">
+                <a:solidFill>
+                  <a:schemeClr val="tx1"/>
+                </a:solidFill>
+                <a:latin typeface="Trebuchet MS" pitchFamily="34" charset="0"/>
+                <a:ea typeface="+mn-ea"/>
+                <a:cs typeface="+mn-cs"/>
+              </a:defRPr>
+            </a:lvl5pPr>
+            <a:lvl6pPr marL="12069477" indent="-1097226" algn="l" defTabSz="4388900" rtl="0" eaLnBrk="1" latinLnBrk="0" hangingPunct="1">
+              <a:spcBef>
+                <a:spcPct val="20000"/>
+              </a:spcBef>
+              <a:buFont typeface="Arial" pitchFamily="34" charset="0"/>
+              <a:buChar char="•"/>
+              <a:defRPr sz="9600" kern="1200">
+                <a:solidFill>
+                  <a:schemeClr val="tx1"/>
+                </a:solidFill>
+                <a:latin typeface="+mn-lt"/>
+                <a:ea typeface="+mn-ea"/>
+                <a:cs typeface="+mn-cs"/>
+              </a:defRPr>
+            </a:lvl6pPr>
+            <a:lvl7pPr marL="14263926" indent="-1097226" algn="l" defTabSz="4388900" rtl="0" eaLnBrk="1" latinLnBrk="0" hangingPunct="1">
+              <a:spcBef>
+                <a:spcPct val="20000"/>
+              </a:spcBef>
+              <a:buFont typeface="Arial" pitchFamily="34" charset="0"/>
+              <a:buChar char="•"/>
+              <a:defRPr sz="9600" kern="1200">
+                <a:solidFill>
+                  <a:schemeClr val="tx1"/>
+                </a:solidFill>
+                <a:latin typeface="+mn-lt"/>
+                <a:ea typeface="+mn-ea"/>
+                <a:cs typeface="+mn-cs"/>
+              </a:defRPr>
+            </a:lvl7pPr>
+            <a:lvl8pPr marL="16458377" indent="-1097226" algn="l" defTabSz="4388900" rtl="0" eaLnBrk="1" latinLnBrk="0" hangingPunct="1">
+              <a:spcBef>
+                <a:spcPct val="20000"/>
+              </a:spcBef>
+              <a:buFont typeface="Arial" pitchFamily="34" charset="0"/>
+              <a:buChar char="•"/>
+              <a:defRPr sz="9600" kern="1200">
+                <a:solidFill>
+                  <a:schemeClr val="tx1"/>
+                </a:solidFill>
+                <a:latin typeface="+mn-lt"/>
+                <a:ea typeface="+mn-ea"/>
+                <a:cs typeface="+mn-cs"/>
+              </a:defRPr>
+            </a:lvl8pPr>
+            <a:lvl9pPr marL="18652827" indent="-1097226" algn="l" defTabSz="4388900" rtl="0" eaLnBrk="1" latinLnBrk="0" hangingPunct="1">
+              <a:spcBef>
+                <a:spcPct val="20000"/>
+              </a:spcBef>
+              <a:buFont typeface="Arial" pitchFamily="34" charset="0"/>
+              <a:buChar char="•"/>
+              <a:defRPr sz="9600" kern="1200">
+                <a:solidFill>
+                  <a:schemeClr val="tx1"/>
+                </a:solidFill>
+                <a:latin typeface="+mn-lt"/>
+                <a:ea typeface="+mn-ea"/>
+                <a:cs typeface="+mn-cs"/>
+              </a:defRPr>
+            </a:lvl9pPr>
+          </a:lstStyle>
+          <a:p>
+            <a:r>
+              <a:rPr lang="en-US" dirty="0"/>
+              <a:t>Both models seems have the same flaws. They sometime generates clear digits, but they also often generates digits that seems to be the combination of 2 digits. This is due to the continuous nature of the random variable z and the assumptions made on the posterior distribution talked above.</a:t>
+            </a:r>
+          </a:p>
+          <a:p>
+            <a:endParaRPr lang="en-US" dirty="0"/>
+          </a:p>
+          <a:p>
+            <a:r>
+              <a:rPr lang="en-US" dirty="0"/>
+              <a:t>In the VAE case, since the prior is a standard gaussian distribution and since we penalizes the model when the learned posterior distribution is far from that distribution, we kind of force the model to put the same digits close to each other in the latent space. Hence, when sampling a Random z, we can end up in a region midway between two regions of different digits.</a:t>
+            </a:r>
+          </a:p>
+          <a:p>
+            <a:endParaRPr lang="en-US" dirty="0"/>
+          </a:p>
+          <a:p>
+            <a:r>
+              <a:rPr lang="en-US" dirty="0"/>
+              <a:t>With the IWAE model, we would have expected that sampling with importance sampling would help on that manner by learning more complex representations.</a:t>
+            </a:r>
+          </a:p>
+          <a:p>
+            <a:endParaRPr lang="en-US" dirty="0"/>
+          </a:p>
+          <a:p>
+            <a:r>
+              <a:rPr lang="en-US" dirty="0"/>
+              <a:t>It is hard to conclude solely based on visuals. Qualitatively, it is hard</a:t>
+            </a:r>
+          </a:p>
+          <a:p>
+            <a:r>
+              <a:rPr lang="en-US" dirty="0"/>
+              <a:t>to see the improvements of IWAE over VAEs.</a:t>
+            </a:r>
+          </a:p>
+        </p:txBody>
+      </p:sp>
+      <p:sp>
+        <p:nvSpPr>
+          <p:cNvPr id="15" name="Text Placeholder 14"/>
+          <p:cNvSpPr>
+            <a:spLocks noGrp="1"/>
+          </p:cNvSpPr>
+          <p:nvPr>
+            <p:ph type="body" sz="quarter" idx="96"/>
+          </p:nvPr>
+        </p:nvSpPr>
+        <p:spPr>
+          <a:xfrm>
+            <a:off x="25117259" y="17956813"/>
+            <a:ext cx="7318545" cy="846363"/>
+          </a:xfrm>
+        </p:spPr>
+        <p:txBody>
+          <a:bodyPr/>
+          <a:lstStyle/>
+          <a:p>
+            <a:r>
+              <a:rPr lang="fr-CA" dirty="0"/>
+              <a:t>VAE - </a:t>
+            </a:r>
+            <a:r>
+              <a:rPr lang="fr-CA" dirty="0" err="1"/>
+              <a:t>Dimensionality</a:t>
             </a:r>
             <a:r>
               <a:rPr lang="fr-CA" dirty="0"/>
-              <a:t> </a:t>
-            </a:r>
-            <a:r>
-              <a:rPr lang="fr-CA" dirty="0" err="1"/>
-              <a:t>Function</a:t>
+              <a:t> Reduction</a:t>
             </a:r>
             <a:endParaRPr lang="en-US" dirty="0"/>
           </a:p>
@@ -16426,769 +17361,1207 @@
       </p:sp>
       <p:sp>
         <p:nvSpPr>
-          <p:cNvPr id="57" name="Ellipse 56">
+          <p:cNvPr id="41" name="Text Placeholder 14">
             <a:extLst>
               <a:ext uri="{FF2B5EF4-FFF2-40B4-BE49-F238E27FC236}">
-                <a16:creationId xmlns:a16="http://schemas.microsoft.com/office/drawing/2014/main" id="{7DBF2BE5-10A8-4FB1-BF67-C96FF78B734E}"/>
+                <a16:creationId xmlns:a16="http://schemas.microsoft.com/office/drawing/2014/main" id="{3BB18B94-5F9C-4CAB-8CE9-6854910DEB8A}"/>
               </a:ext>
             </a:extLst>
           </p:cNvPr>
-          <p:cNvSpPr/>
+          <p:cNvSpPr txBox="1">
+            <a:spLocks/>
+          </p:cNvSpPr>
           <p:nvPr/>
         </p:nvSpPr>
         <p:spPr>
           <a:xfrm>
-            <a:off x="4100611" y="22723201"/>
-            <a:ext cx="1008243" cy="754045"/>
+            <a:off x="24656911" y="24457127"/>
+            <a:ext cx="10056813" cy="846363"/>
           </a:xfrm>
-          <a:prstGeom prst="ellipse">
+          <a:prstGeom prst="rect">
             <a:avLst/>
           </a:prstGeom>
         </p:spPr>
-        <p:style>
-          <a:lnRef idx="2">
-            <a:schemeClr val="accent1">
-              <a:shade val="50000"/>
-            </a:schemeClr>
-          </a:lnRef>
-          <a:fillRef idx="1">
-            <a:schemeClr val="accent1"/>
-          </a:fillRef>
-          <a:effectRef idx="0">
-            <a:schemeClr val="accent1"/>
-          </a:effectRef>
-          <a:fontRef idx="minor">
-            <a:schemeClr val="lt1"/>
-          </a:fontRef>
-        </p:style>
         <p:txBody>
-          <a:bodyPr rtlCol="0" anchor="ctr"/>
-          <a:lstStyle/>
+          <a:bodyPr wrap="square" lIns="228589" tIns="228589" rIns="228589" bIns="228589">
+            <a:spAutoFit/>
+          </a:bodyPr>
+          <a:lstStyle>
+            <a:lvl1pPr marL="0" indent="0" algn="l" defTabSz="4388900" rtl="0" eaLnBrk="1" latinLnBrk="0" hangingPunct="1">
+              <a:spcBef>
+                <a:spcPct val="20000"/>
+              </a:spcBef>
+              <a:buFont typeface="Arial" pitchFamily="34" charset="0"/>
+              <a:buNone/>
+              <a:defRPr sz="2500" kern="1200">
+                <a:solidFill>
+                  <a:schemeClr val="accent5">
+                    <a:lumMod val="50000"/>
+                  </a:schemeClr>
+                </a:solidFill>
+                <a:latin typeface="Times New Roman" pitchFamily="18" charset="0"/>
+                <a:ea typeface="+mn-ea"/>
+                <a:cs typeface="Times New Roman" pitchFamily="18" charset="0"/>
+              </a:defRPr>
+            </a:lvl1pPr>
+            <a:lvl2pPr marL="1485825" indent="-571471" algn="l" defTabSz="4388900" rtl="0" eaLnBrk="1" latinLnBrk="0" hangingPunct="1">
+              <a:spcBef>
+                <a:spcPct val="20000"/>
+              </a:spcBef>
+              <a:buFont typeface="Arial" pitchFamily="34" charset="0"/>
+              <a:buChar char="–"/>
+              <a:defRPr sz="2500" kern="1200">
+                <a:solidFill>
+                  <a:schemeClr val="tx1"/>
+                </a:solidFill>
+                <a:latin typeface="Trebuchet MS" pitchFamily="34" charset="0"/>
+                <a:ea typeface="+mn-ea"/>
+                <a:cs typeface="+mn-cs"/>
+              </a:defRPr>
+            </a:lvl2pPr>
+            <a:lvl3pPr marL="2057297" indent="-571471" algn="l" defTabSz="4388900" rtl="0" eaLnBrk="1" latinLnBrk="0" hangingPunct="1">
+              <a:spcBef>
+                <a:spcPct val="20000"/>
+              </a:spcBef>
+              <a:buFont typeface="Arial" pitchFamily="34" charset="0"/>
+              <a:buChar char="•"/>
+              <a:defRPr sz="2500" kern="1200">
+                <a:solidFill>
+                  <a:schemeClr val="tx1"/>
+                </a:solidFill>
+                <a:latin typeface="Trebuchet MS" pitchFamily="34" charset="0"/>
+                <a:ea typeface="+mn-ea"/>
+                <a:cs typeface="+mn-cs"/>
+              </a:defRPr>
+            </a:lvl3pPr>
+            <a:lvl4pPr marL="2685916" indent="-628619" algn="l" defTabSz="4388900" rtl="0" eaLnBrk="1" latinLnBrk="0" hangingPunct="1">
+              <a:spcBef>
+                <a:spcPct val="20000"/>
+              </a:spcBef>
+              <a:buFont typeface="Arial" pitchFamily="34" charset="0"/>
+              <a:buChar char="–"/>
+              <a:defRPr sz="2500" kern="1200">
+                <a:solidFill>
+                  <a:schemeClr val="tx1"/>
+                </a:solidFill>
+                <a:latin typeface="Trebuchet MS" pitchFamily="34" charset="0"/>
+                <a:ea typeface="+mn-ea"/>
+                <a:cs typeface="+mn-cs"/>
+              </a:defRPr>
+            </a:lvl4pPr>
+            <a:lvl5pPr marL="3143093" indent="-457177" algn="l" defTabSz="4388900" rtl="0" eaLnBrk="1" latinLnBrk="0" hangingPunct="1">
+              <a:spcBef>
+                <a:spcPct val="20000"/>
+              </a:spcBef>
+              <a:buFont typeface="Arial" pitchFamily="34" charset="0"/>
+              <a:buChar char="»"/>
+              <a:defRPr sz="2500" kern="1200">
+                <a:solidFill>
+                  <a:schemeClr val="tx1"/>
+                </a:solidFill>
+                <a:latin typeface="Trebuchet MS" pitchFamily="34" charset="0"/>
+                <a:ea typeface="+mn-ea"/>
+                <a:cs typeface="+mn-cs"/>
+              </a:defRPr>
+            </a:lvl5pPr>
+            <a:lvl6pPr marL="12069477" indent="-1097226" algn="l" defTabSz="4388900" rtl="0" eaLnBrk="1" latinLnBrk="0" hangingPunct="1">
+              <a:spcBef>
+                <a:spcPct val="20000"/>
+              </a:spcBef>
+              <a:buFont typeface="Arial" pitchFamily="34" charset="0"/>
+              <a:buChar char="•"/>
+              <a:defRPr sz="9600" kern="1200">
+                <a:solidFill>
+                  <a:schemeClr val="tx1"/>
+                </a:solidFill>
+                <a:latin typeface="+mn-lt"/>
+                <a:ea typeface="+mn-ea"/>
+                <a:cs typeface="+mn-cs"/>
+              </a:defRPr>
+            </a:lvl6pPr>
+            <a:lvl7pPr marL="14263926" indent="-1097226" algn="l" defTabSz="4388900" rtl="0" eaLnBrk="1" latinLnBrk="0" hangingPunct="1">
+              <a:spcBef>
+                <a:spcPct val="20000"/>
+              </a:spcBef>
+              <a:buFont typeface="Arial" pitchFamily="34" charset="0"/>
+              <a:buChar char="•"/>
+              <a:defRPr sz="9600" kern="1200">
+                <a:solidFill>
+                  <a:schemeClr val="tx1"/>
+                </a:solidFill>
+                <a:latin typeface="+mn-lt"/>
+                <a:ea typeface="+mn-ea"/>
+                <a:cs typeface="+mn-cs"/>
+              </a:defRPr>
+            </a:lvl7pPr>
+            <a:lvl8pPr marL="16458377" indent="-1097226" algn="l" defTabSz="4388900" rtl="0" eaLnBrk="1" latinLnBrk="0" hangingPunct="1">
+              <a:spcBef>
+                <a:spcPct val="20000"/>
+              </a:spcBef>
+              <a:buFont typeface="Arial" pitchFamily="34" charset="0"/>
+              <a:buChar char="•"/>
+              <a:defRPr sz="9600" kern="1200">
+                <a:solidFill>
+                  <a:schemeClr val="tx1"/>
+                </a:solidFill>
+                <a:latin typeface="+mn-lt"/>
+                <a:ea typeface="+mn-ea"/>
+                <a:cs typeface="+mn-cs"/>
+              </a:defRPr>
+            </a:lvl8pPr>
+            <a:lvl9pPr marL="18652827" indent="-1097226" algn="l" defTabSz="4388900" rtl="0" eaLnBrk="1" latinLnBrk="0" hangingPunct="1">
+              <a:spcBef>
+                <a:spcPct val="20000"/>
+              </a:spcBef>
+              <a:buFont typeface="Arial" pitchFamily="34" charset="0"/>
+              <a:buChar char="•"/>
+              <a:defRPr sz="9600" kern="1200">
+                <a:solidFill>
+                  <a:schemeClr val="tx1"/>
+                </a:solidFill>
+                <a:latin typeface="+mn-lt"/>
+                <a:ea typeface="+mn-ea"/>
+                <a:cs typeface="+mn-cs"/>
+              </a:defRPr>
+            </a:lvl9pPr>
+          </a:lstStyle>
           <a:p>
-            <a:pPr algn="ctr"/>
             <a:r>
-              <a:rPr lang="en-US" dirty="0"/>
-              <a:t>X</a:t>
+              <a:rPr lang="fr-CA" dirty="0"/>
+              <a:t>IWAE - </a:t>
             </a:r>
-            <a:endParaRPr lang="fr-CA" dirty="0"/>
+            <a:r>
+              <a:rPr lang="fr-CA" dirty="0" err="1"/>
+              <a:t>Dimensionality</a:t>
+            </a:r>
+            <a:r>
+              <a:rPr lang="fr-CA" dirty="0"/>
+              <a:t> Reduction</a:t>
+            </a:r>
+            <a:endParaRPr lang="en-US" dirty="0"/>
           </a:p>
         </p:txBody>
       </p:sp>
       <p:sp>
         <p:nvSpPr>
-          <p:cNvPr id="58" name="Flèche : haut 57">
+          <p:cNvPr id="32" name="Text Placeholder 6">
             <a:extLst>
               <a:ext uri="{FF2B5EF4-FFF2-40B4-BE49-F238E27FC236}">
-                <a16:creationId xmlns:a16="http://schemas.microsoft.com/office/drawing/2014/main" id="{72AC517C-2B87-4080-B735-26C35549A60A}"/>
+                <a16:creationId xmlns:a16="http://schemas.microsoft.com/office/drawing/2014/main" id="{679DF83E-27B2-489B-9C16-AC17B4A8A540}"/>
               </a:ext>
             </a:extLst>
           </p:cNvPr>
-          <p:cNvSpPr/>
+          <p:cNvSpPr txBox="1">
+            <a:spLocks/>
+          </p:cNvSpPr>
           <p:nvPr/>
         </p:nvSpPr>
         <p:spPr>
           <a:xfrm>
-            <a:off x="3521818" y="20940607"/>
-            <a:ext cx="2266299" cy="1630523"/>
+            <a:off x="14500103" y="17844503"/>
+            <a:ext cx="10048874" cy="846363"/>
           </a:xfrm>
-          <a:prstGeom prst="upArrow">
+          <a:prstGeom prst="rect">
             <a:avLst/>
           </a:prstGeom>
         </p:spPr>
-        <p:style>
-          <a:lnRef idx="2">
-            <a:schemeClr val="accent1">
-              <a:shade val="50000"/>
-            </a:schemeClr>
-          </a:lnRef>
-          <a:fillRef idx="1">
-            <a:schemeClr val="accent1"/>
-          </a:fillRef>
-          <a:effectRef idx="0">
-            <a:schemeClr val="accent1"/>
-          </a:effectRef>
-          <a:fontRef idx="minor">
-            <a:schemeClr val="lt1"/>
-          </a:fontRef>
-        </p:style>
         <p:txBody>
-          <a:bodyPr rtlCol="0" anchor="ctr"/>
-          <a:lstStyle/>
+          <a:bodyPr wrap="square" lIns="228589" tIns="228589" rIns="228589" bIns="228589">
+            <a:spAutoFit/>
+          </a:bodyPr>
+          <a:lstStyle>
+            <a:lvl1pPr marL="0" indent="0" algn="l" defTabSz="4388900" rtl="0" eaLnBrk="1" latinLnBrk="0" hangingPunct="1">
+              <a:spcBef>
+                <a:spcPct val="20000"/>
+              </a:spcBef>
+              <a:buFont typeface="Arial" pitchFamily="34" charset="0"/>
+              <a:buNone/>
+              <a:defRPr sz="2500" kern="1200">
+                <a:solidFill>
+                  <a:schemeClr val="accent5">
+                    <a:lumMod val="50000"/>
+                  </a:schemeClr>
+                </a:solidFill>
+                <a:latin typeface="Times New Roman" pitchFamily="18" charset="0"/>
+                <a:ea typeface="+mn-ea"/>
+                <a:cs typeface="Times New Roman" pitchFamily="18" charset="0"/>
+              </a:defRPr>
+            </a:lvl1pPr>
+            <a:lvl2pPr marL="1485825" indent="-571471" algn="l" defTabSz="4388900" rtl="0" eaLnBrk="1" latinLnBrk="0" hangingPunct="1">
+              <a:spcBef>
+                <a:spcPct val="20000"/>
+              </a:spcBef>
+              <a:buFont typeface="Arial" pitchFamily="34" charset="0"/>
+              <a:buChar char="–"/>
+              <a:defRPr sz="2500" kern="1200">
+                <a:solidFill>
+                  <a:schemeClr val="tx1"/>
+                </a:solidFill>
+                <a:latin typeface="Trebuchet MS" pitchFamily="34" charset="0"/>
+                <a:ea typeface="+mn-ea"/>
+                <a:cs typeface="+mn-cs"/>
+              </a:defRPr>
+            </a:lvl2pPr>
+            <a:lvl3pPr marL="2057297" indent="-571471" algn="l" defTabSz="4388900" rtl="0" eaLnBrk="1" latinLnBrk="0" hangingPunct="1">
+              <a:spcBef>
+                <a:spcPct val="20000"/>
+              </a:spcBef>
+              <a:buFont typeface="Arial" pitchFamily="34" charset="0"/>
+              <a:buChar char="•"/>
+              <a:defRPr sz="2500" kern="1200">
+                <a:solidFill>
+                  <a:schemeClr val="tx1"/>
+                </a:solidFill>
+                <a:latin typeface="Trebuchet MS" pitchFamily="34" charset="0"/>
+                <a:ea typeface="+mn-ea"/>
+                <a:cs typeface="+mn-cs"/>
+              </a:defRPr>
+            </a:lvl3pPr>
+            <a:lvl4pPr marL="2685916" indent="-628619" algn="l" defTabSz="4388900" rtl="0" eaLnBrk="1" latinLnBrk="0" hangingPunct="1">
+              <a:spcBef>
+                <a:spcPct val="20000"/>
+              </a:spcBef>
+              <a:buFont typeface="Arial" pitchFamily="34" charset="0"/>
+              <a:buChar char="–"/>
+              <a:defRPr sz="2500" kern="1200">
+                <a:solidFill>
+                  <a:schemeClr val="tx1"/>
+                </a:solidFill>
+                <a:latin typeface="Trebuchet MS" pitchFamily="34" charset="0"/>
+                <a:ea typeface="+mn-ea"/>
+                <a:cs typeface="+mn-cs"/>
+              </a:defRPr>
+            </a:lvl4pPr>
+            <a:lvl5pPr marL="3143093" indent="-457177" algn="l" defTabSz="4388900" rtl="0" eaLnBrk="1" latinLnBrk="0" hangingPunct="1">
+              <a:spcBef>
+                <a:spcPct val="20000"/>
+              </a:spcBef>
+              <a:buFont typeface="Arial" pitchFamily="34" charset="0"/>
+              <a:buChar char="»"/>
+              <a:defRPr sz="2500" kern="1200">
+                <a:solidFill>
+                  <a:schemeClr val="tx1"/>
+                </a:solidFill>
+                <a:latin typeface="Trebuchet MS" pitchFamily="34" charset="0"/>
+                <a:ea typeface="+mn-ea"/>
+                <a:cs typeface="+mn-cs"/>
+              </a:defRPr>
+            </a:lvl5pPr>
+            <a:lvl6pPr marL="12069477" indent="-1097226" algn="l" defTabSz="4388900" rtl="0" eaLnBrk="1" latinLnBrk="0" hangingPunct="1">
+              <a:spcBef>
+                <a:spcPct val="20000"/>
+              </a:spcBef>
+              <a:buFont typeface="Arial" pitchFamily="34" charset="0"/>
+              <a:buChar char="•"/>
+              <a:defRPr sz="9600" kern="1200">
+                <a:solidFill>
+                  <a:schemeClr val="tx1"/>
+                </a:solidFill>
+                <a:latin typeface="+mn-lt"/>
+                <a:ea typeface="+mn-ea"/>
+                <a:cs typeface="+mn-cs"/>
+              </a:defRPr>
+            </a:lvl6pPr>
+            <a:lvl7pPr marL="14263926" indent="-1097226" algn="l" defTabSz="4388900" rtl="0" eaLnBrk="1" latinLnBrk="0" hangingPunct="1">
+              <a:spcBef>
+                <a:spcPct val="20000"/>
+              </a:spcBef>
+              <a:buFont typeface="Arial" pitchFamily="34" charset="0"/>
+              <a:buChar char="•"/>
+              <a:defRPr sz="9600" kern="1200">
+                <a:solidFill>
+                  <a:schemeClr val="tx1"/>
+                </a:solidFill>
+                <a:latin typeface="+mn-lt"/>
+                <a:ea typeface="+mn-ea"/>
+                <a:cs typeface="+mn-cs"/>
+              </a:defRPr>
+            </a:lvl7pPr>
+            <a:lvl8pPr marL="16458377" indent="-1097226" algn="l" defTabSz="4388900" rtl="0" eaLnBrk="1" latinLnBrk="0" hangingPunct="1">
+              <a:spcBef>
+                <a:spcPct val="20000"/>
+              </a:spcBef>
+              <a:buFont typeface="Arial" pitchFamily="34" charset="0"/>
+              <a:buChar char="•"/>
+              <a:defRPr sz="9600" kern="1200">
+                <a:solidFill>
+                  <a:schemeClr val="tx1"/>
+                </a:solidFill>
+                <a:latin typeface="+mn-lt"/>
+                <a:ea typeface="+mn-ea"/>
+                <a:cs typeface="+mn-cs"/>
+              </a:defRPr>
+            </a:lvl8pPr>
+            <a:lvl9pPr marL="18652827" indent="-1097226" algn="l" defTabSz="4388900" rtl="0" eaLnBrk="1" latinLnBrk="0" hangingPunct="1">
+              <a:spcBef>
+                <a:spcPct val="20000"/>
+              </a:spcBef>
+              <a:buFont typeface="Arial" pitchFamily="34" charset="0"/>
+              <a:buChar char="•"/>
+              <a:defRPr sz="9600" kern="1200">
+                <a:solidFill>
+                  <a:schemeClr val="tx1"/>
+                </a:solidFill>
+                <a:latin typeface="+mn-lt"/>
+                <a:ea typeface="+mn-ea"/>
+                <a:cs typeface="+mn-cs"/>
+              </a:defRPr>
+            </a:lvl9pPr>
+          </a:lstStyle>
           <a:p>
-            <a:pPr algn="ctr"/>
             <a:r>
-              <a:rPr lang="en-US" sz="2000" dirty="0"/>
-              <a:t>Neural Network</a:t>
-            </a:r>
-            <a:endParaRPr lang="fr-CA" sz="2000" dirty="0"/>
-          </a:p>
-        </p:txBody>
-      </p:sp>
-      <p:sp>
-        <p:nvSpPr>
-          <p:cNvPr id="59" name="Rectangle : coins arrondis 58">
-            <a:extLst>
-              <a:ext uri="{FF2B5EF4-FFF2-40B4-BE49-F238E27FC236}">
-                <a16:creationId xmlns:a16="http://schemas.microsoft.com/office/drawing/2014/main" id="{D8C16610-04F1-461C-81EF-A30FAA8BE432}"/>
-              </a:ext>
-            </a:extLst>
-          </p:cNvPr>
-          <p:cNvSpPr/>
-          <p:nvPr/>
-        </p:nvSpPr>
-        <p:spPr>
-          <a:xfrm>
-            <a:off x="3330941" y="19848627"/>
-            <a:ext cx="999864" cy="963455"/>
-          </a:xfrm>
-          <a:prstGeom prst="roundRect">
-            <a:avLst/>
-          </a:prstGeom>
-        </p:spPr>
-        <p:style>
-          <a:lnRef idx="2">
-            <a:schemeClr val="accent1">
-              <a:shade val="50000"/>
-            </a:schemeClr>
-          </a:lnRef>
-          <a:fillRef idx="1">
-            <a:schemeClr val="accent1"/>
-          </a:fillRef>
-          <a:effectRef idx="0">
-            <a:schemeClr val="accent1"/>
-          </a:effectRef>
-          <a:fontRef idx="minor">
-            <a:schemeClr val="lt1"/>
-          </a:fontRef>
-        </p:style>
-        <p:txBody>
-          <a:bodyPr rtlCol="0" anchor="ctr"/>
-          <a:lstStyle/>
-          <a:p>
-            <a:pPr algn="ctr"/>
-            <a:r>
-              <a:rPr lang="fr-CA" dirty="0"/>
-              <a:t>µ</a:t>
+              <a:rPr lang="en-US" dirty="0"/>
+              <a:t>VAE – 100 Digits generated</a:t>
             </a:r>
           </a:p>
         </p:txBody>
       </p:sp>
       <p:sp>
         <p:nvSpPr>
-          <p:cNvPr id="60" name="Rectangle : coins arrondis 59">
+          <p:cNvPr id="37" name="Text Placeholder 6">
             <a:extLst>
               <a:ext uri="{FF2B5EF4-FFF2-40B4-BE49-F238E27FC236}">
-                <a16:creationId xmlns:a16="http://schemas.microsoft.com/office/drawing/2014/main" id="{36D4F669-46E2-4A1D-B9F9-C3E5EE4FB105}"/>
+                <a16:creationId xmlns:a16="http://schemas.microsoft.com/office/drawing/2014/main" id="{1C1E200B-2FAE-4919-9CA4-F6FC1A105E1F}"/>
               </a:ext>
             </a:extLst>
           </p:cNvPr>
-          <p:cNvSpPr/>
+          <p:cNvSpPr txBox="1">
+            <a:spLocks/>
+          </p:cNvSpPr>
           <p:nvPr/>
         </p:nvSpPr>
         <p:spPr>
           <a:xfrm>
-            <a:off x="4843439" y="19825422"/>
-            <a:ext cx="999864" cy="963455"/>
+            <a:off x="14500103" y="24600606"/>
+            <a:ext cx="10048874" cy="846363"/>
           </a:xfrm>
-          <a:prstGeom prst="roundRect">
+          <a:prstGeom prst="rect">
             <a:avLst/>
           </a:prstGeom>
         </p:spPr>
-        <p:style>
-          <a:lnRef idx="2">
-            <a:schemeClr val="accent1">
-              <a:shade val="50000"/>
-            </a:schemeClr>
-          </a:lnRef>
-          <a:fillRef idx="1">
-            <a:schemeClr val="accent1"/>
-          </a:fillRef>
-          <a:effectRef idx="0">
-            <a:schemeClr val="accent1"/>
-          </a:effectRef>
-          <a:fontRef idx="minor">
-            <a:schemeClr val="lt1"/>
-          </a:fontRef>
-        </p:style>
         <p:txBody>
-          <a:bodyPr rtlCol="0" anchor="ctr"/>
-          <a:lstStyle/>
+          <a:bodyPr wrap="square" lIns="228589" tIns="228589" rIns="228589" bIns="228589">
+            <a:spAutoFit/>
+          </a:bodyPr>
+          <a:lstStyle>
+            <a:lvl1pPr marL="0" indent="0" algn="l" defTabSz="4388900" rtl="0" eaLnBrk="1" latinLnBrk="0" hangingPunct="1">
+              <a:spcBef>
+                <a:spcPct val="20000"/>
+              </a:spcBef>
+              <a:buFont typeface="Arial" pitchFamily="34" charset="0"/>
+              <a:buNone/>
+              <a:defRPr sz="2500" kern="1200">
+                <a:solidFill>
+                  <a:schemeClr val="accent5">
+                    <a:lumMod val="50000"/>
+                  </a:schemeClr>
+                </a:solidFill>
+                <a:latin typeface="Times New Roman" pitchFamily="18" charset="0"/>
+                <a:ea typeface="+mn-ea"/>
+                <a:cs typeface="Times New Roman" pitchFamily="18" charset="0"/>
+              </a:defRPr>
+            </a:lvl1pPr>
+            <a:lvl2pPr marL="1485825" indent="-571471" algn="l" defTabSz="4388900" rtl="0" eaLnBrk="1" latinLnBrk="0" hangingPunct="1">
+              <a:spcBef>
+                <a:spcPct val="20000"/>
+              </a:spcBef>
+              <a:buFont typeface="Arial" pitchFamily="34" charset="0"/>
+              <a:buChar char="–"/>
+              <a:defRPr sz="2500" kern="1200">
+                <a:solidFill>
+                  <a:schemeClr val="tx1"/>
+                </a:solidFill>
+                <a:latin typeface="Trebuchet MS" pitchFamily="34" charset="0"/>
+                <a:ea typeface="+mn-ea"/>
+                <a:cs typeface="+mn-cs"/>
+              </a:defRPr>
+            </a:lvl2pPr>
+            <a:lvl3pPr marL="2057297" indent="-571471" algn="l" defTabSz="4388900" rtl="0" eaLnBrk="1" latinLnBrk="0" hangingPunct="1">
+              <a:spcBef>
+                <a:spcPct val="20000"/>
+              </a:spcBef>
+              <a:buFont typeface="Arial" pitchFamily="34" charset="0"/>
+              <a:buChar char="•"/>
+              <a:defRPr sz="2500" kern="1200">
+                <a:solidFill>
+                  <a:schemeClr val="tx1"/>
+                </a:solidFill>
+                <a:latin typeface="Trebuchet MS" pitchFamily="34" charset="0"/>
+                <a:ea typeface="+mn-ea"/>
+                <a:cs typeface="+mn-cs"/>
+              </a:defRPr>
+            </a:lvl3pPr>
+            <a:lvl4pPr marL="2685916" indent="-628619" algn="l" defTabSz="4388900" rtl="0" eaLnBrk="1" latinLnBrk="0" hangingPunct="1">
+              <a:spcBef>
+                <a:spcPct val="20000"/>
+              </a:spcBef>
+              <a:buFont typeface="Arial" pitchFamily="34" charset="0"/>
+              <a:buChar char="–"/>
+              <a:defRPr sz="2500" kern="1200">
+                <a:solidFill>
+                  <a:schemeClr val="tx1"/>
+                </a:solidFill>
+                <a:latin typeface="Trebuchet MS" pitchFamily="34" charset="0"/>
+                <a:ea typeface="+mn-ea"/>
+                <a:cs typeface="+mn-cs"/>
+              </a:defRPr>
+            </a:lvl4pPr>
+            <a:lvl5pPr marL="3143093" indent="-457177" algn="l" defTabSz="4388900" rtl="0" eaLnBrk="1" latinLnBrk="0" hangingPunct="1">
+              <a:spcBef>
+                <a:spcPct val="20000"/>
+              </a:spcBef>
+              <a:buFont typeface="Arial" pitchFamily="34" charset="0"/>
+              <a:buChar char="»"/>
+              <a:defRPr sz="2500" kern="1200">
+                <a:solidFill>
+                  <a:schemeClr val="tx1"/>
+                </a:solidFill>
+                <a:latin typeface="Trebuchet MS" pitchFamily="34" charset="0"/>
+                <a:ea typeface="+mn-ea"/>
+                <a:cs typeface="+mn-cs"/>
+              </a:defRPr>
+            </a:lvl5pPr>
+            <a:lvl6pPr marL="12069477" indent="-1097226" algn="l" defTabSz="4388900" rtl="0" eaLnBrk="1" latinLnBrk="0" hangingPunct="1">
+              <a:spcBef>
+                <a:spcPct val="20000"/>
+              </a:spcBef>
+              <a:buFont typeface="Arial" pitchFamily="34" charset="0"/>
+              <a:buChar char="•"/>
+              <a:defRPr sz="9600" kern="1200">
+                <a:solidFill>
+                  <a:schemeClr val="tx1"/>
+                </a:solidFill>
+                <a:latin typeface="+mn-lt"/>
+                <a:ea typeface="+mn-ea"/>
+                <a:cs typeface="+mn-cs"/>
+              </a:defRPr>
+            </a:lvl6pPr>
+            <a:lvl7pPr marL="14263926" indent="-1097226" algn="l" defTabSz="4388900" rtl="0" eaLnBrk="1" latinLnBrk="0" hangingPunct="1">
+              <a:spcBef>
+                <a:spcPct val="20000"/>
+              </a:spcBef>
+              <a:buFont typeface="Arial" pitchFamily="34" charset="0"/>
+              <a:buChar char="•"/>
+              <a:defRPr sz="9600" kern="1200">
+                <a:solidFill>
+                  <a:schemeClr val="tx1"/>
+                </a:solidFill>
+                <a:latin typeface="+mn-lt"/>
+                <a:ea typeface="+mn-ea"/>
+                <a:cs typeface="+mn-cs"/>
+              </a:defRPr>
+            </a:lvl7pPr>
+            <a:lvl8pPr marL="16458377" indent="-1097226" algn="l" defTabSz="4388900" rtl="0" eaLnBrk="1" latinLnBrk="0" hangingPunct="1">
+              <a:spcBef>
+                <a:spcPct val="20000"/>
+              </a:spcBef>
+              <a:buFont typeface="Arial" pitchFamily="34" charset="0"/>
+              <a:buChar char="•"/>
+              <a:defRPr sz="9600" kern="1200">
+                <a:solidFill>
+                  <a:schemeClr val="tx1"/>
+                </a:solidFill>
+                <a:latin typeface="+mn-lt"/>
+                <a:ea typeface="+mn-ea"/>
+                <a:cs typeface="+mn-cs"/>
+              </a:defRPr>
+            </a:lvl8pPr>
+            <a:lvl9pPr marL="18652827" indent="-1097226" algn="l" defTabSz="4388900" rtl="0" eaLnBrk="1" latinLnBrk="0" hangingPunct="1">
+              <a:spcBef>
+                <a:spcPct val="20000"/>
+              </a:spcBef>
+              <a:buFont typeface="Arial" pitchFamily="34" charset="0"/>
+              <a:buChar char="•"/>
+              <a:defRPr sz="9600" kern="1200">
+                <a:solidFill>
+                  <a:schemeClr val="tx1"/>
+                </a:solidFill>
+                <a:latin typeface="+mn-lt"/>
+                <a:ea typeface="+mn-ea"/>
+                <a:cs typeface="+mn-cs"/>
+              </a:defRPr>
+            </a:lvl9pPr>
+          </a:lstStyle>
           <a:p>
-            <a:pPr algn="ctr"/>
             <a:r>
-              <a:rPr lang="el-GR" dirty="0"/>
-              <a:t>Σ</a:t>
+              <a:rPr lang="en-US" dirty="0"/>
+              <a:t>IWAE – 100 Digits generated</a:t>
             </a:r>
-            <a:endParaRPr lang="fr-CA" dirty="0"/>
           </a:p>
         </p:txBody>
       </p:sp>
       <p:sp>
         <p:nvSpPr>
-          <p:cNvPr id="63" name="Rectangle : coins arrondis 62">
-            <a:extLst>
-              <a:ext uri="{FF2B5EF4-FFF2-40B4-BE49-F238E27FC236}">
-                <a16:creationId xmlns:a16="http://schemas.microsoft.com/office/drawing/2014/main" id="{94B41CA6-645D-4445-BBF0-47D0C49AF2E8}"/>
-              </a:ext>
-            </a:extLst>
-          </p:cNvPr>
-          <p:cNvSpPr/>
-          <p:nvPr/>
+          <p:cNvPr id="7" name="Text Placeholder 6"/>
+          <p:cNvSpPr>
+            <a:spLocks noGrp="1"/>
+          </p:cNvSpPr>
+          <p:nvPr>
+            <p:ph type="body" sz="quarter" idx="23"/>
+          </p:nvPr>
         </p:nvSpPr>
         <p:spPr>
           <a:xfrm>
-            <a:off x="6299743" y="19793844"/>
-            <a:ext cx="3057525" cy="963455"/>
+            <a:off x="25970901" y="6323544"/>
+            <a:ext cx="10048874" cy="846363"/>
           </a:xfrm>
-          <a:prstGeom prst="roundRect">
-            <a:avLst/>
-          </a:prstGeom>
         </p:spPr>
-        <p:style>
-          <a:lnRef idx="2">
-            <a:schemeClr val="accent1">
-              <a:shade val="50000"/>
-            </a:schemeClr>
-          </a:lnRef>
-          <a:fillRef idx="1">
-            <a:schemeClr val="accent1"/>
-          </a:fillRef>
-          <a:effectRef idx="0">
-            <a:schemeClr val="accent1"/>
-          </a:effectRef>
-          <a:fontRef idx="minor">
-            <a:schemeClr val="lt1"/>
-          </a:fontRef>
-        </p:style>
         <p:txBody>
-          <a:bodyPr rtlCol="0" anchor="ctr"/>
+          <a:bodyPr/>
           <a:lstStyle/>
           <a:p>
-            <a:pPr algn="ctr"/>
             <a:r>
-              <a:rPr lang="en-US" sz="6000" dirty="0"/>
-              <a:t>N(0,1)</a:t>
+              <a:rPr lang="en-US" dirty="0"/>
+              <a:t>VAE – Latent Space</a:t>
             </a:r>
-            <a:endParaRPr lang="fr-CA" sz="6000" dirty="0"/>
           </a:p>
         </p:txBody>
       </p:sp>
       <p:sp>
         <p:nvSpPr>
-          <p:cNvPr id="67" name="Rectangle : coins arrondis 66">
+          <p:cNvPr id="25" name="Text Placeholder 6">
             <a:extLst>
               <a:ext uri="{FF2B5EF4-FFF2-40B4-BE49-F238E27FC236}">
-                <a16:creationId xmlns:a16="http://schemas.microsoft.com/office/drawing/2014/main" id="{D94CB321-A9EA-4D1D-9F37-8E1C58BB3283}"/>
+                <a16:creationId xmlns:a16="http://schemas.microsoft.com/office/drawing/2014/main" id="{73370A92-B6C4-4FD7-9AD8-66D8BE4C9CC6}"/>
               </a:ext>
             </a:extLst>
           </p:cNvPr>
-          <p:cNvSpPr/>
+          <p:cNvSpPr txBox="1">
+            <a:spLocks/>
+          </p:cNvSpPr>
           <p:nvPr/>
         </p:nvSpPr>
         <p:spPr>
           <a:xfrm>
-            <a:off x="4822266" y="17071857"/>
-            <a:ext cx="999864" cy="963455"/>
+            <a:off x="25970901" y="12221723"/>
+            <a:ext cx="10048874" cy="846363"/>
           </a:xfrm>
-          <a:prstGeom prst="roundRect">
-            <a:avLst>
-              <a:gd name="adj" fmla="val 0"/>
-            </a:avLst>
+          <a:prstGeom prst="rect">
+            <a:avLst/>
           </a:prstGeom>
         </p:spPr>
-        <p:style>
-          <a:lnRef idx="2">
-            <a:schemeClr val="accent1">
-              <a:shade val="50000"/>
-            </a:schemeClr>
-          </a:lnRef>
-          <a:fillRef idx="1">
-            <a:schemeClr val="accent1"/>
-          </a:fillRef>
-          <a:effectRef idx="0">
-            <a:schemeClr val="accent1"/>
-          </a:effectRef>
-          <a:fontRef idx="minor">
-            <a:schemeClr val="lt1"/>
-          </a:fontRef>
-        </p:style>
         <p:txBody>
-          <a:bodyPr rtlCol="0" anchor="ctr"/>
-          <a:lstStyle/>
+          <a:bodyPr wrap="square" lIns="228589" tIns="228589" rIns="228589" bIns="228589">
+            <a:spAutoFit/>
+          </a:bodyPr>
+          <a:lstStyle>
+            <a:lvl1pPr marL="0" indent="0" algn="l" defTabSz="4388900" rtl="0" eaLnBrk="1" latinLnBrk="0" hangingPunct="1">
+              <a:spcBef>
+                <a:spcPct val="20000"/>
+              </a:spcBef>
+              <a:buFont typeface="Arial" pitchFamily="34" charset="0"/>
+              <a:buNone/>
+              <a:defRPr sz="2500" kern="1200">
+                <a:solidFill>
+                  <a:schemeClr val="accent5">
+                    <a:lumMod val="50000"/>
+                  </a:schemeClr>
+                </a:solidFill>
+                <a:latin typeface="Times New Roman" pitchFamily="18" charset="0"/>
+                <a:ea typeface="+mn-ea"/>
+                <a:cs typeface="Times New Roman" pitchFamily="18" charset="0"/>
+              </a:defRPr>
+            </a:lvl1pPr>
+            <a:lvl2pPr marL="1485825" indent="-571471" algn="l" defTabSz="4388900" rtl="0" eaLnBrk="1" latinLnBrk="0" hangingPunct="1">
+              <a:spcBef>
+                <a:spcPct val="20000"/>
+              </a:spcBef>
+              <a:buFont typeface="Arial" pitchFamily="34" charset="0"/>
+              <a:buChar char="–"/>
+              <a:defRPr sz="2500" kern="1200">
+                <a:solidFill>
+                  <a:schemeClr val="tx1"/>
+                </a:solidFill>
+                <a:latin typeface="Trebuchet MS" pitchFamily="34" charset="0"/>
+                <a:ea typeface="+mn-ea"/>
+                <a:cs typeface="+mn-cs"/>
+              </a:defRPr>
+            </a:lvl2pPr>
+            <a:lvl3pPr marL="2057297" indent="-571471" algn="l" defTabSz="4388900" rtl="0" eaLnBrk="1" latinLnBrk="0" hangingPunct="1">
+              <a:spcBef>
+                <a:spcPct val="20000"/>
+              </a:spcBef>
+              <a:buFont typeface="Arial" pitchFamily="34" charset="0"/>
+              <a:buChar char="•"/>
+              <a:defRPr sz="2500" kern="1200">
+                <a:solidFill>
+                  <a:schemeClr val="tx1"/>
+                </a:solidFill>
+                <a:latin typeface="Trebuchet MS" pitchFamily="34" charset="0"/>
+                <a:ea typeface="+mn-ea"/>
+                <a:cs typeface="+mn-cs"/>
+              </a:defRPr>
+            </a:lvl3pPr>
+            <a:lvl4pPr marL="2685916" indent="-628619" algn="l" defTabSz="4388900" rtl="0" eaLnBrk="1" latinLnBrk="0" hangingPunct="1">
+              <a:spcBef>
+                <a:spcPct val="20000"/>
+              </a:spcBef>
+              <a:buFont typeface="Arial" pitchFamily="34" charset="0"/>
+              <a:buChar char="–"/>
+              <a:defRPr sz="2500" kern="1200">
+                <a:solidFill>
+                  <a:schemeClr val="tx1"/>
+                </a:solidFill>
+                <a:latin typeface="Trebuchet MS" pitchFamily="34" charset="0"/>
+                <a:ea typeface="+mn-ea"/>
+                <a:cs typeface="+mn-cs"/>
+              </a:defRPr>
+            </a:lvl4pPr>
+            <a:lvl5pPr marL="3143093" indent="-457177" algn="l" defTabSz="4388900" rtl="0" eaLnBrk="1" latinLnBrk="0" hangingPunct="1">
+              <a:spcBef>
+                <a:spcPct val="20000"/>
+              </a:spcBef>
+              <a:buFont typeface="Arial" pitchFamily="34" charset="0"/>
+              <a:buChar char="»"/>
+              <a:defRPr sz="2500" kern="1200">
+                <a:solidFill>
+                  <a:schemeClr val="tx1"/>
+                </a:solidFill>
+                <a:latin typeface="Trebuchet MS" pitchFamily="34" charset="0"/>
+                <a:ea typeface="+mn-ea"/>
+                <a:cs typeface="+mn-cs"/>
+              </a:defRPr>
+            </a:lvl5pPr>
+            <a:lvl6pPr marL="12069477" indent="-1097226" algn="l" defTabSz="4388900" rtl="0" eaLnBrk="1" latinLnBrk="0" hangingPunct="1">
+              <a:spcBef>
+                <a:spcPct val="20000"/>
+              </a:spcBef>
+              <a:buFont typeface="Arial" pitchFamily="34" charset="0"/>
+              <a:buChar char="•"/>
+              <a:defRPr sz="9600" kern="1200">
+                <a:solidFill>
+                  <a:schemeClr val="tx1"/>
+                </a:solidFill>
+                <a:latin typeface="+mn-lt"/>
+                <a:ea typeface="+mn-ea"/>
+                <a:cs typeface="+mn-cs"/>
+              </a:defRPr>
+            </a:lvl6pPr>
+            <a:lvl7pPr marL="14263926" indent="-1097226" algn="l" defTabSz="4388900" rtl="0" eaLnBrk="1" latinLnBrk="0" hangingPunct="1">
+              <a:spcBef>
+                <a:spcPct val="20000"/>
+              </a:spcBef>
+              <a:buFont typeface="Arial" pitchFamily="34" charset="0"/>
+              <a:buChar char="•"/>
+              <a:defRPr sz="9600" kern="1200">
+                <a:solidFill>
+                  <a:schemeClr val="tx1"/>
+                </a:solidFill>
+                <a:latin typeface="+mn-lt"/>
+                <a:ea typeface="+mn-ea"/>
+                <a:cs typeface="+mn-cs"/>
+              </a:defRPr>
+            </a:lvl7pPr>
+            <a:lvl8pPr marL="16458377" indent="-1097226" algn="l" defTabSz="4388900" rtl="0" eaLnBrk="1" latinLnBrk="0" hangingPunct="1">
+              <a:spcBef>
+                <a:spcPct val="20000"/>
+              </a:spcBef>
+              <a:buFont typeface="Arial" pitchFamily="34" charset="0"/>
+              <a:buChar char="•"/>
+              <a:defRPr sz="9600" kern="1200">
+                <a:solidFill>
+                  <a:schemeClr val="tx1"/>
+                </a:solidFill>
+                <a:latin typeface="+mn-lt"/>
+                <a:ea typeface="+mn-ea"/>
+                <a:cs typeface="+mn-cs"/>
+              </a:defRPr>
+            </a:lvl8pPr>
+            <a:lvl9pPr marL="18652827" indent="-1097226" algn="l" defTabSz="4388900" rtl="0" eaLnBrk="1" latinLnBrk="0" hangingPunct="1">
+              <a:spcBef>
+                <a:spcPct val="20000"/>
+              </a:spcBef>
+              <a:buFont typeface="Arial" pitchFamily="34" charset="0"/>
+              <a:buChar char="•"/>
+              <a:defRPr sz="9600" kern="1200">
+                <a:solidFill>
+                  <a:schemeClr val="tx1"/>
+                </a:solidFill>
+                <a:latin typeface="+mn-lt"/>
+                <a:ea typeface="+mn-ea"/>
+                <a:cs typeface="+mn-cs"/>
+              </a:defRPr>
+            </a:lvl9pPr>
+          </a:lstStyle>
           <a:p>
-            <a:pPr algn="ctr"/>
             <a:r>
               <a:rPr lang="en-US" dirty="0"/>
-              <a:t>Z</a:t>
+              <a:t>IWAE – Latent Space</a:t>
             </a:r>
-            <a:endParaRPr lang="fr-CA" dirty="0"/>
           </a:p>
         </p:txBody>
       </p:sp>
       <p:sp>
         <p:nvSpPr>
-          <p:cNvPr id="72" name="Ellipse 71">
+          <p:cNvPr id="70" name="Text Placeholder 7">
             <a:extLst>
               <a:ext uri="{FF2B5EF4-FFF2-40B4-BE49-F238E27FC236}">
-                <a16:creationId xmlns:a16="http://schemas.microsoft.com/office/drawing/2014/main" id="{88A73338-AE5D-4534-B676-E223E87EEA85}"/>
+                <a16:creationId xmlns:a16="http://schemas.microsoft.com/office/drawing/2014/main" id="{99354331-A353-4121-8153-599186E92FF2}"/>
               </a:ext>
             </a:extLst>
           </p:cNvPr>
-          <p:cNvSpPr/>
+          <p:cNvSpPr txBox="1">
+            <a:spLocks/>
+          </p:cNvSpPr>
           <p:nvPr/>
         </p:nvSpPr>
         <p:spPr>
           <a:xfrm>
-            <a:off x="4798182" y="14187672"/>
-            <a:ext cx="1008243" cy="754045"/>
+            <a:off x="33497544" y="5606749"/>
+            <a:ext cx="10058400" cy="754045"/>
           </a:xfrm>
-          <a:prstGeom prst="ellipse">
+          <a:prstGeom prst="rect">
             <a:avLst/>
           </a:prstGeom>
+          <a:noFill/>
         </p:spPr>
-        <p:style>
-          <a:lnRef idx="2">
-            <a:schemeClr val="accent1">
-              <a:shade val="50000"/>
-            </a:schemeClr>
-          </a:lnRef>
-          <a:fillRef idx="1">
-            <a:schemeClr val="accent1"/>
-          </a:fillRef>
-          <a:effectRef idx="0">
-            <a:schemeClr val="accent1"/>
-          </a:effectRef>
-          <a:fontRef idx="minor">
-            <a:schemeClr val="lt1"/>
-          </a:fontRef>
-        </p:style>
         <p:txBody>
-          <a:bodyPr rtlCol="0" anchor="ctr"/>
-          <a:lstStyle/>
+          <a:bodyPr lIns="91436" tIns="91436" rIns="91436" bIns="91436" anchor="ctr" anchorCtr="0">
+            <a:spAutoFit/>
+          </a:bodyPr>
+          <a:lstStyle>
+            <a:lvl1pPr marL="0" indent="0" algn="ctr" defTabSz="4388900" rtl="0" eaLnBrk="1" latinLnBrk="0" hangingPunct="1">
+              <a:spcBef>
+                <a:spcPct val="20000"/>
+              </a:spcBef>
+              <a:buFont typeface="Arial" pitchFamily="34" charset="0"/>
+              <a:buNone/>
+              <a:defRPr sz="3700" b="1" u="sng" kern="1200" baseline="0">
+                <a:solidFill>
+                  <a:schemeClr val="accent5">
+                    <a:lumMod val="50000"/>
+                  </a:schemeClr>
+                </a:solidFill>
+                <a:latin typeface="+mn-lt"/>
+                <a:ea typeface="+mn-ea"/>
+                <a:cs typeface="+mn-cs"/>
+              </a:defRPr>
+            </a:lvl1pPr>
+            <a:lvl2pPr marL="3565982" indent="-1371531" algn="l" defTabSz="4388900" rtl="0" eaLnBrk="1" latinLnBrk="0" hangingPunct="1">
+              <a:spcBef>
+                <a:spcPct val="20000"/>
+              </a:spcBef>
+              <a:buFont typeface="Arial" pitchFamily="34" charset="0"/>
+              <a:buChar char="–"/>
+              <a:defRPr sz="13500" kern="1200">
+                <a:solidFill>
+                  <a:schemeClr val="tx1"/>
+                </a:solidFill>
+                <a:latin typeface="+mn-lt"/>
+                <a:ea typeface="+mn-ea"/>
+                <a:cs typeface="+mn-cs"/>
+              </a:defRPr>
+            </a:lvl2pPr>
+            <a:lvl3pPr marL="5486126" indent="-1097226" algn="l" defTabSz="4388900" rtl="0" eaLnBrk="1" latinLnBrk="0" hangingPunct="1">
+              <a:spcBef>
+                <a:spcPct val="20000"/>
+              </a:spcBef>
+              <a:buFont typeface="Arial" pitchFamily="34" charset="0"/>
+              <a:buChar char="•"/>
+              <a:defRPr sz="11600" kern="1200">
+                <a:solidFill>
+                  <a:schemeClr val="tx1"/>
+                </a:solidFill>
+                <a:latin typeface="+mn-lt"/>
+                <a:ea typeface="+mn-ea"/>
+                <a:cs typeface="+mn-cs"/>
+              </a:defRPr>
+            </a:lvl3pPr>
+            <a:lvl4pPr marL="7680577" indent="-1097226" algn="l" defTabSz="4388900" rtl="0" eaLnBrk="1" latinLnBrk="0" hangingPunct="1">
+              <a:spcBef>
+                <a:spcPct val="20000"/>
+              </a:spcBef>
+              <a:buFont typeface="Arial" pitchFamily="34" charset="0"/>
+              <a:buChar char="–"/>
+              <a:defRPr sz="9600" kern="1200">
+                <a:solidFill>
+                  <a:schemeClr val="tx1"/>
+                </a:solidFill>
+                <a:latin typeface="+mn-lt"/>
+                <a:ea typeface="+mn-ea"/>
+                <a:cs typeface="+mn-cs"/>
+              </a:defRPr>
+            </a:lvl4pPr>
+            <a:lvl5pPr marL="9875026" indent="-1097226" algn="l" defTabSz="4388900" rtl="0" eaLnBrk="1" latinLnBrk="0" hangingPunct="1">
+              <a:spcBef>
+                <a:spcPct val="20000"/>
+              </a:spcBef>
+              <a:buFont typeface="Arial" pitchFamily="34" charset="0"/>
+              <a:buChar char="»"/>
+              <a:defRPr sz="9600" kern="1200">
+                <a:solidFill>
+                  <a:schemeClr val="tx1"/>
+                </a:solidFill>
+                <a:latin typeface="+mn-lt"/>
+                <a:ea typeface="+mn-ea"/>
+                <a:cs typeface="+mn-cs"/>
+              </a:defRPr>
+            </a:lvl5pPr>
+            <a:lvl6pPr marL="12069477" indent="-1097226" algn="l" defTabSz="4388900" rtl="0" eaLnBrk="1" latinLnBrk="0" hangingPunct="1">
+              <a:spcBef>
+                <a:spcPct val="20000"/>
+              </a:spcBef>
+              <a:buFont typeface="Arial" pitchFamily="34" charset="0"/>
+              <a:buChar char="•"/>
+              <a:defRPr sz="9600" kern="1200">
+                <a:solidFill>
+                  <a:schemeClr val="tx1"/>
+                </a:solidFill>
+                <a:latin typeface="+mn-lt"/>
+                <a:ea typeface="+mn-ea"/>
+                <a:cs typeface="+mn-cs"/>
+              </a:defRPr>
+            </a:lvl6pPr>
+            <a:lvl7pPr marL="14263926" indent="-1097226" algn="l" defTabSz="4388900" rtl="0" eaLnBrk="1" latinLnBrk="0" hangingPunct="1">
+              <a:spcBef>
+                <a:spcPct val="20000"/>
+              </a:spcBef>
+              <a:buFont typeface="Arial" pitchFamily="34" charset="0"/>
+              <a:buChar char="•"/>
+              <a:defRPr sz="9600" kern="1200">
+                <a:solidFill>
+                  <a:schemeClr val="tx1"/>
+                </a:solidFill>
+                <a:latin typeface="+mn-lt"/>
+                <a:ea typeface="+mn-ea"/>
+                <a:cs typeface="+mn-cs"/>
+              </a:defRPr>
+            </a:lvl7pPr>
+            <a:lvl8pPr marL="16458377" indent="-1097226" algn="l" defTabSz="4388900" rtl="0" eaLnBrk="1" latinLnBrk="0" hangingPunct="1">
+              <a:spcBef>
+                <a:spcPct val="20000"/>
+              </a:spcBef>
+              <a:buFont typeface="Arial" pitchFamily="34" charset="0"/>
+              <a:buChar char="•"/>
+              <a:defRPr sz="9600" kern="1200">
+                <a:solidFill>
+                  <a:schemeClr val="tx1"/>
+                </a:solidFill>
+                <a:latin typeface="+mn-lt"/>
+                <a:ea typeface="+mn-ea"/>
+                <a:cs typeface="+mn-cs"/>
+              </a:defRPr>
+            </a:lvl8pPr>
+            <a:lvl9pPr marL="18652827" indent="-1097226" algn="l" defTabSz="4388900" rtl="0" eaLnBrk="1" latinLnBrk="0" hangingPunct="1">
+              <a:spcBef>
+                <a:spcPct val="20000"/>
+              </a:spcBef>
+              <a:buFont typeface="Arial" pitchFamily="34" charset="0"/>
+              <a:buChar char="•"/>
+              <a:defRPr sz="9600" kern="1200">
+                <a:solidFill>
+                  <a:schemeClr val="tx1"/>
+                </a:solidFill>
+                <a:latin typeface="+mn-lt"/>
+                <a:ea typeface="+mn-ea"/>
+                <a:cs typeface="+mn-cs"/>
+              </a:defRPr>
+            </a:lvl9pPr>
+          </a:lstStyle>
           <a:p>
-            <a:pPr algn="ctr"/>
             <a:r>
               <a:rPr lang="en-US" dirty="0"/>
-              <a:t>X</a:t>
+              <a:t>Results</a:t>
             </a:r>
-            <a:endParaRPr lang="fr-CA" dirty="0"/>
-          </a:p>
-        </p:txBody>
-      </p:sp>
-      <p:cxnSp>
-        <p:nvCxnSpPr>
-          <p:cNvPr id="74" name="Connecteur droit avec flèche 73">
-            <a:extLst>
-              <a:ext uri="{FF2B5EF4-FFF2-40B4-BE49-F238E27FC236}">
-                <a16:creationId xmlns:a16="http://schemas.microsoft.com/office/drawing/2014/main" id="{FCCC5678-EA67-4CED-99EB-2DF05A6449B9}"/>
-              </a:ext>
-            </a:extLst>
-          </p:cNvPr>
-          <p:cNvCxnSpPr>
-            <a:cxnSpLocks/>
-            <a:stCxn id="59" idx="0"/>
-          </p:cNvCxnSpPr>
-          <p:nvPr/>
-        </p:nvCxnSpPr>
-        <p:spPr>
-          <a:xfrm flipV="1">
-            <a:off x="3830873" y="18325525"/>
-            <a:ext cx="855292" cy="1523102"/>
-          </a:xfrm>
-          <a:prstGeom prst="straightConnector1">
-            <a:avLst/>
-          </a:prstGeom>
-          <a:ln>
-            <a:tailEnd type="triangle"/>
-          </a:ln>
-        </p:spPr>
-        <p:style>
-          <a:lnRef idx="1">
-            <a:schemeClr val="accent1"/>
-          </a:lnRef>
-          <a:fillRef idx="0">
-            <a:schemeClr val="accent1"/>
-          </a:fillRef>
-          <a:effectRef idx="0">
-            <a:schemeClr val="accent1"/>
-          </a:effectRef>
-          <a:fontRef idx="minor">
-            <a:schemeClr val="tx1"/>
-          </a:fontRef>
-        </p:style>
-      </p:cxnSp>
-      <p:cxnSp>
-        <p:nvCxnSpPr>
-          <p:cNvPr id="79" name="Connecteur droit avec flèche 78">
-            <a:extLst>
-              <a:ext uri="{FF2B5EF4-FFF2-40B4-BE49-F238E27FC236}">
-                <a16:creationId xmlns:a16="http://schemas.microsoft.com/office/drawing/2014/main" id="{36D5BA69-86C0-4452-AC71-E9731CCE3AD2}"/>
-              </a:ext>
-            </a:extLst>
-          </p:cNvPr>
-          <p:cNvCxnSpPr>
-            <a:cxnSpLocks/>
-            <a:stCxn id="60" idx="0"/>
-          </p:cNvCxnSpPr>
-          <p:nvPr/>
-        </p:nvCxnSpPr>
-        <p:spPr>
-          <a:xfrm flipV="1">
-            <a:off x="5343371" y="18351516"/>
-            <a:ext cx="0" cy="1473906"/>
-          </a:xfrm>
-          <a:prstGeom prst="straightConnector1">
-            <a:avLst/>
-          </a:prstGeom>
-          <a:ln>
-            <a:tailEnd type="triangle"/>
-          </a:ln>
-        </p:spPr>
-        <p:style>
-          <a:lnRef idx="1">
-            <a:schemeClr val="accent1"/>
-          </a:lnRef>
-          <a:fillRef idx="0">
-            <a:schemeClr val="accent1"/>
-          </a:fillRef>
-          <a:effectRef idx="0">
-            <a:schemeClr val="accent1"/>
-          </a:effectRef>
-          <a:fontRef idx="minor">
-            <a:schemeClr val="tx1"/>
-          </a:fontRef>
-        </p:style>
-      </p:cxnSp>
-      <p:cxnSp>
-        <p:nvCxnSpPr>
-          <p:cNvPr id="82" name="Connecteur droit avec flèche 81">
-            <a:extLst>
-              <a:ext uri="{FF2B5EF4-FFF2-40B4-BE49-F238E27FC236}">
-                <a16:creationId xmlns:a16="http://schemas.microsoft.com/office/drawing/2014/main" id="{80EEBF50-0FEF-42D2-816A-6655A3A977FE}"/>
-              </a:ext>
-            </a:extLst>
-          </p:cNvPr>
-          <p:cNvCxnSpPr>
-            <a:cxnSpLocks/>
-            <a:stCxn id="63" idx="0"/>
-          </p:cNvCxnSpPr>
-          <p:nvPr/>
-        </p:nvCxnSpPr>
-        <p:spPr>
-          <a:xfrm flipH="1" flipV="1">
-            <a:off x="5975538" y="18333138"/>
-            <a:ext cx="1852968" cy="1460706"/>
-          </a:xfrm>
-          <a:prstGeom prst="straightConnector1">
-            <a:avLst/>
-          </a:prstGeom>
-          <a:ln>
-            <a:tailEnd type="triangle"/>
-          </a:ln>
-        </p:spPr>
-        <p:style>
-          <a:lnRef idx="1">
-            <a:schemeClr val="accent1"/>
-          </a:lnRef>
-          <a:fillRef idx="0">
-            <a:schemeClr val="accent1"/>
-          </a:fillRef>
-          <a:effectRef idx="0">
-            <a:schemeClr val="accent1"/>
-          </a:effectRef>
-          <a:fontRef idx="minor">
-            <a:schemeClr val="tx1"/>
-          </a:fontRef>
-        </p:style>
-      </p:cxnSp>
-      <p:sp>
-        <p:nvSpPr>
-          <p:cNvPr id="91" name="Rectangle : coins arrondis 90">
-            <a:extLst>
-              <a:ext uri="{FF2B5EF4-FFF2-40B4-BE49-F238E27FC236}">
-                <a16:creationId xmlns:a16="http://schemas.microsoft.com/office/drawing/2014/main" id="{9C9368F8-85C7-4500-9DA3-CF759E6BBB95}"/>
-              </a:ext>
-            </a:extLst>
-          </p:cNvPr>
-          <p:cNvSpPr/>
-          <p:nvPr/>
-        </p:nvSpPr>
-        <p:spPr>
-          <a:xfrm>
-            <a:off x="1219107" y="14220542"/>
-            <a:ext cx="499927" cy="465183"/>
-          </a:xfrm>
-          <a:prstGeom prst="roundRect">
-            <a:avLst>
-              <a:gd name="adj" fmla="val 0"/>
-            </a:avLst>
-          </a:prstGeom>
-        </p:spPr>
-        <p:style>
-          <a:lnRef idx="2">
-            <a:schemeClr val="accent1">
-              <a:shade val="50000"/>
-            </a:schemeClr>
-          </a:lnRef>
-          <a:fillRef idx="1">
-            <a:schemeClr val="accent1"/>
-          </a:fillRef>
-          <a:effectRef idx="0">
-            <a:schemeClr val="accent1"/>
-          </a:effectRef>
-          <a:fontRef idx="minor">
-            <a:schemeClr val="lt1"/>
-          </a:fontRef>
-        </p:style>
-        <p:txBody>
-          <a:bodyPr rtlCol="0" anchor="ctr"/>
-          <a:lstStyle/>
-          <a:p>
-            <a:pPr algn="ctr"/>
-            <a:r>
-              <a:rPr lang="en-US" sz="4800" dirty="0"/>
-              <a:t>Z</a:t>
-            </a:r>
-            <a:endParaRPr lang="fr-CA" sz="4800" dirty="0"/>
           </a:p>
         </p:txBody>
       </p:sp>
       <p:sp>
         <p:nvSpPr>
-          <p:cNvPr id="92" name="Accolade fermante 91">
+          <p:cNvPr id="73" name="Text Placeholder 11">
             <a:extLst>
               <a:ext uri="{FF2B5EF4-FFF2-40B4-BE49-F238E27FC236}">
-                <a16:creationId xmlns:a16="http://schemas.microsoft.com/office/drawing/2014/main" id="{58D73F09-5760-42C4-952D-91B52DBBF486}"/>
+                <a16:creationId xmlns:a16="http://schemas.microsoft.com/office/drawing/2014/main" id="{3D6E6B7E-31C6-4560-88A0-6837CA584291}"/>
               </a:ext>
             </a:extLst>
           </p:cNvPr>
-          <p:cNvSpPr/>
+          <p:cNvSpPr txBox="1">
+            <a:spLocks/>
+          </p:cNvSpPr>
           <p:nvPr/>
         </p:nvSpPr>
         <p:spPr>
           <a:xfrm>
-            <a:off x="7207442" y="14410631"/>
-            <a:ext cx="547331" cy="3835606"/>
-          </a:xfrm>
-          <a:prstGeom prst="rightBrace">
-            <a:avLst/>
-          </a:prstGeom>
-          <a:ln w="28575"/>
-        </p:spPr>
-        <p:style>
-          <a:lnRef idx="1">
-            <a:schemeClr val="accent1"/>
-          </a:lnRef>
-          <a:fillRef idx="0">
-            <a:schemeClr val="accent1"/>
-          </a:fillRef>
-          <a:effectRef idx="0">
-            <a:schemeClr val="accent1"/>
-          </a:effectRef>
-          <a:fontRef idx="minor">
-            <a:schemeClr val="tx1"/>
-          </a:fontRef>
-        </p:style>
-        <p:txBody>
-          <a:bodyPr rtlCol="0" anchor="ctr"/>
-          <a:lstStyle/>
-          <a:p>
-            <a:pPr algn="ctr"/>
-            <a:endParaRPr lang="fr-CA"/>
-          </a:p>
-        </p:txBody>
-      </p:sp>
-      <p:sp>
-        <p:nvSpPr>
-          <p:cNvPr id="95" name="Accolade fermante 94">
-            <a:extLst>
-              <a:ext uri="{FF2B5EF4-FFF2-40B4-BE49-F238E27FC236}">
-                <a16:creationId xmlns:a16="http://schemas.microsoft.com/office/drawing/2014/main" id="{DC084A30-A300-4B80-AA0F-AA79EB07B910}"/>
-              </a:ext>
-            </a:extLst>
-          </p:cNvPr>
-          <p:cNvSpPr/>
-          <p:nvPr/>
-        </p:nvSpPr>
-        <p:spPr>
-          <a:xfrm rot="10800000">
-            <a:off x="2421385" y="17185288"/>
-            <a:ext cx="999864" cy="6291958"/>
-          </a:xfrm>
-          <a:prstGeom prst="rightBrace">
-            <a:avLst/>
-          </a:prstGeom>
-          <a:ln w="28575"/>
-        </p:spPr>
-        <p:style>
-          <a:lnRef idx="1">
-            <a:schemeClr val="accent1"/>
-          </a:lnRef>
-          <a:fillRef idx="0">
-            <a:schemeClr val="accent1"/>
-          </a:fillRef>
-          <a:effectRef idx="0">
-            <a:schemeClr val="accent1"/>
-          </a:effectRef>
-          <a:fontRef idx="minor">
-            <a:schemeClr val="tx1"/>
-          </a:fontRef>
-        </p:style>
-        <p:txBody>
-          <a:bodyPr rtlCol="0" anchor="ctr"/>
-          <a:lstStyle/>
-          <a:p>
-            <a:pPr algn="ctr"/>
-            <a:endParaRPr lang="fr-CA"/>
-          </a:p>
-        </p:txBody>
-      </p:sp>
-      <p:sp>
-        <p:nvSpPr>
-          <p:cNvPr id="96" name="Rectangle 95">
-            <a:extLst>
-              <a:ext uri="{FF2B5EF4-FFF2-40B4-BE49-F238E27FC236}">
-                <a16:creationId xmlns:a16="http://schemas.microsoft.com/office/drawing/2014/main" id="{56C7E9A1-1206-4EBC-A672-6946530DB152}"/>
-              </a:ext>
-            </a:extLst>
-          </p:cNvPr>
-          <p:cNvSpPr/>
-          <p:nvPr/>
-        </p:nvSpPr>
-        <p:spPr>
-          <a:xfrm>
-            <a:off x="7781244" y="15642417"/>
-            <a:ext cx="1666050" cy="709270"/>
+            <a:off x="425536" y="18227910"/>
+            <a:ext cx="10052050" cy="2385246"/>
           </a:xfrm>
           <a:prstGeom prst="rect">
             <a:avLst/>
           </a:prstGeom>
         </p:spPr>
-        <p:style>
-          <a:lnRef idx="2">
-            <a:schemeClr val="dk1"/>
-          </a:lnRef>
-          <a:fillRef idx="1">
-            <a:schemeClr val="lt1"/>
-          </a:fillRef>
-          <a:effectRef idx="0">
-            <a:schemeClr val="dk1"/>
-          </a:effectRef>
-          <a:fontRef idx="minor">
-            <a:schemeClr val="dk1"/>
-          </a:fontRef>
-        </p:style>
         <p:txBody>
-          <a:bodyPr rtlCol="0" anchor="ctr"/>
-          <a:lstStyle/>
+          <a:bodyPr wrap="square" lIns="228589" tIns="228589" rIns="228589" bIns="228589">
+            <a:spAutoFit/>
+          </a:bodyPr>
+          <a:lstStyle>
+            <a:lvl1pPr marL="0" indent="0" algn="l" defTabSz="4388900" rtl="0" eaLnBrk="1" latinLnBrk="0" hangingPunct="1">
+              <a:spcBef>
+                <a:spcPct val="20000"/>
+              </a:spcBef>
+              <a:buFont typeface="Arial" pitchFamily="34" charset="0"/>
+              <a:buNone/>
+              <a:defRPr sz="2500" kern="1200">
+                <a:solidFill>
+                  <a:schemeClr val="accent5">
+                    <a:lumMod val="50000"/>
+                  </a:schemeClr>
+                </a:solidFill>
+                <a:latin typeface="Times New Roman" pitchFamily="18" charset="0"/>
+                <a:ea typeface="+mn-ea"/>
+                <a:cs typeface="Times New Roman" pitchFamily="18" charset="0"/>
+              </a:defRPr>
+            </a:lvl1pPr>
+            <a:lvl2pPr marL="1485825" indent="-571471" algn="l" defTabSz="4388900" rtl="0" eaLnBrk="1" latinLnBrk="0" hangingPunct="1">
+              <a:spcBef>
+                <a:spcPct val="20000"/>
+              </a:spcBef>
+              <a:buFont typeface="Arial" pitchFamily="34" charset="0"/>
+              <a:buChar char="–"/>
+              <a:defRPr sz="2500" kern="1200">
+                <a:solidFill>
+                  <a:schemeClr val="tx1"/>
+                </a:solidFill>
+                <a:latin typeface="Trebuchet MS" pitchFamily="34" charset="0"/>
+                <a:ea typeface="+mn-ea"/>
+                <a:cs typeface="+mn-cs"/>
+              </a:defRPr>
+            </a:lvl2pPr>
+            <a:lvl3pPr marL="2057297" indent="-571471" algn="l" defTabSz="4388900" rtl="0" eaLnBrk="1" latinLnBrk="0" hangingPunct="1">
+              <a:spcBef>
+                <a:spcPct val="20000"/>
+              </a:spcBef>
+              <a:buFont typeface="Arial" pitchFamily="34" charset="0"/>
+              <a:buChar char="•"/>
+              <a:defRPr sz="2500" kern="1200">
+                <a:solidFill>
+                  <a:schemeClr val="tx1"/>
+                </a:solidFill>
+                <a:latin typeface="Trebuchet MS" pitchFamily="34" charset="0"/>
+                <a:ea typeface="+mn-ea"/>
+                <a:cs typeface="+mn-cs"/>
+              </a:defRPr>
+            </a:lvl3pPr>
+            <a:lvl4pPr marL="2685916" indent="-628619" algn="l" defTabSz="4388900" rtl="0" eaLnBrk="1" latinLnBrk="0" hangingPunct="1">
+              <a:spcBef>
+                <a:spcPct val="20000"/>
+              </a:spcBef>
+              <a:buFont typeface="Arial" pitchFamily="34" charset="0"/>
+              <a:buChar char="–"/>
+              <a:defRPr sz="2500" kern="1200">
+                <a:solidFill>
+                  <a:schemeClr val="tx1"/>
+                </a:solidFill>
+                <a:latin typeface="Trebuchet MS" pitchFamily="34" charset="0"/>
+                <a:ea typeface="+mn-ea"/>
+                <a:cs typeface="+mn-cs"/>
+              </a:defRPr>
+            </a:lvl4pPr>
+            <a:lvl5pPr marL="3143093" indent="-457177" algn="l" defTabSz="4388900" rtl="0" eaLnBrk="1" latinLnBrk="0" hangingPunct="1">
+              <a:spcBef>
+                <a:spcPct val="20000"/>
+              </a:spcBef>
+              <a:buFont typeface="Arial" pitchFamily="34" charset="0"/>
+              <a:buChar char="»"/>
+              <a:defRPr sz="2500" kern="1200">
+                <a:solidFill>
+                  <a:schemeClr val="tx1"/>
+                </a:solidFill>
+                <a:latin typeface="Trebuchet MS" pitchFamily="34" charset="0"/>
+                <a:ea typeface="+mn-ea"/>
+                <a:cs typeface="+mn-cs"/>
+              </a:defRPr>
+            </a:lvl5pPr>
+            <a:lvl6pPr marL="12069477" indent="-1097226" algn="l" defTabSz="4388900" rtl="0" eaLnBrk="1" latinLnBrk="0" hangingPunct="1">
+              <a:spcBef>
+                <a:spcPct val="20000"/>
+              </a:spcBef>
+              <a:buFont typeface="Arial" pitchFamily="34" charset="0"/>
+              <a:buChar char="•"/>
+              <a:defRPr sz="9600" kern="1200">
+                <a:solidFill>
+                  <a:schemeClr val="tx1"/>
+                </a:solidFill>
+                <a:latin typeface="+mn-lt"/>
+                <a:ea typeface="+mn-ea"/>
+                <a:cs typeface="+mn-cs"/>
+              </a:defRPr>
+            </a:lvl6pPr>
+            <a:lvl7pPr marL="14263926" indent="-1097226" algn="l" defTabSz="4388900" rtl="0" eaLnBrk="1" latinLnBrk="0" hangingPunct="1">
+              <a:spcBef>
+                <a:spcPct val="20000"/>
+              </a:spcBef>
+              <a:buFont typeface="Arial" pitchFamily="34" charset="0"/>
+              <a:buChar char="•"/>
+              <a:defRPr sz="9600" kern="1200">
+                <a:solidFill>
+                  <a:schemeClr val="tx1"/>
+                </a:solidFill>
+                <a:latin typeface="+mn-lt"/>
+                <a:ea typeface="+mn-ea"/>
+                <a:cs typeface="+mn-cs"/>
+              </a:defRPr>
+            </a:lvl7pPr>
+            <a:lvl8pPr marL="16458377" indent="-1097226" algn="l" defTabSz="4388900" rtl="0" eaLnBrk="1" latinLnBrk="0" hangingPunct="1">
+              <a:spcBef>
+                <a:spcPct val="20000"/>
+              </a:spcBef>
+              <a:buFont typeface="Arial" pitchFamily="34" charset="0"/>
+              <a:buChar char="•"/>
+              <a:defRPr sz="9600" kern="1200">
+                <a:solidFill>
+                  <a:schemeClr val="tx1"/>
+                </a:solidFill>
+                <a:latin typeface="+mn-lt"/>
+                <a:ea typeface="+mn-ea"/>
+                <a:cs typeface="+mn-cs"/>
+              </a:defRPr>
+            </a:lvl8pPr>
+            <a:lvl9pPr marL="18652827" indent="-1097226" algn="l" defTabSz="4388900" rtl="0" eaLnBrk="1" latinLnBrk="0" hangingPunct="1">
+              <a:spcBef>
+                <a:spcPct val="20000"/>
+              </a:spcBef>
+              <a:buFont typeface="Arial" pitchFamily="34" charset="0"/>
+              <a:buChar char="•"/>
+              <a:defRPr sz="9600" kern="1200">
+                <a:solidFill>
+                  <a:schemeClr val="tx1"/>
+                </a:solidFill>
+                <a:latin typeface="+mn-lt"/>
+                <a:ea typeface="+mn-ea"/>
+                <a:cs typeface="+mn-cs"/>
+              </a:defRPr>
+            </a:lvl9pPr>
+          </a:lstStyle>
           <a:p>
-            <a:pPr algn="ctr"/>
             <a:r>
-              <a:rPr lang="en-US" sz="4000" dirty="0"/>
-              <a:t>P(X|Z)</a:t>
+              <a:rPr lang="en-US" dirty="0"/>
+              <a:t>Following the maximum likelihood criteria we would like to find θ that maximize </a:t>
             </a:r>
-            <a:endParaRPr lang="fr-CA" sz="4000" dirty="0"/>
+            <a:r>
+              <a:rPr lang="en-US" dirty="0" err="1"/>
+              <a:t>p</a:t>
+            </a:r>
+            <a:r>
+              <a:rPr lang="en-US" baseline="-25000" dirty="0" err="1"/>
+              <a:t>θ</a:t>
+            </a:r>
+            <a:r>
+              <a:rPr lang="en-US" baseline="-25000" dirty="0"/>
+              <a:t> </a:t>
+            </a:r>
+            <a:r>
+              <a:rPr lang="en-US" dirty="0"/>
+              <a:t>(x)=∫</a:t>
+            </a:r>
+            <a:r>
+              <a:rPr lang="en-US" dirty="0" err="1"/>
+              <a:t>p</a:t>
+            </a:r>
+            <a:r>
+              <a:rPr lang="en-US" baseline="-25000" dirty="0" err="1"/>
+              <a:t>θ</a:t>
+            </a:r>
+            <a:r>
+              <a:rPr lang="en-US" baseline="-25000" dirty="0"/>
+              <a:t> </a:t>
+            </a:r>
+            <a:r>
+              <a:rPr lang="en-US" dirty="0"/>
+              <a:t>(x| z) </a:t>
+            </a:r>
+            <a:r>
+              <a:rPr lang="en-US" dirty="0" err="1"/>
+              <a:t>p</a:t>
+            </a:r>
+            <a:r>
+              <a:rPr lang="en-US" baseline="-25000" dirty="0" err="1"/>
+              <a:t>θ</a:t>
+            </a:r>
+            <a:r>
+              <a:rPr lang="en-US" baseline="-25000" dirty="0"/>
+              <a:t> </a:t>
+            </a:r>
+            <a:r>
+              <a:rPr lang="en-US" dirty="0"/>
+              <a:t>(z) however this is intractable. In order to solve this problem a recognition model </a:t>
+            </a:r>
+            <a:r>
+              <a:rPr lang="en-US" dirty="0" err="1"/>
+              <a:t>q</a:t>
+            </a:r>
+            <a:r>
+              <a:rPr lang="en-US" baseline="-25000" dirty="0" err="1"/>
+              <a:t>φ</a:t>
+            </a:r>
+            <a:r>
+              <a:rPr lang="en-US" dirty="0"/>
+              <a:t>(</a:t>
+            </a:r>
+            <a:r>
+              <a:rPr lang="en-US" dirty="0" err="1"/>
+              <a:t>z|x</a:t>
+            </a:r>
+            <a:r>
+              <a:rPr lang="en-US" dirty="0"/>
+              <a:t>) is used as an approximation to the intractable true posterior </a:t>
+            </a:r>
+            <a:r>
+              <a:rPr lang="en-US" dirty="0" err="1"/>
+              <a:t>p</a:t>
+            </a:r>
+            <a:r>
+              <a:rPr lang="en-US" baseline="-25000" dirty="0" err="1"/>
+              <a:t>θ</a:t>
+            </a:r>
+            <a:r>
+              <a:rPr lang="en-US" baseline="-25000" dirty="0"/>
+              <a:t> </a:t>
+            </a:r>
+            <a:r>
+              <a:rPr lang="en-US" dirty="0"/>
+              <a:t>(</a:t>
+            </a:r>
+            <a:r>
+              <a:rPr lang="en-US" dirty="0" err="1"/>
+              <a:t>z|x</a:t>
+            </a:r>
+            <a:r>
+              <a:rPr lang="en-US" dirty="0"/>
+              <a:t>). Also instead of maximizing the marginal likelihood directly we are maximizing a variational lower bound.</a:t>
+            </a:r>
           </a:p>
         </p:txBody>
       </p:sp>
-      <p:sp>
-        <p:nvSpPr>
-          <p:cNvPr id="97" name="Rectangle 96">
+      <p:pic>
+        <p:nvPicPr>
+          <p:cNvPr id="22" name="Picture 21">
             <a:extLst>
               <a:ext uri="{FF2B5EF4-FFF2-40B4-BE49-F238E27FC236}">
-                <a16:creationId xmlns:a16="http://schemas.microsoft.com/office/drawing/2014/main" id="{50EF45D3-AF38-43C3-80A1-BD320E002583}"/>
+                <a16:creationId xmlns:a16="http://schemas.microsoft.com/office/drawing/2014/main" id="{06A2914F-2A33-4053-A566-4829EA21EF71}"/>
               </a:ext>
             </a:extLst>
           </p:cNvPr>
-          <p:cNvSpPr/>
+          <p:cNvPicPr>
+            <a:picLocks noChangeAspect="1"/>
+          </p:cNvPicPr>
           <p:nvPr/>
-        </p:nvSpPr>
+        </p:nvPicPr>
+        <p:blipFill>
+          <a:blip r:embed="rId11"/>
+          <a:stretch>
+            <a:fillRect/>
+          </a:stretch>
+        </p:blipFill>
         <p:spPr>
           <a:xfrm>
-            <a:off x="602741" y="19974522"/>
-            <a:ext cx="1666050" cy="709270"/>
+            <a:off x="818053" y="21624266"/>
+            <a:ext cx="6122925" cy="487397"/>
           </a:xfrm>
           <a:prstGeom prst="rect">
             <a:avLst/>
           </a:prstGeom>
         </p:spPr>
-        <p:style>
-          <a:lnRef idx="2">
-            <a:schemeClr val="dk1"/>
-          </a:lnRef>
-          <a:fillRef idx="1">
-            <a:schemeClr val="lt1"/>
-          </a:fillRef>
-          <a:effectRef idx="0">
-            <a:schemeClr val="dk1"/>
-          </a:effectRef>
-          <a:fontRef idx="minor">
-            <a:schemeClr val="dk1"/>
-          </a:fontRef>
-        </p:style>
-        <p:txBody>
-          <a:bodyPr rtlCol="0" anchor="ctr"/>
-          <a:lstStyle/>
-          <a:p>
-            <a:pPr algn="ctr"/>
-            <a:r>
-              <a:rPr lang="en-US" sz="4000" dirty="0"/>
-              <a:t>Q(Z|X)</a:t>
-            </a:r>
-            <a:endParaRPr lang="fr-CA" sz="4000" dirty="0"/>
-          </a:p>
-        </p:txBody>
-      </p:sp>
-      <p:sp>
-        <p:nvSpPr>
-          <p:cNvPr id="98" name="Flèche : haut 97">
-            <a:extLst>
-              <a:ext uri="{FF2B5EF4-FFF2-40B4-BE49-F238E27FC236}">
-                <a16:creationId xmlns:a16="http://schemas.microsoft.com/office/drawing/2014/main" id="{E2981F08-14A6-4333-BAD5-7701C356EA9B}"/>
-              </a:ext>
-            </a:extLst>
-          </p:cNvPr>
-          <p:cNvSpPr/>
-          <p:nvPr/>
-        </p:nvSpPr>
-        <p:spPr>
-          <a:xfrm>
-            <a:off x="4225623" y="14984977"/>
-            <a:ext cx="2165831" cy="1903063"/>
-          </a:xfrm>
-          <a:prstGeom prst="upArrow">
-            <a:avLst/>
-          </a:prstGeom>
-        </p:spPr>
-        <p:style>
-          <a:lnRef idx="2">
-            <a:schemeClr val="accent1">
-              <a:shade val="50000"/>
-            </a:schemeClr>
-          </a:lnRef>
-          <a:fillRef idx="1">
-            <a:schemeClr val="accent1"/>
-          </a:fillRef>
-          <a:effectRef idx="0">
-            <a:schemeClr val="accent1"/>
-          </a:effectRef>
-          <a:fontRef idx="minor">
-            <a:schemeClr val="lt1"/>
-          </a:fontRef>
-        </p:style>
-        <p:txBody>
-          <a:bodyPr rtlCol="0" anchor="ctr"/>
-          <a:lstStyle/>
-          <a:p>
-            <a:pPr algn="ctr"/>
-            <a:r>
-              <a:rPr lang="en-US" sz="2000" dirty="0"/>
-              <a:t>Neural Network</a:t>
-            </a:r>
-            <a:endParaRPr lang="fr-CA" sz="2000" dirty="0"/>
-          </a:p>
-        </p:txBody>
-      </p:sp>
+      </p:pic>
     </p:spTree>
     <p:extLst>
       <p:ext uri="{BB962C8B-B14F-4D97-AF65-F5344CB8AC3E}">

--- a/Poster/poster_ift_6269_project.pptx
+++ b/Poster/poster_ift_6269_project.pptx
@@ -114,7 +114,7 @@
   </p:defaultTextStyle>
   <p:extLst>
     <p:ext uri="{EFAFB233-063F-42B5-8137-9DF3F51BA10A}">
-      <p15:sldGuideLst xmlns:p15="http://schemas.microsoft.com/office/powerpoint/2012/main">
+      <p15:sldGuideLst xmlns:p15="http://schemas.microsoft.com/office/powerpoint/2012/main" xmlns="">
         <p15:guide id="1" orient="horz" pos="3318">
           <p15:clr>
             <a:srgbClr val="A4A3A4"/>
@@ -168,7 +168,7 @@
       </p15:sldGuideLst>
     </p:ext>
     <p:ext uri="{2D200454-40CA-4A62-9FC3-DE9A4176ACB9}">
-      <p15:notesGuideLst xmlns:p15="http://schemas.microsoft.com/office/powerpoint/2012/main">
+      <p15:notesGuideLst xmlns:p15="http://schemas.microsoft.com/office/powerpoint/2012/main" xmlns="">
         <p15:guide id="1" orient="horz" pos="2880">
           <p15:clr>
             <a:srgbClr val="A4A3A4"/>
@@ -277,7 +277,7 @@
             <a:fld id="{0158C5BC-9A70-462C-B28D-9600239EAC64}" type="datetimeFigureOut">
               <a:rPr lang="en-US" smtClean="0"/>
               <a:pPr/>
-              <a:t>12/6/2018</a:t>
+              <a:t>2018-12-06</a:t>
             </a:fld>
             <a:endParaRPr lang="en-US"/>
           </a:p>
@@ -444,7 +444,7 @@
             <a:fld id="{E6CC2317-6751-4CD4-9995-8782DD78E936}" type="datetimeFigureOut">
               <a:rPr lang="en-US" smtClean="0"/>
               <a:pPr/>
-              <a:t>12/6/2018</a:t>
+              <a:t>2018-12-06</a:t>
             </a:fld>
             <a:endParaRPr lang="en-US" dirty="0"/>
           </a:p>
@@ -712,6 +712,91 @@
     </a:lvl9pPr>
   </p:notesStyle>
 </p:notesMaster>
+</file>
+
+<file path=ppt/notesSlides/notesSlide1.xml><?xml version="1.0" encoding="utf-8"?>
+<p:notes xmlns:a="http://schemas.openxmlformats.org/drawingml/2006/main" xmlns:r="http://schemas.openxmlformats.org/officeDocument/2006/relationships" xmlns:p="http://schemas.openxmlformats.org/presentationml/2006/main">
+  <p:cSld>
+    <p:spTree>
+      <p:nvGrpSpPr>
+        <p:cNvPr id="1" name=""/>
+        <p:cNvGrpSpPr/>
+        <p:nvPr/>
+      </p:nvGrpSpPr>
+      <p:grpSpPr>
+        <a:xfrm>
+          <a:off x="0" y="0"/>
+          <a:ext cx="0" cy="0"/>
+          <a:chOff x="0" y="0"/>
+          <a:chExt cx="0" cy="0"/>
+        </a:xfrm>
+      </p:grpSpPr>
+      <p:sp>
+        <p:nvSpPr>
+          <p:cNvPr id="2" name="Espace réservé de l'image des diapositives 1"/>
+          <p:cNvSpPr>
+            <a:spLocks noGrp="1" noRot="1" noChangeAspect="1"/>
+          </p:cNvSpPr>
+          <p:nvPr>
+            <p:ph type="sldImg"/>
+          </p:nvPr>
+        </p:nvSpPr>
+        <p:spPr/>
+      </p:sp>
+      <p:sp>
+        <p:nvSpPr>
+          <p:cNvPr id="3" name="Espace réservé des commentaires 2"/>
+          <p:cNvSpPr>
+            <a:spLocks noGrp="1"/>
+          </p:cNvSpPr>
+          <p:nvPr>
+            <p:ph type="body" idx="1"/>
+          </p:nvPr>
+        </p:nvSpPr>
+        <p:spPr/>
+        <p:txBody>
+          <a:bodyPr/>
+          <a:lstStyle/>
+          <a:p>
+            <a:endParaRPr lang="fr-FR" dirty="0"/>
+          </a:p>
+        </p:txBody>
+      </p:sp>
+      <p:sp>
+        <p:nvSpPr>
+          <p:cNvPr id="4" name="Espace réservé du numéro de diapositive 3"/>
+          <p:cNvSpPr>
+            <a:spLocks noGrp="1"/>
+          </p:cNvSpPr>
+          <p:nvPr>
+            <p:ph type="sldNum" sz="quarter" idx="10"/>
+          </p:nvPr>
+        </p:nvSpPr>
+        <p:spPr/>
+        <p:txBody>
+          <a:bodyPr/>
+          <a:lstStyle/>
+          <a:p>
+            <a:fld id="{26A1A87D-CAF7-4BDC-A0D3-C0DBEDE81619}" type="slidenum">
+              <a:rPr lang="en-US" smtClean="0"/>
+              <a:pPr/>
+              <a:t>1</a:t>
+            </a:fld>
+            <a:endParaRPr lang="en-US" dirty="0"/>
+          </a:p>
+        </p:txBody>
+      </p:sp>
+    </p:spTree>
+    <p:extLst>
+      <p:ext uri="{BB962C8B-B14F-4D97-AF65-F5344CB8AC3E}">
+        <p14:creationId xmlns:p14="http://schemas.microsoft.com/office/powerpoint/2010/main" val="3717260867"/>
+      </p:ext>
+    </p:extLst>
+  </p:cSld>
+  <p:clrMapOvr>
+    <a:masterClrMapping/>
+  </p:clrMapOvr>
+</p:notes>
 </file>
 
 <file path=ppt/slideLayouts/slideLayout1.xml><?xml version="1.0" encoding="utf-8"?>
@@ -4415,6 +4500,15 @@
                 </a:rPr>
                 <a:t>PosterPresentations.com</a:t>
               </a:r>
+              <a:r>
+                <a:rPr lang="en-US" sz="2800" dirty="0">
+                  <a:solidFill>
+                    <a:schemeClr val="bg1"/>
+                  </a:solidFill>
+                  <a:latin typeface="Trebuchet MS" pitchFamily="34" charset="0"/>
+                </a:rPr>
+                <a:t/>
+              </a:r>
               <a:br>
                 <a:rPr lang="en-US" sz="2800" dirty="0">
                   <a:solidFill>
@@ -4650,6 +4744,15 @@
             </a:p>
             <a:p>
               <a:pPr algn="l"/>
+              <a:r>
+                <a:rPr lang="en-US" sz="2800" b="1" baseline="0" dirty="0">
+                  <a:solidFill>
+                    <a:schemeClr val="bg1"/>
+                  </a:solidFill>
+                  <a:latin typeface="Trebuchet MS" pitchFamily="34" charset="0"/>
+                </a:rPr>
+                <a:t/>
+              </a:r>
               <a:br>
                 <a:rPr lang="en-US" sz="2800" b="1" baseline="0" dirty="0">
                   <a:solidFill>
@@ -5258,7 +5361,7 @@
               <a:graphicData uri="http://schemas.openxmlformats.org/presentationml/2006/ole">
                 <mc:AlternateContent xmlns:mc="http://schemas.openxmlformats.org/markup-compatibility/2006">
                   <mc:Choice xmlns:v="urn:schemas-microsoft-com:vml" Requires="v">
-                    <p:oleObj spid="_x0000_s1120" name="Image" r:id="rId8" imgW="1828440" imgH="1117440" progId="Photoshop.Image.13">
+                    <p:oleObj spid="_x0000_s1133" name="Image" r:id="rId8" imgW="1828440" imgH="1117440" progId="Photoshop.Image.13">
                       <p:embed/>
                     </p:oleObj>
                   </mc:Choice>
@@ -5315,7 +5418,7 @@
               <a:graphicData uri="http://schemas.openxmlformats.org/presentationml/2006/ole">
                 <mc:AlternateContent xmlns:mc="http://schemas.openxmlformats.org/markup-compatibility/2006">
                   <mc:Choice xmlns:v="urn:schemas-microsoft-com:vml" Requires="v">
-                    <p:oleObj spid="_x0000_s1121" name="Image" r:id="rId10" imgW="1828440" imgH="1117440" progId="Photoshop.Image.13">
+                    <p:oleObj spid="_x0000_s1134" name="Image" r:id="rId10" imgW="1828440" imgH="1117440" progId="Photoshop.Image.13">
                       <p:embed/>
                     </p:oleObj>
                   </mc:Choice>
@@ -6438,7 +6541,7 @@
             <a:graphicData uri="http://schemas.openxmlformats.org/presentationml/2006/ole">
               <mc:AlternateContent xmlns:mc="http://schemas.openxmlformats.org/markup-compatibility/2006">
                 <mc:Choice xmlns:v="urn:schemas-microsoft-com:vml" Requires="v">
-                  <p:oleObj spid="_x0000_s1122" name="Image" r:id="rId12" imgW="4571280" imgH="1688760" progId="Photoshop.Image.13">
+                  <p:oleObj spid="_x0000_s1135" name="Image" r:id="rId12" imgW="4571280" imgH="1688760" progId="Photoshop.Image.13">
                     <p:embed/>
                   </p:oleObj>
                 </mc:Choice>
@@ -6522,7 +6625,7 @@
             <a:graphicData uri="http://schemas.openxmlformats.org/presentationml/2006/ole">
               <mc:AlternateContent xmlns:mc="http://schemas.openxmlformats.org/markup-compatibility/2006">
                 <mc:Choice xmlns:v="urn:schemas-microsoft-com:vml" Requires="v">
-                  <p:oleObj spid="_x0000_s1123" name="Image" r:id="rId15" imgW="1574280" imgH="1053720" progId="Photoshop.Image.13">
+                  <p:oleObj spid="_x0000_s1136" name="Image" r:id="rId15" imgW="1574280" imgH="1053720" progId="Photoshop.Image.13">
                     <p:embed/>
                   </p:oleObj>
                 </mc:Choice>
@@ -6858,6 +6961,14 @@
                   </a:solidFill>
                 </a:rPr>
                 <a:t>94710</a:t>
+              </a:r>
+              <a:r>
+                <a:rPr lang="en-US" sz="2400" baseline="0" dirty="0">
+                  <a:solidFill>
+                    <a:schemeClr val="bg1"/>
+                  </a:solidFill>
+                </a:rPr>
+                <a:t/>
               </a:r>
               <a:br>
                 <a:rPr lang="en-US" sz="2400" baseline="0" dirty="0">
@@ -8504,7 +8615,7 @@
             <a:graphicData uri="http://schemas.openxmlformats.org/presentationml/2006/ole">
               <mc:AlternateContent xmlns:mc="http://schemas.openxmlformats.org/markup-compatibility/2006">
                 <mc:Choice xmlns:v="urn:schemas-microsoft-com:vml" Requires="v">
-                  <p:oleObj spid="_x0000_s2144" name="Image" r:id="rId4" imgW="4571280" imgH="1688760" progId="Photoshop.Image.13">
+                  <p:oleObj spid="_x0000_s2157" name="Image" r:id="rId4" imgW="4571280" imgH="1688760" progId="Photoshop.Image.13">
                     <p:embed/>
                   </p:oleObj>
                 </mc:Choice>
@@ -8588,7 +8699,7 @@
             <a:graphicData uri="http://schemas.openxmlformats.org/presentationml/2006/ole">
               <mc:AlternateContent xmlns:mc="http://schemas.openxmlformats.org/markup-compatibility/2006">
                 <mc:Choice xmlns:v="urn:schemas-microsoft-com:vml" Requires="v">
-                  <p:oleObj spid="_x0000_s2145" name="Image" r:id="rId7" imgW="1574280" imgH="1053720" progId="Photoshop.Image.13">
+                  <p:oleObj spid="_x0000_s2158" name="Image" r:id="rId7" imgW="1574280" imgH="1053720" progId="Photoshop.Image.13">
                     <p:embed/>
                   </p:oleObj>
                 </mc:Choice>
@@ -8925,6 +9036,14 @@
                 </a:rPr>
                 <a:t>94710</a:t>
               </a:r>
+              <a:r>
+                <a:rPr lang="en-US" sz="2400" baseline="0" dirty="0">
+                  <a:solidFill>
+                    <a:schemeClr val="bg1"/>
+                  </a:solidFill>
+                </a:rPr>
+                <a:t/>
+              </a:r>
               <a:br>
                 <a:rPr lang="en-US" sz="2400" baseline="0" dirty="0">
                   <a:solidFill>
@@ -9254,6 +9373,15 @@
                 </a:rPr>
                 <a:t>PosterPresentations.com</a:t>
               </a:r>
+              <a:r>
+                <a:rPr lang="en-US" sz="2800" dirty="0">
+                  <a:solidFill>
+                    <a:schemeClr val="bg1"/>
+                  </a:solidFill>
+                  <a:latin typeface="Trebuchet MS" pitchFamily="34" charset="0"/>
+                </a:rPr>
+                <a:t/>
+              </a:r>
               <a:br>
                 <a:rPr lang="en-US" sz="2800" dirty="0">
                   <a:solidFill>
@@ -9489,6 +9617,15 @@
             </a:p>
             <a:p>
               <a:pPr algn="l"/>
+              <a:r>
+                <a:rPr lang="en-US" sz="2800" b="1" baseline="0" dirty="0">
+                  <a:solidFill>
+                    <a:schemeClr val="bg1"/>
+                  </a:solidFill>
+                  <a:latin typeface="Trebuchet MS" pitchFamily="34" charset="0"/>
+                </a:rPr>
+                <a:t/>
+              </a:r>
               <a:br>
                 <a:rPr lang="en-US" sz="2800" b="1" baseline="0" dirty="0">
                   <a:solidFill>
@@ -10097,7 +10234,7 @@
               <a:graphicData uri="http://schemas.openxmlformats.org/presentationml/2006/ole">
                 <mc:AlternateContent xmlns:mc="http://schemas.openxmlformats.org/markup-compatibility/2006">
                   <mc:Choice xmlns:v="urn:schemas-microsoft-com:vml" Requires="v">
-                    <p:oleObj spid="_x0000_s2146" name="Image" r:id="rId15" imgW="1828440" imgH="1117440" progId="Photoshop.Image.13">
+                    <p:oleObj spid="_x0000_s2159" name="Image" r:id="rId15" imgW="1828440" imgH="1117440" progId="Photoshop.Image.13">
                       <p:embed/>
                     </p:oleObj>
                   </mc:Choice>
@@ -10154,7 +10291,7 @@
               <a:graphicData uri="http://schemas.openxmlformats.org/presentationml/2006/ole">
                 <mc:AlternateContent xmlns:mc="http://schemas.openxmlformats.org/markup-compatibility/2006">
                   <mc:Choice xmlns:v="urn:schemas-microsoft-com:vml" Requires="v">
-                    <p:oleObj spid="_x0000_s2147" name="Image" r:id="rId17" imgW="1828440" imgH="1117440" progId="Photoshop.Image.13">
+                    <p:oleObj spid="_x0000_s2160" name="Image" r:id="rId17" imgW="1828440" imgH="1117440" progId="Photoshop.Image.13">
                       <p:embed/>
                     </p:oleObj>
                   </mc:Choice>
@@ -11940,7 +12077,7 @@
             <a:graphicData uri="http://schemas.openxmlformats.org/presentationml/2006/ole">
               <mc:AlternateContent xmlns:mc="http://schemas.openxmlformats.org/markup-compatibility/2006">
                 <mc:Choice xmlns:v="urn:schemas-microsoft-com:vml" Requires="v">
-                  <p:oleObj spid="_x0000_s3168" name="Image" r:id="rId4" imgW="4571280" imgH="1688760" progId="Photoshop.Image.13">
+                  <p:oleObj spid="_x0000_s3181" name="Image" r:id="rId4" imgW="4571280" imgH="1688760" progId="Photoshop.Image.13">
                     <p:embed/>
                   </p:oleObj>
                 </mc:Choice>
@@ -12024,7 +12161,7 @@
             <a:graphicData uri="http://schemas.openxmlformats.org/presentationml/2006/ole">
               <mc:AlternateContent xmlns:mc="http://schemas.openxmlformats.org/markup-compatibility/2006">
                 <mc:Choice xmlns:v="urn:schemas-microsoft-com:vml" Requires="v">
-                  <p:oleObj spid="_x0000_s3169" name="Image" r:id="rId7" imgW="1574280" imgH="1053720" progId="Photoshop.Image.13">
+                  <p:oleObj spid="_x0000_s3182" name="Image" r:id="rId7" imgW="1574280" imgH="1053720" progId="Photoshop.Image.13">
                     <p:embed/>
                   </p:oleObj>
                 </mc:Choice>
@@ -12361,6 +12498,14 @@
                 </a:rPr>
                 <a:t>94710</a:t>
               </a:r>
+              <a:r>
+                <a:rPr lang="en-US" sz="2400" baseline="0" dirty="0">
+                  <a:solidFill>
+                    <a:schemeClr val="bg1"/>
+                  </a:solidFill>
+                </a:rPr>
+                <a:t/>
+              </a:r>
               <a:br>
                 <a:rPr lang="en-US" sz="2400" baseline="0" dirty="0">
                   <a:solidFill>
@@ -12690,6 +12835,15 @@
                 </a:rPr>
                 <a:t>PosterPresentations.com</a:t>
               </a:r>
+              <a:r>
+                <a:rPr lang="en-US" sz="2800" dirty="0">
+                  <a:solidFill>
+                    <a:schemeClr val="bg1"/>
+                  </a:solidFill>
+                  <a:latin typeface="Trebuchet MS" pitchFamily="34" charset="0"/>
+                </a:rPr>
+                <a:t/>
+              </a:r>
               <a:br>
                 <a:rPr lang="en-US" sz="2800" dirty="0">
                   <a:solidFill>
@@ -12925,6 +13079,15 @@
             </a:p>
             <a:p>
               <a:pPr algn="l"/>
+              <a:r>
+                <a:rPr lang="en-US" sz="2800" b="1" baseline="0" dirty="0">
+                  <a:solidFill>
+                    <a:schemeClr val="bg1"/>
+                  </a:solidFill>
+                  <a:latin typeface="Trebuchet MS" pitchFamily="34" charset="0"/>
+                </a:rPr>
+                <a:t/>
+              </a:r>
               <a:br>
                 <a:rPr lang="en-US" sz="2800" b="1" baseline="0" dirty="0">
                   <a:solidFill>
@@ -13533,7 +13696,7 @@
               <a:graphicData uri="http://schemas.openxmlformats.org/presentationml/2006/ole">
                 <mc:AlternateContent xmlns:mc="http://schemas.openxmlformats.org/markup-compatibility/2006">
                   <mc:Choice xmlns:v="urn:schemas-microsoft-com:vml" Requires="v">
-                    <p:oleObj spid="_x0000_s3170" name="Image" r:id="rId15" imgW="1828440" imgH="1117440" progId="Photoshop.Image.13">
+                    <p:oleObj spid="_x0000_s3183" name="Image" r:id="rId15" imgW="1828440" imgH="1117440" progId="Photoshop.Image.13">
                       <p:embed/>
                     </p:oleObj>
                   </mc:Choice>
@@ -13590,7 +13753,7 @@
               <a:graphicData uri="http://schemas.openxmlformats.org/presentationml/2006/ole">
                 <mc:AlternateContent xmlns:mc="http://schemas.openxmlformats.org/markup-compatibility/2006">
                   <mc:Choice xmlns:v="urn:schemas-microsoft-com:vml" Requires="v">
-                    <p:oleObj spid="_x0000_s3171" name="Image" r:id="rId17" imgW="1828440" imgH="1117440" progId="Photoshop.Image.13">
+                    <p:oleObj spid="_x0000_s3184" name="Image" r:id="rId17" imgW="1828440" imgH="1117440" progId="Photoshop.Image.13">
                       <p:embed/>
                     </p:oleObj>
                   </mc:Choice>
@@ -14098,15 +14261,15 @@
           <a:p>
             <a:r>
               <a:rPr lang="en-US" dirty="0"/>
-              <a:t>Generative models aims at learning the true data distribution which allow us to generate new data points. They are useful for multiple task such as image generation, dimensionality </a:t>
-            </a:r>
-            <a:r>
-              <a:rPr lang="en-US" dirty="0" err="1"/>
-              <a:t>reduction.One</a:t>
+              <a:t>Generative models aims at learning the true data distribution which allow us to generate new data points. They are useful for multiple task such as image generation, dimensionality reduction</a:t>
+            </a:r>
+            <a:r>
+              <a:rPr lang="en-US" dirty="0" smtClean="0"/>
+              <a:t>. One </a:t>
             </a:r>
             <a:r>
               <a:rPr lang="en-US" dirty="0"/>
-              <a:t> of the most commonly use generative model is the Variational Autoencoder (VAE). The VAE learn a generative model by maximizing a lower bound on the log-likelihood. The VAE is not perfect and have some downside.</a:t>
+              <a:t>of the most commonly use generative model is the Variational Autoencoder (VAE). The VAE learn a generative model by maximizing a lower bound on the log-likelihood. The VAE is not perfect and have some downside.</a:t>
             </a:r>
           </a:p>
           <a:p>
@@ -14209,7 +14372,7 @@
         </p:nvSpPr>
         <p:spPr>
           <a:xfrm>
-            <a:off x="11407909" y="14031340"/>
+            <a:off x="11407909" y="15758540"/>
             <a:ext cx="10048875" cy="754045"/>
           </a:xfrm>
         </p:spPr>
@@ -14346,7 +14509,7 @@
         <p:spPr>
           <a:xfrm>
             <a:off x="11404734" y="6467497"/>
-            <a:ext cx="10052050" cy="3308576"/>
+            <a:ext cx="10052050" cy="5847732"/>
           </a:xfrm>
         </p:spPr>
         <p:txBody>
@@ -14355,29 +14518,162 @@
           <a:p>
             <a:r>
               <a:rPr lang="en-US" dirty="0"/>
-              <a:t>Some assumptions are made on the posterior distribution. In particular, We assumed that the parameters of the encoder q(</a:t>
+              <a:t>Some assumptions are made on the posterior distribution. </a:t>
+            </a:r>
+            <a:r>
+              <a:rPr lang="en-US" dirty="0"/>
+              <a:t>First, by looking at the second term of the </a:t>
+            </a:r>
+            <a:r>
+              <a:rPr lang="en-US" dirty="0" smtClean="0"/>
+              <a:t>objective  D</a:t>
+            </a:r>
+            <a:r>
+              <a:rPr lang="en-US" baseline="-25000" dirty="0" smtClean="0"/>
+              <a:t>KL</a:t>
+            </a:r>
+            <a:r>
+              <a:rPr lang="en-US" dirty="0" smtClean="0"/>
+              <a:t>[q(</a:t>
+            </a:r>
+            <a:r>
+              <a:rPr lang="en-US" dirty="0" err="1" smtClean="0"/>
+              <a:t>z|x</a:t>
+            </a:r>
+            <a:r>
+              <a:rPr lang="en-US" dirty="0" smtClean="0"/>
+              <a:t>) || p(z)], </a:t>
+            </a:r>
+            <a:r>
+              <a:rPr lang="en-US" dirty="0"/>
+              <a:t>we can interpret that term as a </a:t>
             </a:r>
             <a:r>
               <a:rPr lang="en-US" dirty="0" err="1"/>
-              <a:t>z|x</a:t>
+              <a:t>regularizer</a:t>
             </a:r>
             <a:r>
               <a:rPr lang="en-US" dirty="0"/>
-              <a:t>) can be obtained via a neural network</a:t>
-            </a:r>
+              <a:t> that penalizes when the posterior is not close to the standard normal distribution. </a:t>
+            </a:r>
+            <a:endParaRPr lang="en-US" dirty="0" smtClean="0"/>
           </a:p>
           <a:p>
             <a:endParaRPr lang="en-US" dirty="0"/>
           </a:p>
           <a:p>
             <a:r>
+              <a:rPr lang="en-US" dirty="0" smtClean="0"/>
+              <a:t>Secondly</a:t>
+            </a:r>
+            <a:r>
+              <a:rPr lang="en-US" dirty="0"/>
+              <a:t>, if we look at the first term of the objective </a:t>
+            </a:r>
+            <a:r>
+              <a:rPr lang="en-US" dirty="0" smtClean="0"/>
+              <a:t>function </a:t>
+            </a:r>
+          </a:p>
+          <a:p>
+            <a:r>
+              <a:rPr lang="en-US" dirty="0" err="1" smtClean="0"/>
+              <a:t>E</a:t>
+            </a:r>
+            <a:r>
+              <a:rPr lang="en-US" baseline="-25000" dirty="0" err="1" smtClean="0"/>
+              <a:t>q</a:t>
+            </a:r>
+            <a:r>
+              <a:rPr lang="en-US" baseline="-25000" dirty="0"/>
+              <a:t>(</a:t>
+            </a:r>
+            <a:r>
+              <a:rPr lang="en-US" baseline="-25000" dirty="0" err="1"/>
+              <a:t>z|</a:t>
+            </a:r>
+            <a:r>
+              <a:rPr lang="en-US" baseline="-25000" dirty="0" err="1" smtClean="0"/>
+              <a:t>x</a:t>
+            </a:r>
+            <a:r>
+              <a:rPr lang="en-US" baseline="-25000" dirty="0" smtClean="0"/>
+              <a:t>)</a:t>
+            </a:r>
+            <a:r>
+              <a:rPr lang="en-US" dirty="0" smtClean="0"/>
+              <a:t>[</a:t>
+            </a:r>
+            <a:r>
+              <a:rPr lang="en-US" dirty="0"/>
+              <a:t>log(p(</a:t>
+            </a:r>
+            <a:r>
+              <a:rPr lang="en-US" dirty="0" err="1"/>
+              <a:t>x|z</a:t>
+            </a:r>
+            <a:r>
+              <a:rPr lang="en-US" dirty="0"/>
+              <a:t>))</a:t>
+            </a:r>
+            <a:r>
+              <a:rPr lang="en-US" dirty="0" smtClean="0"/>
+              <a:t>], </a:t>
+            </a:r>
+            <a:r>
+              <a:rPr lang="en-US" dirty="0"/>
+              <a:t>we are trying to maximize the likelihood given </a:t>
+            </a:r>
+            <a:r>
+              <a:rPr lang="en-US" dirty="0" smtClean="0"/>
+              <a:t>z. </a:t>
+            </a:r>
+            <a:r>
+              <a:rPr lang="en-US" dirty="0"/>
+              <a:t>Hence, the objective function will penalize when the encoder </a:t>
+            </a:r>
+            <a:r>
+              <a:rPr lang="en-US" dirty="0" smtClean="0"/>
+              <a:t>q</a:t>
+            </a:r>
+            <a:r>
+              <a:rPr lang="en-US" dirty="0"/>
+              <a:t>(</a:t>
+            </a:r>
+            <a:r>
+              <a:rPr lang="en-US" dirty="0" err="1"/>
+              <a:t>z|x</a:t>
+            </a:r>
+            <a:r>
+              <a:rPr lang="en-US" dirty="0" smtClean="0"/>
+              <a:t>) </a:t>
+            </a:r>
+            <a:r>
+              <a:rPr lang="en-US" dirty="0"/>
+              <a:t>generates latent samples that do not represent well the data</a:t>
+            </a:r>
+            <a:r>
+              <a:rPr lang="en-US" dirty="0" smtClean="0"/>
+              <a:t>.</a:t>
+            </a:r>
+          </a:p>
+          <a:p>
+            <a:endParaRPr lang="en-US" dirty="0"/>
+          </a:p>
+          <a:p>
+            <a:r>
               <a:rPr lang="en-US" dirty="0" err="1"/>
               <a:t>Burda</a:t>
             </a:r>
             <a:r>
               <a:rPr lang="en-US" dirty="0"/>
-              <a:t> and al. proposed another lower bound based on importance sampling that allow the model to better explore the latent space and increase the model flexibility.</a:t>
-            </a:r>
+              <a:t> and al. proposed another lower bound based on importance sampling that allow the model to better explore the latent space and increase the model flexibility</a:t>
+            </a:r>
+            <a:r>
+              <a:rPr lang="en-US" dirty="0" smtClean="0"/>
+              <a:t>.</a:t>
+            </a:r>
+            <a:endParaRPr lang="en-US" dirty="0"/>
           </a:p>
         </p:txBody>
       </p:sp>
@@ -14478,7 +14774,7 @@
           <p:cNvPr id="29" name="Image 28">
             <a:extLst>
               <a:ext uri="{FF2B5EF4-FFF2-40B4-BE49-F238E27FC236}">
-                <a16:creationId xmlns:a16="http://schemas.microsoft.com/office/drawing/2014/main" id="{B26E1080-A49C-4542-9B74-8F78F46911AF}"/>
+                <a16:creationId xmlns:a16="http://schemas.microsoft.com/office/drawing/2014/main" xmlns="" id="{B26E1080-A49C-4542-9B74-8F78F46911AF}"/>
               </a:ext>
             </a:extLst>
           </p:cNvPr>
@@ -14488,7 +14784,7 @@
           <p:nvPr/>
         </p:nvPicPr>
         <p:blipFill>
-          <a:blip r:embed="rId2">
+          <a:blip r:embed="rId3">
             <a:extLst>
               <a:ext uri="{28A0092B-C50C-407E-A947-70E740481C1C}">
                 <a14:useLocalDpi xmlns:a14="http://schemas.microsoft.com/office/drawing/2010/main" val="0"/>
@@ -14514,7 +14810,7 @@
           <p:cNvPr id="31" name="Image 30">
             <a:extLst>
               <a:ext uri="{FF2B5EF4-FFF2-40B4-BE49-F238E27FC236}">
-                <a16:creationId xmlns:a16="http://schemas.microsoft.com/office/drawing/2014/main" id="{3B15B3E1-CC10-46B9-905C-3CB6ADBE70D8}"/>
+                <a16:creationId xmlns:a16="http://schemas.microsoft.com/office/drawing/2014/main" xmlns="" id="{3B15B3E1-CC10-46B9-905C-3CB6ADBE70D8}"/>
               </a:ext>
             </a:extLst>
           </p:cNvPr>
@@ -14524,7 +14820,7 @@
           <p:nvPr/>
         </p:nvPicPr>
         <p:blipFill>
-          <a:blip r:embed="rId3">
+          <a:blip r:embed="rId4">
             <a:extLst>
               <a:ext uri="{28A0092B-C50C-407E-A947-70E740481C1C}">
                 <a14:useLocalDpi xmlns:a14="http://schemas.microsoft.com/office/drawing/2010/main" val="0"/>
@@ -14547,82 +14843,10 @@
       </p:pic>
       <p:pic>
         <p:nvPicPr>
-          <p:cNvPr id="34" name="Image 33">
-            <a:extLst>
-              <a:ext uri="{FF2B5EF4-FFF2-40B4-BE49-F238E27FC236}">
-                <a16:creationId xmlns:a16="http://schemas.microsoft.com/office/drawing/2014/main" id="{A51EEDCE-810B-42EF-8386-D485415CC102}"/>
-              </a:ext>
-            </a:extLst>
-          </p:cNvPr>
-          <p:cNvPicPr>
-            <a:picLocks noChangeAspect="1"/>
-          </p:cNvPicPr>
-          <p:nvPr/>
-        </p:nvPicPr>
-        <p:blipFill>
-          <a:blip r:embed="rId4">
-            <a:extLst>
-              <a:ext uri="{28A0092B-C50C-407E-A947-70E740481C1C}">
-                <a14:useLocalDpi xmlns:a14="http://schemas.microsoft.com/office/drawing/2010/main" val="0"/>
-              </a:ext>
-            </a:extLst>
-          </a:blip>
-          <a:stretch>
-            <a:fillRect/>
-          </a:stretch>
-        </p:blipFill>
-        <p:spPr>
-          <a:xfrm>
-            <a:off x="13028608" y="17849895"/>
-            <a:ext cx="6595769" cy="6595769"/>
-          </a:xfrm>
-          <a:prstGeom prst="rect">
-            <a:avLst/>
-          </a:prstGeom>
-        </p:spPr>
-      </p:pic>
-      <p:pic>
-        <p:nvPicPr>
-          <p:cNvPr id="36" name="Image 35">
-            <a:extLst>
-              <a:ext uri="{FF2B5EF4-FFF2-40B4-BE49-F238E27FC236}">
-                <a16:creationId xmlns:a16="http://schemas.microsoft.com/office/drawing/2014/main" id="{C22A1C47-931A-453D-8ED5-FCEE83665E05}"/>
-              </a:ext>
-            </a:extLst>
-          </p:cNvPr>
-          <p:cNvPicPr>
-            <a:picLocks noChangeAspect="1"/>
-          </p:cNvPicPr>
-          <p:nvPr/>
-        </p:nvPicPr>
-        <p:blipFill>
-          <a:blip r:embed="rId5">
-            <a:extLst>
-              <a:ext uri="{28A0092B-C50C-407E-A947-70E740481C1C}">
-                <a14:useLocalDpi xmlns:a14="http://schemas.microsoft.com/office/drawing/2010/main" val="0"/>
-              </a:ext>
-            </a:extLst>
-          </a:blip>
-          <a:stretch>
-            <a:fillRect/>
-          </a:stretch>
-        </p:blipFill>
-        <p:spPr>
-          <a:xfrm>
-            <a:off x="12994731" y="24650160"/>
-            <a:ext cx="6595769" cy="6595769"/>
-          </a:xfrm>
-          <a:prstGeom prst="rect">
-            <a:avLst/>
-          </a:prstGeom>
-        </p:spPr>
-      </p:pic>
-      <p:pic>
-        <p:nvPicPr>
           <p:cNvPr id="40" name="Image 39">
             <a:extLst>
               <a:ext uri="{FF2B5EF4-FFF2-40B4-BE49-F238E27FC236}">
-                <a16:creationId xmlns:a16="http://schemas.microsoft.com/office/drawing/2014/main" id="{166F3255-3372-40F4-A2BE-4C2CD58F82B2}"/>
+                <a16:creationId xmlns:a16="http://schemas.microsoft.com/office/drawing/2014/main" xmlns="" id="{166F3255-3372-40F4-A2BE-4C2CD58F82B2}"/>
               </a:ext>
             </a:extLst>
           </p:cNvPr>
@@ -14632,7 +14856,7 @@
           <p:nvPr/>
         </p:nvPicPr>
         <p:blipFill rotWithShape="1">
-          <a:blip r:embed="rId6">
+          <a:blip r:embed="rId5">
             <a:extLst>
               <a:ext uri="{28A0092B-C50C-407E-A947-70E740481C1C}">
                 <a14:useLocalDpi xmlns:a14="http://schemas.microsoft.com/office/drawing/2010/main" val="0"/>
@@ -14657,7 +14881,7 @@
           <p:cNvPr id="43" name="Image 42">
             <a:extLst>
               <a:ext uri="{FF2B5EF4-FFF2-40B4-BE49-F238E27FC236}">
-                <a16:creationId xmlns:a16="http://schemas.microsoft.com/office/drawing/2014/main" id="{8F255F1F-FEC3-491E-9F7F-30CCCCB41D4B}"/>
+                <a16:creationId xmlns:a16="http://schemas.microsoft.com/office/drawing/2014/main" xmlns="" id="{8F255F1F-FEC3-491E-9F7F-30CCCCB41D4B}"/>
               </a:ext>
             </a:extLst>
           </p:cNvPr>
@@ -14667,7 +14891,7 @@
           <p:nvPr/>
         </p:nvPicPr>
         <p:blipFill rotWithShape="1">
-          <a:blip r:embed="rId7">
+          <a:blip r:embed="rId6">
             <a:extLst>
               <a:ext uri="{28A0092B-C50C-407E-A947-70E740481C1C}">
                 <a14:useLocalDpi xmlns:a14="http://schemas.microsoft.com/office/drawing/2010/main" val="0"/>
@@ -14692,7 +14916,7 @@
           <p:cNvPr id="44" name="Text Placeholder 14">
             <a:extLst>
               <a:ext uri="{FF2B5EF4-FFF2-40B4-BE49-F238E27FC236}">
-                <a16:creationId xmlns:a16="http://schemas.microsoft.com/office/drawing/2014/main" id="{7BCD762B-0436-4477-B02C-A380D58DEF71}"/>
+                <a16:creationId xmlns:a16="http://schemas.microsoft.com/office/drawing/2014/main" xmlns="" id="{7BCD762B-0436-4477-B02C-A380D58DEF71}"/>
               </a:ext>
             </a:extLst>
           </p:cNvPr>
@@ -14875,7 +15099,7 @@
           <p:cNvPr id="46" name="Image 45">
             <a:extLst>
               <a:ext uri="{FF2B5EF4-FFF2-40B4-BE49-F238E27FC236}">
-                <a16:creationId xmlns:a16="http://schemas.microsoft.com/office/drawing/2014/main" id="{105FEA30-3B5C-4A55-B9DD-E63B983D2825}"/>
+                <a16:creationId xmlns:a16="http://schemas.microsoft.com/office/drawing/2014/main" xmlns="" id="{105FEA30-3B5C-4A55-B9DD-E63B983D2825}"/>
               </a:ext>
             </a:extLst>
           </p:cNvPr>
@@ -14885,7 +15109,7 @@
           <p:nvPr/>
         </p:nvPicPr>
         <p:blipFill>
-          <a:blip r:embed="rId8"/>
+          <a:blip r:embed="rId7"/>
           <a:stretch>
             <a:fillRect/>
           </a:stretch>
@@ -14905,7 +15129,7 @@
           <p:cNvPr id="47" name="Text Placeholder 3">
             <a:extLst>
               <a:ext uri="{FF2B5EF4-FFF2-40B4-BE49-F238E27FC236}">
-                <a16:creationId xmlns:a16="http://schemas.microsoft.com/office/drawing/2014/main" id="{CD3ABEB4-FBB2-46B7-BBB7-A9A1816BD860}"/>
+                <a16:creationId xmlns:a16="http://schemas.microsoft.com/office/drawing/2014/main" xmlns="" id="{CD3ABEB4-FBB2-46B7-BBB7-A9A1816BD860}"/>
               </a:ext>
             </a:extLst>
           </p:cNvPr>
@@ -15080,7 +15304,7 @@
           <p:cNvPr id="54" name="Image 53">
             <a:extLst>
               <a:ext uri="{FF2B5EF4-FFF2-40B4-BE49-F238E27FC236}">
-                <a16:creationId xmlns:a16="http://schemas.microsoft.com/office/drawing/2014/main" id="{1455D682-5816-44A7-9F7A-B6A1E65F977E}"/>
+                <a16:creationId xmlns:a16="http://schemas.microsoft.com/office/drawing/2014/main" xmlns="" id="{1455D682-5816-44A7-9F7A-B6A1E65F977E}"/>
               </a:ext>
             </a:extLst>
           </p:cNvPr>
@@ -15089,16 +15313,15 @@
           </p:cNvPicPr>
           <p:nvPr/>
         </p:nvPicPr>
-        <p:blipFill>
-          <a:blip r:embed="rId9"/>
-          <a:stretch>
-            <a:fillRect/>
-          </a:stretch>
+        <p:blipFill rotWithShape="1">
+          <a:blip r:embed="rId8"/>
+          <a:srcRect l="4181" t="2699" r="7868" b="67734"/>
+          <a:stretch/>
         </p:blipFill>
         <p:spPr>
           <a:xfrm>
-            <a:off x="12884526" y="9502839"/>
-            <a:ext cx="6976230" cy="4670038"/>
+            <a:off x="13581644" y="12218014"/>
+            <a:ext cx="5415019" cy="1218610"/>
           </a:xfrm>
           <a:prstGeom prst="rect">
             <a:avLst/>
@@ -15110,7 +15333,7 @@
           <p:cNvPr id="56" name="Text Placeholder 14">
             <a:extLst>
               <a:ext uri="{FF2B5EF4-FFF2-40B4-BE49-F238E27FC236}">
-                <a16:creationId xmlns:a16="http://schemas.microsoft.com/office/drawing/2014/main" id="{3584AABC-01A8-4A44-BECE-7C3C5F0501B6}"/>
+                <a16:creationId xmlns:a16="http://schemas.microsoft.com/office/drawing/2014/main" xmlns="" id="{3584AABC-01A8-4A44-BECE-7C3C5F0501B6}"/>
               </a:ext>
             </a:extLst>
           </p:cNvPr>
@@ -15289,7 +15512,7 @@
           <p:cNvPr id="5" name="Group 4">
             <a:extLst>
               <a:ext uri="{FF2B5EF4-FFF2-40B4-BE49-F238E27FC236}">
-                <a16:creationId xmlns:a16="http://schemas.microsoft.com/office/drawing/2014/main" id="{12358EBB-CCE4-41B8-A385-99FE038F7301}"/>
+                <a16:creationId xmlns:a16="http://schemas.microsoft.com/office/drawing/2014/main" xmlns="" id="{12358EBB-CCE4-41B8-A385-99FE038F7301}"/>
               </a:ext>
             </a:extLst>
           </p:cNvPr>
@@ -15309,7 +15532,7 @@
             <p:cNvPr id="48" name="Rectangle : coins arrondis 47">
               <a:extLst>
                 <a:ext uri="{FF2B5EF4-FFF2-40B4-BE49-F238E27FC236}">
-                  <a16:creationId xmlns:a16="http://schemas.microsoft.com/office/drawing/2014/main" id="{BCD00AC4-13F6-4D14-8352-6F59ECCA65CB}"/>
+                  <a16:creationId xmlns:a16="http://schemas.microsoft.com/office/drawing/2014/main" xmlns="" id="{BCD00AC4-13F6-4D14-8352-6F59ECCA65CB}"/>
                 </a:ext>
               </a:extLst>
             </p:cNvPr>
@@ -15355,7 +15578,7 @@
             <p:cNvPr id="51" name="Connecteur droit avec flèche 50">
               <a:extLst>
                 <a:ext uri="{FF2B5EF4-FFF2-40B4-BE49-F238E27FC236}">
-                  <a16:creationId xmlns:a16="http://schemas.microsoft.com/office/drawing/2014/main" id="{AEDC7BDB-89E0-417D-8045-C608AF37F29B}"/>
+                  <a16:creationId xmlns:a16="http://schemas.microsoft.com/office/drawing/2014/main" xmlns="" id="{AEDC7BDB-89E0-417D-8045-C608AF37F29B}"/>
                 </a:ext>
               </a:extLst>
             </p:cNvPr>
@@ -15399,7 +15622,7 @@
             <p:cNvPr id="52" name="Ellipse 51">
               <a:extLst>
                 <a:ext uri="{FF2B5EF4-FFF2-40B4-BE49-F238E27FC236}">
-                  <a16:creationId xmlns:a16="http://schemas.microsoft.com/office/drawing/2014/main" id="{3AAA39E3-11DE-4AA7-83F2-CE06F7D86AF5}"/>
+                  <a16:creationId xmlns:a16="http://schemas.microsoft.com/office/drawing/2014/main" xmlns="" id="{3AAA39E3-11DE-4AA7-83F2-CE06F7D86AF5}"/>
                 </a:ext>
               </a:extLst>
             </p:cNvPr>
@@ -15448,7 +15671,7 @@
             <p:cNvPr id="91" name="Rectangle : coins arrondis 90">
               <a:extLst>
                 <a:ext uri="{FF2B5EF4-FFF2-40B4-BE49-F238E27FC236}">
-                  <a16:creationId xmlns:a16="http://schemas.microsoft.com/office/drawing/2014/main" id="{9C9368F8-85C7-4500-9DA3-CF759E6BBB95}"/>
+                  <a16:creationId xmlns:a16="http://schemas.microsoft.com/office/drawing/2014/main" xmlns="" id="{9C9368F8-85C7-4500-9DA3-CF759E6BBB95}"/>
                 </a:ext>
               </a:extLst>
             </p:cNvPr>
@@ -15501,7 +15724,7 @@
           <p:cNvPr id="19" name="Group 18">
             <a:extLst>
               <a:ext uri="{FF2B5EF4-FFF2-40B4-BE49-F238E27FC236}">
-                <a16:creationId xmlns:a16="http://schemas.microsoft.com/office/drawing/2014/main" id="{83220A97-CBAC-4CAD-AA3F-F3BD23AB5645}"/>
+                <a16:creationId xmlns:a16="http://schemas.microsoft.com/office/drawing/2014/main" xmlns="" id="{83220A97-CBAC-4CAD-AA3F-F3BD23AB5645}"/>
               </a:ext>
             </a:extLst>
           </p:cNvPr>
@@ -15521,7 +15744,7 @@
             <p:cNvPr id="57" name="Ellipse 56">
               <a:extLst>
                 <a:ext uri="{FF2B5EF4-FFF2-40B4-BE49-F238E27FC236}">
-                  <a16:creationId xmlns:a16="http://schemas.microsoft.com/office/drawing/2014/main" id="{7DBF2BE5-10A8-4FB1-BF67-C96FF78B734E}"/>
+                  <a16:creationId xmlns:a16="http://schemas.microsoft.com/office/drawing/2014/main" xmlns="" id="{7DBF2BE5-10A8-4FB1-BF67-C96FF78B734E}"/>
                 </a:ext>
               </a:extLst>
             </p:cNvPr>
@@ -15571,7 +15794,7 @@
             <p:cNvPr id="58" name="Flèche : haut 57">
               <a:extLst>
                 <a:ext uri="{FF2B5EF4-FFF2-40B4-BE49-F238E27FC236}">
-                  <a16:creationId xmlns:a16="http://schemas.microsoft.com/office/drawing/2014/main" id="{72AC517C-2B87-4080-B735-26C35549A60A}"/>
+                  <a16:creationId xmlns:a16="http://schemas.microsoft.com/office/drawing/2014/main" xmlns="" id="{72AC517C-2B87-4080-B735-26C35549A60A}"/>
                 </a:ext>
               </a:extLst>
             </p:cNvPr>
@@ -15621,7 +15844,7 @@
             <p:cNvPr id="59" name="Rectangle : coins arrondis 58">
               <a:extLst>
                 <a:ext uri="{FF2B5EF4-FFF2-40B4-BE49-F238E27FC236}">
-                  <a16:creationId xmlns:a16="http://schemas.microsoft.com/office/drawing/2014/main" id="{D8C16610-04F1-461C-81EF-A30FAA8BE432}"/>
+                  <a16:creationId xmlns:a16="http://schemas.microsoft.com/office/drawing/2014/main" xmlns="" id="{D8C16610-04F1-461C-81EF-A30FAA8BE432}"/>
                 </a:ext>
               </a:extLst>
             </p:cNvPr>
@@ -15670,7 +15893,7 @@
             <p:cNvPr id="60" name="Rectangle : coins arrondis 59">
               <a:extLst>
                 <a:ext uri="{FF2B5EF4-FFF2-40B4-BE49-F238E27FC236}">
-                  <a16:creationId xmlns:a16="http://schemas.microsoft.com/office/drawing/2014/main" id="{36D4F669-46E2-4A1D-B9F9-C3E5EE4FB105}"/>
+                  <a16:creationId xmlns:a16="http://schemas.microsoft.com/office/drawing/2014/main" xmlns="" id="{36D4F669-46E2-4A1D-B9F9-C3E5EE4FB105}"/>
                 </a:ext>
               </a:extLst>
             </p:cNvPr>
@@ -15720,7 +15943,7 @@
             <p:cNvPr id="63" name="Rectangle : coins arrondis 62">
               <a:extLst>
                 <a:ext uri="{FF2B5EF4-FFF2-40B4-BE49-F238E27FC236}">
-                  <a16:creationId xmlns:a16="http://schemas.microsoft.com/office/drawing/2014/main" id="{94B41CA6-645D-4445-BBF0-47D0C49AF2E8}"/>
+                  <a16:creationId xmlns:a16="http://schemas.microsoft.com/office/drawing/2014/main" xmlns="" id="{94B41CA6-645D-4445-BBF0-47D0C49AF2E8}"/>
                 </a:ext>
               </a:extLst>
             </p:cNvPr>
@@ -15770,7 +15993,7 @@
             <p:cNvPr id="67" name="Rectangle : coins arrondis 66">
               <a:extLst>
                 <a:ext uri="{FF2B5EF4-FFF2-40B4-BE49-F238E27FC236}">
-                  <a16:creationId xmlns:a16="http://schemas.microsoft.com/office/drawing/2014/main" id="{D94CB321-A9EA-4D1D-9F37-8E1C58BB3283}"/>
+                  <a16:creationId xmlns:a16="http://schemas.microsoft.com/office/drawing/2014/main" xmlns="" id="{D94CB321-A9EA-4D1D-9F37-8E1C58BB3283}"/>
                 </a:ext>
               </a:extLst>
             </p:cNvPr>
@@ -15822,7 +16045,7 @@
             <p:cNvPr id="72" name="Ellipse 71">
               <a:extLst>
                 <a:ext uri="{FF2B5EF4-FFF2-40B4-BE49-F238E27FC236}">
-                  <a16:creationId xmlns:a16="http://schemas.microsoft.com/office/drawing/2014/main" id="{88A73338-AE5D-4534-B676-E223E87EEA85}"/>
+                  <a16:creationId xmlns:a16="http://schemas.microsoft.com/office/drawing/2014/main" xmlns="" id="{88A73338-AE5D-4534-B676-E223E87EEA85}"/>
                 </a:ext>
               </a:extLst>
             </p:cNvPr>
@@ -15872,7 +16095,7 @@
             <p:cNvPr id="74" name="Connecteur droit avec flèche 73">
               <a:extLst>
                 <a:ext uri="{FF2B5EF4-FFF2-40B4-BE49-F238E27FC236}">
-                  <a16:creationId xmlns:a16="http://schemas.microsoft.com/office/drawing/2014/main" id="{FCCC5678-EA67-4CED-99EB-2DF05A6449B9}"/>
+                  <a16:creationId xmlns:a16="http://schemas.microsoft.com/office/drawing/2014/main" xmlns="" id="{FCCC5678-EA67-4CED-99EB-2DF05A6449B9}"/>
                 </a:ext>
               </a:extLst>
             </p:cNvPr>
@@ -15914,7 +16137,7 @@
             <p:cNvPr id="79" name="Connecteur droit avec flèche 78">
               <a:extLst>
                 <a:ext uri="{FF2B5EF4-FFF2-40B4-BE49-F238E27FC236}">
-                  <a16:creationId xmlns:a16="http://schemas.microsoft.com/office/drawing/2014/main" id="{36D5BA69-86C0-4452-AC71-E9731CCE3AD2}"/>
+                  <a16:creationId xmlns:a16="http://schemas.microsoft.com/office/drawing/2014/main" xmlns="" id="{36D5BA69-86C0-4452-AC71-E9731CCE3AD2}"/>
                 </a:ext>
               </a:extLst>
             </p:cNvPr>
@@ -15956,7 +16179,7 @@
             <p:cNvPr id="82" name="Connecteur droit avec flèche 81">
               <a:extLst>
                 <a:ext uri="{FF2B5EF4-FFF2-40B4-BE49-F238E27FC236}">
-                  <a16:creationId xmlns:a16="http://schemas.microsoft.com/office/drawing/2014/main" id="{80EEBF50-0FEF-42D2-816A-6655A3A977FE}"/>
+                  <a16:creationId xmlns:a16="http://schemas.microsoft.com/office/drawing/2014/main" xmlns="" id="{80EEBF50-0FEF-42D2-816A-6655A3A977FE}"/>
                 </a:ext>
               </a:extLst>
             </p:cNvPr>
@@ -15998,7 +16221,7 @@
             <p:cNvPr id="92" name="Accolade fermante 91">
               <a:extLst>
                 <a:ext uri="{FF2B5EF4-FFF2-40B4-BE49-F238E27FC236}">
-                  <a16:creationId xmlns:a16="http://schemas.microsoft.com/office/drawing/2014/main" id="{58D73F09-5760-42C4-952D-91B52DBBF486}"/>
+                  <a16:creationId xmlns:a16="http://schemas.microsoft.com/office/drawing/2014/main" xmlns="" id="{58D73F09-5760-42C4-952D-91B52DBBF486}"/>
                 </a:ext>
               </a:extLst>
             </p:cNvPr>
@@ -16043,7 +16266,7 @@
             <p:cNvPr id="95" name="Accolade fermante 94">
               <a:extLst>
                 <a:ext uri="{FF2B5EF4-FFF2-40B4-BE49-F238E27FC236}">
-                  <a16:creationId xmlns:a16="http://schemas.microsoft.com/office/drawing/2014/main" id="{DC084A30-A300-4B80-AA0F-AA79EB07B910}"/>
+                  <a16:creationId xmlns:a16="http://schemas.microsoft.com/office/drawing/2014/main" xmlns="" id="{DC084A30-A300-4B80-AA0F-AA79EB07B910}"/>
                 </a:ext>
               </a:extLst>
             </p:cNvPr>
@@ -16088,7 +16311,7 @@
             <p:cNvPr id="96" name="Rectangle 95">
               <a:extLst>
                 <a:ext uri="{FF2B5EF4-FFF2-40B4-BE49-F238E27FC236}">
-                  <a16:creationId xmlns:a16="http://schemas.microsoft.com/office/drawing/2014/main" id="{56C7E9A1-1206-4EBC-A672-6946530DB152}"/>
+                  <a16:creationId xmlns:a16="http://schemas.microsoft.com/office/drawing/2014/main" xmlns="" id="{56C7E9A1-1206-4EBC-A672-6946530DB152}"/>
                 </a:ext>
               </a:extLst>
             </p:cNvPr>
@@ -16136,7 +16359,7 @@
             <p:cNvPr id="97" name="Rectangle 96">
               <a:extLst>
                 <a:ext uri="{FF2B5EF4-FFF2-40B4-BE49-F238E27FC236}">
-                  <a16:creationId xmlns:a16="http://schemas.microsoft.com/office/drawing/2014/main" id="{50EF45D3-AF38-43C3-80A1-BD320E002583}"/>
+                  <a16:creationId xmlns:a16="http://schemas.microsoft.com/office/drawing/2014/main" xmlns="" id="{50EF45D3-AF38-43C3-80A1-BD320E002583}"/>
                 </a:ext>
               </a:extLst>
             </p:cNvPr>
@@ -16184,7 +16407,7 @@
             <p:cNvPr id="98" name="Flèche : haut 97">
               <a:extLst>
                 <a:ext uri="{FF2B5EF4-FFF2-40B4-BE49-F238E27FC236}">
-                  <a16:creationId xmlns:a16="http://schemas.microsoft.com/office/drawing/2014/main" id="{E2981F08-14A6-4333-BAD5-7701C356EA9B}"/>
+                  <a16:creationId xmlns:a16="http://schemas.microsoft.com/office/drawing/2014/main" xmlns="" id="{E2981F08-14A6-4333-BAD5-7701C356EA9B}"/>
                 </a:ext>
               </a:extLst>
             </p:cNvPr>
@@ -16235,7 +16458,7 @@
           <p:cNvPr id="61" name="Text Placeholder 1">
             <a:extLst>
               <a:ext uri="{FF2B5EF4-FFF2-40B4-BE49-F238E27FC236}">
-                <a16:creationId xmlns:a16="http://schemas.microsoft.com/office/drawing/2014/main" id="{A5A55B18-228E-4F31-8420-732F1F74A9F9}"/>
+                <a16:creationId xmlns:a16="http://schemas.microsoft.com/office/drawing/2014/main" xmlns="" id="{A5A55B18-228E-4F31-8420-732F1F74A9F9}"/>
               </a:ext>
             </a:extLst>
           </p:cNvPr>
@@ -16406,7 +16629,7 @@
           <p:cNvPr id="62" name="Text Placeholder 11">
             <a:extLst>
               <a:ext uri="{FF2B5EF4-FFF2-40B4-BE49-F238E27FC236}">
-                <a16:creationId xmlns:a16="http://schemas.microsoft.com/office/drawing/2014/main" id="{A43364F1-F3E1-4154-9BA3-93285BA3F1CA}"/>
+                <a16:creationId xmlns:a16="http://schemas.microsoft.com/office/drawing/2014/main" xmlns="" id="{A43364F1-F3E1-4154-9BA3-93285BA3F1CA}"/>
               </a:ext>
             </a:extLst>
           </p:cNvPr>
@@ -16417,7 +16640,7 @@
         </p:nvSpPr>
         <p:spPr>
           <a:xfrm>
-            <a:off x="11436816" y="14529712"/>
+            <a:off x="11436816" y="16256912"/>
             <a:ext cx="10021556" cy="3539408"/>
           </a:xfrm>
           <a:prstGeom prst="rect">
@@ -16638,7 +16861,7 @@
           <p:cNvPr id="20" name="Picture 19">
             <a:extLst>
               <a:ext uri="{FF2B5EF4-FFF2-40B4-BE49-F238E27FC236}">
-                <a16:creationId xmlns:a16="http://schemas.microsoft.com/office/drawing/2014/main" id="{52508552-17EF-4036-88EF-BDADCF729651}"/>
+                <a16:creationId xmlns:a16="http://schemas.microsoft.com/office/drawing/2014/main" xmlns="" id="{52508552-17EF-4036-88EF-BDADCF729651}"/>
               </a:ext>
             </a:extLst>
           </p:cNvPr>
@@ -16648,7 +16871,7 @@
           <p:nvPr/>
         </p:nvPicPr>
         <p:blipFill>
-          <a:blip r:embed="rId10"/>
+          <a:blip r:embed="rId9"/>
           <a:stretch>
             <a:fillRect/>
           </a:stretch>
@@ -16668,7 +16891,7 @@
           <p:cNvPr id="65" name="Text Placeholder 11">
             <a:extLst>
               <a:ext uri="{FF2B5EF4-FFF2-40B4-BE49-F238E27FC236}">
-                <a16:creationId xmlns:a16="http://schemas.microsoft.com/office/drawing/2014/main" id="{DF5C931B-8ABE-4D08-9D8E-9BF163424AF4}"/>
+                <a16:creationId xmlns:a16="http://schemas.microsoft.com/office/drawing/2014/main" xmlns="" id="{DF5C931B-8ABE-4D08-9D8E-9BF163424AF4}"/>
               </a:ext>
             </a:extLst>
           </p:cNvPr>
@@ -16874,7 +17097,7 @@
           <p:cNvPr id="66" name="Text Placeholder 11">
             <a:extLst>
               <a:ext uri="{FF2B5EF4-FFF2-40B4-BE49-F238E27FC236}">
-                <a16:creationId xmlns:a16="http://schemas.microsoft.com/office/drawing/2014/main" id="{9B9E7798-9D63-4283-8F3A-7CEFA3B9E130}"/>
+                <a16:creationId xmlns:a16="http://schemas.microsoft.com/office/drawing/2014/main" xmlns="" id="{9B9E7798-9D63-4283-8F3A-7CEFA3B9E130}"/>
               </a:ext>
             </a:extLst>
           </p:cNvPr>
@@ -17121,7 +17344,7 @@
           <p:cNvPr id="69" name="Text Placeholder 11">
             <a:extLst>
               <a:ext uri="{FF2B5EF4-FFF2-40B4-BE49-F238E27FC236}">
-                <a16:creationId xmlns:a16="http://schemas.microsoft.com/office/drawing/2014/main" id="{53032AE1-DBC6-43FB-99EF-D7444655C110}"/>
+                <a16:creationId xmlns:a16="http://schemas.microsoft.com/office/drawing/2014/main" xmlns="" id="{53032AE1-DBC6-43FB-99EF-D7444655C110}"/>
               </a:ext>
             </a:extLst>
           </p:cNvPr>
@@ -17364,7 +17587,7 @@
           <p:cNvPr id="41" name="Text Placeholder 14">
             <a:extLst>
               <a:ext uri="{FF2B5EF4-FFF2-40B4-BE49-F238E27FC236}">
-                <a16:creationId xmlns:a16="http://schemas.microsoft.com/office/drawing/2014/main" id="{3BB18B94-5F9C-4CAB-8CE9-6854910DEB8A}"/>
+                <a16:creationId xmlns:a16="http://schemas.microsoft.com/office/drawing/2014/main" xmlns="" id="{3BB18B94-5F9C-4CAB-8CE9-6854910DEB8A}"/>
               </a:ext>
             </a:extLst>
           </p:cNvPr>
@@ -17542,354 +17765,456 @@
           </a:p>
         </p:txBody>
       </p:sp>
-      <p:sp>
-        <p:nvSpPr>
-          <p:cNvPr id="32" name="Text Placeholder 6">
-            <a:extLst>
-              <a:ext uri="{FF2B5EF4-FFF2-40B4-BE49-F238E27FC236}">
-                <a16:creationId xmlns:a16="http://schemas.microsoft.com/office/drawing/2014/main" id="{679DF83E-27B2-489B-9C16-AC17B4A8A540}"/>
-              </a:ext>
-            </a:extLst>
-          </p:cNvPr>
-          <p:cNvSpPr txBox="1">
-            <a:spLocks/>
-          </p:cNvSpPr>
+      <p:grpSp>
+        <p:nvGrpSpPr>
+          <p:cNvPr id="13" name="Grouper 12"/>
+          <p:cNvGrpSpPr/>
           <p:nvPr/>
-        </p:nvSpPr>
-        <p:spPr>
+        </p:nvGrpSpPr>
+        <p:grpSpPr>
           <a:xfrm>
-            <a:off x="14500103" y="17844503"/>
-            <a:ext cx="10048874" cy="846363"/>
+            <a:off x="13892898" y="19471588"/>
+            <a:ext cx="10656079" cy="5663858"/>
+            <a:chOff x="13892898" y="19114423"/>
+            <a:chExt cx="10656079" cy="5663858"/>
           </a:xfrm>
-          <a:prstGeom prst="rect">
-            <a:avLst/>
-          </a:prstGeom>
-        </p:spPr>
-        <p:txBody>
-          <a:bodyPr wrap="square" lIns="228589" tIns="228589" rIns="228589" bIns="228589">
-            <a:spAutoFit/>
-          </a:bodyPr>
-          <a:lstStyle>
-            <a:lvl1pPr marL="0" indent="0" algn="l" defTabSz="4388900" rtl="0" eaLnBrk="1" latinLnBrk="0" hangingPunct="1">
-              <a:spcBef>
-                <a:spcPct val="20000"/>
-              </a:spcBef>
-              <a:buFont typeface="Arial" pitchFamily="34" charset="0"/>
-              <a:buNone/>
-              <a:defRPr sz="2500" kern="1200">
-                <a:solidFill>
-                  <a:schemeClr val="accent5">
-                    <a:lumMod val="50000"/>
-                  </a:schemeClr>
-                </a:solidFill>
-                <a:latin typeface="Times New Roman" pitchFamily="18" charset="0"/>
-                <a:ea typeface="+mn-ea"/>
-                <a:cs typeface="Times New Roman" pitchFamily="18" charset="0"/>
-              </a:defRPr>
-            </a:lvl1pPr>
-            <a:lvl2pPr marL="1485825" indent="-571471" algn="l" defTabSz="4388900" rtl="0" eaLnBrk="1" latinLnBrk="0" hangingPunct="1">
-              <a:spcBef>
-                <a:spcPct val="20000"/>
-              </a:spcBef>
-              <a:buFont typeface="Arial" pitchFamily="34" charset="0"/>
-              <a:buChar char="–"/>
-              <a:defRPr sz="2500" kern="1200">
-                <a:solidFill>
-                  <a:schemeClr val="tx1"/>
-                </a:solidFill>
-                <a:latin typeface="Trebuchet MS" pitchFamily="34" charset="0"/>
-                <a:ea typeface="+mn-ea"/>
-                <a:cs typeface="+mn-cs"/>
-              </a:defRPr>
-            </a:lvl2pPr>
-            <a:lvl3pPr marL="2057297" indent="-571471" algn="l" defTabSz="4388900" rtl="0" eaLnBrk="1" latinLnBrk="0" hangingPunct="1">
-              <a:spcBef>
-                <a:spcPct val="20000"/>
-              </a:spcBef>
-              <a:buFont typeface="Arial" pitchFamily="34" charset="0"/>
-              <a:buChar char="•"/>
-              <a:defRPr sz="2500" kern="1200">
-                <a:solidFill>
-                  <a:schemeClr val="tx1"/>
-                </a:solidFill>
-                <a:latin typeface="Trebuchet MS" pitchFamily="34" charset="0"/>
-                <a:ea typeface="+mn-ea"/>
-                <a:cs typeface="+mn-cs"/>
-              </a:defRPr>
-            </a:lvl3pPr>
-            <a:lvl4pPr marL="2685916" indent="-628619" algn="l" defTabSz="4388900" rtl="0" eaLnBrk="1" latinLnBrk="0" hangingPunct="1">
-              <a:spcBef>
-                <a:spcPct val="20000"/>
-              </a:spcBef>
-              <a:buFont typeface="Arial" pitchFamily="34" charset="0"/>
-              <a:buChar char="–"/>
-              <a:defRPr sz="2500" kern="1200">
-                <a:solidFill>
-                  <a:schemeClr val="tx1"/>
-                </a:solidFill>
-                <a:latin typeface="Trebuchet MS" pitchFamily="34" charset="0"/>
-                <a:ea typeface="+mn-ea"/>
-                <a:cs typeface="+mn-cs"/>
-              </a:defRPr>
-            </a:lvl4pPr>
-            <a:lvl5pPr marL="3143093" indent="-457177" algn="l" defTabSz="4388900" rtl="0" eaLnBrk="1" latinLnBrk="0" hangingPunct="1">
-              <a:spcBef>
-                <a:spcPct val="20000"/>
-              </a:spcBef>
-              <a:buFont typeface="Arial" pitchFamily="34" charset="0"/>
-              <a:buChar char="»"/>
-              <a:defRPr sz="2500" kern="1200">
-                <a:solidFill>
-                  <a:schemeClr val="tx1"/>
-                </a:solidFill>
-                <a:latin typeface="Trebuchet MS" pitchFamily="34" charset="0"/>
-                <a:ea typeface="+mn-ea"/>
-                <a:cs typeface="+mn-cs"/>
-              </a:defRPr>
-            </a:lvl5pPr>
-            <a:lvl6pPr marL="12069477" indent="-1097226" algn="l" defTabSz="4388900" rtl="0" eaLnBrk="1" latinLnBrk="0" hangingPunct="1">
-              <a:spcBef>
-                <a:spcPct val="20000"/>
-              </a:spcBef>
-              <a:buFont typeface="Arial" pitchFamily="34" charset="0"/>
-              <a:buChar char="•"/>
-              <a:defRPr sz="9600" kern="1200">
-                <a:solidFill>
-                  <a:schemeClr val="tx1"/>
-                </a:solidFill>
-                <a:latin typeface="+mn-lt"/>
-                <a:ea typeface="+mn-ea"/>
-                <a:cs typeface="+mn-cs"/>
-              </a:defRPr>
-            </a:lvl6pPr>
-            <a:lvl7pPr marL="14263926" indent="-1097226" algn="l" defTabSz="4388900" rtl="0" eaLnBrk="1" latinLnBrk="0" hangingPunct="1">
-              <a:spcBef>
-                <a:spcPct val="20000"/>
-              </a:spcBef>
-              <a:buFont typeface="Arial" pitchFamily="34" charset="0"/>
-              <a:buChar char="•"/>
-              <a:defRPr sz="9600" kern="1200">
-                <a:solidFill>
-                  <a:schemeClr val="tx1"/>
-                </a:solidFill>
-                <a:latin typeface="+mn-lt"/>
-                <a:ea typeface="+mn-ea"/>
-                <a:cs typeface="+mn-cs"/>
-              </a:defRPr>
-            </a:lvl7pPr>
-            <a:lvl8pPr marL="16458377" indent="-1097226" algn="l" defTabSz="4388900" rtl="0" eaLnBrk="1" latinLnBrk="0" hangingPunct="1">
-              <a:spcBef>
-                <a:spcPct val="20000"/>
-              </a:spcBef>
-              <a:buFont typeface="Arial" pitchFamily="34" charset="0"/>
-              <a:buChar char="•"/>
-              <a:defRPr sz="9600" kern="1200">
-                <a:solidFill>
-                  <a:schemeClr val="tx1"/>
-                </a:solidFill>
-                <a:latin typeface="+mn-lt"/>
-                <a:ea typeface="+mn-ea"/>
-                <a:cs typeface="+mn-cs"/>
-              </a:defRPr>
-            </a:lvl8pPr>
-            <a:lvl9pPr marL="18652827" indent="-1097226" algn="l" defTabSz="4388900" rtl="0" eaLnBrk="1" latinLnBrk="0" hangingPunct="1">
-              <a:spcBef>
-                <a:spcPct val="20000"/>
-              </a:spcBef>
-              <a:buFont typeface="Arial" pitchFamily="34" charset="0"/>
-              <a:buChar char="•"/>
-              <a:defRPr sz="9600" kern="1200">
-                <a:solidFill>
-                  <a:schemeClr val="tx1"/>
-                </a:solidFill>
-                <a:latin typeface="+mn-lt"/>
-                <a:ea typeface="+mn-ea"/>
-                <a:cs typeface="+mn-cs"/>
-              </a:defRPr>
-            </a:lvl9pPr>
-          </a:lstStyle>
-          <a:p>
-            <a:r>
-              <a:rPr lang="en-US" dirty="0"/>
-              <a:t>VAE – 100 Digits generated</a:t>
-            </a:r>
-          </a:p>
-        </p:txBody>
-      </p:sp>
-      <p:sp>
-        <p:nvSpPr>
-          <p:cNvPr id="37" name="Text Placeholder 6">
-            <a:extLst>
-              <a:ext uri="{FF2B5EF4-FFF2-40B4-BE49-F238E27FC236}">
-                <a16:creationId xmlns:a16="http://schemas.microsoft.com/office/drawing/2014/main" id="{1C1E200B-2FAE-4919-9CA4-F6FC1A105E1F}"/>
-              </a:ext>
-            </a:extLst>
-          </p:cNvPr>
-          <p:cNvSpPr txBox="1">
-            <a:spLocks/>
-          </p:cNvSpPr>
+        </p:grpSpPr>
+        <p:pic>
+          <p:nvPicPr>
+            <p:cNvPr id="34" name="Image 33">
+              <a:extLst>
+                <a:ext uri="{FF2B5EF4-FFF2-40B4-BE49-F238E27FC236}">
+                  <a16:creationId xmlns:a16="http://schemas.microsoft.com/office/drawing/2014/main" xmlns="" id="{A51EEDCE-810B-42EF-8386-D485415CC102}"/>
+                </a:ext>
+              </a:extLst>
+            </p:cNvPr>
+            <p:cNvPicPr>
+              <a:picLocks noChangeAspect="1"/>
+            </p:cNvPicPr>
+            <p:nvPr/>
+          </p:nvPicPr>
+          <p:blipFill>
+            <a:blip r:embed="rId10">
+              <a:extLst>
+                <a:ext uri="{28A0092B-C50C-407E-A947-70E740481C1C}">
+                  <a14:useLocalDpi xmlns:a14="http://schemas.microsoft.com/office/drawing/2010/main" val="0"/>
+                </a:ext>
+              </a:extLst>
+            </a:blip>
+            <a:stretch>
+              <a:fillRect/>
+            </a:stretch>
+          </p:blipFill>
+          <p:spPr>
+            <a:xfrm>
+              <a:off x="13892898" y="19246818"/>
+              <a:ext cx="5531463" cy="5531463"/>
+            </a:xfrm>
+            <a:prstGeom prst="rect">
+              <a:avLst/>
+            </a:prstGeom>
+          </p:spPr>
+        </p:pic>
+        <p:sp>
+          <p:nvSpPr>
+            <p:cNvPr id="32" name="Text Placeholder 6">
+              <a:extLst>
+                <a:ext uri="{FF2B5EF4-FFF2-40B4-BE49-F238E27FC236}">
+                  <a16:creationId xmlns:a16="http://schemas.microsoft.com/office/drawing/2014/main" xmlns="" id="{679DF83E-27B2-489B-9C16-AC17B4A8A540}"/>
+                </a:ext>
+              </a:extLst>
+            </p:cNvPr>
+            <p:cNvSpPr txBox="1">
+              <a:spLocks/>
+            </p:cNvSpPr>
+            <p:nvPr/>
+          </p:nvSpPr>
+          <p:spPr>
+            <a:xfrm>
+              <a:off x="14500103" y="19114423"/>
+              <a:ext cx="10048874" cy="846363"/>
+            </a:xfrm>
+            <a:prstGeom prst="rect">
+              <a:avLst/>
+            </a:prstGeom>
+          </p:spPr>
+          <p:txBody>
+            <a:bodyPr wrap="square" lIns="228589" tIns="228589" rIns="228589" bIns="228589">
+              <a:spAutoFit/>
+            </a:bodyPr>
+            <a:lstStyle>
+              <a:lvl1pPr marL="0" indent="0" algn="l" defTabSz="4388900" rtl="0" eaLnBrk="1" latinLnBrk="0" hangingPunct="1">
+                <a:spcBef>
+                  <a:spcPct val="20000"/>
+                </a:spcBef>
+                <a:buFont typeface="Arial" pitchFamily="34" charset="0"/>
+                <a:buNone/>
+                <a:defRPr sz="2500" kern="1200">
+                  <a:solidFill>
+                    <a:schemeClr val="accent5">
+                      <a:lumMod val="50000"/>
+                    </a:schemeClr>
+                  </a:solidFill>
+                  <a:latin typeface="Times New Roman" pitchFamily="18" charset="0"/>
+                  <a:ea typeface="+mn-ea"/>
+                  <a:cs typeface="Times New Roman" pitchFamily="18" charset="0"/>
+                </a:defRPr>
+              </a:lvl1pPr>
+              <a:lvl2pPr marL="1485825" indent="-571471" algn="l" defTabSz="4388900" rtl="0" eaLnBrk="1" latinLnBrk="0" hangingPunct="1">
+                <a:spcBef>
+                  <a:spcPct val="20000"/>
+                </a:spcBef>
+                <a:buFont typeface="Arial" pitchFamily="34" charset="0"/>
+                <a:buChar char="–"/>
+                <a:defRPr sz="2500" kern="1200">
+                  <a:solidFill>
+                    <a:schemeClr val="tx1"/>
+                  </a:solidFill>
+                  <a:latin typeface="Trebuchet MS" pitchFamily="34" charset="0"/>
+                  <a:ea typeface="+mn-ea"/>
+                  <a:cs typeface="+mn-cs"/>
+                </a:defRPr>
+              </a:lvl2pPr>
+              <a:lvl3pPr marL="2057297" indent="-571471" algn="l" defTabSz="4388900" rtl="0" eaLnBrk="1" latinLnBrk="0" hangingPunct="1">
+                <a:spcBef>
+                  <a:spcPct val="20000"/>
+                </a:spcBef>
+                <a:buFont typeface="Arial" pitchFamily="34" charset="0"/>
+                <a:buChar char="•"/>
+                <a:defRPr sz="2500" kern="1200">
+                  <a:solidFill>
+                    <a:schemeClr val="tx1"/>
+                  </a:solidFill>
+                  <a:latin typeface="Trebuchet MS" pitchFamily="34" charset="0"/>
+                  <a:ea typeface="+mn-ea"/>
+                  <a:cs typeface="+mn-cs"/>
+                </a:defRPr>
+              </a:lvl3pPr>
+              <a:lvl4pPr marL="2685916" indent="-628619" algn="l" defTabSz="4388900" rtl="0" eaLnBrk="1" latinLnBrk="0" hangingPunct="1">
+                <a:spcBef>
+                  <a:spcPct val="20000"/>
+                </a:spcBef>
+                <a:buFont typeface="Arial" pitchFamily="34" charset="0"/>
+                <a:buChar char="–"/>
+                <a:defRPr sz="2500" kern="1200">
+                  <a:solidFill>
+                    <a:schemeClr val="tx1"/>
+                  </a:solidFill>
+                  <a:latin typeface="Trebuchet MS" pitchFamily="34" charset="0"/>
+                  <a:ea typeface="+mn-ea"/>
+                  <a:cs typeface="+mn-cs"/>
+                </a:defRPr>
+              </a:lvl4pPr>
+              <a:lvl5pPr marL="3143093" indent="-457177" algn="l" defTabSz="4388900" rtl="0" eaLnBrk="1" latinLnBrk="0" hangingPunct="1">
+                <a:spcBef>
+                  <a:spcPct val="20000"/>
+                </a:spcBef>
+                <a:buFont typeface="Arial" pitchFamily="34" charset="0"/>
+                <a:buChar char="»"/>
+                <a:defRPr sz="2500" kern="1200">
+                  <a:solidFill>
+                    <a:schemeClr val="tx1"/>
+                  </a:solidFill>
+                  <a:latin typeface="Trebuchet MS" pitchFamily="34" charset="0"/>
+                  <a:ea typeface="+mn-ea"/>
+                  <a:cs typeface="+mn-cs"/>
+                </a:defRPr>
+              </a:lvl5pPr>
+              <a:lvl6pPr marL="12069477" indent="-1097226" algn="l" defTabSz="4388900" rtl="0" eaLnBrk="1" latinLnBrk="0" hangingPunct="1">
+                <a:spcBef>
+                  <a:spcPct val="20000"/>
+                </a:spcBef>
+                <a:buFont typeface="Arial" pitchFamily="34" charset="0"/>
+                <a:buChar char="•"/>
+                <a:defRPr sz="9600" kern="1200">
+                  <a:solidFill>
+                    <a:schemeClr val="tx1"/>
+                  </a:solidFill>
+                  <a:latin typeface="+mn-lt"/>
+                  <a:ea typeface="+mn-ea"/>
+                  <a:cs typeface="+mn-cs"/>
+                </a:defRPr>
+              </a:lvl6pPr>
+              <a:lvl7pPr marL="14263926" indent="-1097226" algn="l" defTabSz="4388900" rtl="0" eaLnBrk="1" latinLnBrk="0" hangingPunct="1">
+                <a:spcBef>
+                  <a:spcPct val="20000"/>
+                </a:spcBef>
+                <a:buFont typeface="Arial" pitchFamily="34" charset="0"/>
+                <a:buChar char="•"/>
+                <a:defRPr sz="9600" kern="1200">
+                  <a:solidFill>
+                    <a:schemeClr val="tx1"/>
+                  </a:solidFill>
+                  <a:latin typeface="+mn-lt"/>
+                  <a:ea typeface="+mn-ea"/>
+                  <a:cs typeface="+mn-cs"/>
+                </a:defRPr>
+              </a:lvl7pPr>
+              <a:lvl8pPr marL="16458377" indent="-1097226" algn="l" defTabSz="4388900" rtl="0" eaLnBrk="1" latinLnBrk="0" hangingPunct="1">
+                <a:spcBef>
+                  <a:spcPct val="20000"/>
+                </a:spcBef>
+                <a:buFont typeface="Arial" pitchFamily="34" charset="0"/>
+                <a:buChar char="•"/>
+                <a:defRPr sz="9600" kern="1200">
+                  <a:solidFill>
+                    <a:schemeClr val="tx1"/>
+                  </a:solidFill>
+                  <a:latin typeface="+mn-lt"/>
+                  <a:ea typeface="+mn-ea"/>
+                  <a:cs typeface="+mn-cs"/>
+                </a:defRPr>
+              </a:lvl8pPr>
+              <a:lvl9pPr marL="18652827" indent="-1097226" algn="l" defTabSz="4388900" rtl="0" eaLnBrk="1" latinLnBrk="0" hangingPunct="1">
+                <a:spcBef>
+                  <a:spcPct val="20000"/>
+                </a:spcBef>
+                <a:buFont typeface="Arial" pitchFamily="34" charset="0"/>
+                <a:buChar char="•"/>
+                <a:defRPr sz="9600" kern="1200">
+                  <a:solidFill>
+                    <a:schemeClr val="tx1"/>
+                  </a:solidFill>
+                  <a:latin typeface="+mn-lt"/>
+                  <a:ea typeface="+mn-ea"/>
+                  <a:cs typeface="+mn-cs"/>
+                </a:defRPr>
+              </a:lvl9pPr>
+            </a:lstStyle>
+            <a:p>
+              <a:r>
+                <a:rPr lang="en-US" dirty="0"/>
+                <a:t>VAE – 100 Digits generated</a:t>
+              </a:r>
+            </a:p>
+          </p:txBody>
+        </p:sp>
+      </p:grpSp>
+      <p:grpSp>
+        <p:nvGrpSpPr>
+          <p:cNvPr id="14" name="Grouper 13"/>
+          <p:cNvGrpSpPr/>
           <p:nvPr/>
-        </p:nvSpPr>
-        <p:spPr>
+        </p:nvGrpSpPr>
+        <p:grpSpPr>
           <a:xfrm>
-            <a:off x="14500103" y="24600606"/>
-            <a:ext cx="10048874" cy="846363"/>
+            <a:off x="13765208" y="25473676"/>
+            <a:ext cx="10783769" cy="5758948"/>
+            <a:chOff x="13765208" y="25473676"/>
+            <a:chExt cx="10783769" cy="5758948"/>
           </a:xfrm>
-          <a:prstGeom prst="rect">
-            <a:avLst/>
-          </a:prstGeom>
-        </p:spPr>
-        <p:txBody>
-          <a:bodyPr wrap="square" lIns="228589" tIns="228589" rIns="228589" bIns="228589">
-            <a:spAutoFit/>
-          </a:bodyPr>
-          <a:lstStyle>
-            <a:lvl1pPr marL="0" indent="0" algn="l" defTabSz="4388900" rtl="0" eaLnBrk="1" latinLnBrk="0" hangingPunct="1">
-              <a:spcBef>
-                <a:spcPct val="20000"/>
-              </a:spcBef>
-              <a:buFont typeface="Arial" pitchFamily="34" charset="0"/>
-              <a:buNone/>
-              <a:defRPr sz="2500" kern="1200">
-                <a:solidFill>
-                  <a:schemeClr val="accent5">
-                    <a:lumMod val="50000"/>
-                  </a:schemeClr>
-                </a:solidFill>
-                <a:latin typeface="Times New Roman" pitchFamily="18" charset="0"/>
-                <a:ea typeface="+mn-ea"/>
-                <a:cs typeface="Times New Roman" pitchFamily="18" charset="0"/>
-              </a:defRPr>
-            </a:lvl1pPr>
-            <a:lvl2pPr marL="1485825" indent="-571471" algn="l" defTabSz="4388900" rtl="0" eaLnBrk="1" latinLnBrk="0" hangingPunct="1">
-              <a:spcBef>
-                <a:spcPct val="20000"/>
-              </a:spcBef>
-              <a:buFont typeface="Arial" pitchFamily="34" charset="0"/>
-              <a:buChar char="–"/>
-              <a:defRPr sz="2500" kern="1200">
-                <a:solidFill>
-                  <a:schemeClr val="tx1"/>
-                </a:solidFill>
-                <a:latin typeface="Trebuchet MS" pitchFamily="34" charset="0"/>
-                <a:ea typeface="+mn-ea"/>
-                <a:cs typeface="+mn-cs"/>
-              </a:defRPr>
-            </a:lvl2pPr>
-            <a:lvl3pPr marL="2057297" indent="-571471" algn="l" defTabSz="4388900" rtl="0" eaLnBrk="1" latinLnBrk="0" hangingPunct="1">
-              <a:spcBef>
-                <a:spcPct val="20000"/>
-              </a:spcBef>
-              <a:buFont typeface="Arial" pitchFamily="34" charset="0"/>
-              <a:buChar char="•"/>
-              <a:defRPr sz="2500" kern="1200">
-                <a:solidFill>
-                  <a:schemeClr val="tx1"/>
-                </a:solidFill>
-                <a:latin typeface="Trebuchet MS" pitchFamily="34" charset="0"/>
-                <a:ea typeface="+mn-ea"/>
-                <a:cs typeface="+mn-cs"/>
-              </a:defRPr>
-            </a:lvl3pPr>
-            <a:lvl4pPr marL="2685916" indent="-628619" algn="l" defTabSz="4388900" rtl="0" eaLnBrk="1" latinLnBrk="0" hangingPunct="1">
-              <a:spcBef>
-                <a:spcPct val="20000"/>
-              </a:spcBef>
-              <a:buFont typeface="Arial" pitchFamily="34" charset="0"/>
-              <a:buChar char="–"/>
-              <a:defRPr sz="2500" kern="1200">
-                <a:solidFill>
-                  <a:schemeClr val="tx1"/>
-                </a:solidFill>
-                <a:latin typeface="Trebuchet MS" pitchFamily="34" charset="0"/>
-                <a:ea typeface="+mn-ea"/>
-                <a:cs typeface="+mn-cs"/>
-              </a:defRPr>
-            </a:lvl4pPr>
-            <a:lvl5pPr marL="3143093" indent="-457177" algn="l" defTabSz="4388900" rtl="0" eaLnBrk="1" latinLnBrk="0" hangingPunct="1">
-              <a:spcBef>
-                <a:spcPct val="20000"/>
-              </a:spcBef>
-              <a:buFont typeface="Arial" pitchFamily="34" charset="0"/>
-              <a:buChar char="»"/>
-              <a:defRPr sz="2500" kern="1200">
-                <a:solidFill>
-                  <a:schemeClr val="tx1"/>
-                </a:solidFill>
-                <a:latin typeface="Trebuchet MS" pitchFamily="34" charset="0"/>
-                <a:ea typeface="+mn-ea"/>
-                <a:cs typeface="+mn-cs"/>
-              </a:defRPr>
-            </a:lvl5pPr>
-            <a:lvl6pPr marL="12069477" indent="-1097226" algn="l" defTabSz="4388900" rtl="0" eaLnBrk="1" latinLnBrk="0" hangingPunct="1">
-              <a:spcBef>
-                <a:spcPct val="20000"/>
-              </a:spcBef>
-              <a:buFont typeface="Arial" pitchFamily="34" charset="0"/>
-              <a:buChar char="•"/>
-              <a:defRPr sz="9600" kern="1200">
-                <a:solidFill>
-                  <a:schemeClr val="tx1"/>
-                </a:solidFill>
-                <a:latin typeface="+mn-lt"/>
-                <a:ea typeface="+mn-ea"/>
-                <a:cs typeface="+mn-cs"/>
-              </a:defRPr>
-            </a:lvl6pPr>
-            <a:lvl7pPr marL="14263926" indent="-1097226" algn="l" defTabSz="4388900" rtl="0" eaLnBrk="1" latinLnBrk="0" hangingPunct="1">
-              <a:spcBef>
-                <a:spcPct val="20000"/>
-              </a:spcBef>
-              <a:buFont typeface="Arial" pitchFamily="34" charset="0"/>
-              <a:buChar char="•"/>
-              <a:defRPr sz="9600" kern="1200">
-                <a:solidFill>
-                  <a:schemeClr val="tx1"/>
-                </a:solidFill>
-                <a:latin typeface="+mn-lt"/>
-                <a:ea typeface="+mn-ea"/>
-                <a:cs typeface="+mn-cs"/>
-              </a:defRPr>
-            </a:lvl7pPr>
-            <a:lvl8pPr marL="16458377" indent="-1097226" algn="l" defTabSz="4388900" rtl="0" eaLnBrk="1" latinLnBrk="0" hangingPunct="1">
-              <a:spcBef>
-                <a:spcPct val="20000"/>
-              </a:spcBef>
-              <a:buFont typeface="Arial" pitchFamily="34" charset="0"/>
-              <a:buChar char="•"/>
-              <a:defRPr sz="9600" kern="1200">
-                <a:solidFill>
-                  <a:schemeClr val="tx1"/>
-                </a:solidFill>
-                <a:latin typeface="+mn-lt"/>
-                <a:ea typeface="+mn-ea"/>
-                <a:cs typeface="+mn-cs"/>
-              </a:defRPr>
-            </a:lvl8pPr>
-            <a:lvl9pPr marL="18652827" indent="-1097226" algn="l" defTabSz="4388900" rtl="0" eaLnBrk="1" latinLnBrk="0" hangingPunct="1">
-              <a:spcBef>
-                <a:spcPct val="20000"/>
-              </a:spcBef>
-              <a:buFont typeface="Arial" pitchFamily="34" charset="0"/>
-              <a:buChar char="•"/>
-              <a:defRPr sz="9600" kern="1200">
-                <a:solidFill>
-                  <a:schemeClr val="tx1"/>
-                </a:solidFill>
-                <a:latin typeface="+mn-lt"/>
-                <a:ea typeface="+mn-ea"/>
-                <a:cs typeface="+mn-cs"/>
-              </a:defRPr>
-            </a:lvl9pPr>
-          </a:lstStyle>
-          <a:p>
-            <a:r>
-              <a:rPr lang="en-US" dirty="0"/>
-              <a:t>IWAE – 100 Digits generated</a:t>
-            </a:r>
-          </a:p>
-        </p:txBody>
-      </p:sp>
+        </p:grpSpPr>
+        <p:pic>
+          <p:nvPicPr>
+            <p:cNvPr id="36" name="Image 35">
+              <a:extLst>
+                <a:ext uri="{FF2B5EF4-FFF2-40B4-BE49-F238E27FC236}">
+                  <a16:creationId xmlns:a16="http://schemas.microsoft.com/office/drawing/2014/main" xmlns="" id="{C22A1C47-931A-453D-8ED5-FCEE83665E05}"/>
+                </a:ext>
+              </a:extLst>
+            </p:cNvPr>
+            <p:cNvPicPr>
+              <a:picLocks noChangeAspect="1"/>
+            </p:cNvPicPr>
+            <p:nvPr/>
+          </p:nvPicPr>
+          <p:blipFill>
+            <a:blip r:embed="rId11">
+              <a:extLst>
+                <a:ext uri="{28A0092B-C50C-407E-A947-70E740481C1C}">
+                  <a14:useLocalDpi xmlns:a14="http://schemas.microsoft.com/office/drawing/2010/main" val="0"/>
+                </a:ext>
+              </a:extLst>
+            </a:blip>
+            <a:stretch>
+              <a:fillRect/>
+            </a:stretch>
+          </p:blipFill>
+          <p:spPr>
+            <a:xfrm>
+              <a:off x="13765208" y="25573471"/>
+              <a:ext cx="5659153" cy="5659153"/>
+            </a:xfrm>
+            <a:prstGeom prst="rect">
+              <a:avLst/>
+            </a:prstGeom>
+          </p:spPr>
+        </p:pic>
+        <p:sp>
+          <p:nvSpPr>
+            <p:cNvPr id="37" name="Text Placeholder 6">
+              <a:extLst>
+                <a:ext uri="{FF2B5EF4-FFF2-40B4-BE49-F238E27FC236}">
+                  <a16:creationId xmlns:a16="http://schemas.microsoft.com/office/drawing/2014/main" xmlns="" id="{1C1E200B-2FAE-4919-9CA4-F6FC1A105E1F}"/>
+                </a:ext>
+              </a:extLst>
+            </p:cNvPr>
+            <p:cNvSpPr txBox="1">
+              <a:spLocks/>
+            </p:cNvSpPr>
+            <p:nvPr/>
+          </p:nvSpPr>
+          <p:spPr>
+            <a:xfrm>
+              <a:off x="14500103" y="25473676"/>
+              <a:ext cx="10048874" cy="846363"/>
+            </a:xfrm>
+            <a:prstGeom prst="rect">
+              <a:avLst/>
+            </a:prstGeom>
+          </p:spPr>
+          <p:txBody>
+            <a:bodyPr wrap="square" lIns="228589" tIns="228589" rIns="228589" bIns="228589">
+              <a:spAutoFit/>
+            </a:bodyPr>
+            <a:lstStyle>
+              <a:lvl1pPr marL="0" indent="0" algn="l" defTabSz="4388900" rtl="0" eaLnBrk="1" latinLnBrk="0" hangingPunct="1">
+                <a:spcBef>
+                  <a:spcPct val="20000"/>
+                </a:spcBef>
+                <a:buFont typeface="Arial" pitchFamily="34" charset="0"/>
+                <a:buNone/>
+                <a:defRPr sz="2500" kern="1200">
+                  <a:solidFill>
+                    <a:schemeClr val="accent5">
+                      <a:lumMod val="50000"/>
+                    </a:schemeClr>
+                  </a:solidFill>
+                  <a:latin typeface="Times New Roman" pitchFamily="18" charset="0"/>
+                  <a:ea typeface="+mn-ea"/>
+                  <a:cs typeface="Times New Roman" pitchFamily="18" charset="0"/>
+                </a:defRPr>
+              </a:lvl1pPr>
+              <a:lvl2pPr marL="1485825" indent="-571471" algn="l" defTabSz="4388900" rtl="0" eaLnBrk="1" latinLnBrk="0" hangingPunct="1">
+                <a:spcBef>
+                  <a:spcPct val="20000"/>
+                </a:spcBef>
+                <a:buFont typeface="Arial" pitchFamily="34" charset="0"/>
+                <a:buChar char="–"/>
+                <a:defRPr sz="2500" kern="1200">
+                  <a:solidFill>
+                    <a:schemeClr val="tx1"/>
+                  </a:solidFill>
+                  <a:latin typeface="Trebuchet MS" pitchFamily="34" charset="0"/>
+                  <a:ea typeface="+mn-ea"/>
+                  <a:cs typeface="+mn-cs"/>
+                </a:defRPr>
+              </a:lvl2pPr>
+              <a:lvl3pPr marL="2057297" indent="-571471" algn="l" defTabSz="4388900" rtl="0" eaLnBrk="1" latinLnBrk="0" hangingPunct="1">
+                <a:spcBef>
+                  <a:spcPct val="20000"/>
+                </a:spcBef>
+                <a:buFont typeface="Arial" pitchFamily="34" charset="0"/>
+                <a:buChar char="•"/>
+                <a:defRPr sz="2500" kern="1200">
+                  <a:solidFill>
+                    <a:schemeClr val="tx1"/>
+                  </a:solidFill>
+                  <a:latin typeface="Trebuchet MS" pitchFamily="34" charset="0"/>
+                  <a:ea typeface="+mn-ea"/>
+                  <a:cs typeface="+mn-cs"/>
+                </a:defRPr>
+              </a:lvl3pPr>
+              <a:lvl4pPr marL="2685916" indent="-628619" algn="l" defTabSz="4388900" rtl="0" eaLnBrk="1" latinLnBrk="0" hangingPunct="1">
+                <a:spcBef>
+                  <a:spcPct val="20000"/>
+                </a:spcBef>
+                <a:buFont typeface="Arial" pitchFamily="34" charset="0"/>
+                <a:buChar char="–"/>
+                <a:defRPr sz="2500" kern="1200">
+                  <a:solidFill>
+                    <a:schemeClr val="tx1"/>
+                  </a:solidFill>
+                  <a:latin typeface="Trebuchet MS" pitchFamily="34" charset="0"/>
+                  <a:ea typeface="+mn-ea"/>
+                  <a:cs typeface="+mn-cs"/>
+                </a:defRPr>
+              </a:lvl4pPr>
+              <a:lvl5pPr marL="3143093" indent="-457177" algn="l" defTabSz="4388900" rtl="0" eaLnBrk="1" latinLnBrk="0" hangingPunct="1">
+                <a:spcBef>
+                  <a:spcPct val="20000"/>
+                </a:spcBef>
+                <a:buFont typeface="Arial" pitchFamily="34" charset="0"/>
+                <a:buChar char="»"/>
+                <a:defRPr sz="2500" kern="1200">
+                  <a:solidFill>
+                    <a:schemeClr val="tx1"/>
+                  </a:solidFill>
+                  <a:latin typeface="Trebuchet MS" pitchFamily="34" charset="0"/>
+                  <a:ea typeface="+mn-ea"/>
+                  <a:cs typeface="+mn-cs"/>
+                </a:defRPr>
+              </a:lvl5pPr>
+              <a:lvl6pPr marL="12069477" indent="-1097226" algn="l" defTabSz="4388900" rtl="0" eaLnBrk="1" latinLnBrk="0" hangingPunct="1">
+                <a:spcBef>
+                  <a:spcPct val="20000"/>
+                </a:spcBef>
+                <a:buFont typeface="Arial" pitchFamily="34" charset="0"/>
+                <a:buChar char="•"/>
+                <a:defRPr sz="9600" kern="1200">
+                  <a:solidFill>
+                    <a:schemeClr val="tx1"/>
+                  </a:solidFill>
+                  <a:latin typeface="+mn-lt"/>
+                  <a:ea typeface="+mn-ea"/>
+                  <a:cs typeface="+mn-cs"/>
+                </a:defRPr>
+              </a:lvl6pPr>
+              <a:lvl7pPr marL="14263926" indent="-1097226" algn="l" defTabSz="4388900" rtl="0" eaLnBrk="1" latinLnBrk="0" hangingPunct="1">
+                <a:spcBef>
+                  <a:spcPct val="20000"/>
+                </a:spcBef>
+                <a:buFont typeface="Arial" pitchFamily="34" charset="0"/>
+                <a:buChar char="•"/>
+                <a:defRPr sz="9600" kern="1200">
+                  <a:solidFill>
+                    <a:schemeClr val="tx1"/>
+                  </a:solidFill>
+                  <a:latin typeface="+mn-lt"/>
+                  <a:ea typeface="+mn-ea"/>
+                  <a:cs typeface="+mn-cs"/>
+                </a:defRPr>
+              </a:lvl7pPr>
+              <a:lvl8pPr marL="16458377" indent="-1097226" algn="l" defTabSz="4388900" rtl="0" eaLnBrk="1" latinLnBrk="0" hangingPunct="1">
+                <a:spcBef>
+                  <a:spcPct val="20000"/>
+                </a:spcBef>
+                <a:buFont typeface="Arial" pitchFamily="34" charset="0"/>
+                <a:buChar char="•"/>
+                <a:defRPr sz="9600" kern="1200">
+                  <a:solidFill>
+                    <a:schemeClr val="tx1"/>
+                  </a:solidFill>
+                  <a:latin typeface="+mn-lt"/>
+                  <a:ea typeface="+mn-ea"/>
+                  <a:cs typeface="+mn-cs"/>
+                </a:defRPr>
+              </a:lvl8pPr>
+              <a:lvl9pPr marL="18652827" indent="-1097226" algn="l" defTabSz="4388900" rtl="0" eaLnBrk="1" latinLnBrk="0" hangingPunct="1">
+                <a:spcBef>
+                  <a:spcPct val="20000"/>
+                </a:spcBef>
+                <a:buFont typeface="Arial" pitchFamily="34" charset="0"/>
+                <a:buChar char="•"/>
+                <a:defRPr sz="9600" kern="1200">
+                  <a:solidFill>
+                    <a:schemeClr val="tx1"/>
+                  </a:solidFill>
+                  <a:latin typeface="+mn-lt"/>
+                  <a:ea typeface="+mn-ea"/>
+                  <a:cs typeface="+mn-cs"/>
+                </a:defRPr>
+              </a:lvl9pPr>
+            </a:lstStyle>
+            <a:p>
+              <a:r>
+                <a:rPr lang="en-US" dirty="0"/>
+                <a:t>IWAE – 100 Digits generated</a:t>
+              </a:r>
+            </a:p>
+          </p:txBody>
+        </p:sp>
+      </p:grpSp>
       <p:sp>
         <p:nvSpPr>
           <p:cNvPr id="7" name="Text Placeholder 6"/>
@@ -17922,7 +18247,7 @@
           <p:cNvPr id="25" name="Text Placeholder 6">
             <a:extLst>
               <a:ext uri="{FF2B5EF4-FFF2-40B4-BE49-F238E27FC236}">
-                <a16:creationId xmlns:a16="http://schemas.microsoft.com/office/drawing/2014/main" id="{73370A92-B6C4-4FD7-9AD8-66D8BE4C9CC6}"/>
+                <a16:creationId xmlns:a16="http://schemas.microsoft.com/office/drawing/2014/main" xmlns="" id="{73370A92-B6C4-4FD7-9AD8-66D8BE4C9CC6}"/>
               </a:ext>
             </a:extLst>
           </p:cNvPr>
@@ -18096,7 +18421,7 @@
           <p:cNvPr id="70" name="Text Placeholder 7">
             <a:extLst>
               <a:ext uri="{FF2B5EF4-FFF2-40B4-BE49-F238E27FC236}">
-                <a16:creationId xmlns:a16="http://schemas.microsoft.com/office/drawing/2014/main" id="{99354331-A353-4121-8153-599186E92FF2}"/>
+                <a16:creationId xmlns:a16="http://schemas.microsoft.com/office/drawing/2014/main" xmlns="" id="{99354331-A353-4121-8153-599186E92FF2}"/>
               </a:ext>
             </a:extLst>
           </p:cNvPr>
@@ -18271,7 +18596,7 @@
           <p:cNvPr id="73" name="Text Placeholder 11">
             <a:extLst>
               <a:ext uri="{FF2B5EF4-FFF2-40B4-BE49-F238E27FC236}">
-                <a16:creationId xmlns:a16="http://schemas.microsoft.com/office/drawing/2014/main" id="{3D6E6B7E-31C6-4560-88A0-6837CA584291}"/>
+                <a16:creationId xmlns:a16="http://schemas.microsoft.com/office/drawing/2014/main" xmlns="" id="{3D6E6B7E-31C6-4560-88A0-6837CA584291}"/>
               </a:ext>
             </a:extLst>
           </p:cNvPr>
@@ -18537,7 +18862,7 @@
           <p:cNvPr id="22" name="Picture 21">
             <a:extLst>
               <a:ext uri="{FF2B5EF4-FFF2-40B4-BE49-F238E27FC236}">
-                <a16:creationId xmlns:a16="http://schemas.microsoft.com/office/drawing/2014/main" id="{06A2914F-2A33-4053-A566-4829EA21EF71}"/>
+                <a16:creationId xmlns:a16="http://schemas.microsoft.com/office/drawing/2014/main" xmlns="" id="{06A2914F-2A33-4053-A566-4829EA21EF71}"/>
               </a:ext>
             </a:extLst>
           </p:cNvPr>
@@ -18547,7 +18872,7 @@
           <p:nvPr/>
         </p:nvPicPr>
         <p:blipFill>
-          <a:blip r:embed="rId11"/>
+          <a:blip r:embed="rId12"/>
           <a:stretch>
             <a:fillRect/>
           </a:stretch>
@@ -18562,6 +18887,272 @@
           </a:prstGeom>
         </p:spPr>
       </p:pic>
+      <p:sp>
+        <p:nvSpPr>
+          <p:cNvPr id="68" name="Text Placeholder 11">
+            <a:extLst>
+              <a:ext uri="{FF2B5EF4-FFF2-40B4-BE49-F238E27FC236}">
+                <a16:creationId xmlns:a16="http://schemas.microsoft.com/office/drawing/2014/main" xmlns="" id="{9B9E7798-9D63-4283-8F3A-7CEFA3B9E130}"/>
+              </a:ext>
+            </a:extLst>
+          </p:cNvPr>
+          <p:cNvSpPr txBox="1">
+            <a:spLocks/>
+          </p:cNvSpPr>
+          <p:nvPr/>
+        </p:nvSpPr>
+        <p:spPr>
+          <a:xfrm>
+            <a:off x="11436816" y="13372831"/>
+            <a:ext cx="10052050" cy="2385246"/>
+          </a:xfrm>
+          <a:prstGeom prst="rect">
+            <a:avLst/>
+          </a:prstGeom>
+        </p:spPr>
+        <p:txBody>
+          <a:bodyPr wrap="square" lIns="228589" tIns="228589" rIns="228589" bIns="228589">
+            <a:spAutoFit/>
+          </a:bodyPr>
+          <a:lstStyle>
+            <a:lvl1pPr marL="0" indent="0" algn="l" defTabSz="4388900" rtl="0" eaLnBrk="1" latinLnBrk="0" hangingPunct="1">
+              <a:spcBef>
+                <a:spcPct val="20000"/>
+              </a:spcBef>
+              <a:buFont typeface="Arial" pitchFamily="34" charset="0"/>
+              <a:buNone/>
+              <a:defRPr sz="2500" kern="1200">
+                <a:solidFill>
+                  <a:schemeClr val="accent5">
+                    <a:lumMod val="50000"/>
+                  </a:schemeClr>
+                </a:solidFill>
+                <a:latin typeface="Times New Roman" pitchFamily="18" charset="0"/>
+                <a:ea typeface="+mn-ea"/>
+                <a:cs typeface="Times New Roman" pitchFamily="18" charset="0"/>
+              </a:defRPr>
+            </a:lvl1pPr>
+            <a:lvl2pPr marL="1485825" indent="-571471" algn="l" defTabSz="4388900" rtl="0" eaLnBrk="1" latinLnBrk="0" hangingPunct="1">
+              <a:spcBef>
+                <a:spcPct val="20000"/>
+              </a:spcBef>
+              <a:buFont typeface="Arial" pitchFamily="34" charset="0"/>
+              <a:buChar char="–"/>
+              <a:defRPr sz="2500" kern="1200">
+                <a:solidFill>
+                  <a:schemeClr val="tx1"/>
+                </a:solidFill>
+                <a:latin typeface="Trebuchet MS" pitchFamily="34" charset="0"/>
+                <a:ea typeface="+mn-ea"/>
+                <a:cs typeface="+mn-cs"/>
+              </a:defRPr>
+            </a:lvl2pPr>
+            <a:lvl3pPr marL="2057297" indent="-571471" algn="l" defTabSz="4388900" rtl="0" eaLnBrk="1" latinLnBrk="0" hangingPunct="1">
+              <a:spcBef>
+                <a:spcPct val="20000"/>
+              </a:spcBef>
+              <a:buFont typeface="Arial" pitchFamily="34" charset="0"/>
+              <a:buChar char="•"/>
+              <a:defRPr sz="2500" kern="1200">
+                <a:solidFill>
+                  <a:schemeClr val="tx1"/>
+                </a:solidFill>
+                <a:latin typeface="Trebuchet MS" pitchFamily="34" charset="0"/>
+                <a:ea typeface="+mn-ea"/>
+                <a:cs typeface="+mn-cs"/>
+              </a:defRPr>
+            </a:lvl3pPr>
+            <a:lvl4pPr marL="2685916" indent="-628619" algn="l" defTabSz="4388900" rtl="0" eaLnBrk="1" latinLnBrk="0" hangingPunct="1">
+              <a:spcBef>
+                <a:spcPct val="20000"/>
+              </a:spcBef>
+              <a:buFont typeface="Arial" pitchFamily="34" charset="0"/>
+              <a:buChar char="–"/>
+              <a:defRPr sz="2500" kern="1200">
+                <a:solidFill>
+                  <a:schemeClr val="tx1"/>
+                </a:solidFill>
+                <a:latin typeface="Trebuchet MS" pitchFamily="34" charset="0"/>
+                <a:ea typeface="+mn-ea"/>
+                <a:cs typeface="+mn-cs"/>
+              </a:defRPr>
+            </a:lvl4pPr>
+            <a:lvl5pPr marL="3143093" indent="-457177" algn="l" defTabSz="4388900" rtl="0" eaLnBrk="1" latinLnBrk="0" hangingPunct="1">
+              <a:spcBef>
+                <a:spcPct val="20000"/>
+              </a:spcBef>
+              <a:buFont typeface="Arial" pitchFamily="34" charset="0"/>
+              <a:buChar char="»"/>
+              <a:defRPr sz="2500" kern="1200">
+                <a:solidFill>
+                  <a:schemeClr val="tx1"/>
+                </a:solidFill>
+                <a:latin typeface="Trebuchet MS" pitchFamily="34" charset="0"/>
+                <a:ea typeface="+mn-ea"/>
+                <a:cs typeface="+mn-cs"/>
+              </a:defRPr>
+            </a:lvl5pPr>
+            <a:lvl6pPr marL="12069477" indent="-1097226" algn="l" defTabSz="4388900" rtl="0" eaLnBrk="1" latinLnBrk="0" hangingPunct="1">
+              <a:spcBef>
+                <a:spcPct val="20000"/>
+              </a:spcBef>
+              <a:buFont typeface="Arial" pitchFamily="34" charset="0"/>
+              <a:buChar char="•"/>
+              <a:defRPr sz="9600" kern="1200">
+                <a:solidFill>
+                  <a:schemeClr val="tx1"/>
+                </a:solidFill>
+                <a:latin typeface="+mn-lt"/>
+                <a:ea typeface="+mn-ea"/>
+                <a:cs typeface="+mn-cs"/>
+              </a:defRPr>
+            </a:lvl6pPr>
+            <a:lvl7pPr marL="14263926" indent="-1097226" algn="l" defTabSz="4388900" rtl="0" eaLnBrk="1" latinLnBrk="0" hangingPunct="1">
+              <a:spcBef>
+                <a:spcPct val="20000"/>
+              </a:spcBef>
+              <a:buFont typeface="Arial" pitchFamily="34" charset="0"/>
+              <a:buChar char="•"/>
+              <a:defRPr sz="9600" kern="1200">
+                <a:solidFill>
+                  <a:schemeClr val="tx1"/>
+                </a:solidFill>
+                <a:latin typeface="+mn-lt"/>
+                <a:ea typeface="+mn-ea"/>
+                <a:cs typeface="+mn-cs"/>
+              </a:defRPr>
+            </a:lvl7pPr>
+            <a:lvl8pPr marL="16458377" indent="-1097226" algn="l" defTabSz="4388900" rtl="0" eaLnBrk="1" latinLnBrk="0" hangingPunct="1">
+              <a:spcBef>
+                <a:spcPct val="20000"/>
+              </a:spcBef>
+              <a:buFont typeface="Arial" pitchFamily="34" charset="0"/>
+              <a:buChar char="•"/>
+              <a:defRPr sz="9600" kern="1200">
+                <a:solidFill>
+                  <a:schemeClr val="tx1"/>
+                </a:solidFill>
+                <a:latin typeface="+mn-lt"/>
+                <a:ea typeface="+mn-ea"/>
+                <a:cs typeface="+mn-cs"/>
+              </a:defRPr>
+            </a:lvl8pPr>
+            <a:lvl9pPr marL="18652827" indent="-1097226" algn="l" defTabSz="4388900" rtl="0" eaLnBrk="1" latinLnBrk="0" hangingPunct="1">
+              <a:spcBef>
+                <a:spcPct val="20000"/>
+              </a:spcBef>
+              <a:buFont typeface="Arial" pitchFamily="34" charset="0"/>
+              <a:buChar char="•"/>
+              <a:defRPr sz="9600" kern="1200">
+                <a:solidFill>
+                  <a:schemeClr val="tx1"/>
+                </a:solidFill>
+                <a:latin typeface="+mn-lt"/>
+                <a:ea typeface="+mn-ea"/>
+                <a:cs typeface="+mn-cs"/>
+              </a:defRPr>
+            </a:lvl9pPr>
+          </a:lstStyle>
+          <a:p>
+            <a:pPr>
+              <a:lnSpc>
+                <a:spcPct val="70000"/>
+              </a:lnSpc>
+            </a:pPr>
+            <a:r>
+              <a:rPr lang="en-US" dirty="0"/>
+              <a:t>This gives us a lower bound with 3 important </a:t>
+            </a:r>
+            <a:r>
+              <a:rPr lang="en-US" dirty="0" smtClean="0"/>
+              <a:t>properties:</a:t>
+            </a:r>
+            <a:br>
+              <a:rPr lang="en-US" dirty="0" smtClean="0"/>
+            </a:br>
+            <a:endParaRPr lang="en-US" dirty="0" smtClean="0"/>
+          </a:p>
+          <a:p>
+            <a:pPr marL="457200" indent="-457200">
+              <a:buFont typeface="+mj-lt"/>
+              <a:buAutoNum type="arabicPeriod"/>
+            </a:pPr>
+            <a:r>
+              <a:rPr lang="en-US" dirty="0"/>
+              <a:t>w</a:t>
+            </a:r>
+            <a:r>
+              <a:rPr lang="en-US" dirty="0" smtClean="0"/>
+              <a:t>hen k </a:t>
+            </a:r>
+            <a:r>
+              <a:rPr lang="en-US" dirty="0"/>
+              <a:t>= </a:t>
+            </a:r>
+            <a:r>
+              <a:rPr lang="en-US" dirty="0" smtClean="0"/>
+              <a:t>1, </a:t>
+            </a:r>
+            <a:r>
+              <a:rPr lang="en-US" dirty="0"/>
+              <a:t>we recover the prior VAE objective function</a:t>
+            </a:r>
+            <a:r>
+              <a:rPr lang="en-US" dirty="0" smtClean="0"/>
+              <a:t>.</a:t>
+            </a:r>
+          </a:p>
+          <a:p>
+            <a:pPr marL="457200" indent="-457200">
+              <a:buFont typeface="+mj-lt"/>
+              <a:buAutoNum type="arabicPeriod"/>
+            </a:pPr>
+            <a:r>
+              <a:rPr lang="en-US" dirty="0" smtClean="0"/>
+              <a:t>as k </a:t>
+            </a:r>
+            <a:r>
+              <a:rPr lang="en-US" dirty="0"/>
+              <a:t>increases, we get a tighter </a:t>
+            </a:r>
+            <a:r>
+              <a:rPr lang="en-US" dirty="0" smtClean="0"/>
+              <a:t>bound</a:t>
+            </a:r>
+          </a:p>
+          <a:p>
+            <a:pPr marL="457200" indent="-457200">
+              <a:buFont typeface="+mj-lt"/>
+              <a:buAutoNum type="arabicPeriod"/>
+            </a:pPr>
+            <a:r>
+              <a:rPr lang="en-US" dirty="0"/>
+              <a:t>i</a:t>
+            </a:r>
+            <a:r>
+              <a:rPr lang="en-US" dirty="0" smtClean="0"/>
+              <a:t>t is </a:t>
+            </a:r>
+            <a:r>
+              <a:rPr lang="en-US" dirty="0"/>
+              <a:t>a consistent estimator of </a:t>
+            </a:r>
+            <a:r>
+              <a:rPr lang="en-US" dirty="0" smtClean="0"/>
+              <a:t>log</a:t>
+            </a:r>
+            <a:r>
+              <a:rPr lang="en-US" dirty="0"/>
+              <a:t>(p(x)</a:t>
+            </a:r>
+            <a:r>
+              <a:rPr lang="en-US" dirty="0" smtClean="0"/>
+              <a:t>)</a:t>
+            </a:r>
+            <a:endParaRPr lang="en-US" dirty="0"/>
+          </a:p>
+        </p:txBody>
+      </p:sp>
     </p:spTree>
     <p:extLst>
       <p:ext uri="{BB962C8B-B14F-4D97-AF65-F5344CB8AC3E}">

--- a/Poster/poster_ift_6269_project.pptx
+++ b/Poster/poster_ift_6269_project.pptx
@@ -114,7 +114,7 @@
   </p:defaultTextStyle>
   <p:extLst>
     <p:ext uri="{EFAFB233-063F-42B5-8137-9DF3F51BA10A}">
-      <p15:sldGuideLst xmlns:p15="http://schemas.microsoft.com/office/powerpoint/2012/main" xmlns="">
+      <p15:sldGuideLst xmlns:p15="http://schemas.microsoft.com/office/powerpoint/2012/main">
         <p15:guide id="1" orient="horz" pos="3318">
           <p15:clr>
             <a:srgbClr val="A4A3A4"/>
@@ -168,7 +168,7 @@
       </p15:sldGuideLst>
     </p:ext>
     <p:ext uri="{2D200454-40CA-4A62-9FC3-DE9A4176ACB9}">
-      <p15:notesGuideLst xmlns:p15="http://schemas.microsoft.com/office/powerpoint/2012/main" xmlns="">
+      <p15:notesGuideLst xmlns:p15="http://schemas.microsoft.com/office/powerpoint/2012/main">
         <p15:guide id="1" orient="horz" pos="2880">
           <p15:clr>
             <a:srgbClr val="A4A3A4"/>
@@ -277,7 +277,7 @@
             <a:fld id="{0158C5BC-9A70-462C-B28D-9600239EAC64}" type="datetimeFigureOut">
               <a:rPr lang="en-US" smtClean="0"/>
               <a:pPr/>
-              <a:t>2018-12-06</a:t>
+              <a:t>12/10/2018</a:t>
             </a:fld>
             <a:endParaRPr lang="en-US"/>
           </a:p>
@@ -444,7 +444,7 @@
             <a:fld id="{E6CC2317-6751-4CD4-9995-8782DD78E936}" type="datetimeFigureOut">
               <a:rPr lang="en-US" smtClean="0"/>
               <a:pPr/>
-              <a:t>2018-12-06</a:t>
+              <a:t>12/10/2018</a:t>
             </a:fld>
             <a:endParaRPr lang="en-US" dirty="0"/>
           </a:p>
@@ -4500,15 +4500,6 @@
                 </a:rPr>
                 <a:t>PosterPresentations.com</a:t>
               </a:r>
-              <a:r>
-                <a:rPr lang="en-US" sz="2800" dirty="0">
-                  <a:solidFill>
-                    <a:schemeClr val="bg1"/>
-                  </a:solidFill>
-                  <a:latin typeface="Trebuchet MS" pitchFamily="34" charset="0"/>
-                </a:rPr>
-                <a:t/>
-              </a:r>
               <a:br>
                 <a:rPr lang="en-US" sz="2800" dirty="0">
                   <a:solidFill>
@@ -4744,15 +4735,6 @@
             </a:p>
             <a:p>
               <a:pPr algn="l"/>
-              <a:r>
-                <a:rPr lang="en-US" sz="2800" b="1" baseline="0" dirty="0">
-                  <a:solidFill>
-                    <a:schemeClr val="bg1"/>
-                  </a:solidFill>
-                  <a:latin typeface="Trebuchet MS" pitchFamily="34" charset="0"/>
-                </a:rPr>
-                <a:t/>
-              </a:r>
               <a:br>
                 <a:rPr lang="en-US" sz="2800" b="1" baseline="0" dirty="0">
                   <a:solidFill>
@@ -5361,7 +5343,7 @@
               <a:graphicData uri="http://schemas.openxmlformats.org/presentationml/2006/ole">
                 <mc:AlternateContent xmlns:mc="http://schemas.openxmlformats.org/markup-compatibility/2006">
                   <mc:Choice xmlns:v="urn:schemas-microsoft-com:vml" Requires="v">
-                    <p:oleObj spid="_x0000_s1133" name="Image" r:id="rId8" imgW="1828440" imgH="1117440" progId="Photoshop.Image.13">
+                    <p:oleObj spid="_x0000_s1141" name="Image" r:id="rId8" imgW="1828440" imgH="1117440" progId="Photoshop.Image.13">
                       <p:embed/>
                     </p:oleObj>
                   </mc:Choice>
@@ -5418,7 +5400,7 @@
               <a:graphicData uri="http://schemas.openxmlformats.org/presentationml/2006/ole">
                 <mc:AlternateContent xmlns:mc="http://schemas.openxmlformats.org/markup-compatibility/2006">
                   <mc:Choice xmlns:v="urn:schemas-microsoft-com:vml" Requires="v">
-                    <p:oleObj spid="_x0000_s1134" name="Image" r:id="rId10" imgW="1828440" imgH="1117440" progId="Photoshop.Image.13">
+                    <p:oleObj spid="_x0000_s1142" name="Image" r:id="rId10" imgW="1828440" imgH="1117440" progId="Photoshop.Image.13">
                       <p:embed/>
                     </p:oleObj>
                   </mc:Choice>
@@ -6541,7 +6523,7 @@
             <a:graphicData uri="http://schemas.openxmlformats.org/presentationml/2006/ole">
               <mc:AlternateContent xmlns:mc="http://schemas.openxmlformats.org/markup-compatibility/2006">
                 <mc:Choice xmlns:v="urn:schemas-microsoft-com:vml" Requires="v">
-                  <p:oleObj spid="_x0000_s1135" name="Image" r:id="rId12" imgW="4571280" imgH="1688760" progId="Photoshop.Image.13">
+                  <p:oleObj spid="_x0000_s1143" name="Image" r:id="rId12" imgW="4571280" imgH="1688760" progId="Photoshop.Image.13">
                     <p:embed/>
                   </p:oleObj>
                 </mc:Choice>
@@ -6625,7 +6607,7 @@
             <a:graphicData uri="http://schemas.openxmlformats.org/presentationml/2006/ole">
               <mc:AlternateContent xmlns:mc="http://schemas.openxmlformats.org/markup-compatibility/2006">
                 <mc:Choice xmlns:v="urn:schemas-microsoft-com:vml" Requires="v">
-                  <p:oleObj spid="_x0000_s1136" name="Image" r:id="rId15" imgW="1574280" imgH="1053720" progId="Photoshop.Image.13">
+                  <p:oleObj spid="_x0000_s1144" name="Image" r:id="rId15" imgW="1574280" imgH="1053720" progId="Photoshop.Image.13">
                     <p:embed/>
                   </p:oleObj>
                 </mc:Choice>
@@ -6961,14 +6943,6 @@
                   </a:solidFill>
                 </a:rPr>
                 <a:t>94710</a:t>
-              </a:r>
-              <a:r>
-                <a:rPr lang="en-US" sz="2400" baseline="0" dirty="0">
-                  <a:solidFill>
-                    <a:schemeClr val="bg1"/>
-                  </a:solidFill>
-                </a:rPr>
-                <a:t/>
               </a:r>
               <a:br>
                 <a:rPr lang="en-US" sz="2400" baseline="0" dirty="0">
@@ -8615,7 +8589,7 @@
             <a:graphicData uri="http://schemas.openxmlformats.org/presentationml/2006/ole">
               <mc:AlternateContent xmlns:mc="http://schemas.openxmlformats.org/markup-compatibility/2006">
                 <mc:Choice xmlns:v="urn:schemas-microsoft-com:vml" Requires="v">
-                  <p:oleObj spid="_x0000_s2157" name="Image" r:id="rId4" imgW="4571280" imgH="1688760" progId="Photoshop.Image.13">
+                  <p:oleObj spid="_x0000_s2165" name="Image" r:id="rId4" imgW="4571280" imgH="1688760" progId="Photoshop.Image.13">
                     <p:embed/>
                   </p:oleObj>
                 </mc:Choice>
@@ -8699,7 +8673,7 @@
             <a:graphicData uri="http://schemas.openxmlformats.org/presentationml/2006/ole">
               <mc:AlternateContent xmlns:mc="http://schemas.openxmlformats.org/markup-compatibility/2006">
                 <mc:Choice xmlns:v="urn:schemas-microsoft-com:vml" Requires="v">
-                  <p:oleObj spid="_x0000_s2158" name="Image" r:id="rId7" imgW="1574280" imgH="1053720" progId="Photoshop.Image.13">
+                  <p:oleObj spid="_x0000_s2166" name="Image" r:id="rId7" imgW="1574280" imgH="1053720" progId="Photoshop.Image.13">
                     <p:embed/>
                   </p:oleObj>
                 </mc:Choice>
@@ -9036,14 +9010,6 @@
                 </a:rPr>
                 <a:t>94710</a:t>
               </a:r>
-              <a:r>
-                <a:rPr lang="en-US" sz="2400" baseline="0" dirty="0">
-                  <a:solidFill>
-                    <a:schemeClr val="bg1"/>
-                  </a:solidFill>
-                </a:rPr>
-                <a:t/>
-              </a:r>
               <a:br>
                 <a:rPr lang="en-US" sz="2400" baseline="0" dirty="0">
                   <a:solidFill>
@@ -9373,15 +9339,6 @@
                 </a:rPr>
                 <a:t>PosterPresentations.com</a:t>
               </a:r>
-              <a:r>
-                <a:rPr lang="en-US" sz="2800" dirty="0">
-                  <a:solidFill>
-                    <a:schemeClr val="bg1"/>
-                  </a:solidFill>
-                  <a:latin typeface="Trebuchet MS" pitchFamily="34" charset="0"/>
-                </a:rPr>
-                <a:t/>
-              </a:r>
               <a:br>
                 <a:rPr lang="en-US" sz="2800" dirty="0">
                   <a:solidFill>
@@ -9617,15 +9574,6 @@
             </a:p>
             <a:p>
               <a:pPr algn="l"/>
-              <a:r>
-                <a:rPr lang="en-US" sz="2800" b="1" baseline="0" dirty="0">
-                  <a:solidFill>
-                    <a:schemeClr val="bg1"/>
-                  </a:solidFill>
-                  <a:latin typeface="Trebuchet MS" pitchFamily="34" charset="0"/>
-                </a:rPr>
-                <a:t/>
-              </a:r>
               <a:br>
                 <a:rPr lang="en-US" sz="2800" b="1" baseline="0" dirty="0">
                   <a:solidFill>
@@ -10234,7 +10182,7 @@
               <a:graphicData uri="http://schemas.openxmlformats.org/presentationml/2006/ole">
                 <mc:AlternateContent xmlns:mc="http://schemas.openxmlformats.org/markup-compatibility/2006">
                   <mc:Choice xmlns:v="urn:schemas-microsoft-com:vml" Requires="v">
-                    <p:oleObj spid="_x0000_s2159" name="Image" r:id="rId15" imgW="1828440" imgH="1117440" progId="Photoshop.Image.13">
+                    <p:oleObj spid="_x0000_s2167" name="Image" r:id="rId15" imgW="1828440" imgH="1117440" progId="Photoshop.Image.13">
                       <p:embed/>
                     </p:oleObj>
                   </mc:Choice>
@@ -10291,7 +10239,7 @@
               <a:graphicData uri="http://schemas.openxmlformats.org/presentationml/2006/ole">
                 <mc:AlternateContent xmlns:mc="http://schemas.openxmlformats.org/markup-compatibility/2006">
                   <mc:Choice xmlns:v="urn:schemas-microsoft-com:vml" Requires="v">
-                    <p:oleObj spid="_x0000_s2160" name="Image" r:id="rId17" imgW="1828440" imgH="1117440" progId="Photoshop.Image.13">
+                    <p:oleObj spid="_x0000_s2168" name="Image" r:id="rId17" imgW="1828440" imgH="1117440" progId="Photoshop.Image.13">
                       <p:embed/>
                     </p:oleObj>
                   </mc:Choice>
@@ -12077,7 +12025,7 @@
             <a:graphicData uri="http://schemas.openxmlformats.org/presentationml/2006/ole">
               <mc:AlternateContent xmlns:mc="http://schemas.openxmlformats.org/markup-compatibility/2006">
                 <mc:Choice xmlns:v="urn:schemas-microsoft-com:vml" Requires="v">
-                  <p:oleObj spid="_x0000_s3181" name="Image" r:id="rId4" imgW="4571280" imgH="1688760" progId="Photoshop.Image.13">
+                  <p:oleObj spid="_x0000_s3189" name="Image" r:id="rId4" imgW="4571280" imgH="1688760" progId="Photoshop.Image.13">
                     <p:embed/>
                   </p:oleObj>
                 </mc:Choice>
@@ -12161,7 +12109,7 @@
             <a:graphicData uri="http://schemas.openxmlformats.org/presentationml/2006/ole">
               <mc:AlternateContent xmlns:mc="http://schemas.openxmlformats.org/markup-compatibility/2006">
                 <mc:Choice xmlns:v="urn:schemas-microsoft-com:vml" Requires="v">
-                  <p:oleObj spid="_x0000_s3182" name="Image" r:id="rId7" imgW="1574280" imgH="1053720" progId="Photoshop.Image.13">
+                  <p:oleObj spid="_x0000_s3190" name="Image" r:id="rId7" imgW="1574280" imgH="1053720" progId="Photoshop.Image.13">
                     <p:embed/>
                   </p:oleObj>
                 </mc:Choice>
@@ -12498,14 +12446,6 @@
                 </a:rPr>
                 <a:t>94710</a:t>
               </a:r>
-              <a:r>
-                <a:rPr lang="en-US" sz="2400" baseline="0" dirty="0">
-                  <a:solidFill>
-                    <a:schemeClr val="bg1"/>
-                  </a:solidFill>
-                </a:rPr>
-                <a:t/>
-              </a:r>
               <a:br>
                 <a:rPr lang="en-US" sz="2400" baseline="0" dirty="0">
                   <a:solidFill>
@@ -12835,15 +12775,6 @@
                 </a:rPr>
                 <a:t>PosterPresentations.com</a:t>
               </a:r>
-              <a:r>
-                <a:rPr lang="en-US" sz="2800" dirty="0">
-                  <a:solidFill>
-                    <a:schemeClr val="bg1"/>
-                  </a:solidFill>
-                  <a:latin typeface="Trebuchet MS" pitchFamily="34" charset="0"/>
-                </a:rPr>
-                <a:t/>
-              </a:r>
               <a:br>
                 <a:rPr lang="en-US" sz="2800" dirty="0">
                   <a:solidFill>
@@ -13079,15 +13010,6 @@
             </a:p>
             <a:p>
               <a:pPr algn="l"/>
-              <a:r>
-                <a:rPr lang="en-US" sz="2800" b="1" baseline="0" dirty="0">
-                  <a:solidFill>
-                    <a:schemeClr val="bg1"/>
-                  </a:solidFill>
-                  <a:latin typeface="Trebuchet MS" pitchFamily="34" charset="0"/>
-                </a:rPr>
-                <a:t/>
-              </a:r>
               <a:br>
                 <a:rPr lang="en-US" sz="2800" b="1" baseline="0" dirty="0">
                   <a:solidFill>
@@ -13696,7 +13618,7 @@
               <a:graphicData uri="http://schemas.openxmlformats.org/presentationml/2006/ole">
                 <mc:AlternateContent xmlns:mc="http://schemas.openxmlformats.org/markup-compatibility/2006">
                   <mc:Choice xmlns:v="urn:schemas-microsoft-com:vml" Requires="v">
-                    <p:oleObj spid="_x0000_s3183" name="Image" r:id="rId15" imgW="1828440" imgH="1117440" progId="Photoshop.Image.13">
+                    <p:oleObj spid="_x0000_s3191" name="Image" r:id="rId15" imgW="1828440" imgH="1117440" progId="Photoshop.Image.13">
                       <p:embed/>
                     </p:oleObj>
                   </mc:Choice>
@@ -13753,7 +13675,7 @@
               <a:graphicData uri="http://schemas.openxmlformats.org/presentationml/2006/ole">
                 <mc:AlternateContent xmlns:mc="http://schemas.openxmlformats.org/markup-compatibility/2006">
                   <mc:Choice xmlns:v="urn:schemas-microsoft-com:vml" Requires="v">
-                    <p:oleObj spid="_x0000_s3184" name="Image" r:id="rId17" imgW="1828440" imgH="1117440" progId="Photoshop.Image.13">
+                    <p:oleObj spid="_x0000_s3192" name="Image" r:id="rId17" imgW="1828440" imgH="1117440" progId="Photoshop.Image.13">
                       <p:embed/>
                     </p:oleObj>
                   </mc:Choice>
@@ -14261,15 +14183,7 @@
           <a:p>
             <a:r>
               <a:rPr lang="en-US" dirty="0"/>
-              <a:t>Generative models aims at learning the true data distribution which allow us to generate new data points. They are useful for multiple task such as image generation, dimensionality reduction</a:t>
-            </a:r>
-            <a:r>
-              <a:rPr lang="en-US" dirty="0" smtClean="0"/>
-              <a:t>. One </a:t>
-            </a:r>
-            <a:r>
-              <a:rPr lang="en-US" dirty="0"/>
-              <a:t>of the most commonly use generative model is the Variational Autoencoder (VAE). The VAE learn a generative model by maximizing a lower bound on the log-likelihood. The VAE is not perfect and have some downside.</a:t>
+              <a:t>Generative models aims at learning the true data distribution which allow us to generate new data points. They are useful for multiple task such as image generation, dimensionality reduction. One of the most commonly use generative model is the Variational Autoencoder (VAE). The VAE learn a generative model by maximizing a lower bound on the log-likelihood. The VAE is not perfect and have some downside.</a:t>
             </a:r>
           </a:p>
           <a:p>
@@ -14518,35 +14432,23 @@
           <a:p>
             <a:r>
               <a:rPr lang="en-US" dirty="0"/>
-              <a:t>Some assumptions are made on the posterior distribution. </a:t>
+              <a:t>Some assumptions are made on the posterior distribution. First, by looking at the second term of the objective  D</a:t>
+            </a:r>
+            <a:r>
+              <a:rPr lang="en-US" baseline="-25000" dirty="0"/>
+              <a:t>KL</a:t>
             </a:r>
             <a:r>
               <a:rPr lang="en-US" dirty="0"/>
-              <a:t>First, by looking at the second term of the </a:t>
-            </a:r>
-            <a:r>
-              <a:rPr lang="en-US" dirty="0" smtClean="0"/>
-              <a:t>objective  D</a:t>
-            </a:r>
-            <a:r>
-              <a:rPr lang="en-US" baseline="-25000" dirty="0" smtClean="0"/>
-              <a:t>KL</a:t>
-            </a:r>
-            <a:r>
-              <a:rPr lang="en-US" dirty="0" smtClean="0"/>
               <a:t>[q(</a:t>
             </a:r>
             <a:r>
-              <a:rPr lang="en-US" dirty="0" err="1" smtClean="0"/>
+              <a:rPr lang="en-US" dirty="0" err="1"/>
               <a:t>z|x</a:t>
             </a:r>
             <a:r>
-              <a:rPr lang="en-US" dirty="0" smtClean="0"/>
-              <a:t>) || p(z)], </a:t>
-            </a:r>
-            <a:r>
               <a:rPr lang="en-US" dirty="0"/>
-              <a:t>we can interpret that term as a </a:t>
+              <a:t>) || p(z)], we can interpret that term as a </a:t>
             </a:r>
             <a:r>
               <a:rPr lang="en-US" dirty="0" err="1"/>
@@ -14556,32 +14458,23 @@
               <a:rPr lang="en-US" dirty="0"/>
               <a:t> that penalizes when the posterior is not close to the standard normal distribution. </a:t>
             </a:r>
-            <a:endParaRPr lang="en-US" dirty="0" smtClean="0"/>
           </a:p>
           <a:p>
             <a:endParaRPr lang="en-US" dirty="0"/>
           </a:p>
           <a:p>
             <a:r>
-              <a:rPr lang="en-US" dirty="0" smtClean="0"/>
-              <a:t>Secondly</a:t>
-            </a:r>
-            <a:r>
               <a:rPr lang="en-US" dirty="0"/>
-              <a:t>, if we look at the first term of the objective </a:t>
-            </a:r>
-            <a:r>
-              <a:rPr lang="en-US" dirty="0" smtClean="0"/>
-              <a:t>function </a:t>
+              <a:t>Secondly, if we look at the first term of the objective function </a:t>
             </a:r>
           </a:p>
           <a:p>
             <a:r>
-              <a:rPr lang="en-US" dirty="0" err="1" smtClean="0"/>
+              <a:rPr lang="en-US" dirty="0" err="1"/>
               <a:t>E</a:t>
             </a:r>
             <a:r>
-              <a:rPr lang="en-US" baseline="-25000" dirty="0" err="1" smtClean="0"/>
+              <a:rPr lang="en-US" baseline="-25000" dirty="0" err="1"/>
               <a:t>q</a:t>
             </a:r>
             <a:r>
@@ -14590,23 +14483,15 @@
             </a:r>
             <a:r>
               <a:rPr lang="en-US" baseline="-25000" dirty="0" err="1"/>
-              <a:t>z|</a:t>
+              <a:t>z|x</a:t>
             </a:r>
             <a:r>
-              <a:rPr lang="en-US" baseline="-25000" dirty="0" err="1" smtClean="0"/>
-              <a:t>x</a:t>
-            </a:r>
-            <a:r>
-              <a:rPr lang="en-US" baseline="-25000" dirty="0" smtClean="0"/>
+              <a:rPr lang="en-US" baseline="-25000" dirty="0"/>
               <a:t>)</a:t>
             </a:r>
             <a:r>
-              <a:rPr lang="en-US" dirty="0" smtClean="0"/>
-              <a:t>[</a:t>
-            </a:r>
-            <a:r>
               <a:rPr lang="en-US" dirty="0"/>
-              <a:t>log(p(</a:t>
+              <a:t>[log(p(</a:t>
             </a:r>
             <a:r>
               <a:rPr lang="en-US" dirty="0" err="1"/>
@@ -14614,47 +14499,15 @@
             </a:r>
             <a:r>
               <a:rPr lang="en-US" dirty="0"/>
-              <a:t>))</a:t>
-            </a:r>
-            <a:r>
-              <a:rPr lang="en-US" dirty="0" smtClean="0"/>
-              <a:t>], </a:t>
-            </a:r>
-            <a:r>
-              <a:rPr lang="en-US" dirty="0"/>
-              <a:t>we are trying to maximize the likelihood given </a:t>
-            </a:r>
-            <a:r>
-              <a:rPr lang="en-US" dirty="0" smtClean="0"/>
-              <a:t>z. </a:t>
-            </a:r>
-            <a:r>
-              <a:rPr lang="en-US" dirty="0"/>
-              <a:t>Hence, the objective function will penalize when the encoder </a:t>
-            </a:r>
-            <a:r>
-              <a:rPr lang="en-US" dirty="0" smtClean="0"/>
-              <a:t>q</a:t>
-            </a:r>
-            <a:r>
-              <a:rPr lang="en-US" dirty="0"/>
-              <a:t>(</a:t>
+              <a:t>))], we are trying to maximize the likelihood given z. Hence, the objective function will penalize when the encoder q(</a:t>
             </a:r>
             <a:r>
               <a:rPr lang="en-US" dirty="0" err="1"/>
               <a:t>z|x</a:t>
             </a:r>
             <a:r>
-              <a:rPr lang="en-US" dirty="0" smtClean="0"/>
-              <a:t>) </a:t>
-            </a:r>
-            <a:r>
               <a:rPr lang="en-US" dirty="0"/>
-              <a:t>generates latent samples that do not represent well the data</a:t>
-            </a:r>
-            <a:r>
-              <a:rPr lang="en-US" dirty="0" smtClean="0"/>
-              <a:t>.</a:t>
+              <a:t>) generates latent samples that do not represent well the data.</a:t>
             </a:r>
           </a:p>
           <a:p>
@@ -14667,13 +14520,8 @@
             </a:r>
             <a:r>
               <a:rPr lang="en-US" dirty="0"/>
-              <a:t> and al. proposed another lower bound based on importance sampling that allow the model to better explore the latent space and increase the model flexibility</a:t>
+              <a:t> and al. proposed another lower bound based on importance sampling that allow the model to better explore the latent space and increase the model flexibility.</a:t>
             </a:r>
-            <a:r>
-              <a:rPr lang="en-US" dirty="0" smtClean="0"/>
-              <a:t>.</a:t>
-            </a:r>
-            <a:endParaRPr lang="en-US" dirty="0"/>
           </a:p>
         </p:txBody>
       </p:sp>
@@ -14774,7 +14622,7 @@
           <p:cNvPr id="29" name="Image 28">
             <a:extLst>
               <a:ext uri="{FF2B5EF4-FFF2-40B4-BE49-F238E27FC236}">
-                <a16:creationId xmlns:a16="http://schemas.microsoft.com/office/drawing/2014/main" xmlns="" id="{B26E1080-A49C-4542-9B74-8F78F46911AF}"/>
+                <a16:creationId xmlns:a16="http://schemas.microsoft.com/office/drawing/2014/main" id="{B26E1080-A49C-4542-9B74-8F78F46911AF}"/>
               </a:ext>
             </a:extLst>
           </p:cNvPr>
@@ -14810,7 +14658,7 @@
           <p:cNvPr id="31" name="Image 30">
             <a:extLst>
               <a:ext uri="{FF2B5EF4-FFF2-40B4-BE49-F238E27FC236}">
-                <a16:creationId xmlns:a16="http://schemas.microsoft.com/office/drawing/2014/main" xmlns="" id="{3B15B3E1-CC10-46B9-905C-3CB6ADBE70D8}"/>
+                <a16:creationId xmlns:a16="http://schemas.microsoft.com/office/drawing/2014/main" id="{3B15B3E1-CC10-46B9-905C-3CB6ADBE70D8}"/>
               </a:ext>
             </a:extLst>
           </p:cNvPr>
@@ -14846,7 +14694,7 @@
           <p:cNvPr id="40" name="Image 39">
             <a:extLst>
               <a:ext uri="{FF2B5EF4-FFF2-40B4-BE49-F238E27FC236}">
-                <a16:creationId xmlns:a16="http://schemas.microsoft.com/office/drawing/2014/main" xmlns="" id="{166F3255-3372-40F4-A2BE-4C2CD58F82B2}"/>
+                <a16:creationId xmlns:a16="http://schemas.microsoft.com/office/drawing/2014/main" id="{166F3255-3372-40F4-A2BE-4C2CD58F82B2}"/>
               </a:ext>
             </a:extLst>
           </p:cNvPr>
@@ -14881,7 +14729,7 @@
           <p:cNvPr id="43" name="Image 42">
             <a:extLst>
               <a:ext uri="{FF2B5EF4-FFF2-40B4-BE49-F238E27FC236}">
-                <a16:creationId xmlns:a16="http://schemas.microsoft.com/office/drawing/2014/main" xmlns="" id="{8F255F1F-FEC3-491E-9F7F-30CCCCB41D4B}"/>
+                <a16:creationId xmlns:a16="http://schemas.microsoft.com/office/drawing/2014/main" id="{8F255F1F-FEC3-491E-9F7F-30CCCCB41D4B}"/>
               </a:ext>
             </a:extLst>
           </p:cNvPr>
@@ -14916,7 +14764,7 @@
           <p:cNvPr id="44" name="Text Placeholder 14">
             <a:extLst>
               <a:ext uri="{FF2B5EF4-FFF2-40B4-BE49-F238E27FC236}">
-                <a16:creationId xmlns:a16="http://schemas.microsoft.com/office/drawing/2014/main" xmlns="" id="{7BCD762B-0436-4477-B02C-A380D58DEF71}"/>
+                <a16:creationId xmlns:a16="http://schemas.microsoft.com/office/drawing/2014/main" id="{7BCD762B-0436-4477-B02C-A380D58DEF71}"/>
               </a:ext>
             </a:extLst>
           </p:cNvPr>
@@ -15094,42 +14942,12 @@
           </a:p>
         </p:txBody>
       </p:sp>
-      <p:pic>
-        <p:nvPicPr>
-          <p:cNvPr id="46" name="Image 45">
-            <a:extLst>
-              <a:ext uri="{FF2B5EF4-FFF2-40B4-BE49-F238E27FC236}">
-                <a16:creationId xmlns:a16="http://schemas.microsoft.com/office/drawing/2014/main" xmlns="" id="{105FEA30-3B5C-4A55-B9DD-E63B983D2825}"/>
-              </a:ext>
-            </a:extLst>
-          </p:cNvPr>
-          <p:cNvPicPr>
-            <a:picLocks noChangeAspect="1"/>
-          </p:cNvPicPr>
-          <p:nvPr/>
-        </p:nvPicPr>
-        <p:blipFill>
-          <a:blip r:embed="rId7"/>
-          <a:stretch>
-            <a:fillRect/>
-          </a:stretch>
-        </p:blipFill>
-        <p:spPr>
-          <a:xfrm>
-            <a:off x="34398171" y="8400029"/>
-            <a:ext cx="8257145" cy="1603212"/>
-          </a:xfrm>
-          <a:prstGeom prst="rect">
-            <a:avLst/>
-          </a:prstGeom>
-        </p:spPr>
-      </p:pic>
       <p:sp>
         <p:nvSpPr>
           <p:cNvPr id="47" name="Text Placeholder 3">
             <a:extLst>
               <a:ext uri="{FF2B5EF4-FFF2-40B4-BE49-F238E27FC236}">
-                <a16:creationId xmlns:a16="http://schemas.microsoft.com/office/drawing/2014/main" xmlns="" id="{CD3ABEB4-FBB2-46B7-BBB7-A9A1816BD860}"/>
+                <a16:creationId xmlns:a16="http://schemas.microsoft.com/office/drawing/2014/main" id="{CD3ABEB4-FBB2-46B7-BBB7-A9A1816BD860}"/>
               </a:ext>
             </a:extLst>
           </p:cNvPr>
@@ -15304,7 +15122,7 @@
           <p:cNvPr id="54" name="Image 53">
             <a:extLst>
               <a:ext uri="{FF2B5EF4-FFF2-40B4-BE49-F238E27FC236}">
-                <a16:creationId xmlns:a16="http://schemas.microsoft.com/office/drawing/2014/main" xmlns="" id="{1455D682-5816-44A7-9F7A-B6A1E65F977E}"/>
+                <a16:creationId xmlns:a16="http://schemas.microsoft.com/office/drawing/2014/main" id="{1455D682-5816-44A7-9F7A-B6A1E65F977E}"/>
               </a:ext>
             </a:extLst>
           </p:cNvPr>
@@ -15314,7 +15132,7 @@
           <p:nvPr/>
         </p:nvPicPr>
         <p:blipFill rotWithShape="1">
-          <a:blip r:embed="rId8"/>
+          <a:blip r:embed="rId7"/>
           <a:srcRect l="4181" t="2699" r="7868" b="67734"/>
           <a:stretch/>
         </p:blipFill>
@@ -15333,7 +15151,7 @@
           <p:cNvPr id="56" name="Text Placeholder 14">
             <a:extLst>
               <a:ext uri="{FF2B5EF4-FFF2-40B4-BE49-F238E27FC236}">
-                <a16:creationId xmlns:a16="http://schemas.microsoft.com/office/drawing/2014/main" xmlns="" id="{3584AABC-01A8-4A44-BECE-7C3C5F0501B6}"/>
+                <a16:creationId xmlns:a16="http://schemas.microsoft.com/office/drawing/2014/main" id="{3584AABC-01A8-4A44-BECE-7C3C5F0501B6}"/>
               </a:ext>
             </a:extLst>
           </p:cNvPr>
@@ -15512,7 +15330,7 @@
           <p:cNvPr id="5" name="Group 4">
             <a:extLst>
               <a:ext uri="{FF2B5EF4-FFF2-40B4-BE49-F238E27FC236}">
-                <a16:creationId xmlns:a16="http://schemas.microsoft.com/office/drawing/2014/main" xmlns="" id="{12358EBB-CCE4-41B8-A385-99FE038F7301}"/>
+                <a16:creationId xmlns:a16="http://schemas.microsoft.com/office/drawing/2014/main" id="{12358EBB-CCE4-41B8-A385-99FE038F7301}"/>
               </a:ext>
             </a:extLst>
           </p:cNvPr>
@@ -15532,7 +15350,7 @@
             <p:cNvPr id="48" name="Rectangle : coins arrondis 47">
               <a:extLst>
                 <a:ext uri="{FF2B5EF4-FFF2-40B4-BE49-F238E27FC236}">
-                  <a16:creationId xmlns:a16="http://schemas.microsoft.com/office/drawing/2014/main" xmlns="" id="{BCD00AC4-13F6-4D14-8352-6F59ECCA65CB}"/>
+                  <a16:creationId xmlns:a16="http://schemas.microsoft.com/office/drawing/2014/main" id="{BCD00AC4-13F6-4D14-8352-6F59ECCA65CB}"/>
                 </a:ext>
               </a:extLst>
             </p:cNvPr>
@@ -15578,7 +15396,7 @@
             <p:cNvPr id="51" name="Connecteur droit avec flèche 50">
               <a:extLst>
                 <a:ext uri="{FF2B5EF4-FFF2-40B4-BE49-F238E27FC236}">
-                  <a16:creationId xmlns:a16="http://schemas.microsoft.com/office/drawing/2014/main" xmlns="" id="{AEDC7BDB-89E0-417D-8045-C608AF37F29B}"/>
+                  <a16:creationId xmlns:a16="http://schemas.microsoft.com/office/drawing/2014/main" id="{AEDC7BDB-89E0-417D-8045-C608AF37F29B}"/>
                 </a:ext>
               </a:extLst>
             </p:cNvPr>
@@ -15622,7 +15440,7 @@
             <p:cNvPr id="52" name="Ellipse 51">
               <a:extLst>
                 <a:ext uri="{FF2B5EF4-FFF2-40B4-BE49-F238E27FC236}">
-                  <a16:creationId xmlns:a16="http://schemas.microsoft.com/office/drawing/2014/main" xmlns="" id="{3AAA39E3-11DE-4AA7-83F2-CE06F7D86AF5}"/>
+                  <a16:creationId xmlns:a16="http://schemas.microsoft.com/office/drawing/2014/main" id="{3AAA39E3-11DE-4AA7-83F2-CE06F7D86AF5}"/>
                 </a:ext>
               </a:extLst>
             </p:cNvPr>
@@ -15666,65 +15484,13 @@
             </a:p>
           </p:txBody>
         </p:sp>
-        <p:sp>
-          <p:nvSpPr>
-            <p:cNvPr id="91" name="Rectangle : coins arrondis 90">
-              <a:extLst>
-                <a:ext uri="{FF2B5EF4-FFF2-40B4-BE49-F238E27FC236}">
-                  <a16:creationId xmlns:a16="http://schemas.microsoft.com/office/drawing/2014/main" xmlns="" id="{9C9368F8-85C7-4500-9DA3-CF759E6BBB95}"/>
-                </a:ext>
-              </a:extLst>
-            </p:cNvPr>
-            <p:cNvSpPr/>
-            <p:nvPr/>
-          </p:nvSpPr>
-          <p:spPr>
-            <a:xfrm>
-              <a:off x="1219107" y="14220542"/>
-              <a:ext cx="499927" cy="465183"/>
-            </a:xfrm>
-            <a:prstGeom prst="roundRect">
-              <a:avLst>
-                <a:gd name="adj" fmla="val 0"/>
-              </a:avLst>
-            </a:prstGeom>
-          </p:spPr>
-          <p:style>
-            <a:lnRef idx="2">
-              <a:schemeClr val="accent1">
-                <a:shade val="50000"/>
-              </a:schemeClr>
-            </a:lnRef>
-            <a:fillRef idx="1">
-              <a:schemeClr val="accent1"/>
-            </a:fillRef>
-            <a:effectRef idx="0">
-              <a:schemeClr val="accent1"/>
-            </a:effectRef>
-            <a:fontRef idx="minor">
-              <a:schemeClr val="lt1"/>
-            </a:fontRef>
-          </p:style>
-          <p:txBody>
-            <a:bodyPr rtlCol="0" anchor="ctr"/>
-            <a:lstStyle/>
-            <a:p>
-              <a:pPr algn="ctr"/>
-              <a:r>
-                <a:rPr lang="en-US" sz="4800" dirty="0"/>
-                <a:t>Z</a:t>
-              </a:r>
-              <a:endParaRPr lang="fr-CA" sz="4800" dirty="0"/>
-            </a:p>
-          </p:txBody>
-        </p:sp>
       </p:grpSp>
       <p:grpSp>
         <p:nvGrpSpPr>
           <p:cNvPr id="19" name="Group 18">
             <a:extLst>
               <a:ext uri="{FF2B5EF4-FFF2-40B4-BE49-F238E27FC236}">
-                <a16:creationId xmlns:a16="http://schemas.microsoft.com/office/drawing/2014/main" xmlns="" id="{83220A97-CBAC-4CAD-AA3F-F3BD23AB5645}"/>
+                <a16:creationId xmlns:a16="http://schemas.microsoft.com/office/drawing/2014/main" id="{83220A97-CBAC-4CAD-AA3F-F3BD23AB5645}"/>
               </a:ext>
             </a:extLst>
           </p:cNvPr>
@@ -15744,7 +15510,7 @@
             <p:cNvPr id="57" name="Ellipse 56">
               <a:extLst>
                 <a:ext uri="{FF2B5EF4-FFF2-40B4-BE49-F238E27FC236}">
-                  <a16:creationId xmlns:a16="http://schemas.microsoft.com/office/drawing/2014/main" xmlns="" id="{7DBF2BE5-10A8-4FB1-BF67-C96FF78B734E}"/>
+                  <a16:creationId xmlns:a16="http://schemas.microsoft.com/office/drawing/2014/main" id="{7DBF2BE5-10A8-4FB1-BF67-C96FF78B734E}"/>
                 </a:ext>
               </a:extLst>
             </p:cNvPr>
@@ -15794,7 +15560,7 @@
             <p:cNvPr id="58" name="Flèche : haut 57">
               <a:extLst>
                 <a:ext uri="{FF2B5EF4-FFF2-40B4-BE49-F238E27FC236}">
-                  <a16:creationId xmlns:a16="http://schemas.microsoft.com/office/drawing/2014/main" xmlns="" id="{72AC517C-2B87-4080-B735-26C35549A60A}"/>
+                  <a16:creationId xmlns:a16="http://schemas.microsoft.com/office/drawing/2014/main" id="{72AC517C-2B87-4080-B735-26C35549A60A}"/>
                 </a:ext>
               </a:extLst>
             </p:cNvPr>
@@ -15844,7 +15610,7 @@
             <p:cNvPr id="59" name="Rectangle : coins arrondis 58">
               <a:extLst>
                 <a:ext uri="{FF2B5EF4-FFF2-40B4-BE49-F238E27FC236}">
-                  <a16:creationId xmlns:a16="http://schemas.microsoft.com/office/drawing/2014/main" xmlns="" id="{D8C16610-04F1-461C-81EF-A30FAA8BE432}"/>
+                  <a16:creationId xmlns:a16="http://schemas.microsoft.com/office/drawing/2014/main" id="{D8C16610-04F1-461C-81EF-A30FAA8BE432}"/>
                 </a:ext>
               </a:extLst>
             </p:cNvPr>
@@ -15893,7 +15659,7 @@
             <p:cNvPr id="60" name="Rectangle : coins arrondis 59">
               <a:extLst>
                 <a:ext uri="{FF2B5EF4-FFF2-40B4-BE49-F238E27FC236}">
-                  <a16:creationId xmlns:a16="http://schemas.microsoft.com/office/drawing/2014/main" xmlns="" id="{36D4F669-46E2-4A1D-B9F9-C3E5EE4FB105}"/>
+                  <a16:creationId xmlns:a16="http://schemas.microsoft.com/office/drawing/2014/main" id="{36D4F669-46E2-4A1D-B9F9-C3E5EE4FB105}"/>
                 </a:ext>
               </a:extLst>
             </p:cNvPr>
@@ -15943,7 +15709,7 @@
             <p:cNvPr id="63" name="Rectangle : coins arrondis 62">
               <a:extLst>
                 <a:ext uri="{FF2B5EF4-FFF2-40B4-BE49-F238E27FC236}">
-                  <a16:creationId xmlns:a16="http://schemas.microsoft.com/office/drawing/2014/main" xmlns="" id="{94B41CA6-645D-4445-BBF0-47D0C49AF2E8}"/>
+                  <a16:creationId xmlns:a16="http://schemas.microsoft.com/office/drawing/2014/main" id="{94B41CA6-645D-4445-BBF0-47D0C49AF2E8}"/>
                 </a:ext>
               </a:extLst>
             </p:cNvPr>
@@ -15993,7 +15759,7 @@
             <p:cNvPr id="67" name="Rectangle : coins arrondis 66">
               <a:extLst>
                 <a:ext uri="{FF2B5EF4-FFF2-40B4-BE49-F238E27FC236}">
-                  <a16:creationId xmlns:a16="http://schemas.microsoft.com/office/drawing/2014/main" xmlns="" id="{D94CB321-A9EA-4D1D-9F37-8E1C58BB3283}"/>
+                  <a16:creationId xmlns:a16="http://schemas.microsoft.com/office/drawing/2014/main" id="{D94CB321-A9EA-4D1D-9F37-8E1C58BB3283}"/>
                 </a:ext>
               </a:extLst>
             </p:cNvPr>
@@ -16045,7 +15811,7 @@
             <p:cNvPr id="72" name="Ellipse 71">
               <a:extLst>
                 <a:ext uri="{FF2B5EF4-FFF2-40B4-BE49-F238E27FC236}">
-                  <a16:creationId xmlns:a16="http://schemas.microsoft.com/office/drawing/2014/main" xmlns="" id="{88A73338-AE5D-4534-B676-E223E87EEA85}"/>
+                  <a16:creationId xmlns:a16="http://schemas.microsoft.com/office/drawing/2014/main" id="{88A73338-AE5D-4534-B676-E223E87EEA85}"/>
                 </a:ext>
               </a:extLst>
             </p:cNvPr>
@@ -16095,7 +15861,7 @@
             <p:cNvPr id="74" name="Connecteur droit avec flèche 73">
               <a:extLst>
                 <a:ext uri="{FF2B5EF4-FFF2-40B4-BE49-F238E27FC236}">
-                  <a16:creationId xmlns:a16="http://schemas.microsoft.com/office/drawing/2014/main" xmlns="" id="{FCCC5678-EA67-4CED-99EB-2DF05A6449B9}"/>
+                  <a16:creationId xmlns:a16="http://schemas.microsoft.com/office/drawing/2014/main" id="{FCCC5678-EA67-4CED-99EB-2DF05A6449B9}"/>
                 </a:ext>
               </a:extLst>
             </p:cNvPr>
@@ -16137,7 +15903,7 @@
             <p:cNvPr id="79" name="Connecteur droit avec flèche 78">
               <a:extLst>
                 <a:ext uri="{FF2B5EF4-FFF2-40B4-BE49-F238E27FC236}">
-                  <a16:creationId xmlns:a16="http://schemas.microsoft.com/office/drawing/2014/main" xmlns="" id="{36D5BA69-86C0-4452-AC71-E9731CCE3AD2}"/>
+                  <a16:creationId xmlns:a16="http://schemas.microsoft.com/office/drawing/2014/main" id="{36D5BA69-86C0-4452-AC71-E9731CCE3AD2}"/>
                 </a:ext>
               </a:extLst>
             </p:cNvPr>
@@ -16179,7 +15945,7 @@
             <p:cNvPr id="82" name="Connecteur droit avec flèche 81">
               <a:extLst>
                 <a:ext uri="{FF2B5EF4-FFF2-40B4-BE49-F238E27FC236}">
-                  <a16:creationId xmlns:a16="http://schemas.microsoft.com/office/drawing/2014/main" xmlns="" id="{80EEBF50-0FEF-42D2-816A-6655A3A977FE}"/>
+                  <a16:creationId xmlns:a16="http://schemas.microsoft.com/office/drawing/2014/main" id="{80EEBF50-0FEF-42D2-816A-6655A3A977FE}"/>
                 </a:ext>
               </a:extLst>
             </p:cNvPr>
@@ -16221,7 +15987,7 @@
             <p:cNvPr id="92" name="Accolade fermante 91">
               <a:extLst>
                 <a:ext uri="{FF2B5EF4-FFF2-40B4-BE49-F238E27FC236}">
-                  <a16:creationId xmlns:a16="http://schemas.microsoft.com/office/drawing/2014/main" xmlns="" id="{58D73F09-5760-42C4-952D-91B52DBBF486}"/>
+                  <a16:creationId xmlns:a16="http://schemas.microsoft.com/office/drawing/2014/main" id="{58D73F09-5760-42C4-952D-91B52DBBF486}"/>
                 </a:ext>
               </a:extLst>
             </p:cNvPr>
@@ -16266,7 +16032,7 @@
             <p:cNvPr id="95" name="Accolade fermante 94">
               <a:extLst>
                 <a:ext uri="{FF2B5EF4-FFF2-40B4-BE49-F238E27FC236}">
-                  <a16:creationId xmlns:a16="http://schemas.microsoft.com/office/drawing/2014/main" xmlns="" id="{DC084A30-A300-4B80-AA0F-AA79EB07B910}"/>
+                  <a16:creationId xmlns:a16="http://schemas.microsoft.com/office/drawing/2014/main" id="{DC084A30-A300-4B80-AA0F-AA79EB07B910}"/>
                 </a:ext>
               </a:extLst>
             </p:cNvPr>
@@ -16311,7 +16077,7 @@
             <p:cNvPr id="96" name="Rectangle 95">
               <a:extLst>
                 <a:ext uri="{FF2B5EF4-FFF2-40B4-BE49-F238E27FC236}">
-                  <a16:creationId xmlns:a16="http://schemas.microsoft.com/office/drawing/2014/main" xmlns="" id="{56C7E9A1-1206-4EBC-A672-6946530DB152}"/>
+                  <a16:creationId xmlns:a16="http://schemas.microsoft.com/office/drawing/2014/main" id="{56C7E9A1-1206-4EBC-A672-6946530DB152}"/>
                 </a:ext>
               </a:extLst>
             </p:cNvPr>
@@ -16359,7 +16125,7 @@
             <p:cNvPr id="97" name="Rectangle 96">
               <a:extLst>
                 <a:ext uri="{FF2B5EF4-FFF2-40B4-BE49-F238E27FC236}">
-                  <a16:creationId xmlns:a16="http://schemas.microsoft.com/office/drawing/2014/main" xmlns="" id="{50EF45D3-AF38-43C3-80A1-BD320E002583}"/>
+                  <a16:creationId xmlns:a16="http://schemas.microsoft.com/office/drawing/2014/main" id="{50EF45D3-AF38-43C3-80A1-BD320E002583}"/>
                 </a:ext>
               </a:extLst>
             </p:cNvPr>
@@ -16407,7 +16173,7 @@
             <p:cNvPr id="98" name="Flèche : haut 97">
               <a:extLst>
                 <a:ext uri="{FF2B5EF4-FFF2-40B4-BE49-F238E27FC236}">
-                  <a16:creationId xmlns:a16="http://schemas.microsoft.com/office/drawing/2014/main" xmlns="" id="{E2981F08-14A6-4333-BAD5-7701C356EA9B}"/>
+                  <a16:creationId xmlns:a16="http://schemas.microsoft.com/office/drawing/2014/main" id="{E2981F08-14A6-4333-BAD5-7701C356EA9B}"/>
                 </a:ext>
               </a:extLst>
             </p:cNvPr>
@@ -16458,7 +16224,7 @@
           <p:cNvPr id="61" name="Text Placeholder 1">
             <a:extLst>
               <a:ext uri="{FF2B5EF4-FFF2-40B4-BE49-F238E27FC236}">
-                <a16:creationId xmlns:a16="http://schemas.microsoft.com/office/drawing/2014/main" xmlns="" id="{A5A55B18-228E-4F31-8420-732F1F74A9F9}"/>
+                <a16:creationId xmlns:a16="http://schemas.microsoft.com/office/drawing/2014/main" id="{A5A55B18-228E-4F31-8420-732F1F74A9F9}"/>
               </a:ext>
             </a:extLst>
           </p:cNvPr>
@@ -16629,7 +16395,7 @@
           <p:cNvPr id="62" name="Text Placeholder 11">
             <a:extLst>
               <a:ext uri="{FF2B5EF4-FFF2-40B4-BE49-F238E27FC236}">
-                <a16:creationId xmlns:a16="http://schemas.microsoft.com/office/drawing/2014/main" xmlns="" id="{A43364F1-F3E1-4154-9BA3-93285BA3F1CA}"/>
+                <a16:creationId xmlns:a16="http://schemas.microsoft.com/office/drawing/2014/main" id="{A43364F1-F3E1-4154-9BA3-93285BA3F1CA}"/>
               </a:ext>
             </a:extLst>
           </p:cNvPr>
@@ -16861,7 +16627,7 @@
           <p:cNvPr id="20" name="Picture 19">
             <a:extLst>
               <a:ext uri="{FF2B5EF4-FFF2-40B4-BE49-F238E27FC236}">
-                <a16:creationId xmlns:a16="http://schemas.microsoft.com/office/drawing/2014/main" xmlns="" id="{52508552-17EF-4036-88EF-BDADCF729651}"/>
+                <a16:creationId xmlns:a16="http://schemas.microsoft.com/office/drawing/2014/main" id="{52508552-17EF-4036-88EF-BDADCF729651}"/>
               </a:ext>
             </a:extLst>
           </p:cNvPr>
@@ -16871,7 +16637,7 @@
           <p:nvPr/>
         </p:nvPicPr>
         <p:blipFill>
-          <a:blip r:embed="rId9"/>
+          <a:blip r:embed="rId8"/>
           <a:stretch>
             <a:fillRect/>
           </a:stretch>
@@ -16891,7 +16657,7 @@
           <p:cNvPr id="65" name="Text Placeholder 11">
             <a:extLst>
               <a:ext uri="{FF2B5EF4-FFF2-40B4-BE49-F238E27FC236}">
-                <a16:creationId xmlns:a16="http://schemas.microsoft.com/office/drawing/2014/main" xmlns="" id="{DF5C931B-8ABE-4D08-9D8E-9BF163424AF4}"/>
+                <a16:creationId xmlns:a16="http://schemas.microsoft.com/office/drawing/2014/main" id="{DF5C931B-8ABE-4D08-9D8E-9BF163424AF4}"/>
               </a:ext>
             </a:extLst>
           </p:cNvPr>
@@ -17097,7 +16863,7 @@
           <p:cNvPr id="66" name="Text Placeholder 11">
             <a:extLst>
               <a:ext uri="{FF2B5EF4-FFF2-40B4-BE49-F238E27FC236}">
-                <a16:creationId xmlns:a16="http://schemas.microsoft.com/office/drawing/2014/main" xmlns="" id="{9B9E7798-9D63-4283-8F3A-7CEFA3B9E130}"/>
+                <a16:creationId xmlns:a16="http://schemas.microsoft.com/office/drawing/2014/main" id="{9B9E7798-9D63-4283-8F3A-7CEFA3B9E130}"/>
               </a:ext>
             </a:extLst>
           </p:cNvPr>
@@ -17344,7 +17110,7 @@
           <p:cNvPr id="69" name="Text Placeholder 11">
             <a:extLst>
               <a:ext uri="{FF2B5EF4-FFF2-40B4-BE49-F238E27FC236}">
-                <a16:creationId xmlns:a16="http://schemas.microsoft.com/office/drawing/2014/main" xmlns="" id="{53032AE1-DBC6-43FB-99EF-D7444655C110}"/>
+                <a16:creationId xmlns:a16="http://schemas.microsoft.com/office/drawing/2014/main" id="{53032AE1-DBC6-43FB-99EF-D7444655C110}"/>
               </a:ext>
             </a:extLst>
           </p:cNvPr>
@@ -17587,7 +17353,7 @@
           <p:cNvPr id="41" name="Text Placeholder 14">
             <a:extLst>
               <a:ext uri="{FF2B5EF4-FFF2-40B4-BE49-F238E27FC236}">
-                <a16:creationId xmlns:a16="http://schemas.microsoft.com/office/drawing/2014/main" xmlns="" id="{3BB18B94-5F9C-4CAB-8CE9-6854910DEB8A}"/>
+                <a16:creationId xmlns:a16="http://schemas.microsoft.com/office/drawing/2014/main" id="{3BB18B94-5F9C-4CAB-8CE9-6854910DEB8A}"/>
               </a:ext>
             </a:extLst>
           </p:cNvPr>
@@ -17784,7 +17550,7 @@
             <p:cNvPr id="34" name="Image 33">
               <a:extLst>
                 <a:ext uri="{FF2B5EF4-FFF2-40B4-BE49-F238E27FC236}">
-                  <a16:creationId xmlns:a16="http://schemas.microsoft.com/office/drawing/2014/main" xmlns="" id="{A51EEDCE-810B-42EF-8386-D485415CC102}"/>
+                  <a16:creationId xmlns:a16="http://schemas.microsoft.com/office/drawing/2014/main" id="{A51EEDCE-810B-42EF-8386-D485415CC102}"/>
                 </a:ext>
               </a:extLst>
             </p:cNvPr>
@@ -17794,7 +17560,7 @@
             <p:nvPr/>
           </p:nvPicPr>
           <p:blipFill>
-            <a:blip r:embed="rId10">
+            <a:blip r:embed="rId9">
               <a:extLst>
                 <a:ext uri="{28A0092B-C50C-407E-A947-70E740481C1C}">
                   <a14:useLocalDpi xmlns:a14="http://schemas.microsoft.com/office/drawing/2010/main" val="0"/>
@@ -17820,7 +17586,7 @@
             <p:cNvPr id="32" name="Text Placeholder 6">
               <a:extLst>
                 <a:ext uri="{FF2B5EF4-FFF2-40B4-BE49-F238E27FC236}">
-                  <a16:creationId xmlns:a16="http://schemas.microsoft.com/office/drawing/2014/main" xmlns="" id="{679DF83E-27B2-489B-9C16-AC17B4A8A540}"/>
+                  <a16:creationId xmlns:a16="http://schemas.microsoft.com/office/drawing/2014/main" id="{679DF83E-27B2-489B-9C16-AC17B4A8A540}"/>
                 </a:ext>
               </a:extLst>
             </p:cNvPr>
@@ -18009,7 +17775,7 @@
             <p:cNvPr id="36" name="Image 35">
               <a:extLst>
                 <a:ext uri="{FF2B5EF4-FFF2-40B4-BE49-F238E27FC236}">
-                  <a16:creationId xmlns:a16="http://schemas.microsoft.com/office/drawing/2014/main" xmlns="" id="{C22A1C47-931A-453D-8ED5-FCEE83665E05}"/>
+                  <a16:creationId xmlns:a16="http://schemas.microsoft.com/office/drawing/2014/main" id="{C22A1C47-931A-453D-8ED5-FCEE83665E05}"/>
                 </a:ext>
               </a:extLst>
             </p:cNvPr>
@@ -18019,7 +17785,7 @@
             <p:nvPr/>
           </p:nvPicPr>
           <p:blipFill>
-            <a:blip r:embed="rId11">
+            <a:blip r:embed="rId10">
               <a:extLst>
                 <a:ext uri="{28A0092B-C50C-407E-A947-70E740481C1C}">
                   <a14:useLocalDpi xmlns:a14="http://schemas.microsoft.com/office/drawing/2010/main" val="0"/>
@@ -18045,7 +17811,7 @@
             <p:cNvPr id="37" name="Text Placeholder 6">
               <a:extLst>
                 <a:ext uri="{FF2B5EF4-FFF2-40B4-BE49-F238E27FC236}">
-                  <a16:creationId xmlns:a16="http://schemas.microsoft.com/office/drawing/2014/main" xmlns="" id="{1C1E200B-2FAE-4919-9CA4-F6FC1A105E1F}"/>
+                  <a16:creationId xmlns:a16="http://schemas.microsoft.com/office/drawing/2014/main" id="{1C1E200B-2FAE-4919-9CA4-F6FC1A105E1F}"/>
                 </a:ext>
               </a:extLst>
             </p:cNvPr>
@@ -18247,7 +18013,7 @@
           <p:cNvPr id="25" name="Text Placeholder 6">
             <a:extLst>
               <a:ext uri="{FF2B5EF4-FFF2-40B4-BE49-F238E27FC236}">
-                <a16:creationId xmlns:a16="http://schemas.microsoft.com/office/drawing/2014/main" xmlns="" id="{73370A92-B6C4-4FD7-9AD8-66D8BE4C9CC6}"/>
+                <a16:creationId xmlns:a16="http://schemas.microsoft.com/office/drawing/2014/main" id="{73370A92-B6C4-4FD7-9AD8-66D8BE4C9CC6}"/>
               </a:ext>
             </a:extLst>
           </p:cNvPr>
@@ -18421,7 +18187,7 @@
           <p:cNvPr id="70" name="Text Placeholder 7">
             <a:extLst>
               <a:ext uri="{FF2B5EF4-FFF2-40B4-BE49-F238E27FC236}">
-                <a16:creationId xmlns:a16="http://schemas.microsoft.com/office/drawing/2014/main" xmlns="" id="{99354331-A353-4121-8153-599186E92FF2}"/>
+                <a16:creationId xmlns:a16="http://schemas.microsoft.com/office/drawing/2014/main" id="{99354331-A353-4121-8153-599186E92FF2}"/>
               </a:ext>
             </a:extLst>
           </p:cNvPr>
@@ -18596,7 +18362,7 @@
           <p:cNvPr id="73" name="Text Placeholder 11">
             <a:extLst>
               <a:ext uri="{FF2B5EF4-FFF2-40B4-BE49-F238E27FC236}">
-                <a16:creationId xmlns:a16="http://schemas.microsoft.com/office/drawing/2014/main" xmlns="" id="{3D6E6B7E-31C6-4560-88A0-6837CA584291}"/>
+                <a16:creationId xmlns:a16="http://schemas.microsoft.com/office/drawing/2014/main" id="{3D6E6B7E-31C6-4560-88A0-6837CA584291}"/>
               </a:ext>
             </a:extLst>
           </p:cNvPr>
@@ -18862,7 +18628,7 @@
           <p:cNvPr id="22" name="Picture 21">
             <a:extLst>
               <a:ext uri="{FF2B5EF4-FFF2-40B4-BE49-F238E27FC236}">
-                <a16:creationId xmlns:a16="http://schemas.microsoft.com/office/drawing/2014/main" xmlns="" id="{06A2914F-2A33-4053-A566-4829EA21EF71}"/>
+                <a16:creationId xmlns:a16="http://schemas.microsoft.com/office/drawing/2014/main" id="{06A2914F-2A33-4053-A566-4829EA21EF71}"/>
               </a:ext>
             </a:extLst>
           </p:cNvPr>
@@ -18872,7 +18638,7 @@
           <p:nvPr/>
         </p:nvPicPr>
         <p:blipFill>
-          <a:blip r:embed="rId12"/>
+          <a:blip r:embed="rId11"/>
           <a:stretch>
             <a:fillRect/>
           </a:stretch>
@@ -18892,7 +18658,7 @@
           <p:cNvPr id="68" name="Text Placeholder 11">
             <a:extLst>
               <a:ext uri="{FF2B5EF4-FFF2-40B4-BE49-F238E27FC236}">
-                <a16:creationId xmlns:a16="http://schemas.microsoft.com/office/drawing/2014/main" xmlns="" id="{9B9E7798-9D63-4283-8F3A-7CEFA3B9E130}"/>
+                <a16:creationId xmlns:a16="http://schemas.microsoft.com/office/drawing/2014/main" id="{9B9E7798-9D63-4283-8F3A-7CEFA3B9E130}"/>
               </a:ext>
             </a:extLst>
           </p:cNvPr>
@@ -19061,16 +18827,12 @@
             </a:pPr>
             <a:r>
               <a:rPr lang="en-US" dirty="0"/>
-              <a:t>This gives us a lower bound with 3 important </a:t>
-            </a:r>
-            <a:r>
-              <a:rPr lang="en-US" dirty="0" smtClean="0"/>
-              <a:t>properties:</a:t>
+              <a:t>This gives us a lower bound with 3 important properties:</a:t>
             </a:r>
             <a:br>
-              <a:rPr lang="en-US" dirty="0" smtClean="0"/>
+              <a:rPr lang="en-US" dirty="0"/>
             </a:br>
-            <a:endParaRPr lang="en-US" dirty="0" smtClean="0"/>
+            <a:endParaRPr lang="en-US" dirty="0"/>
           </a:p>
           <a:p>
             <a:pPr marL="457200" indent="-457200">
@@ -19079,45 +18841,7 @@
             </a:pPr>
             <a:r>
               <a:rPr lang="en-US" dirty="0"/>
-              <a:t>w</a:t>
-            </a:r>
-            <a:r>
-              <a:rPr lang="en-US" dirty="0" smtClean="0"/>
-              <a:t>hen k </a:t>
-            </a:r>
-            <a:r>
-              <a:rPr lang="en-US" dirty="0"/>
-              <a:t>= </a:t>
-            </a:r>
-            <a:r>
-              <a:rPr lang="en-US" dirty="0" smtClean="0"/>
-              <a:t>1, </a:t>
-            </a:r>
-            <a:r>
-              <a:rPr lang="en-US" dirty="0"/>
-              <a:t>we recover the prior VAE objective function</a:t>
-            </a:r>
-            <a:r>
-              <a:rPr lang="en-US" dirty="0" smtClean="0"/>
-              <a:t>.</a:t>
-            </a:r>
-          </a:p>
-          <a:p>
-            <a:pPr marL="457200" indent="-457200">
-              <a:buFont typeface="+mj-lt"/>
-              <a:buAutoNum type="arabicPeriod"/>
-            </a:pPr>
-            <a:r>
-              <a:rPr lang="en-US" dirty="0" smtClean="0"/>
-              <a:t>as k </a:t>
-            </a:r>
-            <a:r>
-              <a:rPr lang="en-US" dirty="0"/>
-              <a:t>increases, we get a tighter </a:t>
-            </a:r>
-            <a:r>
-              <a:rPr lang="en-US" dirty="0" smtClean="0"/>
-              <a:t>bound</a:t>
+              <a:t>when k = 1, we recover the prior VAE objective function.</a:t>
             </a:r>
           </a:p>
           <a:p>
@@ -19127,32 +18851,100 @@
             </a:pPr>
             <a:r>
               <a:rPr lang="en-US" dirty="0"/>
-              <a:t>i</a:t>
+              <a:t>as k increases, we get a tighter bound</a:t>
             </a:r>
-            <a:r>
-              <a:rPr lang="en-US" dirty="0" smtClean="0"/>
-              <a:t>t is </a:t>
-            </a:r>
+          </a:p>
+          <a:p>
+            <a:pPr marL="457200" indent="-457200">
+              <a:buFont typeface="+mj-lt"/>
+              <a:buAutoNum type="arabicPeriod"/>
+            </a:pPr>
             <a:r>
               <a:rPr lang="en-US" dirty="0"/>
-              <a:t>a consistent estimator of </a:t>
+              <a:t>it is a consistent estimator of log(p(x))</a:t>
             </a:r>
-            <a:r>
-              <a:rPr lang="en-US" dirty="0" smtClean="0"/>
-              <a:t>log</a:t>
-            </a:r>
-            <a:r>
-              <a:rPr lang="en-US" dirty="0"/>
-              <a:t>(p(x)</a:t>
-            </a:r>
-            <a:r>
-              <a:rPr lang="en-US" dirty="0" smtClean="0"/>
-              <a:t>)</a:t>
-            </a:r>
-            <a:endParaRPr lang="en-US" dirty="0"/>
           </a:p>
         </p:txBody>
       </p:sp>
+      <p:sp>
+        <p:nvSpPr>
+          <p:cNvPr id="21" name="Oval 20">
+            <a:extLst>
+              <a:ext uri="{FF2B5EF4-FFF2-40B4-BE49-F238E27FC236}">
+                <a16:creationId xmlns:a16="http://schemas.microsoft.com/office/drawing/2014/main" id="{AA2720E7-F613-4A2F-BDD7-128D67EFB4E5}"/>
+              </a:ext>
+            </a:extLst>
+          </p:cNvPr>
+          <p:cNvSpPr/>
+          <p:nvPr/>
+        </p:nvSpPr>
+        <p:spPr>
+          <a:xfrm>
+            <a:off x="4789252" y="16030994"/>
+            <a:ext cx="666658" cy="633826"/>
+          </a:xfrm>
+          <a:prstGeom prst="ellipse">
+            <a:avLst/>
+          </a:prstGeom>
+        </p:spPr>
+        <p:style>
+          <a:lnRef idx="2">
+            <a:schemeClr val="accent1">
+              <a:shade val="50000"/>
+            </a:schemeClr>
+          </a:lnRef>
+          <a:fillRef idx="1">
+            <a:schemeClr val="accent1"/>
+          </a:fillRef>
+          <a:effectRef idx="0">
+            <a:schemeClr val="accent1"/>
+          </a:effectRef>
+          <a:fontRef idx="minor">
+            <a:schemeClr val="lt1"/>
+          </a:fontRef>
+        </p:style>
+        <p:txBody>
+          <a:bodyPr rtlCol="0" anchor="ctr"/>
+          <a:lstStyle/>
+          <a:p>
+            <a:pPr algn="ctr"/>
+            <a:r>
+              <a:rPr lang="en-US" sz="5400" dirty="0"/>
+              <a:t>Z</a:t>
+            </a:r>
+          </a:p>
+        </p:txBody>
+      </p:sp>
+      <p:pic>
+        <p:nvPicPr>
+          <p:cNvPr id="24" name="Picture 23">
+            <a:extLst>
+              <a:ext uri="{FF2B5EF4-FFF2-40B4-BE49-F238E27FC236}">
+                <a16:creationId xmlns:a16="http://schemas.microsoft.com/office/drawing/2014/main" id="{C01BEBA1-D9C4-49CC-B64E-832CC0A51DCA}"/>
+              </a:ext>
+            </a:extLst>
+          </p:cNvPr>
+          <p:cNvPicPr>
+            <a:picLocks noChangeAspect="1"/>
+          </p:cNvPicPr>
+          <p:nvPr/>
+        </p:nvPicPr>
+        <p:blipFill>
+          <a:blip r:embed="rId12"/>
+          <a:stretch>
+            <a:fillRect/>
+          </a:stretch>
+        </p:blipFill>
+        <p:spPr>
+          <a:xfrm>
+            <a:off x="34602541" y="8394008"/>
+            <a:ext cx="7591425" cy="1924050"/>
+          </a:xfrm>
+          <a:prstGeom prst="rect">
+            <a:avLst/>
+          </a:prstGeom>
+        </p:spPr>
+      </p:pic>
     </p:spTree>
     <p:extLst>
       <p:ext uri="{BB962C8B-B14F-4D97-AF65-F5344CB8AC3E}">

--- a/Poster/poster_ift_6269_project.pptx
+++ b/Poster/poster_ift_6269_project.pptx
@@ -5343,7 +5343,7 @@
               <a:graphicData uri="http://schemas.openxmlformats.org/presentationml/2006/ole">
                 <mc:AlternateContent xmlns:mc="http://schemas.openxmlformats.org/markup-compatibility/2006">
                   <mc:Choice xmlns:v="urn:schemas-microsoft-com:vml" Requires="v">
-                    <p:oleObj spid="_x0000_s1141" name="Image" r:id="rId8" imgW="1828440" imgH="1117440" progId="Photoshop.Image.13">
+                    <p:oleObj spid="_x0000_s1145" name="Image" r:id="rId8" imgW="1828440" imgH="1117440" progId="Photoshop.Image.13">
                       <p:embed/>
                     </p:oleObj>
                   </mc:Choice>
@@ -5400,7 +5400,7 @@
               <a:graphicData uri="http://schemas.openxmlformats.org/presentationml/2006/ole">
                 <mc:AlternateContent xmlns:mc="http://schemas.openxmlformats.org/markup-compatibility/2006">
                   <mc:Choice xmlns:v="urn:schemas-microsoft-com:vml" Requires="v">
-                    <p:oleObj spid="_x0000_s1142" name="Image" r:id="rId10" imgW="1828440" imgH="1117440" progId="Photoshop.Image.13">
+                    <p:oleObj spid="_x0000_s1146" name="Image" r:id="rId10" imgW="1828440" imgH="1117440" progId="Photoshop.Image.13">
                       <p:embed/>
                     </p:oleObj>
                   </mc:Choice>
@@ -6523,7 +6523,7 @@
             <a:graphicData uri="http://schemas.openxmlformats.org/presentationml/2006/ole">
               <mc:AlternateContent xmlns:mc="http://schemas.openxmlformats.org/markup-compatibility/2006">
                 <mc:Choice xmlns:v="urn:schemas-microsoft-com:vml" Requires="v">
-                  <p:oleObj spid="_x0000_s1143" name="Image" r:id="rId12" imgW="4571280" imgH="1688760" progId="Photoshop.Image.13">
+                  <p:oleObj spid="_x0000_s1147" name="Image" r:id="rId12" imgW="4571280" imgH="1688760" progId="Photoshop.Image.13">
                     <p:embed/>
                   </p:oleObj>
                 </mc:Choice>
@@ -6607,7 +6607,7 @@
             <a:graphicData uri="http://schemas.openxmlformats.org/presentationml/2006/ole">
               <mc:AlternateContent xmlns:mc="http://schemas.openxmlformats.org/markup-compatibility/2006">
                 <mc:Choice xmlns:v="urn:schemas-microsoft-com:vml" Requires="v">
-                  <p:oleObj spid="_x0000_s1144" name="Image" r:id="rId15" imgW="1574280" imgH="1053720" progId="Photoshop.Image.13">
+                  <p:oleObj spid="_x0000_s1148" name="Image" r:id="rId15" imgW="1574280" imgH="1053720" progId="Photoshop.Image.13">
                     <p:embed/>
                   </p:oleObj>
                 </mc:Choice>
@@ -8589,7 +8589,7 @@
             <a:graphicData uri="http://schemas.openxmlformats.org/presentationml/2006/ole">
               <mc:AlternateContent xmlns:mc="http://schemas.openxmlformats.org/markup-compatibility/2006">
                 <mc:Choice xmlns:v="urn:schemas-microsoft-com:vml" Requires="v">
-                  <p:oleObj spid="_x0000_s2165" name="Image" r:id="rId4" imgW="4571280" imgH="1688760" progId="Photoshop.Image.13">
+                  <p:oleObj spid="_x0000_s2169" name="Image" r:id="rId4" imgW="4571280" imgH="1688760" progId="Photoshop.Image.13">
                     <p:embed/>
                   </p:oleObj>
                 </mc:Choice>
@@ -8673,7 +8673,7 @@
             <a:graphicData uri="http://schemas.openxmlformats.org/presentationml/2006/ole">
               <mc:AlternateContent xmlns:mc="http://schemas.openxmlformats.org/markup-compatibility/2006">
                 <mc:Choice xmlns:v="urn:schemas-microsoft-com:vml" Requires="v">
-                  <p:oleObj spid="_x0000_s2166" name="Image" r:id="rId7" imgW="1574280" imgH="1053720" progId="Photoshop.Image.13">
+                  <p:oleObj spid="_x0000_s2170" name="Image" r:id="rId7" imgW="1574280" imgH="1053720" progId="Photoshop.Image.13">
                     <p:embed/>
                   </p:oleObj>
                 </mc:Choice>
@@ -10182,7 +10182,7 @@
               <a:graphicData uri="http://schemas.openxmlformats.org/presentationml/2006/ole">
                 <mc:AlternateContent xmlns:mc="http://schemas.openxmlformats.org/markup-compatibility/2006">
                   <mc:Choice xmlns:v="urn:schemas-microsoft-com:vml" Requires="v">
-                    <p:oleObj spid="_x0000_s2167" name="Image" r:id="rId15" imgW="1828440" imgH="1117440" progId="Photoshop.Image.13">
+                    <p:oleObj spid="_x0000_s2171" name="Image" r:id="rId15" imgW="1828440" imgH="1117440" progId="Photoshop.Image.13">
                       <p:embed/>
                     </p:oleObj>
                   </mc:Choice>
@@ -10239,7 +10239,7 @@
               <a:graphicData uri="http://schemas.openxmlformats.org/presentationml/2006/ole">
                 <mc:AlternateContent xmlns:mc="http://schemas.openxmlformats.org/markup-compatibility/2006">
                   <mc:Choice xmlns:v="urn:schemas-microsoft-com:vml" Requires="v">
-                    <p:oleObj spid="_x0000_s2168" name="Image" r:id="rId17" imgW="1828440" imgH="1117440" progId="Photoshop.Image.13">
+                    <p:oleObj spid="_x0000_s2172" name="Image" r:id="rId17" imgW="1828440" imgH="1117440" progId="Photoshop.Image.13">
                       <p:embed/>
                     </p:oleObj>
                   </mc:Choice>
@@ -12025,7 +12025,7 @@
             <a:graphicData uri="http://schemas.openxmlformats.org/presentationml/2006/ole">
               <mc:AlternateContent xmlns:mc="http://schemas.openxmlformats.org/markup-compatibility/2006">
                 <mc:Choice xmlns:v="urn:schemas-microsoft-com:vml" Requires="v">
-                  <p:oleObj spid="_x0000_s3189" name="Image" r:id="rId4" imgW="4571280" imgH="1688760" progId="Photoshop.Image.13">
+                  <p:oleObj spid="_x0000_s3193" name="Image" r:id="rId4" imgW="4571280" imgH="1688760" progId="Photoshop.Image.13">
                     <p:embed/>
                   </p:oleObj>
                 </mc:Choice>
@@ -12109,7 +12109,7 @@
             <a:graphicData uri="http://schemas.openxmlformats.org/presentationml/2006/ole">
               <mc:AlternateContent xmlns:mc="http://schemas.openxmlformats.org/markup-compatibility/2006">
                 <mc:Choice xmlns:v="urn:schemas-microsoft-com:vml" Requires="v">
-                  <p:oleObj spid="_x0000_s3190" name="Image" r:id="rId7" imgW="1574280" imgH="1053720" progId="Photoshop.Image.13">
+                  <p:oleObj spid="_x0000_s3194" name="Image" r:id="rId7" imgW="1574280" imgH="1053720" progId="Photoshop.Image.13">
                     <p:embed/>
                   </p:oleObj>
                 </mc:Choice>
@@ -13618,7 +13618,7 @@
               <a:graphicData uri="http://schemas.openxmlformats.org/presentationml/2006/ole">
                 <mc:AlternateContent xmlns:mc="http://schemas.openxmlformats.org/markup-compatibility/2006">
                   <mc:Choice xmlns:v="urn:schemas-microsoft-com:vml" Requires="v">
-                    <p:oleObj spid="_x0000_s3191" name="Image" r:id="rId15" imgW="1828440" imgH="1117440" progId="Photoshop.Image.13">
+                    <p:oleObj spid="_x0000_s3195" name="Image" r:id="rId15" imgW="1828440" imgH="1117440" progId="Photoshop.Image.13">
                       <p:embed/>
                     </p:oleObj>
                   </mc:Choice>
@@ -13675,7 +13675,7 @@
               <a:graphicData uri="http://schemas.openxmlformats.org/presentationml/2006/ole">
                 <mc:AlternateContent xmlns:mc="http://schemas.openxmlformats.org/markup-compatibility/2006">
                   <mc:Choice xmlns:v="urn:schemas-microsoft-com:vml" Requires="v">
-                    <p:oleObj spid="_x0000_s3192" name="Image" r:id="rId17" imgW="1828440" imgH="1117440" progId="Photoshop.Image.13">
+                    <p:oleObj spid="_x0000_s3196" name="Image" r:id="rId17" imgW="1828440" imgH="1117440" progId="Photoshop.Image.13">
                       <p:embed/>
                     </p:oleObj>
                   </mc:Choice>
@@ -14335,7 +14335,7 @@
         </p:nvSpPr>
         <p:spPr>
           <a:xfrm>
-            <a:off x="33377261" y="18492773"/>
+            <a:off x="33372229" y="21156770"/>
             <a:ext cx="10047018" cy="754045"/>
           </a:xfrm>
         </p:spPr>
@@ -14362,7 +14362,7 @@
         </p:nvSpPr>
         <p:spPr>
           <a:xfrm>
-            <a:off x="33508926" y="19843534"/>
+            <a:off x="33372229" y="21990014"/>
             <a:ext cx="10047018" cy="2923855"/>
           </a:xfrm>
         </p:spPr>
@@ -14398,7 +14398,7 @@
         </p:nvSpPr>
         <p:spPr>
           <a:xfrm>
-            <a:off x="33460380" y="27476668"/>
+            <a:off x="33497544" y="30060568"/>
             <a:ext cx="10047018" cy="754045"/>
           </a:xfrm>
         </p:spPr>
@@ -14716,7 +14716,7 @@
         </p:blipFill>
         <p:spPr>
           <a:xfrm>
-            <a:off x="24040091" y="17925406"/>
+            <a:off x="23955031" y="17882876"/>
             <a:ext cx="7235205" cy="6462729"/>
           </a:xfrm>
           <a:prstGeom prst="rect">
@@ -14759,189 +14759,6 @@
           </a:prstGeom>
         </p:spPr>
       </p:pic>
-      <p:sp>
-        <p:nvSpPr>
-          <p:cNvPr id="44" name="Text Placeholder 14">
-            <a:extLst>
-              <a:ext uri="{FF2B5EF4-FFF2-40B4-BE49-F238E27FC236}">
-                <a16:creationId xmlns:a16="http://schemas.microsoft.com/office/drawing/2014/main" id="{7BCD762B-0436-4477-B02C-A380D58DEF71}"/>
-              </a:ext>
-            </a:extLst>
-          </p:cNvPr>
-          <p:cNvSpPr txBox="1">
-            <a:spLocks/>
-          </p:cNvSpPr>
-          <p:nvPr/>
-        </p:nvSpPr>
-        <p:spPr>
-          <a:xfrm>
-            <a:off x="36019775" y="7088486"/>
-            <a:ext cx="10056813" cy="846363"/>
-          </a:xfrm>
-          <a:prstGeom prst="rect">
-            <a:avLst/>
-          </a:prstGeom>
-        </p:spPr>
-        <p:txBody>
-          <a:bodyPr wrap="square" lIns="228589" tIns="228589" rIns="228589" bIns="228589">
-            <a:spAutoFit/>
-          </a:bodyPr>
-          <a:lstStyle>
-            <a:lvl1pPr marL="0" indent="0" algn="l" defTabSz="4388900" rtl="0" eaLnBrk="1" latinLnBrk="0" hangingPunct="1">
-              <a:spcBef>
-                <a:spcPct val="20000"/>
-              </a:spcBef>
-              <a:buFont typeface="Arial" pitchFamily="34" charset="0"/>
-              <a:buNone/>
-              <a:defRPr sz="2500" kern="1200">
-                <a:solidFill>
-                  <a:schemeClr val="accent5">
-                    <a:lumMod val="50000"/>
-                  </a:schemeClr>
-                </a:solidFill>
-                <a:latin typeface="Times New Roman" pitchFamily="18" charset="0"/>
-                <a:ea typeface="+mn-ea"/>
-                <a:cs typeface="Times New Roman" pitchFamily="18" charset="0"/>
-              </a:defRPr>
-            </a:lvl1pPr>
-            <a:lvl2pPr marL="1485825" indent="-571471" algn="l" defTabSz="4388900" rtl="0" eaLnBrk="1" latinLnBrk="0" hangingPunct="1">
-              <a:spcBef>
-                <a:spcPct val="20000"/>
-              </a:spcBef>
-              <a:buFont typeface="Arial" pitchFamily="34" charset="0"/>
-              <a:buChar char="–"/>
-              <a:defRPr sz="2500" kern="1200">
-                <a:solidFill>
-                  <a:schemeClr val="tx1"/>
-                </a:solidFill>
-                <a:latin typeface="Trebuchet MS" pitchFamily="34" charset="0"/>
-                <a:ea typeface="+mn-ea"/>
-                <a:cs typeface="+mn-cs"/>
-              </a:defRPr>
-            </a:lvl2pPr>
-            <a:lvl3pPr marL="2057297" indent="-571471" algn="l" defTabSz="4388900" rtl="0" eaLnBrk="1" latinLnBrk="0" hangingPunct="1">
-              <a:spcBef>
-                <a:spcPct val="20000"/>
-              </a:spcBef>
-              <a:buFont typeface="Arial" pitchFamily="34" charset="0"/>
-              <a:buChar char="•"/>
-              <a:defRPr sz="2500" kern="1200">
-                <a:solidFill>
-                  <a:schemeClr val="tx1"/>
-                </a:solidFill>
-                <a:latin typeface="Trebuchet MS" pitchFamily="34" charset="0"/>
-                <a:ea typeface="+mn-ea"/>
-                <a:cs typeface="+mn-cs"/>
-              </a:defRPr>
-            </a:lvl3pPr>
-            <a:lvl4pPr marL="2685916" indent="-628619" algn="l" defTabSz="4388900" rtl="0" eaLnBrk="1" latinLnBrk="0" hangingPunct="1">
-              <a:spcBef>
-                <a:spcPct val="20000"/>
-              </a:spcBef>
-              <a:buFont typeface="Arial" pitchFamily="34" charset="0"/>
-              <a:buChar char="–"/>
-              <a:defRPr sz="2500" kern="1200">
-                <a:solidFill>
-                  <a:schemeClr val="tx1"/>
-                </a:solidFill>
-                <a:latin typeface="Trebuchet MS" pitchFamily="34" charset="0"/>
-                <a:ea typeface="+mn-ea"/>
-                <a:cs typeface="+mn-cs"/>
-              </a:defRPr>
-            </a:lvl4pPr>
-            <a:lvl5pPr marL="3143093" indent="-457177" algn="l" defTabSz="4388900" rtl="0" eaLnBrk="1" latinLnBrk="0" hangingPunct="1">
-              <a:spcBef>
-                <a:spcPct val="20000"/>
-              </a:spcBef>
-              <a:buFont typeface="Arial" pitchFamily="34" charset="0"/>
-              <a:buChar char="»"/>
-              <a:defRPr sz="2500" kern="1200">
-                <a:solidFill>
-                  <a:schemeClr val="tx1"/>
-                </a:solidFill>
-                <a:latin typeface="Trebuchet MS" pitchFamily="34" charset="0"/>
-                <a:ea typeface="+mn-ea"/>
-                <a:cs typeface="+mn-cs"/>
-              </a:defRPr>
-            </a:lvl5pPr>
-            <a:lvl6pPr marL="12069477" indent="-1097226" algn="l" defTabSz="4388900" rtl="0" eaLnBrk="1" latinLnBrk="0" hangingPunct="1">
-              <a:spcBef>
-                <a:spcPct val="20000"/>
-              </a:spcBef>
-              <a:buFont typeface="Arial" pitchFamily="34" charset="0"/>
-              <a:buChar char="•"/>
-              <a:defRPr sz="9600" kern="1200">
-                <a:solidFill>
-                  <a:schemeClr val="tx1"/>
-                </a:solidFill>
-                <a:latin typeface="+mn-lt"/>
-                <a:ea typeface="+mn-ea"/>
-                <a:cs typeface="+mn-cs"/>
-              </a:defRPr>
-            </a:lvl6pPr>
-            <a:lvl7pPr marL="14263926" indent="-1097226" algn="l" defTabSz="4388900" rtl="0" eaLnBrk="1" latinLnBrk="0" hangingPunct="1">
-              <a:spcBef>
-                <a:spcPct val="20000"/>
-              </a:spcBef>
-              <a:buFont typeface="Arial" pitchFamily="34" charset="0"/>
-              <a:buChar char="•"/>
-              <a:defRPr sz="9600" kern="1200">
-                <a:solidFill>
-                  <a:schemeClr val="tx1"/>
-                </a:solidFill>
-                <a:latin typeface="+mn-lt"/>
-                <a:ea typeface="+mn-ea"/>
-                <a:cs typeface="+mn-cs"/>
-              </a:defRPr>
-            </a:lvl7pPr>
-            <a:lvl8pPr marL="16458377" indent="-1097226" algn="l" defTabSz="4388900" rtl="0" eaLnBrk="1" latinLnBrk="0" hangingPunct="1">
-              <a:spcBef>
-                <a:spcPct val="20000"/>
-              </a:spcBef>
-              <a:buFont typeface="Arial" pitchFamily="34" charset="0"/>
-              <a:buChar char="•"/>
-              <a:defRPr sz="9600" kern="1200">
-                <a:solidFill>
-                  <a:schemeClr val="tx1"/>
-                </a:solidFill>
-                <a:latin typeface="+mn-lt"/>
-                <a:ea typeface="+mn-ea"/>
-                <a:cs typeface="+mn-cs"/>
-              </a:defRPr>
-            </a:lvl8pPr>
-            <a:lvl9pPr marL="18652827" indent="-1097226" algn="l" defTabSz="4388900" rtl="0" eaLnBrk="1" latinLnBrk="0" hangingPunct="1">
-              <a:spcBef>
-                <a:spcPct val="20000"/>
-              </a:spcBef>
-              <a:buFont typeface="Arial" pitchFamily="34" charset="0"/>
-              <a:buChar char="•"/>
-              <a:defRPr sz="9600" kern="1200">
-                <a:solidFill>
-                  <a:schemeClr val="tx1"/>
-                </a:solidFill>
-                <a:latin typeface="+mn-lt"/>
-                <a:ea typeface="+mn-ea"/>
-                <a:cs typeface="+mn-cs"/>
-              </a:defRPr>
-            </a:lvl9pPr>
-          </a:lstStyle>
-          <a:p>
-            <a:r>
-              <a:rPr lang="fr-CA" dirty="0" err="1"/>
-              <a:t>Negative</a:t>
-            </a:r>
-            <a:r>
-              <a:rPr lang="fr-CA" dirty="0"/>
-              <a:t> Log-</a:t>
-            </a:r>
-            <a:r>
-              <a:rPr lang="fr-CA" dirty="0" err="1"/>
-              <a:t>Likelihood</a:t>
-            </a:r>
-            <a:endParaRPr lang="en-US" dirty="0"/>
-          </a:p>
-        </p:txBody>
-      </p:sp>
       <p:sp>
         <p:nvSpPr>
           <p:cNvPr id="47" name="Text Placeholder 3">
@@ -15325,166 +15142,145 @@
           </a:p>
         </p:txBody>
       </p:sp>
-      <p:grpSp>
-        <p:nvGrpSpPr>
-          <p:cNvPr id="5" name="Group 4">
+      <p:sp>
+        <p:nvSpPr>
+          <p:cNvPr id="48" name="Rectangle : coins arrondis 47">
             <a:extLst>
               <a:ext uri="{FF2B5EF4-FFF2-40B4-BE49-F238E27FC236}">
-                <a16:creationId xmlns:a16="http://schemas.microsoft.com/office/drawing/2014/main" id="{12358EBB-CCE4-41B8-A385-99FE038F7301}"/>
+                <a16:creationId xmlns:a16="http://schemas.microsoft.com/office/drawing/2014/main" id="{BCD00AC4-13F6-4D14-8352-6F59ECCA65CB}"/>
               </a:ext>
             </a:extLst>
           </p:cNvPr>
-          <p:cNvGrpSpPr/>
+          <p:cNvSpPr/>
           <p:nvPr/>
-        </p:nvGrpSpPr>
-        <p:grpSpPr>
+        </p:nvSpPr>
+        <p:spPr>
           <a:xfrm>
             <a:off x="4298263" y="15838312"/>
             <a:ext cx="1618447" cy="2515190"/>
-            <a:chOff x="646716" y="13963277"/>
-            <a:chExt cx="1618447" cy="2515190"/>
           </a:xfrm>
-        </p:grpSpPr>
-        <p:sp>
-          <p:nvSpPr>
-            <p:cNvPr id="48" name="Rectangle : coins arrondis 47">
-              <a:extLst>
-                <a:ext uri="{FF2B5EF4-FFF2-40B4-BE49-F238E27FC236}">
-                  <a16:creationId xmlns:a16="http://schemas.microsoft.com/office/drawing/2014/main" id="{BCD00AC4-13F6-4D14-8352-6F59ECCA65CB}"/>
-                </a:ext>
-              </a:extLst>
-            </p:cNvPr>
-            <p:cNvSpPr/>
-            <p:nvPr/>
-          </p:nvSpPr>
-          <p:spPr>
-            <a:xfrm>
-              <a:off x="646716" y="13963277"/>
-              <a:ext cx="1618447" cy="2515190"/>
-            </a:xfrm>
-            <a:prstGeom prst="roundRect">
-              <a:avLst/>
-            </a:prstGeom>
-          </p:spPr>
-          <p:style>
-            <a:lnRef idx="2">
-              <a:schemeClr val="accent1">
-                <a:shade val="50000"/>
-              </a:schemeClr>
-            </a:lnRef>
-            <a:fillRef idx="1">
-              <a:schemeClr val="accent1"/>
-            </a:fillRef>
-            <a:effectRef idx="0">
-              <a:schemeClr val="accent1"/>
-            </a:effectRef>
-            <a:fontRef idx="minor">
-              <a:schemeClr val="lt1"/>
-            </a:fontRef>
-          </p:style>
-          <p:txBody>
-            <a:bodyPr rtlCol="0" anchor="ctr"/>
-            <a:lstStyle/>
-            <a:p>
-              <a:pPr algn="ctr"/>
-              <a:endParaRPr lang="fr-CA" sz="4800"/>
-            </a:p>
-          </p:txBody>
-        </p:sp>
-        <p:cxnSp>
-          <p:nvCxnSpPr>
-            <p:cNvPr id="51" name="Connecteur droit avec flèche 50">
-              <a:extLst>
-                <a:ext uri="{FF2B5EF4-FFF2-40B4-BE49-F238E27FC236}">
-                  <a16:creationId xmlns:a16="http://schemas.microsoft.com/office/drawing/2014/main" id="{AEDC7BDB-89E0-417D-8045-C608AF37F29B}"/>
-                </a:ext>
-              </a:extLst>
-            </p:cNvPr>
-            <p:cNvCxnSpPr>
-              <a:cxnSpLocks/>
-            </p:cNvCxnSpPr>
-            <p:nvPr/>
-          </p:nvCxnSpPr>
-          <p:spPr>
-            <a:xfrm>
-              <a:off x="1466463" y="14882498"/>
-              <a:ext cx="0" cy="676748"/>
-            </a:xfrm>
-            <a:prstGeom prst="straightConnector1">
-              <a:avLst/>
-            </a:prstGeom>
-            <a:ln w="57150">
-              <a:solidFill>
-                <a:schemeClr val="bg1"/>
-              </a:solidFill>
-              <a:tailEnd type="triangle"/>
-            </a:ln>
-          </p:spPr>
-          <p:style>
-            <a:lnRef idx="1">
-              <a:schemeClr val="dk1"/>
-            </a:lnRef>
-            <a:fillRef idx="0">
-              <a:schemeClr val="dk1"/>
-            </a:fillRef>
-            <a:effectRef idx="0">
-              <a:schemeClr val="dk1"/>
-            </a:effectRef>
-            <a:fontRef idx="minor">
-              <a:schemeClr val="tx1"/>
-            </a:fontRef>
-          </p:style>
-        </p:cxnSp>
-        <p:sp>
-          <p:nvSpPr>
-            <p:cNvPr id="52" name="Ellipse 51">
-              <a:extLst>
-                <a:ext uri="{FF2B5EF4-FFF2-40B4-BE49-F238E27FC236}">
-                  <a16:creationId xmlns:a16="http://schemas.microsoft.com/office/drawing/2014/main" id="{3AAA39E3-11DE-4AA7-83F2-CE06F7D86AF5}"/>
-                </a:ext>
-              </a:extLst>
-            </p:cNvPr>
-            <p:cNvSpPr/>
-            <p:nvPr/>
-          </p:nvSpPr>
-          <p:spPr>
-            <a:xfrm>
-              <a:off x="1137705" y="15632418"/>
-              <a:ext cx="662309" cy="561667"/>
-            </a:xfrm>
-            <a:prstGeom prst="ellipse">
-              <a:avLst/>
-            </a:prstGeom>
-          </p:spPr>
-          <p:style>
-            <a:lnRef idx="2">
-              <a:schemeClr val="accent1">
-                <a:shade val="50000"/>
-              </a:schemeClr>
-            </a:lnRef>
-            <a:fillRef idx="1">
-              <a:schemeClr val="accent1"/>
-            </a:fillRef>
-            <a:effectRef idx="0">
-              <a:schemeClr val="accent1"/>
-            </a:effectRef>
-            <a:fontRef idx="minor">
-              <a:schemeClr val="lt1"/>
-            </a:fontRef>
-          </p:style>
-          <p:txBody>
-            <a:bodyPr rtlCol="0" anchor="ctr"/>
-            <a:lstStyle/>
-            <a:p>
-              <a:pPr algn="ctr"/>
-              <a:r>
-                <a:rPr lang="fr-CA" sz="4800" dirty="0"/>
-                <a:t>X</a:t>
-              </a:r>
-            </a:p>
-          </p:txBody>
-        </p:sp>
-      </p:grpSp>
+          <a:prstGeom prst="roundRect">
+            <a:avLst/>
+          </a:prstGeom>
+        </p:spPr>
+        <p:style>
+          <a:lnRef idx="2">
+            <a:schemeClr val="accent1">
+              <a:shade val="50000"/>
+            </a:schemeClr>
+          </a:lnRef>
+          <a:fillRef idx="1">
+            <a:schemeClr val="accent1"/>
+          </a:fillRef>
+          <a:effectRef idx="0">
+            <a:schemeClr val="accent1"/>
+          </a:effectRef>
+          <a:fontRef idx="minor">
+            <a:schemeClr val="lt1"/>
+          </a:fontRef>
+        </p:style>
+        <p:txBody>
+          <a:bodyPr rtlCol="0" anchor="ctr"/>
+          <a:lstStyle/>
+          <a:p>
+            <a:pPr algn="ctr"/>
+            <a:endParaRPr lang="fr-CA" sz="4800"/>
+          </a:p>
+        </p:txBody>
+      </p:sp>
+      <p:cxnSp>
+        <p:nvCxnSpPr>
+          <p:cNvPr id="51" name="Connecteur droit avec flèche 50">
+            <a:extLst>
+              <a:ext uri="{FF2B5EF4-FFF2-40B4-BE49-F238E27FC236}">
+                <a16:creationId xmlns:a16="http://schemas.microsoft.com/office/drawing/2014/main" id="{AEDC7BDB-89E0-417D-8045-C608AF37F29B}"/>
+              </a:ext>
+            </a:extLst>
+          </p:cNvPr>
+          <p:cNvCxnSpPr>
+            <a:cxnSpLocks/>
+          </p:cNvCxnSpPr>
+          <p:nvPr/>
+        </p:nvCxnSpPr>
+        <p:spPr>
+          <a:xfrm>
+            <a:off x="5118010" y="16757533"/>
+            <a:ext cx="0" cy="676748"/>
+          </a:xfrm>
+          <a:prstGeom prst="straightConnector1">
+            <a:avLst/>
+          </a:prstGeom>
+          <a:ln w="57150">
+            <a:solidFill>
+              <a:schemeClr val="bg1"/>
+            </a:solidFill>
+            <a:tailEnd type="triangle"/>
+          </a:ln>
+        </p:spPr>
+        <p:style>
+          <a:lnRef idx="1">
+            <a:schemeClr val="dk1"/>
+          </a:lnRef>
+          <a:fillRef idx="0">
+            <a:schemeClr val="dk1"/>
+          </a:fillRef>
+          <a:effectRef idx="0">
+            <a:schemeClr val="dk1"/>
+          </a:effectRef>
+          <a:fontRef idx="minor">
+            <a:schemeClr val="tx1"/>
+          </a:fontRef>
+        </p:style>
+      </p:cxnSp>
+      <p:sp>
+        <p:nvSpPr>
+          <p:cNvPr id="52" name="Ellipse 51">
+            <a:extLst>
+              <a:ext uri="{FF2B5EF4-FFF2-40B4-BE49-F238E27FC236}">
+                <a16:creationId xmlns:a16="http://schemas.microsoft.com/office/drawing/2014/main" id="{3AAA39E3-11DE-4AA7-83F2-CE06F7D86AF5}"/>
+              </a:ext>
+            </a:extLst>
+          </p:cNvPr>
+          <p:cNvSpPr/>
+          <p:nvPr/>
+        </p:nvSpPr>
+        <p:spPr>
+          <a:xfrm>
+            <a:off x="4789252" y="17507453"/>
+            <a:ext cx="662309" cy="561667"/>
+          </a:xfrm>
+          <a:prstGeom prst="ellipse">
+            <a:avLst/>
+          </a:prstGeom>
+        </p:spPr>
+        <p:style>
+          <a:lnRef idx="2">
+            <a:schemeClr val="accent1">
+              <a:shade val="50000"/>
+            </a:schemeClr>
+          </a:lnRef>
+          <a:fillRef idx="1">
+            <a:schemeClr val="accent1"/>
+          </a:fillRef>
+          <a:effectRef idx="0">
+            <a:schemeClr val="accent1"/>
+          </a:effectRef>
+          <a:fontRef idx="minor">
+            <a:schemeClr val="lt1"/>
+          </a:fontRef>
+        </p:style>
+        <p:txBody>
+          <a:bodyPr rtlCol="0" anchor="ctr"/>
+          <a:lstStyle/>
+          <a:p>
+            <a:pPr algn="ctr"/>
+            <a:r>
+              <a:rPr lang="fr-CA" sz="4800" dirty="0"/>
+              <a:t>X</a:t>
+            </a:r>
+          </a:p>
+        </p:txBody>
+      </p:sp>
       <p:grpSp>
         <p:nvGrpSpPr>
           <p:cNvPr id="19" name="Group 18">
@@ -17121,8 +16917,8 @@
         </p:nvSpPr>
         <p:spPr>
           <a:xfrm>
-            <a:off x="33372229" y="10619726"/>
-            <a:ext cx="10052050" cy="7540504"/>
+            <a:off x="33372229" y="6323544"/>
+            <a:ext cx="10052050" cy="5309123"/>
           </a:xfrm>
           <a:prstGeom prst="rect">
             <a:avLst/>
@@ -17274,7 +17070,15 @@
           <a:p>
             <a:r>
               <a:rPr lang="en-US" dirty="0"/>
-              <a:t>Both models seems have the same flaws. They sometime generates clear digits, but they also often generates digits that seems to be the combination of 2 digits. This is due to the continuous nature of the random variable z and the assumptions made on the posterior distribution talked above.</a:t>
+              <a:t>Both models seems have the same flaws. They sometime generates clear digits, but they also often generates digits that seems to be the combination of 2 digits. This is due to the </a:t>
+            </a:r>
+            <a:r>
+              <a:rPr lang="en-US" b="1" dirty="0"/>
+              <a:t>continuous nature of the random variable z </a:t>
+            </a:r>
+            <a:r>
+              <a:rPr lang="en-US" dirty="0"/>
+              <a:t>and the assumptions made on the posterior distribution talked above.</a:t>
             </a:r>
           </a:p>
           <a:p>
@@ -17283,31 +17087,7 @@
           <a:p>
             <a:r>
               <a:rPr lang="en-US" dirty="0"/>
-              <a:t>In the VAE case, since the prior is a standard gaussian distribution and since we penalizes the model when the learned posterior distribution is far from that distribution, we kind of force the model to put the same digits close to each other in the latent space. Hence, when sampling a Random z, we can end up in a region midway between two regions of different digits.</a:t>
-            </a:r>
-          </a:p>
-          <a:p>
-            <a:endParaRPr lang="en-US" dirty="0"/>
-          </a:p>
-          <a:p>
-            <a:r>
-              <a:rPr lang="en-US" dirty="0"/>
-              <a:t>With the IWAE model, we would have expected that sampling with importance sampling would help on that manner by learning more complex representations.</a:t>
-            </a:r>
-          </a:p>
-          <a:p>
-            <a:endParaRPr lang="en-US" dirty="0"/>
-          </a:p>
-          <a:p>
-            <a:r>
-              <a:rPr lang="en-US" dirty="0"/>
-              <a:t>It is hard to conclude solely based on visuals. Qualitatively, it is hard</a:t>
-            </a:r>
-          </a:p>
-          <a:p>
-            <a:r>
-              <a:rPr lang="en-US" dirty="0"/>
-              <a:t>to see the improvements of IWAE over VAEs.</a:t>
+              <a:t>In the VAE case, since the prior is a standard gaussian distribution and since we penalizes the model when the learned posterior distribution is far from that distribution, we kind of force the model to put the same digits close to each other in the latent space. With the IWAE model, expect that sampling with importance sampling would help on that manner by learning more complex representations. Qualitatively, it is hard to see the improvements of IWAE over VAEs.</a:t>
             </a:r>
           </a:p>
         </p:txBody>
@@ -18866,12 +18646,276 @@
           </a:p>
         </p:txBody>
       </p:sp>
+      <p:pic>
+        <p:nvPicPr>
+          <p:cNvPr id="21" name="Image 20">
+            <a:extLst>
+              <a:ext uri="{FF2B5EF4-FFF2-40B4-BE49-F238E27FC236}">
+                <a16:creationId xmlns:a16="http://schemas.microsoft.com/office/drawing/2014/main" id="{FD725157-D154-BB41-98C5-1D5AC22EE45E}"/>
+              </a:ext>
+            </a:extLst>
+          </p:cNvPr>
+          <p:cNvPicPr>
+            <a:picLocks noChangeAspect="1"/>
+          </p:cNvPicPr>
+          <p:nvPr/>
+        </p:nvPicPr>
+        <p:blipFill>
+          <a:blip r:embed="rId12"/>
+          <a:stretch>
+            <a:fillRect/>
+          </a:stretch>
+        </p:blipFill>
+        <p:spPr>
+          <a:xfrm>
+            <a:off x="34985173" y="11564463"/>
+            <a:ext cx="6826162" cy="2512231"/>
+          </a:xfrm>
+          <a:prstGeom prst="rect">
+            <a:avLst/>
+          </a:prstGeom>
+        </p:spPr>
+      </p:pic>
       <p:sp>
         <p:nvSpPr>
-          <p:cNvPr id="21" name="Oval 20">
+          <p:cNvPr id="71" name="Text Placeholder 11">
             <a:extLst>
               <a:ext uri="{FF2B5EF4-FFF2-40B4-BE49-F238E27FC236}">
-                <a16:creationId xmlns:a16="http://schemas.microsoft.com/office/drawing/2014/main" id="{AA2720E7-F613-4A2F-BDD7-128D67EFB4E5}"/>
+                <a16:creationId xmlns:a16="http://schemas.microsoft.com/office/drawing/2014/main" id="{2107A68A-C4A4-2C4E-9257-92DFD8231D8C}"/>
+              </a:ext>
+            </a:extLst>
+          </p:cNvPr>
+          <p:cNvSpPr txBox="1">
+            <a:spLocks/>
+          </p:cNvSpPr>
+          <p:nvPr/>
+        </p:nvSpPr>
+        <p:spPr>
+          <a:xfrm>
+            <a:off x="33362640" y="14175228"/>
+            <a:ext cx="10052050" cy="8079113"/>
+          </a:xfrm>
+          <a:prstGeom prst="rect">
+            <a:avLst/>
+          </a:prstGeom>
+        </p:spPr>
+        <p:txBody>
+          <a:bodyPr wrap="square" lIns="228589" tIns="228589" rIns="228589" bIns="228589">
+            <a:spAutoFit/>
+          </a:bodyPr>
+          <a:lstStyle>
+            <a:lvl1pPr marL="0" indent="0" algn="l" defTabSz="4388900" rtl="0" eaLnBrk="1" latinLnBrk="0" hangingPunct="1">
+              <a:spcBef>
+                <a:spcPct val="20000"/>
+              </a:spcBef>
+              <a:buFont typeface="Arial" pitchFamily="34" charset="0"/>
+              <a:buNone/>
+              <a:defRPr sz="2500" kern="1200">
+                <a:solidFill>
+                  <a:schemeClr val="accent5">
+                    <a:lumMod val="50000"/>
+                  </a:schemeClr>
+                </a:solidFill>
+                <a:latin typeface="Times New Roman" pitchFamily="18" charset="0"/>
+                <a:ea typeface="+mn-ea"/>
+                <a:cs typeface="Times New Roman" pitchFamily="18" charset="0"/>
+              </a:defRPr>
+            </a:lvl1pPr>
+            <a:lvl2pPr marL="1485825" indent="-571471" algn="l" defTabSz="4388900" rtl="0" eaLnBrk="1" latinLnBrk="0" hangingPunct="1">
+              <a:spcBef>
+                <a:spcPct val="20000"/>
+              </a:spcBef>
+              <a:buFont typeface="Arial" pitchFamily="34" charset="0"/>
+              <a:buChar char="–"/>
+              <a:defRPr sz="2500" kern="1200">
+                <a:solidFill>
+                  <a:schemeClr val="tx1"/>
+                </a:solidFill>
+                <a:latin typeface="Trebuchet MS" pitchFamily="34" charset="0"/>
+                <a:ea typeface="+mn-ea"/>
+                <a:cs typeface="+mn-cs"/>
+              </a:defRPr>
+            </a:lvl2pPr>
+            <a:lvl3pPr marL="2057297" indent="-571471" algn="l" defTabSz="4388900" rtl="0" eaLnBrk="1" latinLnBrk="0" hangingPunct="1">
+              <a:spcBef>
+                <a:spcPct val="20000"/>
+              </a:spcBef>
+              <a:buFont typeface="Arial" pitchFamily="34" charset="0"/>
+              <a:buChar char="•"/>
+              <a:defRPr sz="2500" kern="1200">
+                <a:solidFill>
+                  <a:schemeClr val="tx1"/>
+                </a:solidFill>
+                <a:latin typeface="Trebuchet MS" pitchFamily="34" charset="0"/>
+                <a:ea typeface="+mn-ea"/>
+                <a:cs typeface="+mn-cs"/>
+              </a:defRPr>
+            </a:lvl3pPr>
+            <a:lvl4pPr marL="2685916" indent="-628619" algn="l" defTabSz="4388900" rtl="0" eaLnBrk="1" latinLnBrk="0" hangingPunct="1">
+              <a:spcBef>
+                <a:spcPct val="20000"/>
+              </a:spcBef>
+              <a:buFont typeface="Arial" pitchFamily="34" charset="0"/>
+              <a:buChar char="–"/>
+              <a:defRPr sz="2500" kern="1200">
+                <a:solidFill>
+                  <a:schemeClr val="tx1"/>
+                </a:solidFill>
+                <a:latin typeface="Trebuchet MS" pitchFamily="34" charset="0"/>
+                <a:ea typeface="+mn-ea"/>
+                <a:cs typeface="+mn-cs"/>
+              </a:defRPr>
+            </a:lvl4pPr>
+            <a:lvl5pPr marL="3143093" indent="-457177" algn="l" defTabSz="4388900" rtl="0" eaLnBrk="1" latinLnBrk="0" hangingPunct="1">
+              <a:spcBef>
+                <a:spcPct val="20000"/>
+              </a:spcBef>
+              <a:buFont typeface="Arial" pitchFamily="34" charset="0"/>
+              <a:buChar char="»"/>
+              <a:defRPr sz="2500" kern="1200">
+                <a:solidFill>
+                  <a:schemeClr val="tx1"/>
+                </a:solidFill>
+                <a:latin typeface="Trebuchet MS" pitchFamily="34" charset="0"/>
+                <a:ea typeface="+mn-ea"/>
+                <a:cs typeface="+mn-cs"/>
+              </a:defRPr>
+            </a:lvl5pPr>
+            <a:lvl6pPr marL="12069477" indent="-1097226" algn="l" defTabSz="4388900" rtl="0" eaLnBrk="1" latinLnBrk="0" hangingPunct="1">
+              <a:spcBef>
+                <a:spcPct val="20000"/>
+              </a:spcBef>
+              <a:buFont typeface="Arial" pitchFamily="34" charset="0"/>
+              <a:buChar char="•"/>
+              <a:defRPr sz="9600" kern="1200">
+                <a:solidFill>
+                  <a:schemeClr val="tx1"/>
+                </a:solidFill>
+                <a:latin typeface="+mn-lt"/>
+                <a:ea typeface="+mn-ea"/>
+                <a:cs typeface="+mn-cs"/>
+              </a:defRPr>
+            </a:lvl6pPr>
+            <a:lvl7pPr marL="14263926" indent="-1097226" algn="l" defTabSz="4388900" rtl="0" eaLnBrk="1" latinLnBrk="0" hangingPunct="1">
+              <a:spcBef>
+                <a:spcPct val="20000"/>
+              </a:spcBef>
+              <a:buFont typeface="Arial" pitchFamily="34" charset="0"/>
+              <a:buChar char="•"/>
+              <a:defRPr sz="9600" kern="1200">
+                <a:solidFill>
+                  <a:schemeClr val="tx1"/>
+                </a:solidFill>
+                <a:latin typeface="+mn-lt"/>
+                <a:ea typeface="+mn-ea"/>
+                <a:cs typeface="+mn-cs"/>
+              </a:defRPr>
+            </a:lvl7pPr>
+            <a:lvl8pPr marL="16458377" indent="-1097226" algn="l" defTabSz="4388900" rtl="0" eaLnBrk="1" latinLnBrk="0" hangingPunct="1">
+              <a:spcBef>
+                <a:spcPct val="20000"/>
+              </a:spcBef>
+              <a:buFont typeface="Arial" pitchFamily="34" charset="0"/>
+              <a:buChar char="•"/>
+              <a:defRPr sz="9600" kern="1200">
+                <a:solidFill>
+                  <a:schemeClr val="tx1"/>
+                </a:solidFill>
+                <a:latin typeface="+mn-lt"/>
+                <a:ea typeface="+mn-ea"/>
+                <a:cs typeface="+mn-cs"/>
+              </a:defRPr>
+            </a:lvl8pPr>
+            <a:lvl9pPr marL="18652827" indent="-1097226" algn="l" defTabSz="4388900" rtl="0" eaLnBrk="1" latinLnBrk="0" hangingPunct="1">
+              <a:spcBef>
+                <a:spcPct val="20000"/>
+              </a:spcBef>
+              <a:buFont typeface="Arial" pitchFamily="34" charset="0"/>
+              <a:buChar char="•"/>
+              <a:defRPr sz="9600" kern="1200">
+                <a:solidFill>
+                  <a:schemeClr val="tx1"/>
+                </a:solidFill>
+                <a:latin typeface="+mn-lt"/>
+                <a:ea typeface="+mn-ea"/>
+                <a:cs typeface="+mn-cs"/>
+              </a:defRPr>
+            </a:lvl9pPr>
+          </a:lstStyle>
+          <a:p>
+            <a:r>
+              <a:rPr lang="en" dirty="0"/>
+              <a:t>For a quantitative point of view, we consider the Negative Log-Likelihood. Table 1 clearly shows that the IWAE is outperforming the VAE model with lower NLL for all dimensions of z.</a:t>
+            </a:r>
+          </a:p>
+          <a:p>
+            <a:endParaRPr lang="en" dirty="0"/>
+          </a:p>
+          <a:p>
+            <a:r>
+              <a:rPr lang="en" dirty="0"/>
+              <a:t>Growing the latent space (from z</a:t>
+            </a:r>
+            <a:r>
+              <a:rPr lang="el-GR" dirty="0"/>
+              <a:t> ϵ</a:t>
+            </a:r>
+            <a:r>
+              <a:rPr lang="en-US" dirty="0"/>
+              <a:t> R</a:t>
+            </a:r>
+            <a:r>
+              <a:rPr lang="en-US" baseline="30000" dirty="0"/>
+              <a:t>20</a:t>
+            </a:r>
+            <a:r>
+              <a:rPr lang="en-US" dirty="0"/>
+              <a:t> </a:t>
+            </a:r>
+            <a:r>
+              <a:rPr lang="en" dirty="0"/>
+              <a:t>to z</a:t>
+            </a:r>
+            <a:r>
+              <a:rPr lang="el-GR" dirty="0"/>
+              <a:t> ϵ</a:t>
+            </a:r>
+            <a:r>
+              <a:rPr lang="en-US" dirty="0"/>
+              <a:t> R</a:t>
+            </a:r>
+            <a:r>
+              <a:rPr lang="en-US" baseline="30000" dirty="0"/>
+              <a:t>50</a:t>
+            </a:r>
+            <a:r>
+              <a:rPr lang="en" dirty="0"/>
+              <a:t>), we see that the IWAE NLL is more stable compare to the VAE. This is a direct consequence of one advantage of the IWAE model: that it can learn expressive model over higher-dimensional latent space than VAE.</a:t>
+            </a:r>
+          </a:p>
+          <a:p>
+            <a:endParaRPr lang="en" dirty="0"/>
+          </a:p>
+          <a:p>
+            <a:r>
+              <a:rPr lang="en" dirty="0"/>
+              <a:t>Finally, increasing the number of samples k seems to improve the model from k = 1 to k = 5, but then the NLL starts to increase a bit as we increase k more. From a theoretical standpoint, this should not be the case. In practice, this might be due to volatility in estimating the NLL since we are only taking 100 samples as mention above. It can also be due to a non-optimal choice of hyperparameters for the optimization of the neural network</a:t>
+            </a:r>
+          </a:p>
+          <a:p>
+            <a:endParaRPr lang="en" dirty="0"/>
+          </a:p>
+          <a:p>
+            <a:endParaRPr lang="en-US" dirty="0"/>
+          </a:p>
+        </p:txBody>
+      </p:sp>
+      <p:sp>
+        <p:nvSpPr>
+          <p:cNvPr id="23" name="Oval 22">
+            <a:extLst>
+              <a:ext uri="{FF2B5EF4-FFF2-40B4-BE49-F238E27FC236}">
+                <a16:creationId xmlns:a16="http://schemas.microsoft.com/office/drawing/2014/main" id="{FF90FD9D-751B-4D40-A3C6-DA6BDA017B1E}"/>
               </a:ext>
             </a:extLst>
           </p:cNvPr>
@@ -18880,8 +18924,8 @@
         </p:nvSpPr>
         <p:spPr>
           <a:xfrm>
-            <a:off x="4789252" y="16030994"/>
-            <a:ext cx="666658" cy="633826"/>
+            <a:off x="4791524" y="16028212"/>
+            <a:ext cx="662292" cy="544541"/>
           </a:xfrm>
           <a:prstGeom prst="ellipse">
             <a:avLst/>
@@ -18909,42 +18953,12 @@
           <a:p>
             <a:pPr algn="ctr"/>
             <a:r>
-              <a:rPr lang="en-US" sz="5400" dirty="0"/>
+              <a:rPr lang="en-US" sz="4800" dirty="0"/>
               <a:t>Z</a:t>
             </a:r>
           </a:p>
         </p:txBody>
       </p:sp>
-      <p:pic>
-        <p:nvPicPr>
-          <p:cNvPr id="24" name="Picture 23">
-            <a:extLst>
-              <a:ext uri="{FF2B5EF4-FFF2-40B4-BE49-F238E27FC236}">
-                <a16:creationId xmlns:a16="http://schemas.microsoft.com/office/drawing/2014/main" id="{C01BEBA1-D9C4-49CC-B64E-832CC0A51DCA}"/>
-              </a:ext>
-            </a:extLst>
-          </p:cNvPr>
-          <p:cNvPicPr>
-            <a:picLocks noChangeAspect="1"/>
-          </p:cNvPicPr>
-          <p:nvPr/>
-        </p:nvPicPr>
-        <p:blipFill>
-          <a:blip r:embed="rId12"/>
-          <a:stretch>
-            <a:fillRect/>
-          </a:stretch>
-        </p:blipFill>
-        <p:spPr>
-          <a:xfrm>
-            <a:off x="34602541" y="8394008"/>
-            <a:ext cx="7591425" cy="1924050"/>
-          </a:xfrm>
-          <a:prstGeom prst="rect">
-            <a:avLst/>
-          </a:prstGeom>
-        </p:spPr>
-      </p:pic>
     </p:spTree>
     <p:extLst>
       <p:ext uri="{BB962C8B-B14F-4D97-AF65-F5344CB8AC3E}">
